--- a/FlavorPlanetPresentation.pptx
+++ b/FlavorPlanetPresentation.pptx
@@ -9,7 +9,23 @@
     <p:sldId id="261" r:id="rId3"/>
     <p:sldId id="258" r:id="rId4"/>
     <p:sldId id="262" r:id="rId5"/>
-    <p:sldId id="263" r:id="rId6"/>
+    <p:sldId id="265" r:id="rId6"/>
+    <p:sldId id="268" r:id="rId7"/>
+    <p:sldId id="270" r:id="rId8"/>
+    <p:sldId id="266" r:id="rId9"/>
+    <p:sldId id="267" r:id="rId10"/>
+    <p:sldId id="269" r:id="rId11"/>
+    <p:sldId id="280" r:id="rId12"/>
+    <p:sldId id="271" r:id="rId13"/>
+    <p:sldId id="272" r:id="rId14"/>
+    <p:sldId id="273" r:id="rId15"/>
+    <p:sldId id="274" r:id="rId16"/>
+    <p:sldId id="275" r:id="rId17"/>
+    <p:sldId id="276" r:id="rId18"/>
+    <p:sldId id="277" r:id="rId19"/>
+    <p:sldId id="278" r:id="rId20"/>
+    <p:sldId id="279" r:id="rId21"/>
+    <p:sldId id="263" r:id="rId22"/>
   </p:sldIdLst>
   <p:sldSz cx="12192000" cy="6858000"/>
   <p:notesSz cx="6858000" cy="9144000"/>
@@ -108,6 +124,11 @@
       </a:defRPr>
     </a:lvl9pPr>
   </p:defaultTextStyle>
+  <p:extLst>
+    <p:ext uri="{EFAFB233-063F-42B5-8137-9DF3F51BA10A}">
+      <p15:sldGuideLst xmlns:p15="http://schemas.microsoft.com/office/powerpoint/2012/main"/>
+    </p:ext>
+  </p:extLst>
 </p:presentation>
 </file>
 
@@ -834,7 +855,7 @@
             <a:fld id="{B61BEF0D-F0BB-DE4B-95CE-6DB70DBA9567}" type="datetimeFigureOut">
               <a:rPr lang="en-US" dirty="0"/>
               <a:pPr/>
-              <a:t>8/22/23</a:t>
+              <a:t>8/23/23</a:t>
             </a:fld>
             <a:endParaRPr lang="en-US" dirty="0"/>
           </a:p>
@@ -1082,7 +1103,7 @@
             <a:fld id="{B61BEF0D-F0BB-DE4B-95CE-6DB70DBA9567}" type="datetimeFigureOut">
               <a:rPr lang="en-US" dirty="0"/>
               <a:pPr/>
-              <a:t>8/22/23</a:t>
+              <a:t>8/23/23</a:t>
             </a:fld>
             <a:endParaRPr lang="en-US" dirty="0"/>
           </a:p>
@@ -1393,7 +1414,7 @@
             <a:fld id="{B61BEF0D-F0BB-DE4B-95CE-6DB70DBA9567}" type="datetimeFigureOut">
               <a:rPr lang="en-US" dirty="0"/>
               <a:pPr/>
-              <a:t>8/22/23</a:t>
+              <a:t>8/23/23</a:t>
             </a:fld>
             <a:endParaRPr lang="en-US" dirty="0"/>
           </a:p>
@@ -1731,7 +1752,7 @@
             <a:fld id="{B61BEF0D-F0BB-DE4B-95CE-6DB70DBA9567}" type="datetimeFigureOut">
               <a:rPr lang="en-US" dirty="0"/>
               <a:pPr/>
-              <a:t>8/22/23</a:t>
+              <a:t>8/23/23</a:t>
             </a:fld>
             <a:endParaRPr lang="en-US" dirty="0"/>
           </a:p>
@@ -2042,7 +2063,7 @@
             <a:fld id="{B61BEF0D-F0BB-DE4B-95CE-6DB70DBA9567}" type="datetimeFigureOut">
               <a:rPr lang="en-US" dirty="0"/>
               <a:pPr/>
-              <a:t>8/22/23</a:t>
+              <a:t>8/23/23</a:t>
             </a:fld>
             <a:endParaRPr lang="en-US" dirty="0"/>
           </a:p>
@@ -2432,7 +2453,7 @@
             <a:fld id="{B61BEF0D-F0BB-DE4B-95CE-6DB70DBA9567}" type="datetimeFigureOut">
               <a:rPr lang="en-US" dirty="0"/>
               <a:pPr/>
-              <a:t>8/22/23</a:t>
+              <a:t>8/23/23</a:t>
             </a:fld>
             <a:endParaRPr lang="en-US" dirty="0"/>
           </a:p>
@@ -2598,7 +2619,7 @@
           <a:p>
             <a:fld id="{55C6B4A9-1611-4792-9094-5F34BCA07E0B}" type="datetimeFigureOut">
               <a:rPr lang="en-US" dirty="0"/>
-              <a:t>8/22/23</a:t>
+              <a:t>8/23/23</a:t>
             </a:fld>
             <a:endParaRPr lang="en-US" dirty="0"/>
           </a:p>
@@ -2774,7 +2795,7 @@
             <a:fld id="{B61BEF0D-F0BB-DE4B-95CE-6DB70DBA9567}" type="datetimeFigureOut">
               <a:rPr lang="en-US" dirty="0"/>
               <a:pPr/>
-              <a:t>8/22/23</a:t>
+              <a:t>8/23/23</a:t>
             </a:fld>
             <a:endParaRPr lang="en-US" dirty="0"/>
           </a:p>
@@ -2947,7 +2968,7 @@
             <a:fld id="{B61BEF0D-F0BB-DE4B-95CE-6DB70DBA9567}" type="datetimeFigureOut">
               <a:rPr lang="en-US" dirty="0"/>
               <a:pPr/>
-              <a:t>8/22/23</a:t>
+              <a:t>8/23/23</a:t>
             </a:fld>
             <a:endParaRPr lang="en-US" dirty="0"/>
           </a:p>
@@ -3191,7 +3212,7 @@
             <a:fld id="{B61BEF0D-F0BB-DE4B-95CE-6DB70DBA9567}" type="datetimeFigureOut">
               <a:rPr lang="en-US" dirty="0"/>
               <a:pPr/>
-              <a:t>8/22/23</a:t>
+              <a:t>8/23/23</a:t>
             </a:fld>
             <a:endParaRPr lang="en-US" dirty="0"/>
           </a:p>
@@ -3419,7 +3440,7 @@
           <a:p>
             <a:fld id="{EB712588-04B1-427B-82EE-E8DB90309F08}" type="datetimeFigureOut">
               <a:rPr lang="en-US" dirty="0"/>
-              <a:t>8/22/23</a:t>
+              <a:t>8/23/23</a:t>
             </a:fld>
             <a:endParaRPr lang="en-US" dirty="0"/>
           </a:p>
@@ -3789,7 +3810,7 @@
             <a:fld id="{B61BEF0D-F0BB-DE4B-95CE-6DB70DBA9567}" type="datetimeFigureOut">
               <a:rPr lang="en-US" dirty="0"/>
               <a:pPr/>
-              <a:t>8/22/23</a:t>
+              <a:t>8/23/23</a:t>
             </a:fld>
             <a:endParaRPr lang="en-US" dirty="0"/>
           </a:p>
@@ -3909,7 +3930,7 @@
             <a:fld id="{B61BEF0D-F0BB-DE4B-95CE-6DB70DBA9567}" type="datetimeFigureOut">
               <a:rPr lang="en-US" dirty="0"/>
               <a:pPr/>
-              <a:t>8/22/23</a:t>
+              <a:t>8/23/23</a:t>
             </a:fld>
             <a:endParaRPr lang="en-US" dirty="0"/>
           </a:p>
@@ -4001,7 +4022,7 @@
             <a:fld id="{B61BEF0D-F0BB-DE4B-95CE-6DB70DBA9567}" type="datetimeFigureOut">
               <a:rPr lang="en-US" dirty="0"/>
               <a:pPr/>
-              <a:t>8/22/23</a:t>
+              <a:t>8/23/23</a:t>
             </a:fld>
             <a:endParaRPr lang="en-US" dirty="0"/>
           </a:p>
@@ -4252,7 +4273,7 @@
           <a:p>
             <a:fld id="{42A54C80-263E-416B-A8E0-580EDEADCBDC}" type="datetimeFigureOut">
               <a:rPr lang="en-US" dirty="0"/>
-              <a:t>8/22/23</a:t>
+              <a:t>8/23/23</a:t>
             </a:fld>
             <a:endParaRPr lang="en-US" dirty="0"/>
           </a:p>
@@ -4511,7 +4532,7 @@
             <a:fld id="{B61BEF0D-F0BB-DE4B-95CE-6DB70DBA9567}" type="datetimeFigureOut">
               <a:rPr lang="en-US" dirty="0"/>
               <a:pPr/>
-              <a:t>8/22/23</a:t>
+              <a:t>8/23/23</a:t>
             </a:fld>
             <a:endParaRPr lang="en-US" dirty="0"/>
           </a:p>
@@ -5251,7 +5272,7 @@
             <a:fld id="{B61BEF0D-F0BB-DE4B-95CE-6DB70DBA9567}" type="datetimeFigureOut">
               <a:rPr lang="en-US" dirty="0"/>
               <a:pPr/>
-              <a:t>8/22/23</a:t>
+              <a:t>8/23/23</a:t>
             </a:fld>
             <a:endParaRPr lang="en-US" dirty="0"/>
           </a:p>
@@ -5871,6 +5892,4382 @@
 </p:sld>
 </file>
 
+<file path=ppt/slides/slide10.xml><?xml version="1.0" encoding="utf-8"?>
+<p:sld xmlns:a="http://schemas.openxmlformats.org/drawingml/2006/main" xmlns:r="http://schemas.openxmlformats.org/officeDocument/2006/relationships" xmlns:p="http://schemas.openxmlformats.org/presentationml/2006/main">
+  <p:cSld>
+    <p:bg>
+      <p:bgPr>
+        <a:solidFill>
+          <a:schemeClr val="bg1"/>
+        </a:solidFill>
+        <a:effectLst/>
+      </p:bgPr>
+    </p:bg>
+    <p:spTree>
+      <p:nvGrpSpPr>
+        <p:cNvPr id="1" name=""/>
+        <p:cNvGrpSpPr/>
+        <p:nvPr/>
+      </p:nvGrpSpPr>
+      <p:grpSpPr>
+        <a:xfrm>
+          <a:off x="0" y="0"/>
+          <a:ext cx="0" cy="0"/>
+          <a:chOff x="0" y="0"/>
+          <a:chExt cx="0" cy="0"/>
+        </a:xfrm>
+      </p:grpSpPr>
+      <p:pic>
+        <p:nvPicPr>
+          <p:cNvPr id="11" name="Picture 4" descr="Ramen on yellow table">
+            <a:extLst>
+              <a:ext uri="{FF2B5EF4-FFF2-40B4-BE49-F238E27FC236}">
+                <a16:creationId xmlns:a16="http://schemas.microsoft.com/office/drawing/2014/main" id="{58E5CCF7-D3C0-A3DA-D587-C6E380B9CF7E}"/>
+              </a:ext>
+            </a:extLst>
+          </p:cNvPr>
+          <p:cNvPicPr>
+            <a:picLocks noChangeAspect="1"/>
+          </p:cNvPicPr>
+          <p:nvPr/>
+        </p:nvPicPr>
+        <p:blipFill rotWithShape="1">
+          <a:blip r:embed="rId2"/>
+          <a:srcRect l="9091" t="13131" b="10260"/>
+          <a:stretch/>
+        </p:blipFill>
+        <p:spPr>
+          <a:xfrm>
+            <a:off x="4412" y="15505"/>
+            <a:ext cx="12191999" cy="6857990"/>
+          </a:xfrm>
+          <a:prstGeom prst="rect">
+            <a:avLst/>
+          </a:prstGeom>
+        </p:spPr>
+      </p:pic>
+      <p:sp>
+        <p:nvSpPr>
+          <p:cNvPr id="17" name="Isosceles Triangle 16">
+            <a:extLst>
+              <a:ext uri="{FF2B5EF4-FFF2-40B4-BE49-F238E27FC236}">
+                <a16:creationId xmlns:a16="http://schemas.microsoft.com/office/drawing/2014/main" id="{DD6B6433-CCD9-42F6-83C5-76BCAA8FEE69}"/>
+              </a:ext>
+              <a:ext uri="{C183D7F6-B498-43B3-948B-1728B52AA6E4}">
+                <adec:decorative xmlns:adec="http://schemas.microsoft.com/office/drawing/2017/decorative" val="1"/>
+              </a:ext>
+            </a:extLst>
+          </p:cNvPr>
+          <p:cNvSpPr>
+            <a:spLocks noGrp="1" noRot="1" noChangeAspect="1" noMove="1" noResize="1" noEditPoints="1" noAdjustHandles="1" noChangeArrowheads="1" noChangeShapeType="1" noTextEdit="1"/>
+          </p:cNvSpPr>
+          <p:nvPr>
+            <p:extLst>
+              <p:ext uri="{386F3935-93C4-4BCD-93E2-E3B085C9AB24}">
+                <p16:designElem xmlns:p16="http://schemas.microsoft.com/office/powerpoint/2015/main" val="1"/>
+              </p:ext>
+            </p:extLst>
+          </p:nvPr>
+        </p:nvSpPr>
+        <p:spPr>
+          <a:xfrm rot="10800000">
+            <a:off x="0" y="0"/>
+            <a:ext cx="842596" cy="5666154"/>
+          </a:xfrm>
+          <a:prstGeom prst="triangle">
+            <a:avLst>
+              <a:gd name="adj" fmla="val 100000"/>
+            </a:avLst>
+          </a:prstGeom>
+          <a:solidFill>
+            <a:schemeClr val="accent1">
+              <a:alpha val="85000"/>
+            </a:schemeClr>
+          </a:solidFill>
+          <a:ln>
+            <a:noFill/>
+          </a:ln>
+          <a:effectLst/>
+        </p:spPr>
+        <p:style>
+          <a:lnRef idx="1">
+            <a:schemeClr val="accent1"/>
+          </a:lnRef>
+          <a:fillRef idx="3">
+            <a:schemeClr val="accent1"/>
+          </a:fillRef>
+          <a:effectRef idx="2">
+            <a:schemeClr val="accent1"/>
+          </a:effectRef>
+          <a:fontRef idx="minor">
+            <a:schemeClr val="lt1"/>
+          </a:fontRef>
+        </p:style>
+      </p:sp>
+      <p:sp>
+        <p:nvSpPr>
+          <p:cNvPr id="19" name="Parallelogram 18">
+            <a:extLst>
+              <a:ext uri="{FF2B5EF4-FFF2-40B4-BE49-F238E27FC236}">
+                <a16:creationId xmlns:a16="http://schemas.microsoft.com/office/drawing/2014/main" id="{442B55CB-F27D-4C06-89E5-4EC99A519CBE}"/>
+              </a:ext>
+              <a:ext uri="{C183D7F6-B498-43B3-948B-1728B52AA6E4}">
+                <adec:decorative xmlns:adec="http://schemas.microsoft.com/office/drawing/2017/decorative" val="1"/>
+              </a:ext>
+            </a:extLst>
+          </p:cNvPr>
+          <p:cNvSpPr>
+            <a:spLocks noGrp="1" noRot="1" noChangeAspect="1" noMove="1" noResize="1" noEditPoints="1" noAdjustHandles="1" noChangeArrowheads="1" noChangeShapeType="1" noTextEdit="1"/>
+          </p:cNvSpPr>
+          <p:nvPr>
+            <p:extLst>
+              <p:ext uri="{386F3935-93C4-4BCD-93E2-E3B085C9AB24}">
+                <p16:designElem xmlns:p16="http://schemas.microsoft.com/office/powerpoint/2015/main" val="1"/>
+              </p:ext>
+            </p:extLst>
+          </p:nvPr>
+        </p:nvSpPr>
+        <p:spPr>
+          <a:xfrm>
+            <a:off x="1624188" y="0"/>
+            <a:ext cx="9372600" cy="6858000"/>
+          </a:xfrm>
+          <a:prstGeom prst="parallelogram">
+            <a:avLst>
+              <a:gd name="adj" fmla="val 14937"/>
+            </a:avLst>
+          </a:prstGeom>
+          <a:solidFill>
+            <a:schemeClr val="bg1">
+              <a:alpha val="94000"/>
+            </a:schemeClr>
+          </a:solidFill>
+          <a:ln>
+            <a:noFill/>
+          </a:ln>
+          <a:effectLst/>
+        </p:spPr>
+        <p:style>
+          <a:lnRef idx="1">
+            <a:schemeClr val="accent1"/>
+          </a:lnRef>
+          <a:fillRef idx="3">
+            <a:schemeClr val="accent1"/>
+          </a:fillRef>
+          <a:effectRef idx="2">
+            <a:schemeClr val="accent1"/>
+          </a:effectRef>
+          <a:fontRef idx="minor">
+            <a:schemeClr val="lt1"/>
+          </a:fontRef>
+        </p:style>
+        <p:txBody>
+          <a:bodyPr rtlCol="0" anchor="ctr"/>
+          <a:lstStyle/>
+          <a:p>
+            <a:pPr algn="ctr"/>
+            <a:endParaRPr lang="en-US"/>
+          </a:p>
+        </p:txBody>
+      </p:sp>
+      <p:cxnSp>
+        <p:nvCxnSpPr>
+          <p:cNvPr id="21" name="Straight Connector 20">
+            <a:extLst>
+              <a:ext uri="{FF2B5EF4-FFF2-40B4-BE49-F238E27FC236}">
+                <a16:creationId xmlns:a16="http://schemas.microsoft.com/office/drawing/2014/main" id="{48527540-7F01-4C2E-9641-738882048E3D}"/>
+              </a:ext>
+              <a:ext uri="{C183D7F6-B498-43B3-948B-1728B52AA6E4}">
+                <adec:decorative xmlns:adec="http://schemas.microsoft.com/office/drawing/2017/decorative" val="1"/>
+              </a:ext>
+            </a:extLst>
+          </p:cNvPr>
+          <p:cNvCxnSpPr>
+            <a:cxnSpLocks noGrp="1" noRot="1" noChangeAspect="1" noMove="1" noResize="1" noEditPoints="1" noAdjustHandles="1" noChangeArrowheads="1" noChangeShapeType="1"/>
+          </p:cNvCxnSpPr>
+          <p:nvPr>
+            <p:extLst>
+              <p:ext uri="{386F3935-93C4-4BCD-93E2-E3B085C9AB24}">
+                <p16:designElem xmlns:p16="http://schemas.microsoft.com/office/powerpoint/2015/main" val="1"/>
+              </p:ext>
+            </p:extLst>
+          </p:nvPr>
+        </p:nvCxnSpPr>
+        <p:spPr>
+          <a:xfrm>
+            <a:off x="9371012" y="0"/>
+            <a:ext cx="1219200" cy="6858000"/>
+          </a:xfrm>
+          <a:prstGeom prst="line">
+            <a:avLst/>
+          </a:prstGeom>
+          <a:ln w="9525">
+            <a:solidFill>
+              <a:schemeClr val="bg1">
+                <a:lumMod val="75000"/>
+              </a:schemeClr>
+            </a:solidFill>
+          </a:ln>
+        </p:spPr>
+        <p:style>
+          <a:lnRef idx="2">
+            <a:schemeClr val="accent1"/>
+          </a:lnRef>
+          <a:fillRef idx="0">
+            <a:schemeClr val="accent1"/>
+          </a:fillRef>
+          <a:effectRef idx="1">
+            <a:schemeClr val="accent1"/>
+          </a:effectRef>
+          <a:fontRef idx="minor">
+            <a:schemeClr val="tx1"/>
+          </a:fontRef>
+        </p:style>
+      </p:cxnSp>
+      <p:cxnSp>
+        <p:nvCxnSpPr>
+          <p:cNvPr id="23" name="Straight Connector 22">
+            <a:extLst>
+              <a:ext uri="{FF2B5EF4-FFF2-40B4-BE49-F238E27FC236}">
+                <a16:creationId xmlns:a16="http://schemas.microsoft.com/office/drawing/2014/main" id="{D6F60FB6-F855-43F0-A752-3719156C1E04}"/>
+              </a:ext>
+              <a:ext uri="{C183D7F6-B498-43B3-948B-1728B52AA6E4}">
+                <adec:decorative xmlns:adec="http://schemas.microsoft.com/office/drawing/2017/decorative" val="1"/>
+              </a:ext>
+            </a:extLst>
+          </p:cNvPr>
+          <p:cNvCxnSpPr>
+            <a:cxnSpLocks noGrp="1" noRot="1" noChangeAspect="1" noMove="1" noResize="1" noEditPoints="1" noAdjustHandles="1" noChangeArrowheads="1" noChangeShapeType="1"/>
+          </p:cNvCxnSpPr>
+          <p:nvPr>
+            <p:extLst>
+              <p:ext uri="{386F3935-93C4-4BCD-93E2-E3B085C9AB24}">
+                <p16:designElem xmlns:p16="http://schemas.microsoft.com/office/powerpoint/2015/main" val="1"/>
+              </p:ext>
+            </p:extLst>
+          </p:nvPr>
+        </p:nvCxnSpPr>
+        <p:spPr>
+          <a:xfrm flipH="1">
+            <a:off x="7425267" y="3681413"/>
+            <a:ext cx="4763558" cy="3176587"/>
+          </a:xfrm>
+          <a:prstGeom prst="line">
+            <a:avLst/>
+          </a:prstGeom>
+          <a:ln w="9525">
+            <a:solidFill>
+              <a:schemeClr val="bg1">
+                <a:lumMod val="85000"/>
+              </a:schemeClr>
+            </a:solidFill>
+          </a:ln>
+        </p:spPr>
+        <p:style>
+          <a:lnRef idx="2">
+            <a:schemeClr val="accent1"/>
+          </a:lnRef>
+          <a:fillRef idx="0">
+            <a:schemeClr val="accent1"/>
+          </a:fillRef>
+          <a:effectRef idx="1">
+            <a:schemeClr val="accent1"/>
+          </a:effectRef>
+          <a:fontRef idx="minor">
+            <a:schemeClr val="tx1"/>
+          </a:fontRef>
+        </p:style>
+      </p:cxnSp>
+      <p:sp>
+        <p:nvSpPr>
+          <p:cNvPr id="25" name="Rectangle 23">
+            <a:extLst>
+              <a:ext uri="{FF2B5EF4-FFF2-40B4-BE49-F238E27FC236}">
+                <a16:creationId xmlns:a16="http://schemas.microsoft.com/office/drawing/2014/main" id="{70669A81-0E9B-4B42-AFEA-8F672C6CFBA7}"/>
+              </a:ext>
+              <a:ext uri="{C183D7F6-B498-43B3-948B-1728B52AA6E4}">
+                <adec:decorative xmlns:adec="http://schemas.microsoft.com/office/drawing/2017/decorative" val="1"/>
+              </a:ext>
+            </a:extLst>
+          </p:cNvPr>
+          <p:cNvSpPr>
+            <a:spLocks noGrp="1" noRot="1" noChangeAspect="1" noMove="1" noResize="1" noEditPoints="1" noAdjustHandles="1" noChangeArrowheads="1" noChangeShapeType="1" noTextEdit="1"/>
+          </p:cNvSpPr>
+          <p:nvPr>
+            <p:extLst>
+              <p:ext uri="{386F3935-93C4-4BCD-93E2-E3B085C9AB24}">
+                <p16:designElem xmlns:p16="http://schemas.microsoft.com/office/powerpoint/2015/main" val="1"/>
+              </p:ext>
+            </p:extLst>
+          </p:nvPr>
+        </p:nvSpPr>
+        <p:spPr>
+          <a:xfrm>
+            <a:off x="9181476" y="-8467"/>
+            <a:ext cx="3007349" cy="6866467"/>
+          </a:xfrm>
+          <a:custGeom>
+            <a:avLst/>
+            <a:gdLst/>
+            <a:ahLst/>
+            <a:cxnLst/>
+            <a:rect l="l" t="t" r="r" b="b"/>
+            <a:pathLst>
+              <a:path w="3007349" h="6866467">
+                <a:moveTo>
+                  <a:pt x="2045532" y="0"/>
+                </a:moveTo>
+                <a:lnTo>
+                  <a:pt x="3007349" y="0"/>
+                </a:lnTo>
+                <a:lnTo>
+                  <a:pt x="3007349" y="6866467"/>
+                </a:lnTo>
+                <a:lnTo>
+                  <a:pt x="0" y="6866467"/>
+                </a:lnTo>
+                <a:lnTo>
+                  <a:pt x="2045532" y="0"/>
+                </a:lnTo>
+                <a:close/>
+              </a:path>
+            </a:pathLst>
+          </a:custGeom>
+          <a:solidFill>
+            <a:schemeClr val="accent1">
+              <a:alpha val="30000"/>
+            </a:schemeClr>
+          </a:solidFill>
+          <a:ln>
+            <a:noFill/>
+          </a:ln>
+          <a:effectLst/>
+        </p:spPr>
+        <p:style>
+          <a:lnRef idx="1">
+            <a:schemeClr val="accent1"/>
+          </a:lnRef>
+          <a:fillRef idx="3">
+            <a:schemeClr val="accent1"/>
+          </a:fillRef>
+          <a:effectRef idx="2">
+            <a:schemeClr val="accent1"/>
+          </a:effectRef>
+          <a:fontRef idx="minor">
+            <a:schemeClr val="lt1"/>
+          </a:fontRef>
+        </p:style>
+      </p:sp>
+      <p:sp>
+        <p:nvSpPr>
+          <p:cNvPr id="27" name="Rectangle 25">
+            <a:extLst>
+              <a:ext uri="{FF2B5EF4-FFF2-40B4-BE49-F238E27FC236}">
+                <a16:creationId xmlns:a16="http://schemas.microsoft.com/office/drawing/2014/main" id="{8C93E0C6-CF08-4771-B5A9-6018CB3AED59}"/>
+              </a:ext>
+              <a:ext uri="{C183D7F6-B498-43B3-948B-1728B52AA6E4}">
+                <adec:decorative xmlns:adec="http://schemas.microsoft.com/office/drawing/2017/decorative" val="1"/>
+              </a:ext>
+            </a:extLst>
+          </p:cNvPr>
+          <p:cNvSpPr>
+            <a:spLocks noGrp="1" noRot="1" noChangeAspect="1" noMove="1" noResize="1" noEditPoints="1" noAdjustHandles="1" noChangeArrowheads="1" noChangeShapeType="1" noTextEdit="1"/>
+          </p:cNvSpPr>
+          <p:nvPr>
+            <p:extLst>
+              <p:ext uri="{386F3935-93C4-4BCD-93E2-E3B085C9AB24}">
+                <p16:designElem xmlns:p16="http://schemas.microsoft.com/office/powerpoint/2015/main" val="1"/>
+              </p:ext>
+            </p:extLst>
+          </p:nvPr>
+        </p:nvSpPr>
+        <p:spPr>
+          <a:xfrm>
+            <a:off x="9603442" y="-8467"/>
+            <a:ext cx="2588558" cy="6866467"/>
+          </a:xfrm>
+          <a:custGeom>
+            <a:avLst/>
+            <a:gdLst/>
+            <a:ahLst/>
+            <a:cxnLst/>
+            <a:rect l="l" t="t" r="r" b="b"/>
+            <a:pathLst>
+              <a:path w="2573311" h="6866467">
+                <a:moveTo>
+                  <a:pt x="0" y="0"/>
+                </a:moveTo>
+                <a:lnTo>
+                  <a:pt x="2573311" y="0"/>
+                </a:lnTo>
+                <a:lnTo>
+                  <a:pt x="2573311" y="6866467"/>
+                </a:lnTo>
+                <a:lnTo>
+                  <a:pt x="1202336" y="6866467"/>
+                </a:lnTo>
+                <a:lnTo>
+                  <a:pt x="0" y="0"/>
+                </a:lnTo>
+                <a:close/>
+              </a:path>
+            </a:pathLst>
+          </a:custGeom>
+          <a:solidFill>
+            <a:schemeClr val="accent1">
+              <a:alpha val="20000"/>
+            </a:schemeClr>
+          </a:solidFill>
+          <a:ln>
+            <a:noFill/>
+          </a:ln>
+          <a:effectLst/>
+        </p:spPr>
+        <p:style>
+          <a:lnRef idx="1">
+            <a:schemeClr val="accent1"/>
+          </a:lnRef>
+          <a:fillRef idx="3">
+            <a:schemeClr val="accent1"/>
+          </a:fillRef>
+          <a:effectRef idx="2">
+            <a:schemeClr val="accent1"/>
+          </a:effectRef>
+          <a:fontRef idx="minor">
+            <a:schemeClr val="lt1"/>
+          </a:fontRef>
+        </p:style>
+      </p:sp>
+      <p:sp>
+        <p:nvSpPr>
+          <p:cNvPr id="29" name="Isosceles Triangle 28">
+            <a:extLst>
+              <a:ext uri="{FF2B5EF4-FFF2-40B4-BE49-F238E27FC236}">
+                <a16:creationId xmlns:a16="http://schemas.microsoft.com/office/drawing/2014/main" id="{A011F1B8-62C5-4D08-A621-EAD05C7D6905}"/>
+              </a:ext>
+              <a:ext uri="{C183D7F6-B498-43B3-948B-1728B52AA6E4}">
+                <adec:decorative xmlns:adec="http://schemas.microsoft.com/office/drawing/2017/decorative" val="1"/>
+              </a:ext>
+            </a:extLst>
+          </p:cNvPr>
+          <p:cNvSpPr>
+            <a:spLocks noGrp="1" noRot="1" noChangeAspect="1" noMove="1" noResize="1" noEditPoints="1" noAdjustHandles="1" noChangeArrowheads="1" noChangeShapeType="1" noTextEdit="1"/>
+          </p:cNvSpPr>
+          <p:nvPr>
+            <p:extLst>
+              <p:ext uri="{386F3935-93C4-4BCD-93E2-E3B085C9AB24}">
+                <p16:designElem xmlns:p16="http://schemas.microsoft.com/office/powerpoint/2015/main" val="1"/>
+              </p:ext>
+            </p:extLst>
+          </p:nvPr>
+        </p:nvSpPr>
+        <p:spPr>
+          <a:xfrm>
+            <a:off x="8932333" y="3048000"/>
+            <a:ext cx="3259667" cy="3810000"/>
+          </a:xfrm>
+          <a:prstGeom prst="triangle">
+            <a:avLst>
+              <a:gd name="adj" fmla="val 100000"/>
+            </a:avLst>
+          </a:prstGeom>
+          <a:solidFill>
+            <a:schemeClr val="accent2">
+              <a:alpha val="72000"/>
+            </a:schemeClr>
+          </a:solidFill>
+          <a:ln>
+            <a:noFill/>
+          </a:ln>
+          <a:effectLst/>
+        </p:spPr>
+        <p:style>
+          <a:lnRef idx="1">
+            <a:schemeClr val="accent1"/>
+          </a:lnRef>
+          <a:fillRef idx="3">
+            <a:schemeClr val="accent1"/>
+          </a:fillRef>
+          <a:effectRef idx="2">
+            <a:schemeClr val="accent1"/>
+          </a:effectRef>
+          <a:fontRef idx="minor">
+            <a:schemeClr val="lt1"/>
+          </a:fontRef>
+        </p:style>
+      </p:sp>
+      <p:sp>
+        <p:nvSpPr>
+          <p:cNvPr id="31" name="Rectangle 27">
+            <a:extLst>
+              <a:ext uri="{FF2B5EF4-FFF2-40B4-BE49-F238E27FC236}">
+                <a16:creationId xmlns:a16="http://schemas.microsoft.com/office/drawing/2014/main" id="{C6A6AECB-428C-4CB4-B65A-359F08B6D8F8}"/>
+              </a:ext>
+              <a:ext uri="{C183D7F6-B498-43B3-948B-1728B52AA6E4}">
+                <adec:decorative xmlns:adec="http://schemas.microsoft.com/office/drawing/2017/decorative" val="1"/>
+              </a:ext>
+            </a:extLst>
+          </p:cNvPr>
+          <p:cNvSpPr>
+            <a:spLocks noGrp="1" noRot="1" noChangeAspect="1" noMove="1" noResize="1" noEditPoints="1" noAdjustHandles="1" noChangeArrowheads="1" noChangeShapeType="1" noTextEdit="1"/>
+          </p:cNvSpPr>
+          <p:nvPr>
+            <p:extLst>
+              <p:ext uri="{386F3935-93C4-4BCD-93E2-E3B085C9AB24}">
+                <p16:designElem xmlns:p16="http://schemas.microsoft.com/office/powerpoint/2015/main" val="1"/>
+              </p:ext>
+            </p:extLst>
+          </p:nvPr>
+        </p:nvSpPr>
+        <p:spPr>
+          <a:xfrm>
+            <a:off x="9334500" y="-8467"/>
+            <a:ext cx="2854326" cy="6866467"/>
+          </a:xfrm>
+          <a:custGeom>
+            <a:avLst/>
+            <a:gdLst/>
+            <a:ahLst/>
+            <a:cxnLst/>
+            <a:rect l="l" t="t" r="r" b="b"/>
+            <a:pathLst>
+              <a:path w="2858013" h="6866467">
+                <a:moveTo>
+                  <a:pt x="0" y="0"/>
+                </a:moveTo>
+                <a:lnTo>
+                  <a:pt x="2858013" y="0"/>
+                </a:lnTo>
+                <a:lnTo>
+                  <a:pt x="2858013" y="6866467"/>
+                </a:lnTo>
+                <a:lnTo>
+                  <a:pt x="2473942" y="6866467"/>
+                </a:lnTo>
+                <a:lnTo>
+                  <a:pt x="0" y="0"/>
+                </a:lnTo>
+                <a:close/>
+              </a:path>
+            </a:pathLst>
+          </a:custGeom>
+          <a:solidFill>
+            <a:schemeClr val="accent2">
+              <a:lumMod val="75000"/>
+              <a:alpha val="47000"/>
+            </a:schemeClr>
+          </a:solidFill>
+          <a:ln>
+            <a:noFill/>
+          </a:ln>
+          <a:effectLst/>
+        </p:spPr>
+        <p:style>
+          <a:lnRef idx="1">
+            <a:schemeClr val="accent1"/>
+          </a:lnRef>
+          <a:fillRef idx="3">
+            <a:schemeClr val="accent1"/>
+          </a:fillRef>
+          <a:effectRef idx="2">
+            <a:schemeClr val="accent1"/>
+          </a:effectRef>
+          <a:fontRef idx="minor">
+            <a:schemeClr val="lt1"/>
+          </a:fontRef>
+        </p:style>
+      </p:sp>
+      <p:sp>
+        <p:nvSpPr>
+          <p:cNvPr id="33" name="Rectangle 28">
+            <a:extLst>
+              <a:ext uri="{FF2B5EF4-FFF2-40B4-BE49-F238E27FC236}">
+                <a16:creationId xmlns:a16="http://schemas.microsoft.com/office/drawing/2014/main" id="{28D1A6ED-2AB6-46A3-A315-485B8BF936D8}"/>
+              </a:ext>
+              <a:ext uri="{C183D7F6-B498-43B3-948B-1728B52AA6E4}">
+                <adec:decorative xmlns:adec="http://schemas.microsoft.com/office/drawing/2017/decorative" val="1"/>
+              </a:ext>
+            </a:extLst>
+          </p:cNvPr>
+          <p:cNvSpPr>
+            <a:spLocks noGrp="1" noRot="1" noChangeAspect="1" noMove="1" noResize="1" noEditPoints="1" noAdjustHandles="1" noChangeArrowheads="1" noChangeShapeType="1" noTextEdit="1"/>
+          </p:cNvSpPr>
+          <p:nvPr>
+            <p:extLst>
+              <p:ext uri="{386F3935-93C4-4BCD-93E2-E3B085C9AB24}">
+                <p16:designElem xmlns:p16="http://schemas.microsoft.com/office/powerpoint/2015/main" val="1"/>
+              </p:ext>
+            </p:extLst>
+          </p:nvPr>
+        </p:nvSpPr>
+        <p:spPr>
+          <a:xfrm>
+            <a:off x="10898730" y="-8467"/>
+            <a:ext cx="1290094" cy="6866467"/>
+          </a:xfrm>
+          <a:custGeom>
+            <a:avLst/>
+            <a:gdLst/>
+            <a:ahLst/>
+            <a:cxnLst/>
+            <a:rect l="l" t="t" r="r" b="b"/>
+            <a:pathLst>
+              <a:path w="1290094" h="6858000">
+                <a:moveTo>
+                  <a:pt x="1019735" y="0"/>
+                </a:moveTo>
+                <a:lnTo>
+                  <a:pt x="1290094" y="0"/>
+                </a:lnTo>
+                <a:lnTo>
+                  <a:pt x="1290094" y="6858000"/>
+                </a:lnTo>
+                <a:lnTo>
+                  <a:pt x="0" y="6858000"/>
+                </a:lnTo>
+                <a:lnTo>
+                  <a:pt x="1019735" y="0"/>
+                </a:lnTo>
+                <a:close/>
+              </a:path>
+            </a:pathLst>
+          </a:custGeom>
+          <a:solidFill>
+            <a:schemeClr val="accent1">
+              <a:lumMod val="60000"/>
+              <a:lumOff val="40000"/>
+              <a:alpha val="70000"/>
+            </a:schemeClr>
+          </a:solidFill>
+          <a:ln>
+            <a:noFill/>
+          </a:ln>
+          <a:effectLst/>
+        </p:spPr>
+        <p:style>
+          <a:lnRef idx="1">
+            <a:schemeClr val="accent1"/>
+          </a:lnRef>
+          <a:fillRef idx="3">
+            <a:schemeClr val="accent1"/>
+          </a:fillRef>
+          <a:effectRef idx="2">
+            <a:schemeClr val="accent1"/>
+          </a:effectRef>
+          <a:fontRef idx="minor">
+            <a:schemeClr val="lt1"/>
+          </a:fontRef>
+        </p:style>
+      </p:sp>
+      <p:sp>
+        <p:nvSpPr>
+          <p:cNvPr id="35" name="Rectangle 29">
+            <a:extLst>
+              <a:ext uri="{FF2B5EF4-FFF2-40B4-BE49-F238E27FC236}">
+                <a16:creationId xmlns:a16="http://schemas.microsoft.com/office/drawing/2014/main" id="{B61CE46B-8525-46A8-AB7B-DCBCC1B65F9A}"/>
+              </a:ext>
+              <a:ext uri="{C183D7F6-B498-43B3-948B-1728B52AA6E4}">
+                <adec:decorative xmlns:adec="http://schemas.microsoft.com/office/drawing/2017/decorative" val="1"/>
+              </a:ext>
+            </a:extLst>
+          </p:cNvPr>
+          <p:cNvSpPr>
+            <a:spLocks noGrp="1" noRot="1" noChangeAspect="1" noMove="1" noResize="1" noEditPoints="1" noAdjustHandles="1" noChangeArrowheads="1" noChangeShapeType="1" noTextEdit="1"/>
+          </p:cNvSpPr>
+          <p:nvPr>
+            <p:extLst>
+              <p:ext uri="{386F3935-93C4-4BCD-93E2-E3B085C9AB24}">
+                <p16:designElem xmlns:p16="http://schemas.microsoft.com/office/powerpoint/2015/main" val="1"/>
+              </p:ext>
+            </p:extLst>
+          </p:nvPr>
+        </p:nvSpPr>
+        <p:spPr>
+          <a:xfrm>
+            <a:off x="10938999" y="-8467"/>
+            <a:ext cx="1249825" cy="6866467"/>
+          </a:xfrm>
+          <a:custGeom>
+            <a:avLst/>
+            <a:gdLst/>
+            <a:ahLst/>
+            <a:cxnLst/>
+            <a:rect l="l" t="t" r="r" b="b"/>
+            <a:pathLst>
+              <a:path w="1249825" h="6858000">
+                <a:moveTo>
+                  <a:pt x="0" y="0"/>
+                </a:moveTo>
+                <a:lnTo>
+                  <a:pt x="1249825" y="0"/>
+                </a:lnTo>
+                <a:lnTo>
+                  <a:pt x="1249825" y="6858000"/>
+                </a:lnTo>
+                <a:lnTo>
+                  <a:pt x="1109382" y="6858000"/>
+                </a:lnTo>
+                <a:lnTo>
+                  <a:pt x="0" y="0"/>
+                </a:lnTo>
+                <a:close/>
+              </a:path>
+            </a:pathLst>
+          </a:custGeom>
+          <a:solidFill>
+            <a:schemeClr val="accent1">
+              <a:alpha val="65000"/>
+            </a:schemeClr>
+          </a:solidFill>
+          <a:ln>
+            <a:noFill/>
+          </a:ln>
+          <a:effectLst/>
+        </p:spPr>
+        <p:style>
+          <a:lnRef idx="1">
+            <a:schemeClr val="accent1"/>
+          </a:lnRef>
+          <a:fillRef idx="3">
+            <a:schemeClr val="accent1"/>
+          </a:fillRef>
+          <a:effectRef idx="2">
+            <a:schemeClr val="accent1"/>
+          </a:effectRef>
+          <a:fontRef idx="minor">
+            <a:schemeClr val="lt1"/>
+          </a:fontRef>
+        </p:style>
+      </p:sp>
+      <p:sp>
+        <p:nvSpPr>
+          <p:cNvPr id="37" name="Isosceles Triangle 36">
+            <a:extLst>
+              <a:ext uri="{FF2B5EF4-FFF2-40B4-BE49-F238E27FC236}">
+                <a16:creationId xmlns:a16="http://schemas.microsoft.com/office/drawing/2014/main" id="{4412B991-9935-45FB-A17E-8F30DD832561}"/>
+              </a:ext>
+              <a:ext uri="{C183D7F6-B498-43B3-948B-1728B52AA6E4}">
+                <adec:decorative xmlns:adec="http://schemas.microsoft.com/office/drawing/2017/decorative" val="1"/>
+              </a:ext>
+            </a:extLst>
+          </p:cNvPr>
+          <p:cNvSpPr>
+            <a:spLocks noGrp="1" noRot="1" noChangeAspect="1" noMove="1" noResize="1" noEditPoints="1" noAdjustHandles="1" noChangeArrowheads="1" noChangeShapeType="1" noTextEdit="1"/>
+          </p:cNvSpPr>
+          <p:nvPr>
+            <p:extLst>
+              <p:ext uri="{386F3935-93C4-4BCD-93E2-E3B085C9AB24}">
+                <p16:designElem xmlns:p16="http://schemas.microsoft.com/office/powerpoint/2015/main" val="1"/>
+              </p:ext>
+            </p:extLst>
+          </p:nvPr>
+        </p:nvSpPr>
+        <p:spPr>
+          <a:xfrm>
+            <a:off x="10371666" y="3589867"/>
+            <a:ext cx="1817159" cy="3268133"/>
+          </a:xfrm>
+          <a:prstGeom prst="triangle">
+            <a:avLst>
+              <a:gd name="adj" fmla="val 100000"/>
+            </a:avLst>
+          </a:prstGeom>
+          <a:solidFill>
+            <a:schemeClr val="accent1">
+              <a:alpha val="80000"/>
+            </a:schemeClr>
+          </a:solidFill>
+          <a:ln>
+            <a:noFill/>
+          </a:ln>
+          <a:effectLst/>
+        </p:spPr>
+        <p:style>
+          <a:lnRef idx="1">
+            <a:schemeClr val="accent1"/>
+          </a:lnRef>
+          <a:fillRef idx="3">
+            <a:schemeClr val="accent1"/>
+          </a:fillRef>
+          <a:effectRef idx="2">
+            <a:schemeClr val="accent1"/>
+          </a:effectRef>
+          <a:fontRef idx="minor">
+            <a:schemeClr val="lt1"/>
+          </a:fontRef>
+        </p:style>
+      </p:sp>
+      <p:sp>
+        <p:nvSpPr>
+          <p:cNvPr id="18" name="Title 1">
+            <a:extLst>
+              <a:ext uri="{FF2B5EF4-FFF2-40B4-BE49-F238E27FC236}">
+                <a16:creationId xmlns:a16="http://schemas.microsoft.com/office/drawing/2014/main" id="{41E22F56-3CBF-DB42-400F-F0D2631F49BF}"/>
+              </a:ext>
+            </a:extLst>
+          </p:cNvPr>
+          <p:cNvSpPr>
+            <a:spLocks noGrp="1"/>
+          </p:cNvSpPr>
+          <p:nvPr>
+            <p:ph type="title"/>
+          </p:nvPr>
+        </p:nvSpPr>
+        <p:spPr>
+          <a:xfrm>
+            <a:off x="2586890" y="460054"/>
+            <a:ext cx="8596668" cy="1168329"/>
+          </a:xfrm>
+        </p:spPr>
+        <p:txBody>
+          <a:bodyPr>
+            <a:normAutofit/>
+          </a:bodyPr>
+          <a:lstStyle/>
+          <a:p>
+            <a:r>
+              <a:rPr lang="en-US" dirty="0"/>
+              <a:t>Observer</a:t>
+            </a:r>
+          </a:p>
+        </p:txBody>
+      </p:sp>
+      <p:sp>
+        <p:nvSpPr>
+          <p:cNvPr id="20" name="Content Placeholder 2">
+            <a:extLst>
+              <a:ext uri="{FF2B5EF4-FFF2-40B4-BE49-F238E27FC236}">
+                <a16:creationId xmlns:a16="http://schemas.microsoft.com/office/drawing/2014/main" id="{B8B5D76A-D30B-F1F0-7B8E-ECE11AF2BB6B}"/>
+              </a:ext>
+            </a:extLst>
+          </p:cNvPr>
+          <p:cNvSpPr>
+            <a:spLocks noGrp="1"/>
+          </p:cNvSpPr>
+          <p:nvPr>
+            <p:ph idx="1"/>
+          </p:nvPr>
+        </p:nvSpPr>
+        <p:spPr>
+          <a:xfrm>
+            <a:off x="2151385" y="1360925"/>
+            <a:ext cx="3251447" cy="1168329"/>
+          </a:xfrm>
+        </p:spPr>
+        <p:txBody>
+          <a:bodyPr/>
+          <a:lstStyle/>
+          <a:p>
+            <a:r>
+              <a:rPr lang="en-US" dirty="0"/>
+              <a:t>Used with combine and Observable Objects.</a:t>
+            </a:r>
+          </a:p>
+          <a:p>
+            <a:endParaRPr lang="en-US" dirty="0"/>
+          </a:p>
+        </p:txBody>
+      </p:sp>
+      <p:pic>
+        <p:nvPicPr>
+          <p:cNvPr id="3" name="Picture 2">
+            <a:extLst>
+              <a:ext uri="{FF2B5EF4-FFF2-40B4-BE49-F238E27FC236}">
+                <a16:creationId xmlns:a16="http://schemas.microsoft.com/office/drawing/2014/main" id="{428E3100-D79A-3BFA-42B8-553CC8BB633A}"/>
+              </a:ext>
+            </a:extLst>
+          </p:cNvPr>
+          <p:cNvPicPr>
+            <a:picLocks noChangeAspect="1"/>
+          </p:cNvPicPr>
+          <p:nvPr/>
+        </p:nvPicPr>
+        <p:blipFill>
+          <a:blip r:embed="rId3"/>
+          <a:stretch>
+            <a:fillRect/>
+          </a:stretch>
+        </p:blipFill>
+        <p:spPr>
+          <a:xfrm>
+            <a:off x="4378117" y="2110003"/>
+            <a:ext cx="7772400" cy="4707601"/>
+          </a:xfrm>
+          <a:prstGeom prst="rect">
+            <a:avLst/>
+          </a:prstGeom>
+        </p:spPr>
+      </p:pic>
+    </p:spTree>
+    <p:extLst>
+      <p:ext uri="{BB962C8B-B14F-4D97-AF65-F5344CB8AC3E}">
+        <p14:creationId xmlns:p14="http://schemas.microsoft.com/office/powerpoint/2010/main" val="3298028134"/>
+      </p:ext>
+    </p:extLst>
+  </p:cSld>
+  <p:clrMapOvr>
+    <a:masterClrMapping/>
+  </p:clrMapOvr>
+</p:sld>
+</file>
+
+<file path=ppt/slides/slide11.xml><?xml version="1.0" encoding="utf-8"?>
+<p:sld xmlns:a="http://schemas.openxmlformats.org/drawingml/2006/main" xmlns:r="http://schemas.openxmlformats.org/officeDocument/2006/relationships" xmlns:p="http://schemas.openxmlformats.org/presentationml/2006/main">
+  <p:cSld>
+    <p:bg>
+      <p:bgPr>
+        <a:solidFill>
+          <a:schemeClr val="bg1"/>
+        </a:solidFill>
+        <a:effectLst/>
+      </p:bgPr>
+    </p:bg>
+    <p:spTree>
+      <p:nvGrpSpPr>
+        <p:cNvPr id="1" name=""/>
+        <p:cNvGrpSpPr/>
+        <p:nvPr/>
+      </p:nvGrpSpPr>
+      <p:grpSpPr>
+        <a:xfrm>
+          <a:off x="0" y="0"/>
+          <a:ext cx="0" cy="0"/>
+          <a:chOff x="0" y="0"/>
+          <a:chExt cx="0" cy="0"/>
+        </a:xfrm>
+      </p:grpSpPr>
+      <p:grpSp>
+        <p:nvGrpSpPr>
+          <p:cNvPr id="22" name="Group 21">
+            <a:extLst>
+              <a:ext uri="{FF2B5EF4-FFF2-40B4-BE49-F238E27FC236}">
+                <a16:creationId xmlns:a16="http://schemas.microsoft.com/office/drawing/2014/main" id="{88C9B83F-64CD-41C1-925F-A08801FFD0BD}"/>
+              </a:ext>
+              <a:ext uri="{C183D7F6-B498-43B3-948B-1728B52AA6E4}">
+                <adec:decorative xmlns:adec="http://schemas.microsoft.com/office/drawing/2017/decorative" val="1"/>
+              </a:ext>
+            </a:extLst>
+          </p:cNvPr>
+          <p:cNvGrpSpPr>
+            <a:grpSpLocks noGrp="1" noUngrp="1" noRot="1" noChangeAspect="1" noMove="1" noResize="1"/>
+          </p:cNvGrpSpPr>
+          <p:nvPr>
+            <p:extLst>
+              <p:ext uri="{386F3935-93C4-4BCD-93E2-E3B085C9AB24}">
+                <p16:designElem xmlns:p16="http://schemas.microsoft.com/office/powerpoint/2015/main" val="1"/>
+              </p:ext>
+            </p:extLst>
+          </p:nvPr>
+        </p:nvGrpSpPr>
+        <p:grpSpPr>
+          <a:xfrm>
+            <a:off x="0" y="-8467"/>
+            <a:ext cx="12192000" cy="6866467"/>
+            <a:chOff x="0" y="-8467"/>
+            <a:chExt cx="12192000" cy="6866467"/>
+          </a:xfrm>
+        </p:grpSpPr>
+        <p:cxnSp>
+          <p:nvCxnSpPr>
+            <p:cNvPr id="23" name="Straight Connector 22">
+              <a:extLst>
+                <a:ext uri="{FF2B5EF4-FFF2-40B4-BE49-F238E27FC236}">
+                  <a16:creationId xmlns:a16="http://schemas.microsoft.com/office/drawing/2014/main" id="{E1655065-0BD7-4422-BEC0-4401E998090A}"/>
+                </a:ext>
+                <a:ext uri="{C183D7F6-B498-43B3-948B-1728B52AA6E4}">
+                  <adec:decorative xmlns:adec="http://schemas.microsoft.com/office/drawing/2017/decorative" val="1"/>
+                </a:ext>
+              </a:extLst>
+            </p:cNvPr>
+            <p:cNvCxnSpPr/>
+            <p:nvPr>
+              <p:extLst>
+                <p:ext uri="{386F3935-93C4-4BCD-93E2-E3B085C9AB24}">
+                  <p16:designElem xmlns:p16="http://schemas.microsoft.com/office/powerpoint/2015/main" val="1"/>
+                </p:ext>
+              </p:extLst>
+            </p:nvPr>
+          </p:nvCxnSpPr>
+          <p:spPr>
+            <a:xfrm>
+              <a:off x="9371012" y="0"/>
+              <a:ext cx="1219200" cy="6858000"/>
+            </a:xfrm>
+            <a:prstGeom prst="line">
+              <a:avLst/>
+            </a:prstGeom>
+            <a:ln w="9525">
+              <a:solidFill>
+                <a:schemeClr val="bg1">
+                  <a:lumMod val="75000"/>
+                </a:schemeClr>
+              </a:solidFill>
+            </a:ln>
+          </p:spPr>
+          <p:style>
+            <a:lnRef idx="2">
+              <a:schemeClr val="accent1"/>
+            </a:lnRef>
+            <a:fillRef idx="0">
+              <a:schemeClr val="accent1"/>
+            </a:fillRef>
+            <a:effectRef idx="1">
+              <a:schemeClr val="accent1"/>
+            </a:effectRef>
+            <a:fontRef idx="minor">
+              <a:schemeClr val="tx1"/>
+            </a:fontRef>
+          </p:style>
+        </p:cxnSp>
+        <p:cxnSp>
+          <p:nvCxnSpPr>
+            <p:cNvPr id="24" name="Straight Connector 23">
+              <a:extLst>
+                <a:ext uri="{FF2B5EF4-FFF2-40B4-BE49-F238E27FC236}">
+                  <a16:creationId xmlns:a16="http://schemas.microsoft.com/office/drawing/2014/main" id="{4DDD90AC-ABEC-4A76-9C9C-AD0A5F8FC7F2}"/>
+                </a:ext>
+                <a:ext uri="{C183D7F6-B498-43B3-948B-1728B52AA6E4}">
+                  <adec:decorative xmlns:adec="http://schemas.microsoft.com/office/drawing/2017/decorative" val="1"/>
+                </a:ext>
+              </a:extLst>
+            </p:cNvPr>
+            <p:cNvCxnSpPr/>
+            <p:nvPr>
+              <p:extLst>
+                <p:ext uri="{386F3935-93C4-4BCD-93E2-E3B085C9AB24}">
+                  <p16:designElem xmlns:p16="http://schemas.microsoft.com/office/powerpoint/2015/main" val="1"/>
+                </p:ext>
+              </p:extLst>
+            </p:nvPr>
+          </p:nvCxnSpPr>
+          <p:spPr>
+            <a:xfrm flipH="1">
+              <a:off x="7425267" y="3681413"/>
+              <a:ext cx="4763558" cy="3176587"/>
+            </a:xfrm>
+            <a:prstGeom prst="line">
+              <a:avLst/>
+            </a:prstGeom>
+            <a:ln w="9525">
+              <a:solidFill>
+                <a:schemeClr val="bg1">
+                  <a:lumMod val="85000"/>
+                </a:schemeClr>
+              </a:solidFill>
+            </a:ln>
+          </p:spPr>
+          <p:style>
+            <a:lnRef idx="2">
+              <a:schemeClr val="accent1"/>
+            </a:lnRef>
+            <a:fillRef idx="0">
+              <a:schemeClr val="accent1"/>
+            </a:fillRef>
+            <a:effectRef idx="1">
+              <a:schemeClr val="accent1"/>
+            </a:effectRef>
+            <a:fontRef idx="minor">
+              <a:schemeClr val="tx1"/>
+            </a:fontRef>
+          </p:style>
+        </p:cxnSp>
+        <p:sp>
+          <p:nvSpPr>
+            <p:cNvPr id="25" name="Rectangle 23">
+              <a:extLst>
+                <a:ext uri="{FF2B5EF4-FFF2-40B4-BE49-F238E27FC236}">
+                  <a16:creationId xmlns:a16="http://schemas.microsoft.com/office/drawing/2014/main" id="{21A8AFEF-EC50-4C0B-9C64-814B76C82090}"/>
+                </a:ext>
+                <a:ext uri="{C183D7F6-B498-43B3-948B-1728B52AA6E4}">
+                  <adec:decorative xmlns:adec="http://schemas.microsoft.com/office/drawing/2017/decorative" val="1"/>
+                </a:ext>
+              </a:extLst>
+            </p:cNvPr>
+            <p:cNvSpPr/>
+            <p:nvPr>
+              <p:extLst>
+                <p:ext uri="{386F3935-93C4-4BCD-93E2-E3B085C9AB24}">
+                  <p16:designElem xmlns:p16="http://schemas.microsoft.com/office/powerpoint/2015/main" val="1"/>
+                </p:ext>
+              </p:extLst>
+            </p:nvPr>
+          </p:nvSpPr>
+          <p:spPr>
+            <a:xfrm>
+              <a:off x="9181476" y="-8467"/>
+              <a:ext cx="3007349" cy="6866467"/>
+            </a:xfrm>
+            <a:custGeom>
+              <a:avLst/>
+              <a:gdLst/>
+              <a:ahLst/>
+              <a:cxnLst/>
+              <a:rect l="l" t="t" r="r" b="b"/>
+              <a:pathLst>
+                <a:path w="3007349" h="6866467">
+                  <a:moveTo>
+                    <a:pt x="2045532" y="0"/>
+                  </a:moveTo>
+                  <a:lnTo>
+                    <a:pt x="3007349" y="0"/>
+                  </a:lnTo>
+                  <a:lnTo>
+                    <a:pt x="3007349" y="6866467"/>
+                  </a:lnTo>
+                  <a:lnTo>
+                    <a:pt x="0" y="6866467"/>
+                  </a:lnTo>
+                  <a:lnTo>
+                    <a:pt x="2045532" y="0"/>
+                  </a:lnTo>
+                  <a:close/>
+                </a:path>
+              </a:pathLst>
+            </a:custGeom>
+            <a:solidFill>
+              <a:schemeClr val="accent1">
+                <a:alpha val="30000"/>
+              </a:schemeClr>
+            </a:solidFill>
+            <a:ln>
+              <a:noFill/>
+            </a:ln>
+            <a:effectLst/>
+          </p:spPr>
+          <p:style>
+            <a:lnRef idx="1">
+              <a:schemeClr val="accent1"/>
+            </a:lnRef>
+            <a:fillRef idx="3">
+              <a:schemeClr val="accent1"/>
+            </a:fillRef>
+            <a:effectRef idx="2">
+              <a:schemeClr val="accent1"/>
+            </a:effectRef>
+            <a:fontRef idx="minor">
+              <a:schemeClr val="lt1"/>
+            </a:fontRef>
+          </p:style>
+        </p:sp>
+        <p:sp>
+          <p:nvSpPr>
+            <p:cNvPr id="26" name="Rectangle 25">
+              <a:extLst>
+                <a:ext uri="{FF2B5EF4-FFF2-40B4-BE49-F238E27FC236}">
+                  <a16:creationId xmlns:a16="http://schemas.microsoft.com/office/drawing/2014/main" id="{CAFAA800-E117-4357-84E4-56B63EA03E37}"/>
+                </a:ext>
+                <a:ext uri="{C183D7F6-B498-43B3-948B-1728B52AA6E4}">
+                  <adec:decorative xmlns:adec="http://schemas.microsoft.com/office/drawing/2017/decorative" val="1"/>
+                </a:ext>
+              </a:extLst>
+            </p:cNvPr>
+            <p:cNvSpPr/>
+            <p:nvPr>
+              <p:extLst>
+                <p:ext uri="{386F3935-93C4-4BCD-93E2-E3B085C9AB24}">
+                  <p16:designElem xmlns:p16="http://schemas.microsoft.com/office/powerpoint/2015/main" val="1"/>
+                </p:ext>
+              </p:extLst>
+            </p:nvPr>
+          </p:nvSpPr>
+          <p:spPr>
+            <a:xfrm>
+              <a:off x="9603442" y="-8467"/>
+              <a:ext cx="2588558" cy="6866467"/>
+            </a:xfrm>
+            <a:custGeom>
+              <a:avLst/>
+              <a:gdLst/>
+              <a:ahLst/>
+              <a:cxnLst/>
+              <a:rect l="l" t="t" r="r" b="b"/>
+              <a:pathLst>
+                <a:path w="2573311" h="6866467">
+                  <a:moveTo>
+                    <a:pt x="0" y="0"/>
+                  </a:moveTo>
+                  <a:lnTo>
+                    <a:pt x="2573311" y="0"/>
+                  </a:lnTo>
+                  <a:lnTo>
+                    <a:pt x="2573311" y="6866467"/>
+                  </a:lnTo>
+                  <a:lnTo>
+                    <a:pt x="1202336" y="6866467"/>
+                  </a:lnTo>
+                  <a:lnTo>
+                    <a:pt x="0" y="0"/>
+                  </a:lnTo>
+                  <a:close/>
+                </a:path>
+              </a:pathLst>
+            </a:custGeom>
+            <a:solidFill>
+              <a:schemeClr val="accent1">
+                <a:alpha val="20000"/>
+              </a:schemeClr>
+            </a:solidFill>
+            <a:ln>
+              <a:noFill/>
+            </a:ln>
+            <a:effectLst/>
+          </p:spPr>
+          <p:style>
+            <a:lnRef idx="1">
+              <a:schemeClr val="accent1"/>
+            </a:lnRef>
+            <a:fillRef idx="3">
+              <a:schemeClr val="accent1"/>
+            </a:fillRef>
+            <a:effectRef idx="2">
+              <a:schemeClr val="accent1"/>
+            </a:effectRef>
+            <a:fontRef idx="minor">
+              <a:schemeClr val="lt1"/>
+            </a:fontRef>
+          </p:style>
+        </p:sp>
+        <p:sp>
+          <p:nvSpPr>
+            <p:cNvPr id="27" name="Isosceles Triangle 26">
+              <a:extLst>
+                <a:ext uri="{FF2B5EF4-FFF2-40B4-BE49-F238E27FC236}">
+                  <a16:creationId xmlns:a16="http://schemas.microsoft.com/office/drawing/2014/main" id="{8DDFC9F4-3B45-402D-8AD7-60B3F08ED755}"/>
+                </a:ext>
+                <a:ext uri="{C183D7F6-B498-43B3-948B-1728B52AA6E4}">
+                  <adec:decorative xmlns:adec="http://schemas.microsoft.com/office/drawing/2017/decorative" val="1"/>
+                </a:ext>
+              </a:extLst>
+            </p:cNvPr>
+            <p:cNvSpPr/>
+            <p:nvPr>
+              <p:extLst>
+                <p:ext uri="{386F3935-93C4-4BCD-93E2-E3B085C9AB24}">
+                  <p16:designElem xmlns:p16="http://schemas.microsoft.com/office/powerpoint/2015/main" val="1"/>
+                </p:ext>
+              </p:extLst>
+            </p:nvPr>
+          </p:nvSpPr>
+          <p:spPr>
+            <a:xfrm>
+              <a:off x="8932333" y="3048000"/>
+              <a:ext cx="3259667" cy="3810000"/>
+            </a:xfrm>
+            <a:prstGeom prst="triangle">
+              <a:avLst>
+                <a:gd name="adj" fmla="val 100000"/>
+              </a:avLst>
+            </a:prstGeom>
+            <a:solidFill>
+              <a:schemeClr val="accent2">
+                <a:alpha val="72000"/>
+              </a:schemeClr>
+            </a:solidFill>
+            <a:ln>
+              <a:noFill/>
+            </a:ln>
+            <a:effectLst/>
+          </p:spPr>
+          <p:style>
+            <a:lnRef idx="1">
+              <a:schemeClr val="accent1"/>
+            </a:lnRef>
+            <a:fillRef idx="3">
+              <a:schemeClr val="accent1"/>
+            </a:fillRef>
+            <a:effectRef idx="2">
+              <a:schemeClr val="accent1"/>
+            </a:effectRef>
+            <a:fontRef idx="minor">
+              <a:schemeClr val="lt1"/>
+            </a:fontRef>
+          </p:style>
+        </p:sp>
+        <p:sp>
+          <p:nvSpPr>
+            <p:cNvPr id="28" name="Rectangle 27">
+              <a:extLst>
+                <a:ext uri="{FF2B5EF4-FFF2-40B4-BE49-F238E27FC236}">
+                  <a16:creationId xmlns:a16="http://schemas.microsoft.com/office/drawing/2014/main" id="{F26A0854-FBE4-4587-B349-06BE192BD7F6}"/>
+                </a:ext>
+                <a:ext uri="{C183D7F6-B498-43B3-948B-1728B52AA6E4}">
+                  <adec:decorative xmlns:adec="http://schemas.microsoft.com/office/drawing/2017/decorative" val="1"/>
+                </a:ext>
+              </a:extLst>
+            </p:cNvPr>
+            <p:cNvSpPr/>
+            <p:nvPr>
+              <p:extLst>
+                <p:ext uri="{386F3935-93C4-4BCD-93E2-E3B085C9AB24}">
+                  <p16:designElem xmlns:p16="http://schemas.microsoft.com/office/powerpoint/2015/main" val="1"/>
+                </p:ext>
+              </p:extLst>
+            </p:nvPr>
+          </p:nvSpPr>
+          <p:spPr>
+            <a:xfrm>
+              <a:off x="9334500" y="-8467"/>
+              <a:ext cx="2854326" cy="6866467"/>
+            </a:xfrm>
+            <a:custGeom>
+              <a:avLst/>
+              <a:gdLst/>
+              <a:ahLst/>
+              <a:cxnLst/>
+              <a:rect l="l" t="t" r="r" b="b"/>
+              <a:pathLst>
+                <a:path w="2858013" h="6866467">
+                  <a:moveTo>
+                    <a:pt x="0" y="0"/>
+                  </a:moveTo>
+                  <a:lnTo>
+                    <a:pt x="2858013" y="0"/>
+                  </a:lnTo>
+                  <a:lnTo>
+                    <a:pt x="2858013" y="6866467"/>
+                  </a:lnTo>
+                  <a:lnTo>
+                    <a:pt x="2473942" y="6866467"/>
+                  </a:lnTo>
+                  <a:lnTo>
+                    <a:pt x="0" y="0"/>
+                  </a:lnTo>
+                  <a:close/>
+                </a:path>
+              </a:pathLst>
+            </a:custGeom>
+            <a:solidFill>
+              <a:schemeClr val="accent2">
+                <a:lumMod val="75000"/>
+                <a:alpha val="70000"/>
+              </a:schemeClr>
+            </a:solidFill>
+            <a:ln>
+              <a:noFill/>
+            </a:ln>
+            <a:effectLst/>
+          </p:spPr>
+          <p:style>
+            <a:lnRef idx="1">
+              <a:schemeClr val="accent1"/>
+            </a:lnRef>
+            <a:fillRef idx="3">
+              <a:schemeClr val="accent1"/>
+            </a:fillRef>
+            <a:effectRef idx="2">
+              <a:schemeClr val="accent1"/>
+            </a:effectRef>
+            <a:fontRef idx="minor">
+              <a:schemeClr val="lt1"/>
+            </a:fontRef>
+          </p:style>
+        </p:sp>
+        <p:sp>
+          <p:nvSpPr>
+            <p:cNvPr id="29" name="Rectangle 28">
+              <a:extLst>
+                <a:ext uri="{FF2B5EF4-FFF2-40B4-BE49-F238E27FC236}">
+                  <a16:creationId xmlns:a16="http://schemas.microsoft.com/office/drawing/2014/main" id="{54A9C4C6-FF7D-470E-BFCA-CE4F60A1F0A8}"/>
+                </a:ext>
+                <a:ext uri="{C183D7F6-B498-43B3-948B-1728B52AA6E4}">
+                  <adec:decorative xmlns:adec="http://schemas.microsoft.com/office/drawing/2017/decorative" val="1"/>
+                </a:ext>
+              </a:extLst>
+            </p:cNvPr>
+            <p:cNvSpPr/>
+            <p:nvPr>
+              <p:extLst>
+                <p:ext uri="{386F3935-93C4-4BCD-93E2-E3B085C9AB24}">
+                  <p16:designElem xmlns:p16="http://schemas.microsoft.com/office/powerpoint/2015/main" val="1"/>
+                </p:ext>
+              </p:extLst>
+            </p:nvPr>
+          </p:nvSpPr>
+          <p:spPr>
+            <a:xfrm>
+              <a:off x="10898730" y="-8467"/>
+              <a:ext cx="1290094" cy="6866467"/>
+            </a:xfrm>
+            <a:custGeom>
+              <a:avLst/>
+              <a:gdLst/>
+              <a:ahLst/>
+              <a:cxnLst/>
+              <a:rect l="l" t="t" r="r" b="b"/>
+              <a:pathLst>
+                <a:path w="1290094" h="6858000">
+                  <a:moveTo>
+                    <a:pt x="1019735" y="0"/>
+                  </a:moveTo>
+                  <a:lnTo>
+                    <a:pt x="1290094" y="0"/>
+                  </a:lnTo>
+                  <a:lnTo>
+                    <a:pt x="1290094" y="6858000"/>
+                  </a:lnTo>
+                  <a:lnTo>
+                    <a:pt x="0" y="6858000"/>
+                  </a:lnTo>
+                  <a:lnTo>
+                    <a:pt x="1019735" y="0"/>
+                  </a:lnTo>
+                  <a:close/>
+                </a:path>
+              </a:pathLst>
+            </a:custGeom>
+            <a:solidFill>
+              <a:schemeClr val="accent1">
+                <a:lumMod val="60000"/>
+                <a:lumOff val="40000"/>
+                <a:alpha val="70000"/>
+              </a:schemeClr>
+            </a:solidFill>
+            <a:ln>
+              <a:noFill/>
+            </a:ln>
+            <a:effectLst/>
+          </p:spPr>
+          <p:style>
+            <a:lnRef idx="1">
+              <a:schemeClr val="accent1"/>
+            </a:lnRef>
+            <a:fillRef idx="3">
+              <a:schemeClr val="accent1"/>
+            </a:fillRef>
+            <a:effectRef idx="2">
+              <a:schemeClr val="accent1"/>
+            </a:effectRef>
+            <a:fontRef idx="minor">
+              <a:schemeClr val="lt1"/>
+            </a:fontRef>
+          </p:style>
+        </p:sp>
+        <p:sp>
+          <p:nvSpPr>
+            <p:cNvPr id="30" name="Rectangle 29">
+              <a:extLst>
+                <a:ext uri="{FF2B5EF4-FFF2-40B4-BE49-F238E27FC236}">
+                  <a16:creationId xmlns:a16="http://schemas.microsoft.com/office/drawing/2014/main" id="{B1721EA8-4871-45D4-B78F-AE805A3004B1}"/>
+                </a:ext>
+                <a:ext uri="{C183D7F6-B498-43B3-948B-1728B52AA6E4}">
+                  <adec:decorative xmlns:adec="http://schemas.microsoft.com/office/drawing/2017/decorative" val="1"/>
+                </a:ext>
+              </a:extLst>
+            </p:cNvPr>
+            <p:cNvSpPr/>
+            <p:nvPr>
+              <p:extLst>
+                <p:ext uri="{386F3935-93C4-4BCD-93E2-E3B085C9AB24}">
+                  <p16:designElem xmlns:p16="http://schemas.microsoft.com/office/powerpoint/2015/main" val="1"/>
+                </p:ext>
+              </p:extLst>
+            </p:nvPr>
+          </p:nvSpPr>
+          <p:spPr>
+            <a:xfrm>
+              <a:off x="10938999" y="-8467"/>
+              <a:ext cx="1249825" cy="6866467"/>
+            </a:xfrm>
+            <a:custGeom>
+              <a:avLst/>
+              <a:gdLst/>
+              <a:ahLst/>
+              <a:cxnLst/>
+              <a:rect l="l" t="t" r="r" b="b"/>
+              <a:pathLst>
+                <a:path w="1249825" h="6858000">
+                  <a:moveTo>
+                    <a:pt x="0" y="0"/>
+                  </a:moveTo>
+                  <a:lnTo>
+                    <a:pt x="1249825" y="0"/>
+                  </a:lnTo>
+                  <a:lnTo>
+                    <a:pt x="1249825" y="6858000"/>
+                  </a:lnTo>
+                  <a:lnTo>
+                    <a:pt x="1109382" y="6858000"/>
+                  </a:lnTo>
+                  <a:lnTo>
+                    <a:pt x="0" y="0"/>
+                  </a:lnTo>
+                  <a:close/>
+                </a:path>
+              </a:pathLst>
+            </a:custGeom>
+            <a:solidFill>
+              <a:schemeClr val="accent1">
+                <a:alpha val="65000"/>
+              </a:schemeClr>
+            </a:solidFill>
+            <a:ln>
+              <a:noFill/>
+            </a:ln>
+            <a:effectLst/>
+          </p:spPr>
+          <p:style>
+            <a:lnRef idx="1">
+              <a:schemeClr val="accent1"/>
+            </a:lnRef>
+            <a:fillRef idx="3">
+              <a:schemeClr val="accent1"/>
+            </a:fillRef>
+            <a:effectRef idx="2">
+              <a:schemeClr val="accent1"/>
+            </a:effectRef>
+            <a:fontRef idx="minor">
+              <a:schemeClr val="lt1"/>
+            </a:fontRef>
+          </p:style>
+        </p:sp>
+        <p:sp>
+          <p:nvSpPr>
+            <p:cNvPr id="31" name="Isosceles Triangle 30">
+              <a:extLst>
+                <a:ext uri="{FF2B5EF4-FFF2-40B4-BE49-F238E27FC236}">
+                  <a16:creationId xmlns:a16="http://schemas.microsoft.com/office/drawing/2014/main" id="{E5763971-E3A3-45C6-9BA8-2E032C7A55EB}"/>
+                </a:ext>
+                <a:ext uri="{C183D7F6-B498-43B3-948B-1728B52AA6E4}">
+                  <adec:decorative xmlns:adec="http://schemas.microsoft.com/office/drawing/2017/decorative" val="1"/>
+                </a:ext>
+              </a:extLst>
+            </p:cNvPr>
+            <p:cNvSpPr/>
+            <p:nvPr>
+              <p:extLst>
+                <p:ext uri="{386F3935-93C4-4BCD-93E2-E3B085C9AB24}">
+                  <p16:designElem xmlns:p16="http://schemas.microsoft.com/office/powerpoint/2015/main" val="1"/>
+                </p:ext>
+              </p:extLst>
+            </p:nvPr>
+          </p:nvSpPr>
+          <p:spPr>
+            <a:xfrm>
+              <a:off x="10371666" y="3589867"/>
+              <a:ext cx="1817159" cy="3268133"/>
+            </a:xfrm>
+            <a:prstGeom prst="triangle">
+              <a:avLst>
+                <a:gd name="adj" fmla="val 100000"/>
+              </a:avLst>
+            </a:prstGeom>
+            <a:solidFill>
+              <a:schemeClr val="accent1">
+                <a:alpha val="80000"/>
+              </a:schemeClr>
+            </a:solidFill>
+            <a:ln>
+              <a:noFill/>
+            </a:ln>
+            <a:effectLst/>
+          </p:spPr>
+          <p:style>
+            <a:lnRef idx="1">
+              <a:schemeClr val="accent1"/>
+            </a:lnRef>
+            <a:fillRef idx="3">
+              <a:schemeClr val="accent1"/>
+            </a:fillRef>
+            <a:effectRef idx="2">
+              <a:schemeClr val="accent1"/>
+            </a:effectRef>
+            <a:fontRef idx="minor">
+              <a:schemeClr val="lt1"/>
+            </a:fontRef>
+          </p:style>
+        </p:sp>
+        <p:sp>
+          <p:nvSpPr>
+            <p:cNvPr id="32" name="Isosceles Triangle 31">
+              <a:extLst>
+                <a:ext uri="{FF2B5EF4-FFF2-40B4-BE49-F238E27FC236}">
+                  <a16:creationId xmlns:a16="http://schemas.microsoft.com/office/drawing/2014/main" id="{32752E94-0E01-4AF5-A43A-F2FAD8737C29}"/>
+                </a:ext>
+                <a:ext uri="{C183D7F6-B498-43B3-948B-1728B52AA6E4}">
+                  <adec:decorative xmlns:adec="http://schemas.microsoft.com/office/drawing/2017/decorative" val="1"/>
+                </a:ext>
+              </a:extLst>
+            </p:cNvPr>
+            <p:cNvSpPr/>
+            <p:nvPr>
+              <p:extLst>
+                <p:ext uri="{386F3935-93C4-4BCD-93E2-E3B085C9AB24}">
+                  <p16:designElem xmlns:p16="http://schemas.microsoft.com/office/powerpoint/2015/main" val="1"/>
+                </p:ext>
+              </p:extLst>
+            </p:nvPr>
+          </p:nvSpPr>
+          <p:spPr>
+            <a:xfrm rot="10800000">
+              <a:off x="0" y="0"/>
+              <a:ext cx="842596" cy="5666154"/>
+            </a:xfrm>
+            <a:prstGeom prst="triangle">
+              <a:avLst>
+                <a:gd name="adj" fmla="val 100000"/>
+              </a:avLst>
+            </a:prstGeom>
+            <a:solidFill>
+              <a:schemeClr val="accent1">
+                <a:alpha val="85000"/>
+              </a:schemeClr>
+            </a:solidFill>
+            <a:ln>
+              <a:noFill/>
+            </a:ln>
+            <a:effectLst/>
+          </p:spPr>
+          <p:style>
+            <a:lnRef idx="1">
+              <a:schemeClr val="accent1"/>
+            </a:lnRef>
+            <a:fillRef idx="3">
+              <a:schemeClr val="accent1"/>
+            </a:fillRef>
+            <a:effectRef idx="2">
+              <a:schemeClr val="accent1"/>
+            </a:effectRef>
+            <a:fontRef idx="minor">
+              <a:schemeClr val="lt1"/>
+            </a:fontRef>
+          </p:style>
+        </p:sp>
+      </p:grpSp>
+      <p:pic>
+        <p:nvPicPr>
+          <p:cNvPr id="11" name="Picture 4" descr="Ramen on yellow table">
+            <a:extLst>
+              <a:ext uri="{FF2B5EF4-FFF2-40B4-BE49-F238E27FC236}">
+                <a16:creationId xmlns:a16="http://schemas.microsoft.com/office/drawing/2014/main" id="{58E5CCF7-D3C0-A3DA-D587-C6E380B9CF7E}"/>
+              </a:ext>
+            </a:extLst>
+          </p:cNvPr>
+          <p:cNvPicPr>
+            <a:picLocks noChangeAspect="1"/>
+          </p:cNvPicPr>
+          <p:nvPr/>
+        </p:nvPicPr>
+        <p:blipFill rotWithShape="1">
+          <a:blip r:embed="rId2">
+            <a:duotone>
+              <a:schemeClr val="accent1">
+                <a:shade val="45000"/>
+                <a:satMod val="135000"/>
+              </a:schemeClr>
+              <a:prstClr val="white"/>
+            </a:duotone>
+          </a:blip>
+          <a:srcRect l="9091" t="13131" b="10260"/>
+          <a:stretch/>
+        </p:blipFill>
+        <p:spPr>
+          <a:xfrm>
+            <a:off x="20" y="10"/>
+            <a:ext cx="12191980" cy="6857990"/>
+          </a:xfrm>
+          <a:prstGeom prst="rect">
+            <a:avLst/>
+          </a:prstGeom>
+        </p:spPr>
+      </p:pic>
+      <p:sp>
+        <p:nvSpPr>
+          <p:cNvPr id="34" name="Isosceles Triangle 33">
+            <a:extLst>
+              <a:ext uri="{FF2B5EF4-FFF2-40B4-BE49-F238E27FC236}">
+                <a16:creationId xmlns:a16="http://schemas.microsoft.com/office/drawing/2014/main" id="{F5F0CD5C-72F3-4090-8A69-8E15CB432AC2}"/>
+              </a:ext>
+              <a:ext uri="{C183D7F6-B498-43B3-948B-1728B52AA6E4}">
+                <adec:decorative xmlns:adec="http://schemas.microsoft.com/office/drawing/2017/decorative" val="1"/>
+              </a:ext>
+            </a:extLst>
+          </p:cNvPr>
+          <p:cNvSpPr>
+            <a:spLocks noGrp="1" noRot="1" noChangeAspect="1" noMove="1" noResize="1" noEditPoints="1" noAdjustHandles="1" noChangeArrowheads="1" noChangeShapeType="1" noTextEdit="1"/>
+          </p:cNvSpPr>
+          <p:nvPr>
+            <p:extLst>
+              <p:ext uri="{386F3935-93C4-4BCD-93E2-E3B085C9AB24}">
+                <p16:designElem xmlns:p16="http://schemas.microsoft.com/office/powerpoint/2015/main" val="1"/>
+              </p:ext>
+            </p:extLst>
+          </p:nvPr>
+        </p:nvSpPr>
+        <p:spPr>
+          <a:xfrm rot="10800000">
+            <a:off x="0" y="0"/>
+            <a:ext cx="842596" cy="5666154"/>
+          </a:xfrm>
+          <a:prstGeom prst="triangle">
+            <a:avLst>
+              <a:gd name="adj" fmla="val 100000"/>
+            </a:avLst>
+          </a:prstGeom>
+          <a:solidFill>
+            <a:schemeClr val="accent1">
+              <a:alpha val="85000"/>
+            </a:schemeClr>
+          </a:solidFill>
+          <a:ln>
+            <a:noFill/>
+          </a:ln>
+          <a:effectLst/>
+        </p:spPr>
+        <p:style>
+          <a:lnRef idx="1">
+            <a:schemeClr val="accent1"/>
+          </a:lnRef>
+          <a:fillRef idx="3">
+            <a:schemeClr val="accent1"/>
+          </a:fillRef>
+          <a:effectRef idx="2">
+            <a:schemeClr val="accent1"/>
+          </a:effectRef>
+          <a:fontRef idx="minor">
+            <a:schemeClr val="lt1"/>
+          </a:fontRef>
+        </p:style>
+      </p:sp>
+      <p:sp>
+        <p:nvSpPr>
+          <p:cNvPr id="36" name="Parallelogram 35">
+            <a:extLst>
+              <a:ext uri="{FF2B5EF4-FFF2-40B4-BE49-F238E27FC236}">
+                <a16:creationId xmlns:a16="http://schemas.microsoft.com/office/drawing/2014/main" id="{217496A2-9394-4FB7-BA0E-717D2D2E7A43}"/>
+              </a:ext>
+              <a:ext uri="{C183D7F6-B498-43B3-948B-1728B52AA6E4}">
+                <adec:decorative xmlns:adec="http://schemas.microsoft.com/office/drawing/2017/decorative" val="1"/>
+              </a:ext>
+            </a:extLst>
+          </p:cNvPr>
+          <p:cNvSpPr>
+            <a:spLocks noGrp="1" noRot="1" noChangeAspect="1" noMove="1" noResize="1" noEditPoints="1" noAdjustHandles="1" noChangeArrowheads="1" noChangeShapeType="1" noTextEdit="1"/>
+          </p:cNvSpPr>
+          <p:nvPr>
+            <p:extLst>
+              <p:ext uri="{386F3935-93C4-4BCD-93E2-E3B085C9AB24}">
+                <p16:designElem xmlns:p16="http://schemas.microsoft.com/office/powerpoint/2015/main" val="1"/>
+              </p:ext>
+            </p:extLst>
+          </p:nvPr>
+        </p:nvSpPr>
+        <p:spPr>
+          <a:xfrm>
+            <a:off x="3733800" y="0"/>
+            <a:ext cx="7315200" cy="6858000"/>
+          </a:xfrm>
+          <a:prstGeom prst="parallelogram">
+            <a:avLst>
+              <a:gd name="adj" fmla="val 15925"/>
+            </a:avLst>
+          </a:prstGeom>
+          <a:solidFill>
+            <a:schemeClr val="bg1">
+              <a:alpha val="87000"/>
+            </a:schemeClr>
+          </a:solidFill>
+          <a:ln>
+            <a:noFill/>
+          </a:ln>
+          <a:effectLst/>
+        </p:spPr>
+        <p:style>
+          <a:lnRef idx="1">
+            <a:schemeClr val="accent1"/>
+          </a:lnRef>
+          <a:fillRef idx="3">
+            <a:schemeClr val="accent1"/>
+          </a:fillRef>
+          <a:effectRef idx="2">
+            <a:schemeClr val="accent1"/>
+          </a:effectRef>
+          <a:fontRef idx="minor">
+            <a:schemeClr val="lt1"/>
+          </a:fontRef>
+        </p:style>
+        <p:txBody>
+          <a:bodyPr rtlCol="0" anchor="ctr"/>
+          <a:lstStyle/>
+          <a:p>
+            <a:pPr algn="ctr"/>
+            <a:endParaRPr lang="en-US"/>
+          </a:p>
+        </p:txBody>
+      </p:sp>
+      <p:cxnSp>
+        <p:nvCxnSpPr>
+          <p:cNvPr id="38" name="Straight Connector 37">
+            <a:extLst>
+              <a:ext uri="{FF2B5EF4-FFF2-40B4-BE49-F238E27FC236}">
+                <a16:creationId xmlns:a16="http://schemas.microsoft.com/office/drawing/2014/main" id="{D02CF681-4765-4E88-802F-B2474DCD516A}"/>
+              </a:ext>
+              <a:ext uri="{C183D7F6-B498-43B3-948B-1728B52AA6E4}">
+                <adec:decorative xmlns:adec="http://schemas.microsoft.com/office/drawing/2017/decorative" val="1"/>
+              </a:ext>
+            </a:extLst>
+          </p:cNvPr>
+          <p:cNvCxnSpPr>
+            <a:cxnSpLocks noGrp="1" noRot="1" noChangeAspect="1" noMove="1" noResize="1" noEditPoints="1" noAdjustHandles="1" noChangeArrowheads="1" noChangeShapeType="1"/>
+          </p:cNvCxnSpPr>
+          <p:nvPr>
+            <p:extLst>
+              <p:ext uri="{386F3935-93C4-4BCD-93E2-E3B085C9AB24}">
+                <p16:designElem xmlns:p16="http://schemas.microsoft.com/office/powerpoint/2015/main" val="1"/>
+              </p:ext>
+            </p:extLst>
+          </p:nvPr>
+        </p:nvCxnSpPr>
+        <p:spPr>
+          <a:xfrm>
+            <a:off x="9371012" y="0"/>
+            <a:ext cx="1219200" cy="6858000"/>
+          </a:xfrm>
+          <a:prstGeom prst="line">
+            <a:avLst/>
+          </a:prstGeom>
+          <a:ln w="9525">
+            <a:solidFill>
+              <a:schemeClr val="bg1">
+                <a:lumMod val="75000"/>
+              </a:schemeClr>
+            </a:solidFill>
+          </a:ln>
+        </p:spPr>
+        <p:style>
+          <a:lnRef idx="2">
+            <a:schemeClr val="accent1"/>
+          </a:lnRef>
+          <a:fillRef idx="0">
+            <a:schemeClr val="accent1"/>
+          </a:fillRef>
+          <a:effectRef idx="1">
+            <a:schemeClr val="accent1"/>
+          </a:effectRef>
+          <a:fontRef idx="minor">
+            <a:schemeClr val="tx1"/>
+          </a:fontRef>
+        </p:style>
+      </p:cxnSp>
+      <p:cxnSp>
+        <p:nvCxnSpPr>
+          <p:cNvPr id="40" name="Straight Connector 39">
+            <a:extLst>
+              <a:ext uri="{FF2B5EF4-FFF2-40B4-BE49-F238E27FC236}">
+                <a16:creationId xmlns:a16="http://schemas.microsoft.com/office/drawing/2014/main" id="{3D57B2BA-243C-45C7-A5D8-46CA719437FC}"/>
+              </a:ext>
+              <a:ext uri="{C183D7F6-B498-43B3-948B-1728B52AA6E4}">
+                <adec:decorative xmlns:adec="http://schemas.microsoft.com/office/drawing/2017/decorative" val="1"/>
+              </a:ext>
+            </a:extLst>
+          </p:cNvPr>
+          <p:cNvCxnSpPr>
+            <a:cxnSpLocks noGrp="1" noRot="1" noChangeAspect="1" noMove="1" noResize="1" noEditPoints="1" noAdjustHandles="1" noChangeArrowheads="1" noChangeShapeType="1"/>
+          </p:cNvCxnSpPr>
+          <p:nvPr>
+            <p:extLst>
+              <p:ext uri="{386F3935-93C4-4BCD-93E2-E3B085C9AB24}">
+                <p16:designElem xmlns:p16="http://schemas.microsoft.com/office/powerpoint/2015/main" val="1"/>
+              </p:ext>
+            </p:extLst>
+          </p:nvPr>
+        </p:nvCxnSpPr>
+        <p:spPr>
+          <a:xfrm flipH="1">
+            <a:off x="7425267" y="3681413"/>
+            <a:ext cx="4763558" cy="3176587"/>
+          </a:xfrm>
+          <a:prstGeom prst="line">
+            <a:avLst/>
+          </a:prstGeom>
+          <a:ln w="9525">
+            <a:solidFill>
+              <a:schemeClr val="bg1">
+                <a:lumMod val="85000"/>
+              </a:schemeClr>
+            </a:solidFill>
+          </a:ln>
+        </p:spPr>
+        <p:style>
+          <a:lnRef idx="2">
+            <a:schemeClr val="accent1"/>
+          </a:lnRef>
+          <a:fillRef idx="0">
+            <a:schemeClr val="accent1"/>
+          </a:fillRef>
+          <a:effectRef idx="1">
+            <a:schemeClr val="accent1"/>
+          </a:effectRef>
+          <a:fontRef idx="minor">
+            <a:schemeClr val="tx1"/>
+          </a:fontRef>
+        </p:style>
+      </p:cxnSp>
+      <p:sp>
+        <p:nvSpPr>
+          <p:cNvPr id="42" name="Rectangle 23">
+            <a:extLst>
+              <a:ext uri="{FF2B5EF4-FFF2-40B4-BE49-F238E27FC236}">
+                <a16:creationId xmlns:a16="http://schemas.microsoft.com/office/drawing/2014/main" id="{67374FB5-CBB7-46FF-95B5-2251BC6856ED}"/>
+              </a:ext>
+              <a:ext uri="{C183D7F6-B498-43B3-948B-1728B52AA6E4}">
+                <adec:decorative xmlns:adec="http://schemas.microsoft.com/office/drawing/2017/decorative" val="1"/>
+              </a:ext>
+            </a:extLst>
+          </p:cNvPr>
+          <p:cNvSpPr>
+            <a:spLocks noGrp="1" noRot="1" noChangeAspect="1" noMove="1" noResize="1" noEditPoints="1" noAdjustHandles="1" noChangeArrowheads="1" noChangeShapeType="1" noTextEdit="1"/>
+          </p:cNvSpPr>
+          <p:nvPr>
+            <p:extLst>
+              <p:ext uri="{386F3935-93C4-4BCD-93E2-E3B085C9AB24}">
+                <p16:designElem xmlns:p16="http://schemas.microsoft.com/office/powerpoint/2015/main" val="1"/>
+              </p:ext>
+            </p:extLst>
+          </p:nvPr>
+        </p:nvSpPr>
+        <p:spPr>
+          <a:xfrm>
+            <a:off x="9181476" y="-8467"/>
+            <a:ext cx="3007349" cy="6866467"/>
+          </a:xfrm>
+          <a:custGeom>
+            <a:avLst/>
+            <a:gdLst/>
+            <a:ahLst/>
+            <a:cxnLst/>
+            <a:rect l="l" t="t" r="r" b="b"/>
+            <a:pathLst>
+              <a:path w="3007349" h="6866467">
+                <a:moveTo>
+                  <a:pt x="2045532" y="0"/>
+                </a:moveTo>
+                <a:lnTo>
+                  <a:pt x="3007349" y="0"/>
+                </a:lnTo>
+                <a:lnTo>
+                  <a:pt x="3007349" y="6866467"/>
+                </a:lnTo>
+                <a:lnTo>
+                  <a:pt x="0" y="6866467"/>
+                </a:lnTo>
+                <a:lnTo>
+                  <a:pt x="2045532" y="0"/>
+                </a:lnTo>
+                <a:close/>
+              </a:path>
+            </a:pathLst>
+          </a:custGeom>
+          <a:solidFill>
+            <a:schemeClr val="accent1">
+              <a:alpha val="30000"/>
+            </a:schemeClr>
+          </a:solidFill>
+          <a:ln>
+            <a:noFill/>
+          </a:ln>
+          <a:effectLst/>
+        </p:spPr>
+        <p:style>
+          <a:lnRef idx="1">
+            <a:schemeClr val="accent1"/>
+          </a:lnRef>
+          <a:fillRef idx="3">
+            <a:schemeClr val="accent1"/>
+          </a:fillRef>
+          <a:effectRef idx="2">
+            <a:schemeClr val="accent1"/>
+          </a:effectRef>
+          <a:fontRef idx="minor">
+            <a:schemeClr val="lt1"/>
+          </a:fontRef>
+        </p:style>
+      </p:sp>
+      <p:sp>
+        <p:nvSpPr>
+          <p:cNvPr id="44" name="Rectangle 25">
+            <a:extLst>
+              <a:ext uri="{FF2B5EF4-FFF2-40B4-BE49-F238E27FC236}">
+                <a16:creationId xmlns:a16="http://schemas.microsoft.com/office/drawing/2014/main" id="{34BCEAB7-D9E0-40A4-9254-8593BD346EAB}"/>
+              </a:ext>
+              <a:ext uri="{C183D7F6-B498-43B3-948B-1728B52AA6E4}">
+                <adec:decorative xmlns:adec="http://schemas.microsoft.com/office/drawing/2017/decorative" val="1"/>
+              </a:ext>
+            </a:extLst>
+          </p:cNvPr>
+          <p:cNvSpPr>
+            <a:spLocks noGrp="1" noRot="1" noChangeAspect="1" noMove="1" noResize="1" noEditPoints="1" noAdjustHandles="1" noChangeArrowheads="1" noChangeShapeType="1" noTextEdit="1"/>
+          </p:cNvSpPr>
+          <p:nvPr>
+            <p:extLst>
+              <p:ext uri="{386F3935-93C4-4BCD-93E2-E3B085C9AB24}">
+                <p16:designElem xmlns:p16="http://schemas.microsoft.com/office/powerpoint/2015/main" val="1"/>
+              </p:ext>
+            </p:extLst>
+          </p:nvPr>
+        </p:nvSpPr>
+        <p:spPr>
+          <a:xfrm>
+            <a:off x="9603442" y="-8467"/>
+            <a:ext cx="2588558" cy="6866467"/>
+          </a:xfrm>
+          <a:custGeom>
+            <a:avLst/>
+            <a:gdLst/>
+            <a:ahLst/>
+            <a:cxnLst/>
+            <a:rect l="l" t="t" r="r" b="b"/>
+            <a:pathLst>
+              <a:path w="2573311" h="6866467">
+                <a:moveTo>
+                  <a:pt x="0" y="0"/>
+                </a:moveTo>
+                <a:lnTo>
+                  <a:pt x="2573311" y="0"/>
+                </a:lnTo>
+                <a:lnTo>
+                  <a:pt x="2573311" y="6866467"/>
+                </a:lnTo>
+                <a:lnTo>
+                  <a:pt x="1202336" y="6866467"/>
+                </a:lnTo>
+                <a:lnTo>
+                  <a:pt x="0" y="0"/>
+                </a:lnTo>
+                <a:close/>
+              </a:path>
+            </a:pathLst>
+          </a:custGeom>
+          <a:solidFill>
+            <a:schemeClr val="accent1">
+              <a:alpha val="20000"/>
+            </a:schemeClr>
+          </a:solidFill>
+          <a:ln>
+            <a:noFill/>
+          </a:ln>
+          <a:effectLst/>
+        </p:spPr>
+        <p:style>
+          <a:lnRef idx="1">
+            <a:schemeClr val="accent1"/>
+          </a:lnRef>
+          <a:fillRef idx="3">
+            <a:schemeClr val="accent1"/>
+          </a:fillRef>
+          <a:effectRef idx="2">
+            <a:schemeClr val="accent1"/>
+          </a:effectRef>
+          <a:fontRef idx="minor">
+            <a:schemeClr val="lt1"/>
+          </a:fontRef>
+        </p:style>
+      </p:sp>
+      <p:sp>
+        <p:nvSpPr>
+          <p:cNvPr id="46" name="Isosceles Triangle 45">
+            <a:extLst>
+              <a:ext uri="{FF2B5EF4-FFF2-40B4-BE49-F238E27FC236}">
+                <a16:creationId xmlns:a16="http://schemas.microsoft.com/office/drawing/2014/main" id="{D567A354-BB63-405C-8E5F-2F510E670F16}"/>
+              </a:ext>
+              <a:ext uri="{C183D7F6-B498-43B3-948B-1728B52AA6E4}">
+                <adec:decorative xmlns:adec="http://schemas.microsoft.com/office/drawing/2017/decorative" val="1"/>
+              </a:ext>
+            </a:extLst>
+          </p:cNvPr>
+          <p:cNvSpPr>
+            <a:spLocks noGrp="1" noRot="1" noChangeAspect="1" noMove="1" noResize="1" noEditPoints="1" noAdjustHandles="1" noChangeArrowheads="1" noChangeShapeType="1" noTextEdit="1"/>
+          </p:cNvSpPr>
+          <p:nvPr>
+            <p:extLst>
+              <p:ext uri="{386F3935-93C4-4BCD-93E2-E3B085C9AB24}">
+                <p16:designElem xmlns:p16="http://schemas.microsoft.com/office/powerpoint/2015/main" val="1"/>
+              </p:ext>
+            </p:extLst>
+          </p:nvPr>
+        </p:nvSpPr>
+        <p:spPr>
+          <a:xfrm>
+            <a:off x="8932333" y="3048000"/>
+            <a:ext cx="3259667" cy="3810000"/>
+          </a:xfrm>
+          <a:prstGeom prst="triangle">
+            <a:avLst>
+              <a:gd name="adj" fmla="val 100000"/>
+            </a:avLst>
+          </a:prstGeom>
+          <a:solidFill>
+            <a:schemeClr val="accent2">
+              <a:alpha val="72000"/>
+            </a:schemeClr>
+          </a:solidFill>
+          <a:ln>
+            <a:noFill/>
+          </a:ln>
+          <a:effectLst/>
+        </p:spPr>
+        <p:style>
+          <a:lnRef idx="1">
+            <a:schemeClr val="accent1"/>
+          </a:lnRef>
+          <a:fillRef idx="3">
+            <a:schemeClr val="accent1"/>
+          </a:fillRef>
+          <a:effectRef idx="2">
+            <a:schemeClr val="accent1"/>
+          </a:effectRef>
+          <a:fontRef idx="minor">
+            <a:schemeClr val="lt1"/>
+          </a:fontRef>
+        </p:style>
+      </p:sp>
+      <p:sp>
+        <p:nvSpPr>
+          <p:cNvPr id="2" name="Title 1">
+            <a:extLst>
+              <a:ext uri="{FF2B5EF4-FFF2-40B4-BE49-F238E27FC236}">
+                <a16:creationId xmlns:a16="http://schemas.microsoft.com/office/drawing/2014/main" id="{17611BF7-7CC8-52FF-41D4-FD7954A02F3B}"/>
+              </a:ext>
+            </a:extLst>
+          </p:cNvPr>
+          <p:cNvSpPr>
+            <a:spLocks noGrp="1"/>
+          </p:cNvSpPr>
+          <p:nvPr>
+            <p:ph type="title"/>
+          </p:nvPr>
+        </p:nvSpPr>
+        <p:spPr>
+          <a:xfrm>
+            <a:off x="4791450" y="1678665"/>
+            <a:ext cx="4482553" cy="2369131"/>
+          </a:xfrm>
+        </p:spPr>
+        <p:txBody>
+          <a:bodyPr vert="horz" lIns="91440" tIns="45720" rIns="91440" bIns="45720" rtlCol="0" anchor="b">
+            <a:normAutofit/>
+          </a:bodyPr>
+          <a:lstStyle/>
+          <a:p>
+            <a:pPr algn="r"/>
+            <a:r>
+              <a:rPr lang="en-US" sz="5400"/>
+              <a:t>App Presentation</a:t>
+            </a:r>
+          </a:p>
+        </p:txBody>
+      </p:sp>
+      <p:sp>
+        <p:nvSpPr>
+          <p:cNvPr id="48" name="Rectangle 27">
+            <a:extLst>
+              <a:ext uri="{FF2B5EF4-FFF2-40B4-BE49-F238E27FC236}">
+                <a16:creationId xmlns:a16="http://schemas.microsoft.com/office/drawing/2014/main" id="{9185A8D7-2F20-4F7A-97BE-21DB1654C7F7}"/>
+              </a:ext>
+              <a:ext uri="{C183D7F6-B498-43B3-948B-1728B52AA6E4}">
+                <adec:decorative xmlns:adec="http://schemas.microsoft.com/office/drawing/2017/decorative" val="1"/>
+              </a:ext>
+            </a:extLst>
+          </p:cNvPr>
+          <p:cNvSpPr>
+            <a:spLocks noGrp="1" noRot="1" noChangeAspect="1" noMove="1" noResize="1" noEditPoints="1" noAdjustHandles="1" noChangeArrowheads="1" noChangeShapeType="1" noTextEdit="1"/>
+          </p:cNvSpPr>
+          <p:nvPr>
+            <p:extLst>
+              <p:ext uri="{386F3935-93C4-4BCD-93E2-E3B085C9AB24}">
+                <p16:designElem xmlns:p16="http://schemas.microsoft.com/office/powerpoint/2015/main" val="1"/>
+              </p:ext>
+            </p:extLst>
+          </p:nvPr>
+        </p:nvSpPr>
+        <p:spPr>
+          <a:xfrm>
+            <a:off x="9334500" y="-8467"/>
+            <a:ext cx="2854326" cy="6866467"/>
+          </a:xfrm>
+          <a:custGeom>
+            <a:avLst/>
+            <a:gdLst/>
+            <a:ahLst/>
+            <a:cxnLst/>
+            <a:rect l="l" t="t" r="r" b="b"/>
+            <a:pathLst>
+              <a:path w="2858013" h="6866467">
+                <a:moveTo>
+                  <a:pt x="0" y="0"/>
+                </a:moveTo>
+                <a:lnTo>
+                  <a:pt x="2858013" y="0"/>
+                </a:lnTo>
+                <a:lnTo>
+                  <a:pt x="2858013" y="6866467"/>
+                </a:lnTo>
+                <a:lnTo>
+                  <a:pt x="2473942" y="6866467"/>
+                </a:lnTo>
+                <a:lnTo>
+                  <a:pt x="0" y="0"/>
+                </a:lnTo>
+                <a:close/>
+              </a:path>
+            </a:pathLst>
+          </a:custGeom>
+          <a:solidFill>
+            <a:schemeClr val="accent2">
+              <a:lumMod val="75000"/>
+              <a:alpha val="47000"/>
+            </a:schemeClr>
+          </a:solidFill>
+          <a:ln>
+            <a:noFill/>
+          </a:ln>
+          <a:effectLst/>
+        </p:spPr>
+        <p:style>
+          <a:lnRef idx="1">
+            <a:schemeClr val="accent1"/>
+          </a:lnRef>
+          <a:fillRef idx="3">
+            <a:schemeClr val="accent1"/>
+          </a:fillRef>
+          <a:effectRef idx="2">
+            <a:schemeClr val="accent1"/>
+          </a:effectRef>
+          <a:fontRef idx="minor">
+            <a:schemeClr val="lt1"/>
+          </a:fontRef>
+        </p:style>
+      </p:sp>
+      <p:sp>
+        <p:nvSpPr>
+          <p:cNvPr id="50" name="Rectangle 28">
+            <a:extLst>
+              <a:ext uri="{FF2B5EF4-FFF2-40B4-BE49-F238E27FC236}">
+                <a16:creationId xmlns:a16="http://schemas.microsoft.com/office/drawing/2014/main" id="{CB65BD56-22B3-4E13-BFCA-B8E8BEB92D6C}"/>
+              </a:ext>
+              <a:ext uri="{C183D7F6-B498-43B3-948B-1728B52AA6E4}">
+                <adec:decorative xmlns:adec="http://schemas.microsoft.com/office/drawing/2017/decorative" val="1"/>
+              </a:ext>
+            </a:extLst>
+          </p:cNvPr>
+          <p:cNvSpPr>
+            <a:spLocks noGrp="1" noRot="1" noChangeAspect="1" noMove="1" noResize="1" noEditPoints="1" noAdjustHandles="1" noChangeArrowheads="1" noChangeShapeType="1" noTextEdit="1"/>
+          </p:cNvSpPr>
+          <p:nvPr>
+            <p:extLst>
+              <p:ext uri="{386F3935-93C4-4BCD-93E2-E3B085C9AB24}">
+                <p16:designElem xmlns:p16="http://schemas.microsoft.com/office/powerpoint/2015/main" val="1"/>
+              </p:ext>
+            </p:extLst>
+          </p:nvPr>
+        </p:nvSpPr>
+        <p:spPr>
+          <a:xfrm>
+            <a:off x="10898730" y="-8467"/>
+            <a:ext cx="1290094" cy="6866467"/>
+          </a:xfrm>
+          <a:custGeom>
+            <a:avLst/>
+            <a:gdLst/>
+            <a:ahLst/>
+            <a:cxnLst/>
+            <a:rect l="l" t="t" r="r" b="b"/>
+            <a:pathLst>
+              <a:path w="1290094" h="6858000">
+                <a:moveTo>
+                  <a:pt x="1019735" y="0"/>
+                </a:moveTo>
+                <a:lnTo>
+                  <a:pt x="1290094" y="0"/>
+                </a:lnTo>
+                <a:lnTo>
+                  <a:pt x="1290094" y="6858000"/>
+                </a:lnTo>
+                <a:lnTo>
+                  <a:pt x="0" y="6858000"/>
+                </a:lnTo>
+                <a:lnTo>
+                  <a:pt x="1019735" y="0"/>
+                </a:lnTo>
+                <a:close/>
+              </a:path>
+            </a:pathLst>
+          </a:custGeom>
+          <a:solidFill>
+            <a:schemeClr val="accent1">
+              <a:lumMod val="60000"/>
+              <a:lumOff val="40000"/>
+              <a:alpha val="70000"/>
+            </a:schemeClr>
+          </a:solidFill>
+          <a:ln>
+            <a:noFill/>
+          </a:ln>
+          <a:effectLst/>
+        </p:spPr>
+        <p:style>
+          <a:lnRef idx="1">
+            <a:schemeClr val="accent1"/>
+          </a:lnRef>
+          <a:fillRef idx="3">
+            <a:schemeClr val="accent1"/>
+          </a:fillRef>
+          <a:effectRef idx="2">
+            <a:schemeClr val="accent1"/>
+          </a:effectRef>
+          <a:fontRef idx="minor">
+            <a:schemeClr val="lt1"/>
+          </a:fontRef>
+        </p:style>
+      </p:sp>
+      <p:sp>
+        <p:nvSpPr>
+          <p:cNvPr id="52" name="Rectangle 29">
+            <a:extLst>
+              <a:ext uri="{FF2B5EF4-FFF2-40B4-BE49-F238E27FC236}">
+                <a16:creationId xmlns:a16="http://schemas.microsoft.com/office/drawing/2014/main" id="{6790ED68-BCA0-4247-A72F-1CB85DF068C3}"/>
+              </a:ext>
+              <a:ext uri="{C183D7F6-B498-43B3-948B-1728B52AA6E4}">
+                <adec:decorative xmlns:adec="http://schemas.microsoft.com/office/drawing/2017/decorative" val="1"/>
+              </a:ext>
+            </a:extLst>
+          </p:cNvPr>
+          <p:cNvSpPr>
+            <a:spLocks noGrp="1" noRot="1" noChangeAspect="1" noMove="1" noResize="1" noEditPoints="1" noAdjustHandles="1" noChangeArrowheads="1" noChangeShapeType="1" noTextEdit="1"/>
+          </p:cNvSpPr>
+          <p:nvPr>
+            <p:extLst>
+              <p:ext uri="{386F3935-93C4-4BCD-93E2-E3B085C9AB24}">
+                <p16:designElem xmlns:p16="http://schemas.microsoft.com/office/powerpoint/2015/main" val="1"/>
+              </p:ext>
+            </p:extLst>
+          </p:nvPr>
+        </p:nvSpPr>
+        <p:spPr>
+          <a:xfrm>
+            <a:off x="10938999" y="-8467"/>
+            <a:ext cx="1249825" cy="6866467"/>
+          </a:xfrm>
+          <a:custGeom>
+            <a:avLst/>
+            <a:gdLst/>
+            <a:ahLst/>
+            <a:cxnLst/>
+            <a:rect l="l" t="t" r="r" b="b"/>
+            <a:pathLst>
+              <a:path w="1249825" h="6858000">
+                <a:moveTo>
+                  <a:pt x="0" y="0"/>
+                </a:moveTo>
+                <a:lnTo>
+                  <a:pt x="1249825" y="0"/>
+                </a:lnTo>
+                <a:lnTo>
+                  <a:pt x="1249825" y="6858000"/>
+                </a:lnTo>
+                <a:lnTo>
+                  <a:pt x="1109382" y="6858000"/>
+                </a:lnTo>
+                <a:lnTo>
+                  <a:pt x="0" y="0"/>
+                </a:lnTo>
+                <a:close/>
+              </a:path>
+            </a:pathLst>
+          </a:custGeom>
+          <a:solidFill>
+            <a:schemeClr val="accent1">
+              <a:alpha val="65000"/>
+            </a:schemeClr>
+          </a:solidFill>
+          <a:ln>
+            <a:noFill/>
+          </a:ln>
+          <a:effectLst/>
+        </p:spPr>
+        <p:style>
+          <a:lnRef idx="1">
+            <a:schemeClr val="accent1"/>
+          </a:lnRef>
+          <a:fillRef idx="3">
+            <a:schemeClr val="accent1"/>
+          </a:fillRef>
+          <a:effectRef idx="2">
+            <a:schemeClr val="accent1"/>
+          </a:effectRef>
+          <a:fontRef idx="minor">
+            <a:schemeClr val="lt1"/>
+          </a:fontRef>
+        </p:style>
+      </p:sp>
+      <p:sp>
+        <p:nvSpPr>
+          <p:cNvPr id="54" name="Isosceles Triangle 53">
+            <a:extLst>
+              <a:ext uri="{FF2B5EF4-FFF2-40B4-BE49-F238E27FC236}">
+                <a16:creationId xmlns:a16="http://schemas.microsoft.com/office/drawing/2014/main" id="{DD0F2B3F-DC55-4FA7-B667-1ACD07920937}"/>
+              </a:ext>
+              <a:ext uri="{C183D7F6-B498-43B3-948B-1728B52AA6E4}">
+                <adec:decorative xmlns:adec="http://schemas.microsoft.com/office/drawing/2017/decorative" val="1"/>
+              </a:ext>
+            </a:extLst>
+          </p:cNvPr>
+          <p:cNvSpPr>
+            <a:spLocks noGrp="1" noRot="1" noChangeAspect="1" noMove="1" noResize="1" noEditPoints="1" noAdjustHandles="1" noChangeArrowheads="1" noChangeShapeType="1" noTextEdit="1"/>
+          </p:cNvSpPr>
+          <p:nvPr>
+            <p:extLst>
+              <p:ext uri="{386F3935-93C4-4BCD-93E2-E3B085C9AB24}">
+                <p16:designElem xmlns:p16="http://schemas.microsoft.com/office/powerpoint/2015/main" val="1"/>
+              </p:ext>
+            </p:extLst>
+          </p:nvPr>
+        </p:nvSpPr>
+        <p:spPr>
+          <a:xfrm>
+            <a:off x="10371666" y="3589867"/>
+            <a:ext cx="1817159" cy="3268133"/>
+          </a:xfrm>
+          <a:prstGeom prst="triangle">
+            <a:avLst>
+              <a:gd name="adj" fmla="val 100000"/>
+            </a:avLst>
+          </a:prstGeom>
+          <a:solidFill>
+            <a:schemeClr val="accent1">
+              <a:alpha val="80000"/>
+            </a:schemeClr>
+          </a:solidFill>
+          <a:ln>
+            <a:noFill/>
+          </a:ln>
+          <a:effectLst/>
+        </p:spPr>
+        <p:style>
+          <a:lnRef idx="1">
+            <a:schemeClr val="accent1"/>
+          </a:lnRef>
+          <a:fillRef idx="3">
+            <a:schemeClr val="accent1"/>
+          </a:fillRef>
+          <a:effectRef idx="2">
+            <a:schemeClr val="accent1"/>
+          </a:effectRef>
+          <a:fontRef idx="minor">
+            <a:schemeClr val="lt1"/>
+          </a:fontRef>
+        </p:style>
+      </p:sp>
+      <p:pic>
+        <p:nvPicPr>
+          <p:cNvPr id="3" name="Picture 2">
+            <a:extLst>
+              <a:ext uri="{FF2B5EF4-FFF2-40B4-BE49-F238E27FC236}">
+                <a16:creationId xmlns:a16="http://schemas.microsoft.com/office/drawing/2014/main" id="{0223FEC7-86C7-5E68-9625-0A7D5358773B}"/>
+              </a:ext>
+            </a:extLst>
+          </p:cNvPr>
+          <p:cNvPicPr>
+            <a:picLocks noChangeAspect="1"/>
+          </p:cNvPicPr>
+          <p:nvPr/>
+        </p:nvPicPr>
+        <p:blipFill>
+          <a:blip r:embed="rId3"/>
+          <a:stretch>
+            <a:fillRect/>
+          </a:stretch>
+        </p:blipFill>
+        <p:spPr>
+          <a:xfrm>
+            <a:off x="11369020" y="6035030"/>
+            <a:ext cx="822960" cy="822960"/>
+          </a:xfrm>
+          <a:prstGeom prst="rect">
+            <a:avLst/>
+          </a:prstGeom>
+        </p:spPr>
+      </p:pic>
+    </p:spTree>
+    <p:extLst>
+      <p:ext uri="{BB962C8B-B14F-4D97-AF65-F5344CB8AC3E}">
+        <p14:creationId xmlns:p14="http://schemas.microsoft.com/office/powerpoint/2010/main" val="2873991904"/>
+      </p:ext>
+    </p:extLst>
+  </p:cSld>
+  <p:clrMapOvr>
+    <a:masterClrMapping/>
+  </p:clrMapOvr>
+  <p:timing>
+    <p:tnLst>
+      <p:par>
+        <p:cTn id="1" dur="indefinite" restart="never" nodeType="tmRoot">
+          <p:childTnLst>
+            <p:seq concurrent="1" nextAc="seek">
+              <p:cTn id="2" dur="indefinite" nodeType="mainSeq">
+                <p:childTnLst>
+                  <p:par>
+                    <p:cTn id="3" fill="hold">
+                      <p:stCondLst>
+                        <p:cond delay="indefinite"/>
+                        <p:cond evt="onBegin" delay="0">
+                          <p:tn val="2"/>
+                        </p:cond>
+                      </p:stCondLst>
+                      <p:childTnLst>
+                        <p:par>
+                          <p:cTn id="4" fill="hold">
+                            <p:stCondLst>
+                              <p:cond delay="0"/>
+                            </p:stCondLst>
+                            <p:childTnLst>
+                              <p:par>
+                                <p:cTn id="5" presetID="10" presetClass="entr" presetSubtype="0" fill="hold" grpId="0" nodeType="withEffect">
+                                  <p:stCondLst>
+                                    <p:cond delay="1000"/>
+                                  </p:stCondLst>
+                                  <p:iterate>
+                                    <p:tmPct val="10000"/>
+                                  </p:iterate>
+                                  <p:childTnLst>
+                                    <p:set>
+                                      <p:cBhvr>
+                                        <p:cTn id="6" dur="1" fill="hold">
+                                          <p:stCondLst>
+                                            <p:cond delay="0"/>
+                                          </p:stCondLst>
+                                        </p:cTn>
+                                        <p:tgtEl>
+                                          <p:spTgt spid="2"/>
+                                        </p:tgtEl>
+                                        <p:attrNameLst>
+                                          <p:attrName>style.visibility</p:attrName>
+                                        </p:attrNameLst>
+                                      </p:cBhvr>
+                                      <p:to>
+                                        <p:strVal val="visible"/>
+                                      </p:to>
+                                    </p:set>
+                                    <p:animEffect transition="in" filter="fade">
+                                      <p:cBhvr>
+                                        <p:cTn id="7" dur="700"/>
+                                        <p:tgtEl>
+                                          <p:spTgt spid="2"/>
+                                        </p:tgtEl>
+                                      </p:cBhvr>
+                                    </p:animEffect>
+                                  </p:childTnLst>
+                                </p:cTn>
+                              </p:par>
+                            </p:childTnLst>
+                          </p:cTn>
+                        </p:par>
+                      </p:childTnLst>
+                    </p:cTn>
+                  </p:par>
+                </p:childTnLst>
+              </p:cTn>
+              <p:prevCondLst>
+                <p:cond evt="onPrev" delay="0">
+                  <p:tgtEl>
+                    <p:sldTgt/>
+                  </p:tgtEl>
+                </p:cond>
+              </p:prevCondLst>
+              <p:nextCondLst>
+                <p:cond evt="onNext" delay="0">
+                  <p:tgtEl>
+                    <p:sldTgt/>
+                  </p:tgtEl>
+                </p:cond>
+              </p:nextCondLst>
+            </p:seq>
+          </p:childTnLst>
+        </p:cTn>
+      </p:par>
+    </p:tnLst>
+    <p:bldLst>
+      <p:bldP spid="2" grpId="0"/>
+    </p:bldLst>
+  </p:timing>
+</p:sld>
+</file>
+
+<file path=ppt/slides/slide12.xml><?xml version="1.0" encoding="utf-8"?>
+<p:sld xmlns:a="http://schemas.openxmlformats.org/drawingml/2006/main" xmlns:r="http://schemas.openxmlformats.org/officeDocument/2006/relationships" xmlns:p="http://schemas.openxmlformats.org/presentationml/2006/main">
+  <p:cSld>
+    <p:bg>
+      <p:bgPr>
+        <a:solidFill>
+          <a:schemeClr val="bg1"/>
+        </a:solidFill>
+        <a:effectLst/>
+      </p:bgPr>
+    </p:bg>
+    <p:spTree>
+      <p:nvGrpSpPr>
+        <p:cNvPr id="1" name=""/>
+        <p:cNvGrpSpPr/>
+        <p:nvPr/>
+      </p:nvGrpSpPr>
+      <p:grpSpPr>
+        <a:xfrm>
+          <a:off x="0" y="0"/>
+          <a:ext cx="0" cy="0"/>
+          <a:chOff x="0" y="0"/>
+          <a:chExt cx="0" cy="0"/>
+        </a:xfrm>
+      </p:grpSpPr>
+      <p:sp>
+        <p:nvSpPr>
+          <p:cNvPr id="2" name="Title 1">
+            <a:extLst>
+              <a:ext uri="{FF2B5EF4-FFF2-40B4-BE49-F238E27FC236}">
+                <a16:creationId xmlns:a16="http://schemas.microsoft.com/office/drawing/2014/main" id="{17611BF7-7CC8-52FF-41D4-FD7954A02F3B}"/>
+              </a:ext>
+            </a:extLst>
+          </p:cNvPr>
+          <p:cNvSpPr>
+            <a:spLocks noGrp="1"/>
+          </p:cNvSpPr>
+          <p:nvPr>
+            <p:ph type="title"/>
+          </p:nvPr>
+        </p:nvSpPr>
+        <p:spPr>
+          <a:xfrm>
+            <a:off x="2175224" y="492948"/>
+            <a:ext cx="2643911" cy="841274"/>
+          </a:xfrm>
+        </p:spPr>
+        <p:txBody>
+          <a:bodyPr>
+            <a:normAutofit/>
+          </a:bodyPr>
+          <a:lstStyle/>
+          <a:p>
+            <a:r>
+              <a:rPr lang="en-US" dirty="0"/>
+              <a:t>Screens</a:t>
+            </a:r>
+          </a:p>
+        </p:txBody>
+      </p:sp>
+      <p:pic>
+        <p:nvPicPr>
+          <p:cNvPr id="11" name="Picture 4" descr="Ramen on yellow table">
+            <a:extLst>
+              <a:ext uri="{FF2B5EF4-FFF2-40B4-BE49-F238E27FC236}">
+                <a16:creationId xmlns:a16="http://schemas.microsoft.com/office/drawing/2014/main" id="{58E5CCF7-D3C0-A3DA-D587-C6E380B9CF7E}"/>
+              </a:ext>
+            </a:extLst>
+          </p:cNvPr>
+          <p:cNvPicPr>
+            <a:picLocks noChangeAspect="1"/>
+          </p:cNvPicPr>
+          <p:nvPr/>
+        </p:nvPicPr>
+        <p:blipFill rotWithShape="1">
+          <a:blip r:embed="rId2"/>
+          <a:srcRect l="16328" r="57099" b="1"/>
+          <a:stretch/>
+        </p:blipFill>
+        <p:spPr>
+          <a:xfrm>
+            <a:off x="20" y="10"/>
+            <a:ext cx="2734036" cy="6867719"/>
+          </a:xfrm>
+          <a:custGeom>
+            <a:avLst/>
+            <a:gdLst/>
+            <a:ahLst/>
+            <a:cxnLst/>
+            <a:rect l="l" t="t" r="r" b="b"/>
+            <a:pathLst>
+              <a:path w="2734056" h="6858000">
+                <a:moveTo>
+                  <a:pt x="0" y="0"/>
+                </a:moveTo>
+                <a:lnTo>
+                  <a:pt x="1674254" y="0"/>
+                </a:lnTo>
+                <a:lnTo>
+                  <a:pt x="2734056" y="6850199"/>
+                </a:lnTo>
+                <a:lnTo>
+                  <a:pt x="2734056" y="6858000"/>
+                </a:lnTo>
+                <a:lnTo>
+                  <a:pt x="461457" y="6858000"/>
+                </a:lnTo>
+                <a:lnTo>
+                  <a:pt x="0" y="4134118"/>
+                </a:lnTo>
+                <a:close/>
+              </a:path>
+            </a:pathLst>
+          </a:custGeom>
+        </p:spPr>
+      </p:pic>
+      <p:sp>
+        <p:nvSpPr>
+          <p:cNvPr id="12" name="Isosceles Triangle 8">
+            <a:extLst>
+              <a:ext uri="{FF2B5EF4-FFF2-40B4-BE49-F238E27FC236}">
+                <a16:creationId xmlns:a16="http://schemas.microsoft.com/office/drawing/2014/main" id="{EB6743CF-E74B-4A3C-A785-599069DB89DF}"/>
+              </a:ext>
+              <a:ext uri="{C183D7F6-B498-43B3-948B-1728B52AA6E4}">
+                <adec:decorative xmlns:adec="http://schemas.microsoft.com/office/drawing/2017/decorative" val="1"/>
+              </a:ext>
+            </a:extLst>
+          </p:cNvPr>
+          <p:cNvSpPr>
+            <a:spLocks noGrp="1" noRot="1" noChangeAspect="1" noMove="1" noResize="1" noEditPoints="1" noAdjustHandles="1" noChangeArrowheads="1" noChangeShapeType="1" noTextEdit="1"/>
+          </p:cNvSpPr>
+          <p:nvPr>
+            <p:extLst>
+              <p:ext uri="{386F3935-93C4-4BCD-93E2-E3B085C9AB24}">
+                <p16:designElem xmlns:p16="http://schemas.microsoft.com/office/powerpoint/2015/main" val="1"/>
+              </p:ext>
+            </p:extLst>
+          </p:nvPr>
+        </p:nvSpPr>
+        <p:spPr>
+          <a:xfrm>
+            <a:off x="0" y="4013201"/>
+            <a:ext cx="476655" cy="2844800"/>
+          </a:xfrm>
+          <a:prstGeom prst="triangle">
+            <a:avLst>
+              <a:gd name="adj" fmla="val 0"/>
+            </a:avLst>
+          </a:prstGeom>
+          <a:solidFill>
+            <a:schemeClr val="accent1"/>
+          </a:solidFill>
+          <a:ln>
+            <a:noFill/>
+          </a:ln>
+          <a:effectLst/>
+        </p:spPr>
+        <p:style>
+          <a:lnRef idx="1">
+            <a:schemeClr val="accent1"/>
+          </a:lnRef>
+          <a:fillRef idx="3">
+            <a:schemeClr val="accent1"/>
+          </a:fillRef>
+          <a:effectRef idx="2">
+            <a:schemeClr val="accent1"/>
+          </a:effectRef>
+          <a:fontRef idx="minor">
+            <a:schemeClr val="lt1"/>
+          </a:fontRef>
+        </p:style>
+      </p:sp>
+      <p:pic>
+        <p:nvPicPr>
+          <p:cNvPr id="8" name="Picture 7">
+            <a:extLst>
+              <a:ext uri="{FF2B5EF4-FFF2-40B4-BE49-F238E27FC236}">
+                <a16:creationId xmlns:a16="http://schemas.microsoft.com/office/drawing/2014/main" id="{F576CD8E-CEB2-1CC6-A3B4-4E0C9F77B18F}"/>
+              </a:ext>
+            </a:extLst>
+          </p:cNvPr>
+          <p:cNvPicPr>
+            <a:picLocks noChangeAspect="1"/>
+          </p:cNvPicPr>
+          <p:nvPr/>
+        </p:nvPicPr>
+        <p:blipFill>
+          <a:blip r:embed="rId3"/>
+          <a:stretch>
+            <a:fillRect/>
+          </a:stretch>
+        </p:blipFill>
+        <p:spPr>
+          <a:xfrm>
+            <a:off x="4020579" y="0"/>
+            <a:ext cx="4941674" cy="6858000"/>
+          </a:xfrm>
+          <a:prstGeom prst="rect">
+            <a:avLst/>
+          </a:prstGeom>
+        </p:spPr>
+      </p:pic>
+    </p:spTree>
+    <p:extLst>
+      <p:ext uri="{BB962C8B-B14F-4D97-AF65-F5344CB8AC3E}">
+        <p14:creationId xmlns:p14="http://schemas.microsoft.com/office/powerpoint/2010/main" val="3488988656"/>
+      </p:ext>
+    </p:extLst>
+  </p:cSld>
+  <p:clrMapOvr>
+    <a:masterClrMapping/>
+  </p:clrMapOvr>
+</p:sld>
+</file>
+
+<file path=ppt/slides/slide13.xml><?xml version="1.0" encoding="utf-8"?>
+<p:sld xmlns:a="http://schemas.openxmlformats.org/drawingml/2006/main" xmlns:r="http://schemas.openxmlformats.org/officeDocument/2006/relationships" xmlns:p="http://schemas.openxmlformats.org/presentationml/2006/main">
+  <p:cSld>
+    <p:bg>
+      <p:bgPr>
+        <a:solidFill>
+          <a:schemeClr val="bg1"/>
+        </a:solidFill>
+        <a:effectLst/>
+      </p:bgPr>
+    </p:bg>
+    <p:spTree>
+      <p:nvGrpSpPr>
+        <p:cNvPr id="1" name=""/>
+        <p:cNvGrpSpPr/>
+        <p:nvPr/>
+      </p:nvGrpSpPr>
+      <p:grpSpPr>
+        <a:xfrm>
+          <a:off x="0" y="0"/>
+          <a:ext cx="0" cy="0"/>
+          <a:chOff x="0" y="0"/>
+          <a:chExt cx="0" cy="0"/>
+        </a:xfrm>
+      </p:grpSpPr>
+      <p:sp>
+        <p:nvSpPr>
+          <p:cNvPr id="2" name="Title 1">
+            <a:extLst>
+              <a:ext uri="{FF2B5EF4-FFF2-40B4-BE49-F238E27FC236}">
+                <a16:creationId xmlns:a16="http://schemas.microsoft.com/office/drawing/2014/main" id="{17611BF7-7CC8-52FF-41D4-FD7954A02F3B}"/>
+              </a:ext>
+            </a:extLst>
+          </p:cNvPr>
+          <p:cNvSpPr>
+            <a:spLocks noGrp="1"/>
+          </p:cNvSpPr>
+          <p:nvPr>
+            <p:ph type="title"/>
+          </p:nvPr>
+        </p:nvSpPr>
+        <p:spPr>
+          <a:xfrm>
+            <a:off x="2175224" y="492948"/>
+            <a:ext cx="5176838" cy="841274"/>
+          </a:xfrm>
+        </p:spPr>
+        <p:txBody>
+          <a:bodyPr>
+            <a:normAutofit/>
+          </a:bodyPr>
+          <a:lstStyle/>
+          <a:p>
+            <a:r>
+              <a:rPr lang="en-US" dirty="0"/>
+              <a:t>Login Options Screen</a:t>
+            </a:r>
+          </a:p>
+        </p:txBody>
+      </p:sp>
+      <p:pic>
+        <p:nvPicPr>
+          <p:cNvPr id="11" name="Picture 4" descr="Ramen on yellow table">
+            <a:extLst>
+              <a:ext uri="{FF2B5EF4-FFF2-40B4-BE49-F238E27FC236}">
+                <a16:creationId xmlns:a16="http://schemas.microsoft.com/office/drawing/2014/main" id="{58E5CCF7-D3C0-A3DA-D587-C6E380B9CF7E}"/>
+              </a:ext>
+            </a:extLst>
+          </p:cNvPr>
+          <p:cNvPicPr>
+            <a:picLocks noChangeAspect="1"/>
+          </p:cNvPicPr>
+          <p:nvPr/>
+        </p:nvPicPr>
+        <p:blipFill rotWithShape="1">
+          <a:blip r:embed="rId2"/>
+          <a:srcRect l="16328" r="57099" b="1"/>
+          <a:stretch/>
+        </p:blipFill>
+        <p:spPr>
+          <a:xfrm>
+            <a:off x="20" y="10"/>
+            <a:ext cx="2734036" cy="6867719"/>
+          </a:xfrm>
+          <a:custGeom>
+            <a:avLst/>
+            <a:gdLst/>
+            <a:ahLst/>
+            <a:cxnLst/>
+            <a:rect l="l" t="t" r="r" b="b"/>
+            <a:pathLst>
+              <a:path w="2734056" h="6858000">
+                <a:moveTo>
+                  <a:pt x="0" y="0"/>
+                </a:moveTo>
+                <a:lnTo>
+                  <a:pt x="1674254" y="0"/>
+                </a:lnTo>
+                <a:lnTo>
+                  <a:pt x="2734056" y="6850199"/>
+                </a:lnTo>
+                <a:lnTo>
+                  <a:pt x="2734056" y="6858000"/>
+                </a:lnTo>
+                <a:lnTo>
+                  <a:pt x="461457" y="6858000"/>
+                </a:lnTo>
+                <a:lnTo>
+                  <a:pt x="0" y="4134118"/>
+                </a:lnTo>
+                <a:close/>
+              </a:path>
+            </a:pathLst>
+          </a:custGeom>
+        </p:spPr>
+      </p:pic>
+      <p:sp>
+        <p:nvSpPr>
+          <p:cNvPr id="12" name="Isosceles Triangle 8">
+            <a:extLst>
+              <a:ext uri="{FF2B5EF4-FFF2-40B4-BE49-F238E27FC236}">
+                <a16:creationId xmlns:a16="http://schemas.microsoft.com/office/drawing/2014/main" id="{EB6743CF-E74B-4A3C-A785-599069DB89DF}"/>
+              </a:ext>
+              <a:ext uri="{C183D7F6-B498-43B3-948B-1728B52AA6E4}">
+                <adec:decorative xmlns:adec="http://schemas.microsoft.com/office/drawing/2017/decorative" val="1"/>
+              </a:ext>
+            </a:extLst>
+          </p:cNvPr>
+          <p:cNvSpPr>
+            <a:spLocks noGrp="1" noRot="1" noChangeAspect="1" noMove="1" noResize="1" noEditPoints="1" noAdjustHandles="1" noChangeArrowheads="1" noChangeShapeType="1" noTextEdit="1"/>
+          </p:cNvSpPr>
+          <p:nvPr>
+            <p:extLst>
+              <p:ext uri="{386F3935-93C4-4BCD-93E2-E3B085C9AB24}">
+                <p16:designElem xmlns:p16="http://schemas.microsoft.com/office/powerpoint/2015/main" val="1"/>
+              </p:ext>
+            </p:extLst>
+          </p:nvPr>
+        </p:nvSpPr>
+        <p:spPr>
+          <a:xfrm>
+            <a:off x="0" y="4013201"/>
+            <a:ext cx="476655" cy="2844800"/>
+          </a:xfrm>
+          <a:prstGeom prst="triangle">
+            <a:avLst>
+              <a:gd name="adj" fmla="val 0"/>
+            </a:avLst>
+          </a:prstGeom>
+          <a:solidFill>
+            <a:schemeClr val="accent1"/>
+          </a:solidFill>
+          <a:ln>
+            <a:noFill/>
+          </a:ln>
+          <a:effectLst/>
+        </p:spPr>
+        <p:style>
+          <a:lnRef idx="1">
+            <a:schemeClr val="accent1"/>
+          </a:lnRef>
+          <a:fillRef idx="3">
+            <a:schemeClr val="accent1"/>
+          </a:fillRef>
+          <a:effectRef idx="2">
+            <a:schemeClr val="accent1"/>
+          </a:effectRef>
+          <a:fontRef idx="minor">
+            <a:schemeClr val="lt1"/>
+          </a:fontRef>
+        </p:style>
+      </p:sp>
+      <p:sp>
+        <p:nvSpPr>
+          <p:cNvPr id="3" name="Content Placeholder 2">
+            <a:extLst>
+              <a:ext uri="{FF2B5EF4-FFF2-40B4-BE49-F238E27FC236}">
+                <a16:creationId xmlns:a16="http://schemas.microsoft.com/office/drawing/2014/main" id="{23EC08BF-414E-6D33-041D-7F0EC5B9745A}"/>
+              </a:ext>
+            </a:extLst>
+          </p:cNvPr>
+          <p:cNvSpPr>
+            <a:spLocks noGrp="1"/>
+          </p:cNvSpPr>
+          <p:nvPr>
+            <p:ph idx="1"/>
+          </p:nvPr>
+        </p:nvSpPr>
+        <p:spPr>
+          <a:xfrm>
+            <a:off x="2372042" y="2160589"/>
+            <a:ext cx="5176838" cy="3880773"/>
+          </a:xfrm>
+        </p:spPr>
+        <p:txBody>
+          <a:bodyPr>
+            <a:normAutofit/>
+          </a:bodyPr>
+          <a:lstStyle/>
+          <a:p>
+            <a:r>
+              <a:rPr lang="en-US" dirty="0"/>
+              <a:t>Screen to go to:</a:t>
+            </a:r>
+          </a:p>
+          <a:p>
+            <a:pPr lvl="1"/>
+            <a:r>
+              <a:rPr lang="en-US" dirty="0"/>
+              <a:t>Register with email.</a:t>
+            </a:r>
+          </a:p>
+          <a:p>
+            <a:pPr lvl="1"/>
+            <a:r>
+              <a:rPr lang="en-US" dirty="0"/>
+              <a:t>Login with email.</a:t>
+            </a:r>
+          </a:p>
+          <a:p>
+            <a:pPr lvl="1"/>
+            <a:r>
+              <a:rPr lang="en-US" dirty="0"/>
+              <a:t>Login with Gmail</a:t>
+            </a:r>
+          </a:p>
+        </p:txBody>
+      </p:sp>
+      <p:pic>
+        <p:nvPicPr>
+          <p:cNvPr id="7" name="Picture 6">
+            <a:extLst>
+              <a:ext uri="{FF2B5EF4-FFF2-40B4-BE49-F238E27FC236}">
+                <a16:creationId xmlns:a16="http://schemas.microsoft.com/office/drawing/2014/main" id="{E54C40A1-F861-0818-D09B-93FD70A61F71}"/>
+              </a:ext>
+            </a:extLst>
+          </p:cNvPr>
+          <p:cNvPicPr>
+            <a:picLocks noChangeAspect="1"/>
+          </p:cNvPicPr>
+          <p:nvPr/>
+        </p:nvPicPr>
+        <p:blipFill>
+          <a:blip r:embed="rId3"/>
+          <a:stretch>
+            <a:fillRect/>
+          </a:stretch>
+        </p:blipFill>
+        <p:spPr>
+          <a:xfrm>
+            <a:off x="7519994" y="913585"/>
+            <a:ext cx="2752792" cy="5375189"/>
+          </a:xfrm>
+          <a:prstGeom prst="rect">
+            <a:avLst/>
+          </a:prstGeom>
+        </p:spPr>
+      </p:pic>
+    </p:spTree>
+    <p:extLst>
+      <p:ext uri="{BB962C8B-B14F-4D97-AF65-F5344CB8AC3E}">
+        <p14:creationId xmlns:p14="http://schemas.microsoft.com/office/powerpoint/2010/main" val="227802161"/>
+      </p:ext>
+    </p:extLst>
+  </p:cSld>
+  <p:clrMapOvr>
+    <a:masterClrMapping/>
+  </p:clrMapOvr>
+</p:sld>
+</file>
+
+<file path=ppt/slides/slide14.xml><?xml version="1.0" encoding="utf-8"?>
+<p:sld xmlns:a="http://schemas.openxmlformats.org/drawingml/2006/main" xmlns:r="http://schemas.openxmlformats.org/officeDocument/2006/relationships" xmlns:p="http://schemas.openxmlformats.org/presentationml/2006/main">
+  <p:cSld>
+    <p:bg>
+      <p:bgPr>
+        <a:solidFill>
+          <a:schemeClr val="bg1"/>
+        </a:solidFill>
+        <a:effectLst/>
+      </p:bgPr>
+    </p:bg>
+    <p:spTree>
+      <p:nvGrpSpPr>
+        <p:cNvPr id="1" name=""/>
+        <p:cNvGrpSpPr/>
+        <p:nvPr/>
+      </p:nvGrpSpPr>
+      <p:grpSpPr>
+        <a:xfrm>
+          <a:off x="0" y="0"/>
+          <a:ext cx="0" cy="0"/>
+          <a:chOff x="0" y="0"/>
+          <a:chExt cx="0" cy="0"/>
+        </a:xfrm>
+      </p:grpSpPr>
+      <p:sp>
+        <p:nvSpPr>
+          <p:cNvPr id="2" name="Title 1">
+            <a:extLst>
+              <a:ext uri="{FF2B5EF4-FFF2-40B4-BE49-F238E27FC236}">
+                <a16:creationId xmlns:a16="http://schemas.microsoft.com/office/drawing/2014/main" id="{17611BF7-7CC8-52FF-41D4-FD7954A02F3B}"/>
+              </a:ext>
+            </a:extLst>
+          </p:cNvPr>
+          <p:cNvSpPr>
+            <a:spLocks noGrp="1"/>
+          </p:cNvSpPr>
+          <p:nvPr>
+            <p:ph type="title"/>
+          </p:nvPr>
+        </p:nvSpPr>
+        <p:spPr>
+          <a:xfrm>
+            <a:off x="2175224" y="492948"/>
+            <a:ext cx="4349144" cy="841274"/>
+          </a:xfrm>
+        </p:spPr>
+        <p:txBody>
+          <a:bodyPr>
+            <a:normAutofit/>
+          </a:bodyPr>
+          <a:lstStyle/>
+          <a:p>
+            <a:r>
+              <a:rPr lang="en-US" dirty="0"/>
+              <a:t>Login with email</a:t>
+            </a:r>
+          </a:p>
+        </p:txBody>
+      </p:sp>
+      <p:pic>
+        <p:nvPicPr>
+          <p:cNvPr id="11" name="Picture 4" descr="Ramen on yellow table">
+            <a:extLst>
+              <a:ext uri="{FF2B5EF4-FFF2-40B4-BE49-F238E27FC236}">
+                <a16:creationId xmlns:a16="http://schemas.microsoft.com/office/drawing/2014/main" id="{58E5CCF7-D3C0-A3DA-D587-C6E380B9CF7E}"/>
+              </a:ext>
+            </a:extLst>
+          </p:cNvPr>
+          <p:cNvPicPr>
+            <a:picLocks noChangeAspect="1"/>
+          </p:cNvPicPr>
+          <p:nvPr/>
+        </p:nvPicPr>
+        <p:blipFill rotWithShape="1">
+          <a:blip r:embed="rId2"/>
+          <a:srcRect l="16328" r="57099" b="1"/>
+          <a:stretch/>
+        </p:blipFill>
+        <p:spPr>
+          <a:xfrm>
+            <a:off x="20" y="10"/>
+            <a:ext cx="2734036" cy="6867719"/>
+          </a:xfrm>
+          <a:custGeom>
+            <a:avLst/>
+            <a:gdLst/>
+            <a:ahLst/>
+            <a:cxnLst/>
+            <a:rect l="l" t="t" r="r" b="b"/>
+            <a:pathLst>
+              <a:path w="2734056" h="6858000">
+                <a:moveTo>
+                  <a:pt x="0" y="0"/>
+                </a:moveTo>
+                <a:lnTo>
+                  <a:pt x="1674254" y="0"/>
+                </a:lnTo>
+                <a:lnTo>
+                  <a:pt x="2734056" y="6850199"/>
+                </a:lnTo>
+                <a:lnTo>
+                  <a:pt x="2734056" y="6858000"/>
+                </a:lnTo>
+                <a:lnTo>
+                  <a:pt x="461457" y="6858000"/>
+                </a:lnTo>
+                <a:lnTo>
+                  <a:pt x="0" y="4134118"/>
+                </a:lnTo>
+                <a:close/>
+              </a:path>
+            </a:pathLst>
+          </a:custGeom>
+        </p:spPr>
+      </p:pic>
+      <p:sp>
+        <p:nvSpPr>
+          <p:cNvPr id="12" name="Isosceles Triangle 8">
+            <a:extLst>
+              <a:ext uri="{FF2B5EF4-FFF2-40B4-BE49-F238E27FC236}">
+                <a16:creationId xmlns:a16="http://schemas.microsoft.com/office/drawing/2014/main" id="{EB6743CF-E74B-4A3C-A785-599069DB89DF}"/>
+              </a:ext>
+              <a:ext uri="{C183D7F6-B498-43B3-948B-1728B52AA6E4}">
+                <adec:decorative xmlns:adec="http://schemas.microsoft.com/office/drawing/2017/decorative" val="1"/>
+              </a:ext>
+            </a:extLst>
+          </p:cNvPr>
+          <p:cNvSpPr>
+            <a:spLocks noGrp="1" noRot="1" noChangeAspect="1" noMove="1" noResize="1" noEditPoints="1" noAdjustHandles="1" noChangeArrowheads="1" noChangeShapeType="1" noTextEdit="1"/>
+          </p:cNvSpPr>
+          <p:nvPr>
+            <p:extLst>
+              <p:ext uri="{386F3935-93C4-4BCD-93E2-E3B085C9AB24}">
+                <p16:designElem xmlns:p16="http://schemas.microsoft.com/office/powerpoint/2015/main" val="1"/>
+              </p:ext>
+            </p:extLst>
+          </p:nvPr>
+        </p:nvSpPr>
+        <p:spPr>
+          <a:xfrm>
+            <a:off x="0" y="4013201"/>
+            <a:ext cx="476655" cy="2844800"/>
+          </a:xfrm>
+          <a:prstGeom prst="triangle">
+            <a:avLst>
+              <a:gd name="adj" fmla="val 0"/>
+            </a:avLst>
+          </a:prstGeom>
+          <a:solidFill>
+            <a:schemeClr val="accent1"/>
+          </a:solidFill>
+          <a:ln>
+            <a:noFill/>
+          </a:ln>
+          <a:effectLst/>
+        </p:spPr>
+        <p:style>
+          <a:lnRef idx="1">
+            <a:schemeClr val="accent1"/>
+          </a:lnRef>
+          <a:fillRef idx="3">
+            <a:schemeClr val="accent1"/>
+          </a:fillRef>
+          <a:effectRef idx="2">
+            <a:schemeClr val="accent1"/>
+          </a:effectRef>
+          <a:fontRef idx="minor">
+            <a:schemeClr val="lt1"/>
+          </a:fontRef>
+        </p:style>
+      </p:sp>
+      <p:pic>
+        <p:nvPicPr>
+          <p:cNvPr id="10" name="Picture 9">
+            <a:extLst>
+              <a:ext uri="{FF2B5EF4-FFF2-40B4-BE49-F238E27FC236}">
+                <a16:creationId xmlns:a16="http://schemas.microsoft.com/office/drawing/2014/main" id="{29EB40C7-8956-F9BC-51B2-EC38CE6CD4FD}"/>
+              </a:ext>
+            </a:extLst>
+          </p:cNvPr>
+          <p:cNvPicPr>
+            <a:picLocks noChangeAspect="1"/>
+          </p:cNvPicPr>
+          <p:nvPr/>
+        </p:nvPicPr>
+        <p:blipFill>
+          <a:blip r:embed="rId3"/>
+          <a:stretch>
+            <a:fillRect/>
+          </a:stretch>
+        </p:blipFill>
+        <p:spPr>
+          <a:xfrm>
+            <a:off x="2825135" y="1324700"/>
+            <a:ext cx="5986116" cy="5377002"/>
+          </a:xfrm>
+          <a:prstGeom prst="rect">
+            <a:avLst/>
+          </a:prstGeom>
+        </p:spPr>
+      </p:pic>
+    </p:spTree>
+    <p:extLst>
+      <p:ext uri="{BB962C8B-B14F-4D97-AF65-F5344CB8AC3E}">
+        <p14:creationId xmlns:p14="http://schemas.microsoft.com/office/powerpoint/2010/main" val="3200583162"/>
+      </p:ext>
+    </p:extLst>
+  </p:cSld>
+  <p:clrMapOvr>
+    <a:masterClrMapping/>
+  </p:clrMapOvr>
+</p:sld>
+</file>
+
+<file path=ppt/slides/slide15.xml><?xml version="1.0" encoding="utf-8"?>
+<p:sld xmlns:a="http://schemas.openxmlformats.org/drawingml/2006/main" xmlns:r="http://schemas.openxmlformats.org/officeDocument/2006/relationships" xmlns:p="http://schemas.openxmlformats.org/presentationml/2006/main">
+  <p:cSld>
+    <p:bg>
+      <p:bgPr>
+        <a:solidFill>
+          <a:schemeClr val="bg1"/>
+        </a:solidFill>
+        <a:effectLst/>
+      </p:bgPr>
+    </p:bg>
+    <p:spTree>
+      <p:nvGrpSpPr>
+        <p:cNvPr id="1" name=""/>
+        <p:cNvGrpSpPr/>
+        <p:nvPr/>
+      </p:nvGrpSpPr>
+      <p:grpSpPr>
+        <a:xfrm>
+          <a:off x="0" y="0"/>
+          <a:ext cx="0" cy="0"/>
+          <a:chOff x="0" y="0"/>
+          <a:chExt cx="0" cy="0"/>
+        </a:xfrm>
+      </p:grpSpPr>
+      <p:sp>
+        <p:nvSpPr>
+          <p:cNvPr id="2" name="Title 1">
+            <a:extLst>
+              <a:ext uri="{FF2B5EF4-FFF2-40B4-BE49-F238E27FC236}">
+                <a16:creationId xmlns:a16="http://schemas.microsoft.com/office/drawing/2014/main" id="{17611BF7-7CC8-52FF-41D4-FD7954A02F3B}"/>
+              </a:ext>
+            </a:extLst>
+          </p:cNvPr>
+          <p:cNvSpPr>
+            <a:spLocks noGrp="1"/>
+          </p:cNvSpPr>
+          <p:nvPr>
+            <p:ph type="title"/>
+          </p:nvPr>
+        </p:nvSpPr>
+        <p:spPr>
+          <a:xfrm>
+            <a:off x="2175224" y="492948"/>
+            <a:ext cx="4349144" cy="841274"/>
+          </a:xfrm>
+        </p:spPr>
+        <p:txBody>
+          <a:bodyPr>
+            <a:normAutofit/>
+          </a:bodyPr>
+          <a:lstStyle/>
+          <a:p>
+            <a:r>
+              <a:rPr lang="en-US" dirty="0"/>
+              <a:t>Register with email</a:t>
+            </a:r>
+          </a:p>
+        </p:txBody>
+      </p:sp>
+      <p:pic>
+        <p:nvPicPr>
+          <p:cNvPr id="11" name="Picture 4" descr="Ramen on yellow table">
+            <a:extLst>
+              <a:ext uri="{FF2B5EF4-FFF2-40B4-BE49-F238E27FC236}">
+                <a16:creationId xmlns:a16="http://schemas.microsoft.com/office/drawing/2014/main" id="{58E5CCF7-D3C0-A3DA-D587-C6E380B9CF7E}"/>
+              </a:ext>
+            </a:extLst>
+          </p:cNvPr>
+          <p:cNvPicPr>
+            <a:picLocks noChangeAspect="1"/>
+          </p:cNvPicPr>
+          <p:nvPr/>
+        </p:nvPicPr>
+        <p:blipFill rotWithShape="1">
+          <a:blip r:embed="rId2"/>
+          <a:srcRect l="16328" r="57099" b="1"/>
+          <a:stretch/>
+        </p:blipFill>
+        <p:spPr>
+          <a:xfrm>
+            <a:off x="20" y="10"/>
+            <a:ext cx="2734036" cy="6867719"/>
+          </a:xfrm>
+          <a:custGeom>
+            <a:avLst/>
+            <a:gdLst/>
+            <a:ahLst/>
+            <a:cxnLst/>
+            <a:rect l="l" t="t" r="r" b="b"/>
+            <a:pathLst>
+              <a:path w="2734056" h="6858000">
+                <a:moveTo>
+                  <a:pt x="0" y="0"/>
+                </a:moveTo>
+                <a:lnTo>
+                  <a:pt x="1674254" y="0"/>
+                </a:lnTo>
+                <a:lnTo>
+                  <a:pt x="2734056" y="6850199"/>
+                </a:lnTo>
+                <a:lnTo>
+                  <a:pt x="2734056" y="6858000"/>
+                </a:lnTo>
+                <a:lnTo>
+                  <a:pt x="461457" y="6858000"/>
+                </a:lnTo>
+                <a:lnTo>
+                  <a:pt x="0" y="4134118"/>
+                </a:lnTo>
+                <a:close/>
+              </a:path>
+            </a:pathLst>
+          </a:custGeom>
+        </p:spPr>
+      </p:pic>
+      <p:sp>
+        <p:nvSpPr>
+          <p:cNvPr id="12" name="Isosceles Triangle 8">
+            <a:extLst>
+              <a:ext uri="{FF2B5EF4-FFF2-40B4-BE49-F238E27FC236}">
+                <a16:creationId xmlns:a16="http://schemas.microsoft.com/office/drawing/2014/main" id="{EB6743CF-E74B-4A3C-A785-599069DB89DF}"/>
+              </a:ext>
+              <a:ext uri="{C183D7F6-B498-43B3-948B-1728B52AA6E4}">
+                <adec:decorative xmlns:adec="http://schemas.microsoft.com/office/drawing/2017/decorative" val="1"/>
+              </a:ext>
+            </a:extLst>
+          </p:cNvPr>
+          <p:cNvSpPr>
+            <a:spLocks noGrp="1" noRot="1" noChangeAspect="1" noMove="1" noResize="1" noEditPoints="1" noAdjustHandles="1" noChangeArrowheads="1" noChangeShapeType="1" noTextEdit="1"/>
+          </p:cNvSpPr>
+          <p:nvPr>
+            <p:extLst>
+              <p:ext uri="{386F3935-93C4-4BCD-93E2-E3B085C9AB24}">
+                <p16:designElem xmlns:p16="http://schemas.microsoft.com/office/powerpoint/2015/main" val="1"/>
+              </p:ext>
+            </p:extLst>
+          </p:nvPr>
+        </p:nvSpPr>
+        <p:spPr>
+          <a:xfrm>
+            <a:off x="0" y="4013201"/>
+            <a:ext cx="476655" cy="2844800"/>
+          </a:xfrm>
+          <a:prstGeom prst="triangle">
+            <a:avLst>
+              <a:gd name="adj" fmla="val 0"/>
+            </a:avLst>
+          </a:prstGeom>
+          <a:solidFill>
+            <a:schemeClr val="accent1"/>
+          </a:solidFill>
+          <a:ln>
+            <a:noFill/>
+          </a:ln>
+          <a:effectLst/>
+        </p:spPr>
+        <p:style>
+          <a:lnRef idx="1">
+            <a:schemeClr val="accent1"/>
+          </a:lnRef>
+          <a:fillRef idx="3">
+            <a:schemeClr val="accent1"/>
+          </a:fillRef>
+          <a:effectRef idx="2">
+            <a:schemeClr val="accent1"/>
+          </a:effectRef>
+          <a:fontRef idx="minor">
+            <a:schemeClr val="lt1"/>
+          </a:fontRef>
+        </p:style>
+      </p:sp>
+      <p:pic>
+        <p:nvPicPr>
+          <p:cNvPr id="13" name="Picture 12">
+            <a:extLst>
+              <a:ext uri="{FF2B5EF4-FFF2-40B4-BE49-F238E27FC236}">
+                <a16:creationId xmlns:a16="http://schemas.microsoft.com/office/drawing/2014/main" id="{ABD889FE-FB49-0B01-CB49-84534ABEB901}"/>
+              </a:ext>
+            </a:extLst>
+          </p:cNvPr>
+          <p:cNvPicPr>
+            <a:picLocks noChangeAspect="1"/>
+          </p:cNvPicPr>
+          <p:nvPr/>
+        </p:nvPicPr>
+        <p:blipFill>
+          <a:blip r:embed="rId3"/>
+          <a:stretch>
+            <a:fillRect/>
+          </a:stretch>
+        </p:blipFill>
+        <p:spPr>
+          <a:xfrm>
+            <a:off x="3052119" y="1329461"/>
+            <a:ext cx="5916944" cy="5314869"/>
+          </a:xfrm>
+          <a:prstGeom prst="rect">
+            <a:avLst/>
+          </a:prstGeom>
+        </p:spPr>
+      </p:pic>
+    </p:spTree>
+    <p:extLst>
+      <p:ext uri="{BB962C8B-B14F-4D97-AF65-F5344CB8AC3E}">
+        <p14:creationId xmlns:p14="http://schemas.microsoft.com/office/powerpoint/2010/main" val="2552355117"/>
+      </p:ext>
+    </p:extLst>
+  </p:cSld>
+  <p:clrMapOvr>
+    <a:masterClrMapping/>
+  </p:clrMapOvr>
+</p:sld>
+</file>
+
+<file path=ppt/slides/slide16.xml><?xml version="1.0" encoding="utf-8"?>
+<p:sld xmlns:a="http://schemas.openxmlformats.org/drawingml/2006/main" xmlns:r="http://schemas.openxmlformats.org/officeDocument/2006/relationships" xmlns:p="http://schemas.openxmlformats.org/presentationml/2006/main">
+  <p:cSld>
+    <p:bg>
+      <p:bgPr>
+        <a:solidFill>
+          <a:schemeClr val="bg1"/>
+        </a:solidFill>
+        <a:effectLst/>
+      </p:bgPr>
+    </p:bg>
+    <p:spTree>
+      <p:nvGrpSpPr>
+        <p:cNvPr id="1" name=""/>
+        <p:cNvGrpSpPr/>
+        <p:nvPr/>
+      </p:nvGrpSpPr>
+      <p:grpSpPr>
+        <a:xfrm>
+          <a:off x="0" y="0"/>
+          <a:ext cx="0" cy="0"/>
+          <a:chOff x="0" y="0"/>
+          <a:chExt cx="0" cy="0"/>
+        </a:xfrm>
+      </p:grpSpPr>
+      <p:sp>
+        <p:nvSpPr>
+          <p:cNvPr id="2" name="Title 1">
+            <a:extLst>
+              <a:ext uri="{FF2B5EF4-FFF2-40B4-BE49-F238E27FC236}">
+                <a16:creationId xmlns:a16="http://schemas.microsoft.com/office/drawing/2014/main" id="{17611BF7-7CC8-52FF-41D4-FD7954A02F3B}"/>
+              </a:ext>
+            </a:extLst>
+          </p:cNvPr>
+          <p:cNvSpPr>
+            <a:spLocks noGrp="1"/>
+          </p:cNvSpPr>
+          <p:nvPr>
+            <p:ph type="title"/>
+          </p:nvPr>
+        </p:nvSpPr>
+        <p:spPr>
+          <a:xfrm>
+            <a:off x="2175224" y="492948"/>
+            <a:ext cx="4349144" cy="841274"/>
+          </a:xfrm>
+        </p:spPr>
+        <p:txBody>
+          <a:bodyPr>
+            <a:normAutofit/>
+          </a:bodyPr>
+          <a:lstStyle/>
+          <a:p>
+            <a:r>
+              <a:rPr lang="en-US" dirty="0"/>
+              <a:t>Login with Gmail</a:t>
+            </a:r>
+          </a:p>
+        </p:txBody>
+      </p:sp>
+      <p:pic>
+        <p:nvPicPr>
+          <p:cNvPr id="11" name="Picture 4" descr="Ramen on yellow table">
+            <a:extLst>
+              <a:ext uri="{FF2B5EF4-FFF2-40B4-BE49-F238E27FC236}">
+                <a16:creationId xmlns:a16="http://schemas.microsoft.com/office/drawing/2014/main" id="{58E5CCF7-D3C0-A3DA-D587-C6E380B9CF7E}"/>
+              </a:ext>
+            </a:extLst>
+          </p:cNvPr>
+          <p:cNvPicPr>
+            <a:picLocks noChangeAspect="1"/>
+          </p:cNvPicPr>
+          <p:nvPr/>
+        </p:nvPicPr>
+        <p:blipFill rotWithShape="1">
+          <a:blip r:embed="rId2"/>
+          <a:srcRect l="16328" r="57099" b="1"/>
+          <a:stretch/>
+        </p:blipFill>
+        <p:spPr>
+          <a:xfrm>
+            <a:off x="20" y="10"/>
+            <a:ext cx="2734036" cy="6867719"/>
+          </a:xfrm>
+          <a:custGeom>
+            <a:avLst/>
+            <a:gdLst/>
+            <a:ahLst/>
+            <a:cxnLst/>
+            <a:rect l="l" t="t" r="r" b="b"/>
+            <a:pathLst>
+              <a:path w="2734056" h="6858000">
+                <a:moveTo>
+                  <a:pt x="0" y="0"/>
+                </a:moveTo>
+                <a:lnTo>
+                  <a:pt x="1674254" y="0"/>
+                </a:lnTo>
+                <a:lnTo>
+                  <a:pt x="2734056" y="6850199"/>
+                </a:lnTo>
+                <a:lnTo>
+                  <a:pt x="2734056" y="6858000"/>
+                </a:lnTo>
+                <a:lnTo>
+                  <a:pt x="461457" y="6858000"/>
+                </a:lnTo>
+                <a:lnTo>
+                  <a:pt x="0" y="4134118"/>
+                </a:lnTo>
+                <a:close/>
+              </a:path>
+            </a:pathLst>
+          </a:custGeom>
+        </p:spPr>
+      </p:pic>
+      <p:sp>
+        <p:nvSpPr>
+          <p:cNvPr id="12" name="Isosceles Triangle 8">
+            <a:extLst>
+              <a:ext uri="{FF2B5EF4-FFF2-40B4-BE49-F238E27FC236}">
+                <a16:creationId xmlns:a16="http://schemas.microsoft.com/office/drawing/2014/main" id="{EB6743CF-E74B-4A3C-A785-599069DB89DF}"/>
+              </a:ext>
+              <a:ext uri="{C183D7F6-B498-43B3-948B-1728B52AA6E4}">
+                <adec:decorative xmlns:adec="http://schemas.microsoft.com/office/drawing/2017/decorative" val="1"/>
+              </a:ext>
+            </a:extLst>
+          </p:cNvPr>
+          <p:cNvSpPr>
+            <a:spLocks noGrp="1" noRot="1" noChangeAspect="1" noMove="1" noResize="1" noEditPoints="1" noAdjustHandles="1" noChangeArrowheads="1" noChangeShapeType="1" noTextEdit="1"/>
+          </p:cNvSpPr>
+          <p:nvPr>
+            <p:extLst>
+              <p:ext uri="{386F3935-93C4-4BCD-93E2-E3B085C9AB24}">
+                <p16:designElem xmlns:p16="http://schemas.microsoft.com/office/powerpoint/2015/main" val="1"/>
+              </p:ext>
+            </p:extLst>
+          </p:nvPr>
+        </p:nvSpPr>
+        <p:spPr>
+          <a:xfrm>
+            <a:off x="0" y="4013201"/>
+            <a:ext cx="476655" cy="2844800"/>
+          </a:xfrm>
+          <a:prstGeom prst="triangle">
+            <a:avLst>
+              <a:gd name="adj" fmla="val 0"/>
+            </a:avLst>
+          </a:prstGeom>
+          <a:solidFill>
+            <a:schemeClr val="accent1"/>
+          </a:solidFill>
+          <a:ln>
+            <a:noFill/>
+          </a:ln>
+          <a:effectLst/>
+        </p:spPr>
+        <p:style>
+          <a:lnRef idx="1">
+            <a:schemeClr val="accent1"/>
+          </a:lnRef>
+          <a:fillRef idx="3">
+            <a:schemeClr val="accent1"/>
+          </a:fillRef>
+          <a:effectRef idx="2">
+            <a:schemeClr val="accent1"/>
+          </a:effectRef>
+          <a:fontRef idx="minor">
+            <a:schemeClr val="lt1"/>
+          </a:fontRef>
+        </p:style>
+      </p:sp>
+      <p:pic>
+        <p:nvPicPr>
+          <p:cNvPr id="3" name="Picture 2">
+            <a:extLst>
+              <a:ext uri="{FF2B5EF4-FFF2-40B4-BE49-F238E27FC236}">
+                <a16:creationId xmlns:a16="http://schemas.microsoft.com/office/drawing/2014/main" id="{E407E265-EBB1-E381-E703-5E3A46971A4F}"/>
+              </a:ext>
+            </a:extLst>
+          </p:cNvPr>
+          <p:cNvPicPr>
+            <a:picLocks noChangeAspect="1"/>
+          </p:cNvPicPr>
+          <p:nvPr/>
+        </p:nvPicPr>
+        <p:blipFill>
+          <a:blip r:embed="rId3"/>
+          <a:stretch>
+            <a:fillRect/>
+          </a:stretch>
+        </p:blipFill>
+        <p:spPr>
+          <a:xfrm>
+            <a:off x="3016960" y="1334221"/>
+            <a:ext cx="6070422" cy="5214859"/>
+          </a:xfrm>
+          <a:prstGeom prst="rect">
+            <a:avLst/>
+          </a:prstGeom>
+        </p:spPr>
+      </p:pic>
+    </p:spTree>
+    <p:extLst>
+      <p:ext uri="{BB962C8B-B14F-4D97-AF65-F5344CB8AC3E}">
+        <p14:creationId xmlns:p14="http://schemas.microsoft.com/office/powerpoint/2010/main" val="1623066648"/>
+      </p:ext>
+    </p:extLst>
+  </p:cSld>
+  <p:clrMapOvr>
+    <a:masterClrMapping/>
+  </p:clrMapOvr>
+</p:sld>
+</file>
+
+<file path=ppt/slides/slide17.xml><?xml version="1.0" encoding="utf-8"?>
+<p:sld xmlns:a="http://schemas.openxmlformats.org/drawingml/2006/main" xmlns:r="http://schemas.openxmlformats.org/officeDocument/2006/relationships" xmlns:p="http://schemas.openxmlformats.org/presentationml/2006/main">
+  <p:cSld>
+    <p:bg>
+      <p:bgPr>
+        <a:solidFill>
+          <a:schemeClr val="bg1"/>
+        </a:solidFill>
+        <a:effectLst/>
+      </p:bgPr>
+    </p:bg>
+    <p:spTree>
+      <p:nvGrpSpPr>
+        <p:cNvPr id="1" name=""/>
+        <p:cNvGrpSpPr/>
+        <p:nvPr/>
+      </p:nvGrpSpPr>
+      <p:grpSpPr>
+        <a:xfrm>
+          <a:off x="0" y="0"/>
+          <a:ext cx="0" cy="0"/>
+          <a:chOff x="0" y="0"/>
+          <a:chExt cx="0" cy="0"/>
+        </a:xfrm>
+      </p:grpSpPr>
+      <p:sp>
+        <p:nvSpPr>
+          <p:cNvPr id="2" name="Title 1">
+            <a:extLst>
+              <a:ext uri="{FF2B5EF4-FFF2-40B4-BE49-F238E27FC236}">
+                <a16:creationId xmlns:a16="http://schemas.microsoft.com/office/drawing/2014/main" id="{17611BF7-7CC8-52FF-41D4-FD7954A02F3B}"/>
+              </a:ext>
+            </a:extLst>
+          </p:cNvPr>
+          <p:cNvSpPr>
+            <a:spLocks noGrp="1"/>
+          </p:cNvSpPr>
+          <p:nvPr>
+            <p:ph type="title"/>
+          </p:nvPr>
+        </p:nvSpPr>
+        <p:spPr>
+          <a:xfrm>
+            <a:off x="2175224" y="492948"/>
+            <a:ext cx="4349144" cy="841274"/>
+          </a:xfrm>
+        </p:spPr>
+        <p:txBody>
+          <a:bodyPr>
+            <a:normAutofit/>
+          </a:bodyPr>
+          <a:lstStyle/>
+          <a:p>
+            <a:r>
+              <a:rPr lang="en-US" dirty="0"/>
+              <a:t>Main List Screen</a:t>
+            </a:r>
+          </a:p>
+        </p:txBody>
+      </p:sp>
+      <p:pic>
+        <p:nvPicPr>
+          <p:cNvPr id="11" name="Picture 4" descr="Ramen on yellow table">
+            <a:extLst>
+              <a:ext uri="{FF2B5EF4-FFF2-40B4-BE49-F238E27FC236}">
+                <a16:creationId xmlns:a16="http://schemas.microsoft.com/office/drawing/2014/main" id="{58E5CCF7-D3C0-A3DA-D587-C6E380B9CF7E}"/>
+              </a:ext>
+            </a:extLst>
+          </p:cNvPr>
+          <p:cNvPicPr>
+            <a:picLocks noChangeAspect="1"/>
+          </p:cNvPicPr>
+          <p:nvPr/>
+        </p:nvPicPr>
+        <p:blipFill rotWithShape="1">
+          <a:blip r:embed="rId2"/>
+          <a:srcRect l="16328" r="57099" b="1"/>
+          <a:stretch/>
+        </p:blipFill>
+        <p:spPr>
+          <a:xfrm>
+            <a:off x="20" y="10"/>
+            <a:ext cx="2734036" cy="6867719"/>
+          </a:xfrm>
+          <a:custGeom>
+            <a:avLst/>
+            <a:gdLst/>
+            <a:ahLst/>
+            <a:cxnLst/>
+            <a:rect l="l" t="t" r="r" b="b"/>
+            <a:pathLst>
+              <a:path w="2734056" h="6858000">
+                <a:moveTo>
+                  <a:pt x="0" y="0"/>
+                </a:moveTo>
+                <a:lnTo>
+                  <a:pt x="1674254" y="0"/>
+                </a:lnTo>
+                <a:lnTo>
+                  <a:pt x="2734056" y="6850199"/>
+                </a:lnTo>
+                <a:lnTo>
+                  <a:pt x="2734056" y="6858000"/>
+                </a:lnTo>
+                <a:lnTo>
+                  <a:pt x="461457" y="6858000"/>
+                </a:lnTo>
+                <a:lnTo>
+                  <a:pt x="0" y="4134118"/>
+                </a:lnTo>
+                <a:close/>
+              </a:path>
+            </a:pathLst>
+          </a:custGeom>
+        </p:spPr>
+      </p:pic>
+      <p:sp>
+        <p:nvSpPr>
+          <p:cNvPr id="12" name="Isosceles Triangle 8">
+            <a:extLst>
+              <a:ext uri="{FF2B5EF4-FFF2-40B4-BE49-F238E27FC236}">
+                <a16:creationId xmlns:a16="http://schemas.microsoft.com/office/drawing/2014/main" id="{EB6743CF-E74B-4A3C-A785-599069DB89DF}"/>
+              </a:ext>
+              <a:ext uri="{C183D7F6-B498-43B3-948B-1728B52AA6E4}">
+                <adec:decorative xmlns:adec="http://schemas.microsoft.com/office/drawing/2017/decorative" val="1"/>
+              </a:ext>
+            </a:extLst>
+          </p:cNvPr>
+          <p:cNvSpPr>
+            <a:spLocks noGrp="1" noRot="1" noChangeAspect="1" noMove="1" noResize="1" noEditPoints="1" noAdjustHandles="1" noChangeArrowheads="1" noChangeShapeType="1" noTextEdit="1"/>
+          </p:cNvSpPr>
+          <p:nvPr>
+            <p:extLst>
+              <p:ext uri="{386F3935-93C4-4BCD-93E2-E3B085C9AB24}">
+                <p16:designElem xmlns:p16="http://schemas.microsoft.com/office/powerpoint/2015/main" val="1"/>
+              </p:ext>
+            </p:extLst>
+          </p:nvPr>
+        </p:nvSpPr>
+        <p:spPr>
+          <a:xfrm>
+            <a:off x="0" y="4013201"/>
+            <a:ext cx="476655" cy="2844800"/>
+          </a:xfrm>
+          <a:prstGeom prst="triangle">
+            <a:avLst>
+              <a:gd name="adj" fmla="val 0"/>
+            </a:avLst>
+          </a:prstGeom>
+          <a:solidFill>
+            <a:schemeClr val="accent1"/>
+          </a:solidFill>
+          <a:ln>
+            <a:noFill/>
+          </a:ln>
+          <a:effectLst/>
+        </p:spPr>
+        <p:style>
+          <a:lnRef idx="1">
+            <a:schemeClr val="accent1"/>
+          </a:lnRef>
+          <a:fillRef idx="3">
+            <a:schemeClr val="accent1"/>
+          </a:fillRef>
+          <a:effectRef idx="2">
+            <a:schemeClr val="accent1"/>
+          </a:effectRef>
+          <a:fontRef idx="minor">
+            <a:schemeClr val="lt1"/>
+          </a:fontRef>
+        </p:style>
+      </p:sp>
+      <p:pic>
+        <p:nvPicPr>
+          <p:cNvPr id="4" name="Picture 3">
+            <a:extLst>
+              <a:ext uri="{FF2B5EF4-FFF2-40B4-BE49-F238E27FC236}">
+                <a16:creationId xmlns:a16="http://schemas.microsoft.com/office/drawing/2014/main" id="{D01A3229-C085-2967-CE5F-D89164B91036}"/>
+              </a:ext>
+            </a:extLst>
+          </p:cNvPr>
+          <p:cNvPicPr>
+            <a:picLocks noChangeAspect="1"/>
+          </p:cNvPicPr>
+          <p:nvPr/>
+        </p:nvPicPr>
+        <p:blipFill>
+          <a:blip r:embed="rId3"/>
+          <a:stretch>
+            <a:fillRect/>
+          </a:stretch>
+        </p:blipFill>
+        <p:spPr>
+          <a:xfrm>
+            <a:off x="2971195" y="1334222"/>
+            <a:ext cx="5600729" cy="5030830"/>
+          </a:xfrm>
+          <a:prstGeom prst="rect">
+            <a:avLst/>
+          </a:prstGeom>
+        </p:spPr>
+      </p:pic>
+    </p:spTree>
+    <p:extLst>
+      <p:ext uri="{BB962C8B-B14F-4D97-AF65-F5344CB8AC3E}">
+        <p14:creationId xmlns:p14="http://schemas.microsoft.com/office/powerpoint/2010/main" val="481750599"/>
+      </p:ext>
+    </p:extLst>
+  </p:cSld>
+  <p:clrMapOvr>
+    <a:masterClrMapping/>
+  </p:clrMapOvr>
+</p:sld>
+</file>
+
+<file path=ppt/slides/slide18.xml><?xml version="1.0" encoding="utf-8"?>
+<p:sld xmlns:a="http://schemas.openxmlformats.org/drawingml/2006/main" xmlns:r="http://schemas.openxmlformats.org/officeDocument/2006/relationships" xmlns:p="http://schemas.openxmlformats.org/presentationml/2006/main">
+  <p:cSld>
+    <p:bg>
+      <p:bgPr>
+        <a:solidFill>
+          <a:schemeClr val="bg1"/>
+        </a:solidFill>
+        <a:effectLst/>
+      </p:bgPr>
+    </p:bg>
+    <p:spTree>
+      <p:nvGrpSpPr>
+        <p:cNvPr id="1" name=""/>
+        <p:cNvGrpSpPr/>
+        <p:nvPr/>
+      </p:nvGrpSpPr>
+      <p:grpSpPr>
+        <a:xfrm>
+          <a:off x="0" y="0"/>
+          <a:ext cx="0" cy="0"/>
+          <a:chOff x="0" y="0"/>
+          <a:chExt cx="0" cy="0"/>
+        </a:xfrm>
+      </p:grpSpPr>
+      <p:sp>
+        <p:nvSpPr>
+          <p:cNvPr id="2" name="Title 1">
+            <a:extLst>
+              <a:ext uri="{FF2B5EF4-FFF2-40B4-BE49-F238E27FC236}">
+                <a16:creationId xmlns:a16="http://schemas.microsoft.com/office/drawing/2014/main" id="{17611BF7-7CC8-52FF-41D4-FD7954A02F3B}"/>
+              </a:ext>
+            </a:extLst>
+          </p:cNvPr>
+          <p:cNvSpPr>
+            <a:spLocks noGrp="1"/>
+          </p:cNvSpPr>
+          <p:nvPr>
+            <p:ph type="title"/>
+          </p:nvPr>
+        </p:nvSpPr>
+        <p:spPr>
+          <a:xfrm>
+            <a:off x="2175224" y="492948"/>
+            <a:ext cx="5733100" cy="841274"/>
+          </a:xfrm>
+        </p:spPr>
+        <p:txBody>
+          <a:bodyPr>
+            <a:normAutofit/>
+          </a:bodyPr>
+          <a:lstStyle/>
+          <a:p>
+            <a:r>
+              <a:rPr lang="en-US" dirty="0"/>
+              <a:t>Main List Screen Options</a:t>
+            </a:r>
+          </a:p>
+        </p:txBody>
+      </p:sp>
+      <p:pic>
+        <p:nvPicPr>
+          <p:cNvPr id="11" name="Picture 4" descr="Ramen on yellow table">
+            <a:extLst>
+              <a:ext uri="{FF2B5EF4-FFF2-40B4-BE49-F238E27FC236}">
+                <a16:creationId xmlns:a16="http://schemas.microsoft.com/office/drawing/2014/main" id="{58E5CCF7-D3C0-A3DA-D587-C6E380B9CF7E}"/>
+              </a:ext>
+            </a:extLst>
+          </p:cNvPr>
+          <p:cNvPicPr>
+            <a:picLocks noChangeAspect="1"/>
+          </p:cNvPicPr>
+          <p:nvPr/>
+        </p:nvPicPr>
+        <p:blipFill rotWithShape="1">
+          <a:blip r:embed="rId2"/>
+          <a:srcRect l="16328" r="57099" b="1"/>
+          <a:stretch/>
+        </p:blipFill>
+        <p:spPr>
+          <a:xfrm>
+            <a:off x="20" y="10"/>
+            <a:ext cx="2734036" cy="6867719"/>
+          </a:xfrm>
+          <a:custGeom>
+            <a:avLst/>
+            <a:gdLst/>
+            <a:ahLst/>
+            <a:cxnLst/>
+            <a:rect l="l" t="t" r="r" b="b"/>
+            <a:pathLst>
+              <a:path w="2734056" h="6858000">
+                <a:moveTo>
+                  <a:pt x="0" y="0"/>
+                </a:moveTo>
+                <a:lnTo>
+                  <a:pt x="1674254" y="0"/>
+                </a:lnTo>
+                <a:lnTo>
+                  <a:pt x="2734056" y="6850199"/>
+                </a:lnTo>
+                <a:lnTo>
+                  <a:pt x="2734056" y="6858000"/>
+                </a:lnTo>
+                <a:lnTo>
+                  <a:pt x="461457" y="6858000"/>
+                </a:lnTo>
+                <a:lnTo>
+                  <a:pt x="0" y="4134118"/>
+                </a:lnTo>
+                <a:close/>
+              </a:path>
+            </a:pathLst>
+          </a:custGeom>
+        </p:spPr>
+      </p:pic>
+      <p:sp>
+        <p:nvSpPr>
+          <p:cNvPr id="12" name="Isosceles Triangle 8">
+            <a:extLst>
+              <a:ext uri="{FF2B5EF4-FFF2-40B4-BE49-F238E27FC236}">
+                <a16:creationId xmlns:a16="http://schemas.microsoft.com/office/drawing/2014/main" id="{EB6743CF-E74B-4A3C-A785-599069DB89DF}"/>
+              </a:ext>
+              <a:ext uri="{C183D7F6-B498-43B3-948B-1728B52AA6E4}">
+                <adec:decorative xmlns:adec="http://schemas.microsoft.com/office/drawing/2017/decorative" val="1"/>
+              </a:ext>
+            </a:extLst>
+          </p:cNvPr>
+          <p:cNvSpPr>
+            <a:spLocks noGrp="1" noRot="1" noChangeAspect="1" noMove="1" noResize="1" noEditPoints="1" noAdjustHandles="1" noChangeArrowheads="1" noChangeShapeType="1" noTextEdit="1"/>
+          </p:cNvSpPr>
+          <p:nvPr>
+            <p:extLst>
+              <p:ext uri="{386F3935-93C4-4BCD-93E2-E3B085C9AB24}">
+                <p16:designElem xmlns:p16="http://schemas.microsoft.com/office/powerpoint/2015/main" val="1"/>
+              </p:ext>
+            </p:extLst>
+          </p:nvPr>
+        </p:nvSpPr>
+        <p:spPr>
+          <a:xfrm>
+            <a:off x="0" y="4013201"/>
+            <a:ext cx="476655" cy="2844800"/>
+          </a:xfrm>
+          <a:prstGeom prst="triangle">
+            <a:avLst>
+              <a:gd name="adj" fmla="val 0"/>
+            </a:avLst>
+          </a:prstGeom>
+          <a:solidFill>
+            <a:schemeClr val="accent1"/>
+          </a:solidFill>
+          <a:ln>
+            <a:noFill/>
+          </a:ln>
+          <a:effectLst/>
+        </p:spPr>
+        <p:style>
+          <a:lnRef idx="1">
+            <a:schemeClr val="accent1"/>
+          </a:lnRef>
+          <a:fillRef idx="3">
+            <a:schemeClr val="accent1"/>
+          </a:fillRef>
+          <a:effectRef idx="2">
+            <a:schemeClr val="accent1"/>
+          </a:effectRef>
+          <a:fontRef idx="minor">
+            <a:schemeClr val="lt1"/>
+          </a:fontRef>
+        </p:style>
+      </p:sp>
+      <p:pic>
+        <p:nvPicPr>
+          <p:cNvPr id="3" name="Picture 2">
+            <a:extLst>
+              <a:ext uri="{FF2B5EF4-FFF2-40B4-BE49-F238E27FC236}">
+                <a16:creationId xmlns:a16="http://schemas.microsoft.com/office/drawing/2014/main" id="{A2CA6257-4A80-F627-BED4-6D2CF98D729E}"/>
+              </a:ext>
+            </a:extLst>
+          </p:cNvPr>
+          <p:cNvPicPr>
+            <a:picLocks noChangeAspect="1"/>
+          </p:cNvPicPr>
+          <p:nvPr/>
+        </p:nvPicPr>
+        <p:blipFill>
+          <a:blip r:embed="rId3"/>
+          <a:stretch>
+            <a:fillRect/>
+          </a:stretch>
+        </p:blipFill>
+        <p:spPr>
+          <a:xfrm>
+            <a:off x="1383957" y="1492078"/>
+            <a:ext cx="9148339" cy="5346975"/>
+          </a:xfrm>
+          <a:prstGeom prst="rect">
+            <a:avLst/>
+          </a:prstGeom>
+        </p:spPr>
+      </p:pic>
+    </p:spTree>
+    <p:extLst>
+      <p:ext uri="{BB962C8B-B14F-4D97-AF65-F5344CB8AC3E}">
+        <p14:creationId xmlns:p14="http://schemas.microsoft.com/office/powerpoint/2010/main" val="4061780581"/>
+      </p:ext>
+    </p:extLst>
+  </p:cSld>
+  <p:clrMapOvr>
+    <a:masterClrMapping/>
+  </p:clrMapOvr>
+</p:sld>
+</file>
+
+<file path=ppt/slides/slide19.xml><?xml version="1.0" encoding="utf-8"?>
+<p:sld xmlns:a="http://schemas.openxmlformats.org/drawingml/2006/main" xmlns:r="http://schemas.openxmlformats.org/officeDocument/2006/relationships" xmlns:p="http://schemas.openxmlformats.org/presentationml/2006/main">
+  <p:cSld>
+    <p:bg>
+      <p:bgPr>
+        <a:solidFill>
+          <a:schemeClr val="bg1"/>
+        </a:solidFill>
+        <a:effectLst/>
+      </p:bgPr>
+    </p:bg>
+    <p:spTree>
+      <p:nvGrpSpPr>
+        <p:cNvPr id="1" name=""/>
+        <p:cNvGrpSpPr/>
+        <p:nvPr/>
+      </p:nvGrpSpPr>
+      <p:grpSpPr>
+        <a:xfrm>
+          <a:off x="0" y="0"/>
+          <a:ext cx="0" cy="0"/>
+          <a:chOff x="0" y="0"/>
+          <a:chExt cx="0" cy="0"/>
+        </a:xfrm>
+      </p:grpSpPr>
+      <p:sp>
+        <p:nvSpPr>
+          <p:cNvPr id="2" name="Title 1">
+            <a:extLst>
+              <a:ext uri="{FF2B5EF4-FFF2-40B4-BE49-F238E27FC236}">
+                <a16:creationId xmlns:a16="http://schemas.microsoft.com/office/drawing/2014/main" id="{17611BF7-7CC8-52FF-41D4-FD7954A02F3B}"/>
+              </a:ext>
+            </a:extLst>
+          </p:cNvPr>
+          <p:cNvSpPr>
+            <a:spLocks noGrp="1"/>
+          </p:cNvSpPr>
+          <p:nvPr>
+            <p:ph type="title"/>
+          </p:nvPr>
+        </p:nvSpPr>
+        <p:spPr>
+          <a:xfrm>
+            <a:off x="2175224" y="492948"/>
+            <a:ext cx="5733100" cy="841274"/>
+          </a:xfrm>
+        </p:spPr>
+        <p:txBody>
+          <a:bodyPr>
+            <a:normAutofit/>
+          </a:bodyPr>
+          <a:lstStyle/>
+          <a:p>
+            <a:r>
+              <a:rPr lang="en-US" dirty="0"/>
+              <a:t>Favorites List Screen</a:t>
+            </a:r>
+          </a:p>
+        </p:txBody>
+      </p:sp>
+      <p:pic>
+        <p:nvPicPr>
+          <p:cNvPr id="11" name="Picture 4" descr="Ramen on yellow table">
+            <a:extLst>
+              <a:ext uri="{FF2B5EF4-FFF2-40B4-BE49-F238E27FC236}">
+                <a16:creationId xmlns:a16="http://schemas.microsoft.com/office/drawing/2014/main" id="{58E5CCF7-D3C0-A3DA-D587-C6E380B9CF7E}"/>
+              </a:ext>
+            </a:extLst>
+          </p:cNvPr>
+          <p:cNvPicPr>
+            <a:picLocks noChangeAspect="1"/>
+          </p:cNvPicPr>
+          <p:nvPr/>
+        </p:nvPicPr>
+        <p:blipFill rotWithShape="1">
+          <a:blip r:embed="rId2"/>
+          <a:srcRect l="16328" r="57099" b="1"/>
+          <a:stretch/>
+        </p:blipFill>
+        <p:spPr>
+          <a:xfrm>
+            <a:off x="20" y="10"/>
+            <a:ext cx="2734036" cy="6867719"/>
+          </a:xfrm>
+          <a:custGeom>
+            <a:avLst/>
+            <a:gdLst/>
+            <a:ahLst/>
+            <a:cxnLst/>
+            <a:rect l="l" t="t" r="r" b="b"/>
+            <a:pathLst>
+              <a:path w="2734056" h="6858000">
+                <a:moveTo>
+                  <a:pt x="0" y="0"/>
+                </a:moveTo>
+                <a:lnTo>
+                  <a:pt x="1674254" y="0"/>
+                </a:lnTo>
+                <a:lnTo>
+                  <a:pt x="2734056" y="6850199"/>
+                </a:lnTo>
+                <a:lnTo>
+                  <a:pt x="2734056" y="6858000"/>
+                </a:lnTo>
+                <a:lnTo>
+                  <a:pt x="461457" y="6858000"/>
+                </a:lnTo>
+                <a:lnTo>
+                  <a:pt x="0" y="4134118"/>
+                </a:lnTo>
+                <a:close/>
+              </a:path>
+            </a:pathLst>
+          </a:custGeom>
+        </p:spPr>
+      </p:pic>
+      <p:sp>
+        <p:nvSpPr>
+          <p:cNvPr id="12" name="Isosceles Triangle 8">
+            <a:extLst>
+              <a:ext uri="{FF2B5EF4-FFF2-40B4-BE49-F238E27FC236}">
+                <a16:creationId xmlns:a16="http://schemas.microsoft.com/office/drawing/2014/main" id="{EB6743CF-E74B-4A3C-A785-599069DB89DF}"/>
+              </a:ext>
+              <a:ext uri="{C183D7F6-B498-43B3-948B-1728B52AA6E4}">
+                <adec:decorative xmlns:adec="http://schemas.microsoft.com/office/drawing/2017/decorative" val="1"/>
+              </a:ext>
+            </a:extLst>
+          </p:cNvPr>
+          <p:cNvSpPr>
+            <a:spLocks noGrp="1" noRot="1" noChangeAspect="1" noMove="1" noResize="1" noEditPoints="1" noAdjustHandles="1" noChangeArrowheads="1" noChangeShapeType="1" noTextEdit="1"/>
+          </p:cNvSpPr>
+          <p:nvPr>
+            <p:extLst>
+              <p:ext uri="{386F3935-93C4-4BCD-93E2-E3B085C9AB24}">
+                <p16:designElem xmlns:p16="http://schemas.microsoft.com/office/powerpoint/2015/main" val="1"/>
+              </p:ext>
+            </p:extLst>
+          </p:nvPr>
+        </p:nvSpPr>
+        <p:spPr>
+          <a:xfrm>
+            <a:off x="0" y="4013201"/>
+            <a:ext cx="476655" cy="2844800"/>
+          </a:xfrm>
+          <a:prstGeom prst="triangle">
+            <a:avLst>
+              <a:gd name="adj" fmla="val 0"/>
+            </a:avLst>
+          </a:prstGeom>
+          <a:solidFill>
+            <a:schemeClr val="accent1"/>
+          </a:solidFill>
+          <a:ln>
+            <a:noFill/>
+          </a:ln>
+          <a:effectLst/>
+        </p:spPr>
+        <p:style>
+          <a:lnRef idx="1">
+            <a:schemeClr val="accent1"/>
+          </a:lnRef>
+          <a:fillRef idx="3">
+            <a:schemeClr val="accent1"/>
+          </a:fillRef>
+          <a:effectRef idx="2">
+            <a:schemeClr val="accent1"/>
+          </a:effectRef>
+          <a:fontRef idx="minor">
+            <a:schemeClr val="lt1"/>
+          </a:fontRef>
+        </p:style>
+      </p:sp>
+      <p:pic>
+        <p:nvPicPr>
+          <p:cNvPr id="4" name="Picture 3">
+            <a:extLst>
+              <a:ext uri="{FF2B5EF4-FFF2-40B4-BE49-F238E27FC236}">
+                <a16:creationId xmlns:a16="http://schemas.microsoft.com/office/drawing/2014/main" id="{9EDA9B5F-C091-34C2-B837-5BEC143FDCD4}"/>
+              </a:ext>
+            </a:extLst>
+          </p:cNvPr>
+          <p:cNvPicPr>
+            <a:picLocks noChangeAspect="1"/>
+          </p:cNvPicPr>
+          <p:nvPr/>
+        </p:nvPicPr>
+        <p:blipFill>
+          <a:blip r:embed="rId3"/>
+          <a:stretch>
+            <a:fillRect/>
+          </a:stretch>
+        </p:blipFill>
+        <p:spPr>
+          <a:xfrm>
+            <a:off x="4342272" y="1334222"/>
+            <a:ext cx="2825081" cy="5523778"/>
+          </a:xfrm>
+          <a:prstGeom prst="rect">
+            <a:avLst/>
+          </a:prstGeom>
+        </p:spPr>
+      </p:pic>
+    </p:spTree>
+    <p:extLst>
+      <p:ext uri="{BB962C8B-B14F-4D97-AF65-F5344CB8AC3E}">
+        <p14:creationId xmlns:p14="http://schemas.microsoft.com/office/powerpoint/2010/main" val="403058623"/>
+      </p:ext>
+    </p:extLst>
+  </p:cSld>
+  <p:clrMapOvr>
+    <a:masterClrMapping/>
+  </p:clrMapOvr>
+</p:sld>
+</file>
+
 <file path=ppt/slides/slide2.xml><?xml version="1.0" encoding="utf-8"?>
 <p:sld xmlns:a="http://schemas.openxmlformats.org/drawingml/2006/main" xmlns:r="http://schemas.openxmlformats.org/officeDocument/2006/relationships" xmlns:p="http://schemas.openxmlformats.org/presentationml/2006/main">
   <p:cSld>
@@ -6061,7 +10458,7 @@
         </p:nvSpPr>
         <p:spPr>
           <a:xfrm>
-            <a:off x="2372042" y="2160589"/>
+            <a:off x="2316823" y="1743145"/>
             <a:ext cx="5176838" cy="3880773"/>
           </a:xfrm>
         </p:spPr>
@@ -6070,29 +10467,6 @@
             <a:normAutofit/>
           </a:bodyPr>
           <a:lstStyle/>
-          <a:p>
-            <a:r>
-              <a:rPr lang="en-US" dirty="0"/>
-              <a:t>Recipe app with:</a:t>
-            </a:r>
-          </a:p>
-          <a:p>
-            <a:pPr lvl="1"/>
-            <a:r>
-              <a:rPr lang="en-US" dirty="0"/>
-              <a:t>Gmail login </a:t>
-            </a:r>
-          </a:p>
-          <a:p>
-            <a:pPr lvl="1"/>
-            <a:r>
-              <a:rPr lang="en-US" dirty="0"/>
-              <a:t>email/password registration and login.</a:t>
-            </a:r>
-          </a:p>
-          <a:p>
-            <a:endParaRPr lang="en-US" dirty="0"/>
-          </a:p>
           <a:p>
             <a:r>
               <a:rPr lang="en-US" dirty="0"/>
@@ -6174,6 +10548,425 @@
   </p:cSld>
   <p:clrMapOvr>
     <a:masterClrMapping/>
+  </p:clrMapOvr>
+</p:sld>
+</file>
+
+<file path=ppt/slides/slide20.xml><?xml version="1.0" encoding="utf-8"?>
+<p:sld xmlns:a="http://schemas.openxmlformats.org/drawingml/2006/main" xmlns:r="http://schemas.openxmlformats.org/officeDocument/2006/relationships" xmlns:p="http://schemas.openxmlformats.org/presentationml/2006/main">
+  <p:cSld>
+    <p:bg>
+      <p:bgPr>
+        <a:solidFill>
+          <a:schemeClr val="bg1"/>
+        </a:solidFill>
+        <a:effectLst/>
+      </p:bgPr>
+    </p:bg>
+    <p:spTree>
+      <p:nvGrpSpPr>
+        <p:cNvPr id="1" name=""/>
+        <p:cNvGrpSpPr/>
+        <p:nvPr/>
+      </p:nvGrpSpPr>
+      <p:grpSpPr>
+        <a:xfrm>
+          <a:off x="0" y="0"/>
+          <a:ext cx="0" cy="0"/>
+          <a:chOff x="0" y="0"/>
+          <a:chExt cx="0" cy="0"/>
+        </a:xfrm>
+      </p:grpSpPr>
+      <p:sp>
+        <p:nvSpPr>
+          <p:cNvPr id="2" name="Title 1">
+            <a:extLst>
+              <a:ext uri="{FF2B5EF4-FFF2-40B4-BE49-F238E27FC236}">
+                <a16:creationId xmlns:a16="http://schemas.microsoft.com/office/drawing/2014/main" id="{17611BF7-7CC8-52FF-41D4-FD7954A02F3B}"/>
+              </a:ext>
+            </a:extLst>
+          </p:cNvPr>
+          <p:cNvSpPr>
+            <a:spLocks noGrp="1"/>
+          </p:cNvSpPr>
+          <p:nvPr>
+            <p:ph type="title"/>
+          </p:nvPr>
+        </p:nvSpPr>
+        <p:spPr>
+          <a:xfrm>
+            <a:off x="2175224" y="492948"/>
+            <a:ext cx="5733100" cy="841274"/>
+          </a:xfrm>
+        </p:spPr>
+        <p:txBody>
+          <a:bodyPr>
+            <a:normAutofit/>
+          </a:bodyPr>
+          <a:lstStyle/>
+          <a:p>
+            <a:r>
+              <a:rPr lang="en-US" dirty="0"/>
+              <a:t>Meal Details Screen</a:t>
+            </a:r>
+          </a:p>
+        </p:txBody>
+      </p:sp>
+      <p:pic>
+        <p:nvPicPr>
+          <p:cNvPr id="11" name="Picture 4" descr="Ramen on yellow table">
+            <a:extLst>
+              <a:ext uri="{FF2B5EF4-FFF2-40B4-BE49-F238E27FC236}">
+                <a16:creationId xmlns:a16="http://schemas.microsoft.com/office/drawing/2014/main" id="{58E5CCF7-D3C0-A3DA-D587-C6E380B9CF7E}"/>
+              </a:ext>
+            </a:extLst>
+          </p:cNvPr>
+          <p:cNvPicPr>
+            <a:picLocks noChangeAspect="1"/>
+          </p:cNvPicPr>
+          <p:nvPr/>
+        </p:nvPicPr>
+        <p:blipFill rotWithShape="1">
+          <a:blip r:embed="rId2"/>
+          <a:srcRect l="16328" r="57099" b="1"/>
+          <a:stretch/>
+        </p:blipFill>
+        <p:spPr>
+          <a:xfrm>
+            <a:off x="20" y="10"/>
+            <a:ext cx="2734036" cy="6867719"/>
+          </a:xfrm>
+          <a:custGeom>
+            <a:avLst/>
+            <a:gdLst/>
+            <a:ahLst/>
+            <a:cxnLst/>
+            <a:rect l="l" t="t" r="r" b="b"/>
+            <a:pathLst>
+              <a:path w="2734056" h="6858000">
+                <a:moveTo>
+                  <a:pt x="0" y="0"/>
+                </a:moveTo>
+                <a:lnTo>
+                  <a:pt x="1674254" y="0"/>
+                </a:lnTo>
+                <a:lnTo>
+                  <a:pt x="2734056" y="6850199"/>
+                </a:lnTo>
+                <a:lnTo>
+                  <a:pt x="2734056" y="6858000"/>
+                </a:lnTo>
+                <a:lnTo>
+                  <a:pt x="461457" y="6858000"/>
+                </a:lnTo>
+                <a:lnTo>
+                  <a:pt x="0" y="4134118"/>
+                </a:lnTo>
+                <a:close/>
+              </a:path>
+            </a:pathLst>
+          </a:custGeom>
+        </p:spPr>
+      </p:pic>
+      <p:sp>
+        <p:nvSpPr>
+          <p:cNvPr id="12" name="Isosceles Triangle 8">
+            <a:extLst>
+              <a:ext uri="{FF2B5EF4-FFF2-40B4-BE49-F238E27FC236}">
+                <a16:creationId xmlns:a16="http://schemas.microsoft.com/office/drawing/2014/main" id="{EB6743CF-E74B-4A3C-A785-599069DB89DF}"/>
+              </a:ext>
+              <a:ext uri="{C183D7F6-B498-43B3-948B-1728B52AA6E4}">
+                <adec:decorative xmlns:adec="http://schemas.microsoft.com/office/drawing/2017/decorative" val="1"/>
+              </a:ext>
+            </a:extLst>
+          </p:cNvPr>
+          <p:cNvSpPr>
+            <a:spLocks noGrp="1" noRot="1" noChangeAspect="1" noMove="1" noResize="1" noEditPoints="1" noAdjustHandles="1" noChangeArrowheads="1" noChangeShapeType="1" noTextEdit="1"/>
+          </p:cNvSpPr>
+          <p:nvPr>
+            <p:extLst>
+              <p:ext uri="{386F3935-93C4-4BCD-93E2-E3B085C9AB24}">
+                <p16:designElem xmlns:p16="http://schemas.microsoft.com/office/powerpoint/2015/main" val="1"/>
+              </p:ext>
+            </p:extLst>
+          </p:nvPr>
+        </p:nvSpPr>
+        <p:spPr>
+          <a:xfrm>
+            <a:off x="0" y="4013201"/>
+            <a:ext cx="476655" cy="2844800"/>
+          </a:xfrm>
+          <a:prstGeom prst="triangle">
+            <a:avLst>
+              <a:gd name="adj" fmla="val 0"/>
+            </a:avLst>
+          </a:prstGeom>
+          <a:solidFill>
+            <a:schemeClr val="accent1"/>
+          </a:solidFill>
+          <a:ln>
+            <a:noFill/>
+          </a:ln>
+          <a:effectLst/>
+        </p:spPr>
+        <p:style>
+          <a:lnRef idx="1">
+            <a:schemeClr val="accent1"/>
+          </a:lnRef>
+          <a:fillRef idx="3">
+            <a:schemeClr val="accent1"/>
+          </a:fillRef>
+          <a:effectRef idx="2">
+            <a:schemeClr val="accent1"/>
+          </a:effectRef>
+          <a:fontRef idx="minor">
+            <a:schemeClr val="lt1"/>
+          </a:fontRef>
+        </p:style>
+      </p:sp>
+      <p:pic>
+        <p:nvPicPr>
+          <p:cNvPr id="3" name="Picture 2">
+            <a:extLst>
+              <a:ext uri="{FF2B5EF4-FFF2-40B4-BE49-F238E27FC236}">
+                <a16:creationId xmlns:a16="http://schemas.microsoft.com/office/drawing/2014/main" id="{0DAEF64F-78CE-72BC-325A-7854EDCADA68}"/>
+              </a:ext>
+            </a:extLst>
+          </p:cNvPr>
+          <p:cNvPicPr>
+            <a:picLocks noChangeAspect="1"/>
+          </p:cNvPicPr>
+          <p:nvPr/>
+        </p:nvPicPr>
+        <p:blipFill>
+          <a:blip r:embed="rId3"/>
+          <a:stretch>
+            <a:fillRect/>
+          </a:stretch>
+        </p:blipFill>
+        <p:spPr>
+          <a:xfrm>
+            <a:off x="1186249" y="1433384"/>
+            <a:ext cx="9309091" cy="5440931"/>
+          </a:xfrm>
+          <a:prstGeom prst="rect">
+            <a:avLst/>
+          </a:prstGeom>
+        </p:spPr>
+      </p:pic>
+    </p:spTree>
+    <p:extLst>
+      <p:ext uri="{BB962C8B-B14F-4D97-AF65-F5344CB8AC3E}">
+        <p14:creationId xmlns:p14="http://schemas.microsoft.com/office/powerpoint/2010/main" val="408241502"/>
+      </p:ext>
+    </p:extLst>
+  </p:cSld>
+  <p:clrMapOvr>
+    <a:masterClrMapping/>
+  </p:clrMapOvr>
+</p:sld>
+</file>
+
+<file path=ppt/slides/slide21.xml><?xml version="1.0" encoding="utf-8"?>
+<p:sld xmlns:a="http://schemas.openxmlformats.org/drawingml/2006/main" xmlns:r="http://schemas.openxmlformats.org/officeDocument/2006/relationships" xmlns:p="http://schemas.openxmlformats.org/presentationml/2006/main">
+  <p:cSld>
+    <p:bg>
+      <p:bgPr>
+        <a:solidFill>
+          <a:schemeClr val="bg2"/>
+        </a:solidFill>
+        <a:effectLst/>
+      </p:bgPr>
+    </p:bg>
+    <p:spTree>
+      <p:nvGrpSpPr>
+        <p:cNvPr id="1" name=""/>
+        <p:cNvGrpSpPr/>
+        <p:nvPr/>
+      </p:nvGrpSpPr>
+      <p:grpSpPr>
+        <a:xfrm>
+          <a:off x="0" y="0"/>
+          <a:ext cx="0" cy="0"/>
+          <a:chOff x="0" y="0"/>
+          <a:chExt cx="0" cy="0"/>
+        </a:xfrm>
+      </p:grpSpPr>
+      <p:sp>
+        <p:nvSpPr>
+          <p:cNvPr id="17" name="Rectangle 16">
+            <a:extLst>
+              <a:ext uri="{FF2B5EF4-FFF2-40B4-BE49-F238E27FC236}">
+                <a16:creationId xmlns:a16="http://schemas.microsoft.com/office/drawing/2014/main" id="{D94A7024-D948-494D-8920-BBA2DA07D15B}"/>
+              </a:ext>
+              <a:ext uri="{C183D7F6-B498-43B3-948B-1728B52AA6E4}">
+                <adec:decorative xmlns:adec="http://schemas.microsoft.com/office/drawing/2017/decorative" val="1"/>
+              </a:ext>
+            </a:extLst>
+          </p:cNvPr>
+          <p:cNvSpPr>
+            <a:spLocks noGrp="1" noRot="1" noChangeAspect="1" noMove="1" noResize="1" noEditPoints="1" noAdjustHandles="1" noChangeArrowheads="1" noChangeShapeType="1" noTextEdit="1"/>
+          </p:cNvSpPr>
+          <p:nvPr>
+            <p:extLst>
+              <p:ext uri="{386F3935-93C4-4BCD-93E2-E3B085C9AB24}">
+                <p16:designElem xmlns:p16="http://schemas.microsoft.com/office/powerpoint/2015/main" val="1"/>
+              </p:ext>
+            </p:extLst>
+          </p:nvPr>
+        </p:nvSpPr>
+        <p:spPr>
+          <a:xfrm>
+            <a:off x="0" y="0"/>
+            <a:ext cx="12192000" cy="6858000"/>
+          </a:xfrm>
+          <a:prstGeom prst="rect">
+            <a:avLst/>
+          </a:prstGeom>
+          <a:solidFill>
+            <a:srgbClr val="000000"/>
+          </a:solidFill>
+          <a:ln>
+            <a:noFill/>
+          </a:ln>
+        </p:spPr>
+        <p:style>
+          <a:lnRef idx="2">
+            <a:schemeClr val="accent1">
+              <a:shade val="50000"/>
+            </a:schemeClr>
+          </a:lnRef>
+          <a:fillRef idx="1">
+            <a:schemeClr val="accent1"/>
+          </a:fillRef>
+          <a:effectRef idx="0">
+            <a:schemeClr val="accent1"/>
+          </a:effectRef>
+          <a:fontRef idx="minor">
+            <a:schemeClr val="lt1"/>
+          </a:fontRef>
+        </p:style>
+        <p:txBody>
+          <a:bodyPr rtlCol="0" anchor="ctr"/>
+          <a:lstStyle/>
+          <a:p>
+            <a:pPr algn="ctr"/>
+            <a:endParaRPr lang="en-US"/>
+          </a:p>
+        </p:txBody>
+      </p:sp>
+      <p:pic>
+        <p:nvPicPr>
+          <p:cNvPr id="11" name="Picture 4" descr="Ramen on yellow table">
+            <a:extLst>
+              <a:ext uri="{FF2B5EF4-FFF2-40B4-BE49-F238E27FC236}">
+                <a16:creationId xmlns:a16="http://schemas.microsoft.com/office/drawing/2014/main" id="{58E5CCF7-D3C0-A3DA-D587-C6E380B9CF7E}"/>
+              </a:ext>
+            </a:extLst>
+          </p:cNvPr>
+          <p:cNvPicPr>
+            <a:picLocks noChangeAspect="1"/>
+          </p:cNvPicPr>
+          <p:nvPr/>
+        </p:nvPicPr>
+        <p:blipFill rotWithShape="1">
+          <a:blip r:embed="rId2">
+            <a:duotone>
+              <a:prstClr val="black"/>
+              <a:schemeClr val="tx2">
+                <a:tint val="45000"/>
+                <a:satMod val="400000"/>
+              </a:schemeClr>
+            </a:duotone>
+            <a:alphaModFix amt="40000"/>
+          </a:blip>
+          <a:srcRect t="8976" b="6754"/>
+          <a:stretch/>
+        </p:blipFill>
+        <p:spPr>
+          <a:xfrm>
+            <a:off x="20" y="10"/>
+            <a:ext cx="12191980" cy="6857990"/>
+          </a:xfrm>
+          <a:prstGeom prst="rect">
+            <a:avLst/>
+          </a:prstGeom>
+        </p:spPr>
+      </p:pic>
+      <p:sp>
+        <p:nvSpPr>
+          <p:cNvPr id="2" name="Title 1">
+            <a:extLst>
+              <a:ext uri="{FF2B5EF4-FFF2-40B4-BE49-F238E27FC236}">
+                <a16:creationId xmlns:a16="http://schemas.microsoft.com/office/drawing/2014/main" id="{17611BF7-7CC8-52FF-41D4-FD7954A02F3B}"/>
+              </a:ext>
+            </a:extLst>
+          </p:cNvPr>
+          <p:cNvSpPr>
+            <a:spLocks noGrp="1"/>
+          </p:cNvSpPr>
+          <p:nvPr>
+            <p:ph type="title"/>
+          </p:nvPr>
+        </p:nvSpPr>
+        <p:spPr>
+          <a:xfrm>
+            <a:off x="6096000" y="2535194"/>
+            <a:ext cx="5066270" cy="1787612"/>
+          </a:xfrm>
+        </p:spPr>
+        <p:txBody>
+          <a:bodyPr>
+            <a:noAutofit/>
+          </a:bodyPr>
+          <a:lstStyle/>
+          <a:p>
+            <a:r>
+              <a:rPr lang="en-US" sz="10300" dirty="0"/>
+              <a:t>Thanks</a:t>
+            </a:r>
+          </a:p>
+        </p:txBody>
+      </p:sp>
+      <p:pic>
+        <p:nvPicPr>
+          <p:cNvPr id="3" name="Picture 2">
+            <a:extLst>
+              <a:ext uri="{FF2B5EF4-FFF2-40B4-BE49-F238E27FC236}">
+                <a16:creationId xmlns:a16="http://schemas.microsoft.com/office/drawing/2014/main" id="{0223FEC7-86C7-5E68-9625-0A7D5358773B}"/>
+              </a:ext>
+            </a:extLst>
+          </p:cNvPr>
+          <p:cNvPicPr>
+            <a:picLocks noChangeAspect="1"/>
+          </p:cNvPicPr>
+          <p:nvPr/>
+        </p:nvPicPr>
+        <p:blipFill>
+          <a:blip r:embed="rId3"/>
+          <a:stretch>
+            <a:fillRect/>
+          </a:stretch>
+        </p:blipFill>
+        <p:spPr>
+          <a:xfrm>
+            <a:off x="11369020" y="6035030"/>
+            <a:ext cx="822960" cy="822960"/>
+          </a:xfrm>
+          <a:prstGeom prst="rect">
+            <a:avLst/>
+          </a:prstGeom>
+        </p:spPr>
+      </p:pic>
+    </p:spTree>
+    <p:extLst>
+      <p:ext uri="{BB962C8B-B14F-4D97-AF65-F5344CB8AC3E}">
+        <p14:creationId xmlns:p14="http://schemas.microsoft.com/office/powerpoint/2010/main" val="894066137"/>
+      </p:ext>
+    </p:extLst>
+  </p:cSld>
+  <p:clrMapOvr>
+    <a:overrideClrMapping bg1="dk1" tx1="lt1" bg2="dk2" tx2="lt2" accent1="accent1" accent2="accent2" accent3="accent3" accent4="accent4" accent5="accent5" accent6="accent6" hlink="hlink" folHlink="folHlink"/>
   </p:clrMapOvr>
 </p:sld>
 </file>
@@ -7034,8 +11827,8 @@
         </p:nvSpPr>
         <p:spPr>
           <a:xfrm>
-            <a:off x="2821752" y="1442721"/>
-            <a:ext cx="8596668" cy="1659571"/>
+            <a:off x="2821752" y="1442722"/>
+            <a:ext cx="6509574" cy="1307464"/>
           </a:xfrm>
         </p:spPr>
         <p:txBody>
@@ -7050,26 +11843,8 @@
           <a:p>
             <a:r>
               <a:rPr lang="en-US" dirty="0"/>
-              <a:t>Features Gmail login and email/password registration.</a:t>
-            </a:r>
-          </a:p>
-          <a:p>
-            <a:r>
-              <a:rPr lang="en-US" dirty="0"/>
               <a:t>Inspired by a user-friendly UI design.</a:t>
             </a:r>
-          </a:p>
-          <a:p>
-            <a:r>
-              <a:rPr lang="en-US" dirty="0"/>
-              <a:t>Utilizes MVVM-C architecture for maintainable code.</a:t>
-            </a:r>
-          </a:p>
-          <a:p>
-            <a:pPr marL="0" indent="0">
-              <a:buNone/>
-            </a:pPr>
-            <a:endParaRPr lang="en-US" dirty="0"/>
           </a:p>
         </p:txBody>
       </p:sp>
@@ -7197,7 +11972,7 @@
         <p:spPr>
           <a:xfrm>
             <a:off x="2821752" y="4267201"/>
-            <a:ext cx="8596668" cy="1659571"/>
+            <a:ext cx="6778516" cy="1659571"/>
           </a:xfrm>
           <a:prstGeom prst="rect">
             <a:avLst/>
@@ -7957,7 +12732,7 @@
     <p:bg>
       <p:bgPr>
         <a:solidFill>
-          <a:schemeClr val="bg2"/>
+          <a:schemeClr val="bg1"/>
         </a:solidFill>
         <a:effectLst/>
       </p:bgPr>
@@ -7976,12 +12751,41 @@
           <a:chExt cx="0" cy="0"/>
         </a:xfrm>
       </p:grpSpPr>
-      <p:sp>
-        <p:nvSpPr>
-          <p:cNvPr id="17" name="Rectangle 16">
+      <p:pic>
+        <p:nvPicPr>
+          <p:cNvPr id="11" name="Picture 4" descr="Ramen on yellow table">
             <a:extLst>
               <a:ext uri="{FF2B5EF4-FFF2-40B4-BE49-F238E27FC236}">
-                <a16:creationId xmlns:a16="http://schemas.microsoft.com/office/drawing/2014/main" id="{D94A7024-D948-494D-8920-BBA2DA07D15B}"/>
+                <a16:creationId xmlns:a16="http://schemas.microsoft.com/office/drawing/2014/main" id="{58E5CCF7-D3C0-A3DA-D587-C6E380B9CF7E}"/>
+              </a:ext>
+            </a:extLst>
+          </p:cNvPr>
+          <p:cNvPicPr>
+            <a:picLocks noChangeAspect="1"/>
+          </p:cNvPicPr>
+          <p:nvPr/>
+        </p:nvPicPr>
+        <p:blipFill rotWithShape="1">
+          <a:blip r:embed="rId2"/>
+          <a:srcRect l="9091" t="13131" b="10260"/>
+          <a:stretch/>
+        </p:blipFill>
+        <p:spPr>
+          <a:xfrm>
+            <a:off x="1" y="10"/>
+            <a:ext cx="12191999" cy="6857990"/>
+          </a:xfrm>
+          <a:prstGeom prst="rect">
+            <a:avLst/>
+          </a:prstGeom>
+        </p:spPr>
+      </p:pic>
+      <p:sp>
+        <p:nvSpPr>
+          <p:cNvPr id="17" name="Isosceles Triangle 16">
+            <a:extLst>
+              <a:ext uri="{FF2B5EF4-FFF2-40B4-BE49-F238E27FC236}">
+                <a16:creationId xmlns:a16="http://schemas.microsoft.com/office/drawing/2014/main" id="{DD6B6433-CCD9-42F6-83C5-76BCAA8FEE69}"/>
               </a:ext>
               <a:ext uri="{C183D7F6-B498-43B3-948B-1728B52AA6E4}">
                 <adec:decorative xmlns:adec="http://schemas.microsoft.com/office/drawing/2017/decorative" val="1"/>
@@ -8000,30 +12804,91 @@
           </p:nvPr>
         </p:nvSpPr>
         <p:spPr>
-          <a:xfrm>
+          <a:xfrm rot="10800000">
             <a:off x="0" y="0"/>
-            <a:ext cx="12192000" cy="6858000"/>
-          </a:xfrm>
-          <a:prstGeom prst="rect">
-            <a:avLst/>
+            <a:ext cx="842596" cy="5666154"/>
+          </a:xfrm>
+          <a:prstGeom prst="triangle">
+            <a:avLst>
+              <a:gd name="adj" fmla="val 100000"/>
+            </a:avLst>
           </a:prstGeom>
           <a:solidFill>
-            <a:srgbClr val="000000"/>
+            <a:schemeClr val="accent1">
+              <a:alpha val="85000"/>
+            </a:schemeClr>
           </a:solidFill>
           <a:ln>
             <a:noFill/>
           </a:ln>
+          <a:effectLst/>
         </p:spPr>
         <p:style>
-          <a:lnRef idx="2">
-            <a:schemeClr val="accent1">
-              <a:shade val="50000"/>
+          <a:lnRef idx="1">
+            <a:schemeClr val="accent1"/>
+          </a:lnRef>
+          <a:fillRef idx="3">
+            <a:schemeClr val="accent1"/>
+          </a:fillRef>
+          <a:effectRef idx="2">
+            <a:schemeClr val="accent1"/>
+          </a:effectRef>
+          <a:fontRef idx="minor">
+            <a:schemeClr val="lt1"/>
+          </a:fontRef>
+        </p:style>
+      </p:sp>
+      <p:sp>
+        <p:nvSpPr>
+          <p:cNvPr id="19" name="Parallelogram 18">
+            <a:extLst>
+              <a:ext uri="{FF2B5EF4-FFF2-40B4-BE49-F238E27FC236}">
+                <a16:creationId xmlns:a16="http://schemas.microsoft.com/office/drawing/2014/main" id="{442B55CB-F27D-4C06-89E5-4EC99A519CBE}"/>
+              </a:ext>
+              <a:ext uri="{C183D7F6-B498-43B3-948B-1728B52AA6E4}">
+                <adec:decorative xmlns:adec="http://schemas.microsoft.com/office/drawing/2017/decorative" val="1"/>
+              </a:ext>
+            </a:extLst>
+          </p:cNvPr>
+          <p:cNvSpPr>
+            <a:spLocks noGrp="1" noRot="1" noChangeAspect="1" noMove="1" noResize="1" noEditPoints="1" noAdjustHandles="1" noChangeArrowheads="1" noChangeShapeType="1" noTextEdit="1"/>
+          </p:cNvSpPr>
+          <p:nvPr>
+            <p:extLst>
+              <p:ext uri="{386F3935-93C4-4BCD-93E2-E3B085C9AB24}">
+                <p16:designElem xmlns:p16="http://schemas.microsoft.com/office/powerpoint/2015/main" val="1"/>
+              </p:ext>
+            </p:extLst>
+          </p:nvPr>
+        </p:nvSpPr>
+        <p:spPr>
+          <a:xfrm>
+            <a:off x="1624188" y="0"/>
+            <a:ext cx="9372600" cy="6858000"/>
+          </a:xfrm>
+          <a:prstGeom prst="parallelogram">
+            <a:avLst>
+              <a:gd name="adj" fmla="val 14937"/>
+            </a:avLst>
+          </a:prstGeom>
+          <a:solidFill>
+            <a:schemeClr val="bg1">
+              <a:alpha val="94000"/>
             </a:schemeClr>
+          </a:solidFill>
+          <a:ln>
+            <a:noFill/>
+          </a:ln>
+          <a:effectLst/>
+        </p:spPr>
+        <p:style>
+          <a:lnRef idx="1">
+            <a:schemeClr val="accent1"/>
           </a:lnRef>
-          <a:fillRef idx="1">
+          <a:fillRef idx="3">
             <a:schemeClr val="accent1"/>
           </a:fillRef>
-          <a:effectRef idx="0">
+          <a:effectRef idx="2">
             <a:schemeClr val="accent1"/>
           </a:effectRef>
           <a:fontRef idx="minor">
@@ -8039,53 +12904,642 @@
           </a:p>
         </p:txBody>
       </p:sp>
-      <p:pic>
-        <p:nvPicPr>
-          <p:cNvPr id="11" name="Picture 4" descr="Ramen on yellow table">
+      <p:cxnSp>
+        <p:nvCxnSpPr>
+          <p:cNvPr id="21" name="Straight Connector 20">
             <a:extLst>
               <a:ext uri="{FF2B5EF4-FFF2-40B4-BE49-F238E27FC236}">
-                <a16:creationId xmlns:a16="http://schemas.microsoft.com/office/drawing/2014/main" id="{58E5CCF7-D3C0-A3DA-D587-C6E380B9CF7E}"/>
+                <a16:creationId xmlns:a16="http://schemas.microsoft.com/office/drawing/2014/main" id="{48527540-7F01-4C2E-9641-738882048E3D}"/>
+              </a:ext>
+              <a:ext uri="{C183D7F6-B498-43B3-948B-1728B52AA6E4}">
+                <adec:decorative xmlns:adec="http://schemas.microsoft.com/office/drawing/2017/decorative" val="1"/>
               </a:ext>
             </a:extLst>
           </p:cNvPr>
-          <p:cNvPicPr>
-            <a:picLocks noChangeAspect="1"/>
-          </p:cNvPicPr>
-          <p:nvPr/>
-        </p:nvPicPr>
-        <p:blipFill rotWithShape="1">
-          <a:blip r:embed="rId2">
-            <a:duotone>
-              <a:prstClr val="black"/>
-              <a:schemeClr val="tx2">
-                <a:tint val="45000"/>
-                <a:satMod val="400000"/>
-              </a:schemeClr>
-            </a:duotone>
-            <a:alphaModFix amt="40000"/>
-          </a:blip>
-          <a:srcRect t="8976" b="6754"/>
-          <a:stretch/>
-        </p:blipFill>
-        <p:spPr>
-          <a:xfrm>
-            <a:off x="20" y="10"/>
-            <a:ext cx="12191980" cy="6857990"/>
-          </a:xfrm>
-          <a:prstGeom prst="rect">
+          <p:cNvCxnSpPr>
+            <a:cxnSpLocks noGrp="1" noRot="1" noChangeAspect="1" noMove="1" noResize="1" noEditPoints="1" noAdjustHandles="1" noChangeArrowheads="1" noChangeShapeType="1"/>
+          </p:cNvCxnSpPr>
+          <p:nvPr>
+            <p:extLst>
+              <p:ext uri="{386F3935-93C4-4BCD-93E2-E3B085C9AB24}">
+                <p16:designElem xmlns:p16="http://schemas.microsoft.com/office/powerpoint/2015/main" val="1"/>
+              </p:ext>
+            </p:extLst>
+          </p:nvPr>
+        </p:nvCxnSpPr>
+        <p:spPr>
+          <a:xfrm>
+            <a:off x="9371012" y="0"/>
+            <a:ext cx="1219200" cy="6858000"/>
+          </a:xfrm>
+          <a:prstGeom prst="line">
             <a:avLst/>
           </a:prstGeom>
-        </p:spPr>
-      </p:pic>
-      <p:sp>
-        <p:nvSpPr>
-          <p:cNvPr id="2" name="Title 1">
+          <a:ln w="9525">
+            <a:solidFill>
+              <a:schemeClr val="bg1">
+                <a:lumMod val="75000"/>
+              </a:schemeClr>
+            </a:solidFill>
+          </a:ln>
+        </p:spPr>
+        <p:style>
+          <a:lnRef idx="2">
+            <a:schemeClr val="accent1"/>
+          </a:lnRef>
+          <a:fillRef idx="0">
+            <a:schemeClr val="accent1"/>
+          </a:fillRef>
+          <a:effectRef idx="1">
+            <a:schemeClr val="accent1"/>
+          </a:effectRef>
+          <a:fontRef idx="minor">
+            <a:schemeClr val="tx1"/>
+          </a:fontRef>
+        </p:style>
+      </p:cxnSp>
+      <p:cxnSp>
+        <p:nvCxnSpPr>
+          <p:cNvPr id="23" name="Straight Connector 22">
             <a:extLst>
               <a:ext uri="{FF2B5EF4-FFF2-40B4-BE49-F238E27FC236}">
-                <a16:creationId xmlns:a16="http://schemas.microsoft.com/office/drawing/2014/main" id="{17611BF7-7CC8-52FF-41D4-FD7954A02F3B}"/>
+                <a16:creationId xmlns:a16="http://schemas.microsoft.com/office/drawing/2014/main" id="{D6F60FB6-F855-43F0-A752-3719156C1E04}"/>
+              </a:ext>
+              <a:ext uri="{C183D7F6-B498-43B3-948B-1728B52AA6E4}">
+                <adec:decorative xmlns:adec="http://schemas.microsoft.com/office/drawing/2017/decorative" val="1"/>
               </a:ext>
             </a:extLst>
           </p:cNvPr>
+          <p:cNvCxnSpPr>
+            <a:cxnSpLocks noGrp="1" noRot="1" noChangeAspect="1" noMove="1" noResize="1" noEditPoints="1" noAdjustHandles="1" noChangeArrowheads="1" noChangeShapeType="1"/>
+          </p:cNvCxnSpPr>
+          <p:nvPr>
+            <p:extLst>
+              <p:ext uri="{386F3935-93C4-4BCD-93E2-E3B085C9AB24}">
+                <p16:designElem xmlns:p16="http://schemas.microsoft.com/office/powerpoint/2015/main" val="1"/>
+              </p:ext>
+            </p:extLst>
+          </p:nvPr>
+        </p:nvCxnSpPr>
+        <p:spPr>
+          <a:xfrm flipH="1">
+            <a:off x="7425267" y="3681413"/>
+            <a:ext cx="4763558" cy="3176587"/>
+          </a:xfrm>
+          <a:prstGeom prst="line">
+            <a:avLst/>
+          </a:prstGeom>
+          <a:ln w="9525">
+            <a:solidFill>
+              <a:schemeClr val="bg1">
+                <a:lumMod val="85000"/>
+              </a:schemeClr>
+            </a:solidFill>
+          </a:ln>
+        </p:spPr>
+        <p:style>
+          <a:lnRef idx="2">
+            <a:schemeClr val="accent1"/>
+          </a:lnRef>
+          <a:fillRef idx="0">
+            <a:schemeClr val="accent1"/>
+          </a:fillRef>
+          <a:effectRef idx="1">
+            <a:schemeClr val="accent1"/>
+          </a:effectRef>
+          <a:fontRef idx="minor">
+            <a:schemeClr val="tx1"/>
+          </a:fontRef>
+        </p:style>
+      </p:cxnSp>
+      <p:sp>
+        <p:nvSpPr>
+          <p:cNvPr id="25" name="Rectangle 23">
+            <a:extLst>
+              <a:ext uri="{FF2B5EF4-FFF2-40B4-BE49-F238E27FC236}">
+                <a16:creationId xmlns:a16="http://schemas.microsoft.com/office/drawing/2014/main" id="{70669A81-0E9B-4B42-AFEA-8F672C6CFBA7}"/>
+              </a:ext>
+              <a:ext uri="{C183D7F6-B498-43B3-948B-1728B52AA6E4}">
+                <adec:decorative xmlns:adec="http://schemas.microsoft.com/office/drawing/2017/decorative" val="1"/>
+              </a:ext>
+            </a:extLst>
+          </p:cNvPr>
+          <p:cNvSpPr>
+            <a:spLocks noGrp="1" noRot="1" noChangeAspect="1" noMove="1" noResize="1" noEditPoints="1" noAdjustHandles="1" noChangeArrowheads="1" noChangeShapeType="1" noTextEdit="1"/>
+          </p:cNvSpPr>
+          <p:nvPr>
+            <p:extLst>
+              <p:ext uri="{386F3935-93C4-4BCD-93E2-E3B085C9AB24}">
+                <p16:designElem xmlns:p16="http://schemas.microsoft.com/office/powerpoint/2015/main" val="1"/>
+              </p:ext>
+            </p:extLst>
+          </p:nvPr>
+        </p:nvSpPr>
+        <p:spPr>
+          <a:xfrm>
+            <a:off x="9181476" y="-8467"/>
+            <a:ext cx="3007349" cy="6866467"/>
+          </a:xfrm>
+          <a:custGeom>
+            <a:avLst/>
+            <a:gdLst/>
+            <a:ahLst/>
+            <a:cxnLst/>
+            <a:rect l="l" t="t" r="r" b="b"/>
+            <a:pathLst>
+              <a:path w="3007349" h="6866467">
+                <a:moveTo>
+                  <a:pt x="2045532" y="0"/>
+                </a:moveTo>
+                <a:lnTo>
+                  <a:pt x="3007349" y="0"/>
+                </a:lnTo>
+                <a:lnTo>
+                  <a:pt x="3007349" y="6866467"/>
+                </a:lnTo>
+                <a:lnTo>
+                  <a:pt x="0" y="6866467"/>
+                </a:lnTo>
+                <a:lnTo>
+                  <a:pt x="2045532" y="0"/>
+                </a:lnTo>
+                <a:close/>
+              </a:path>
+            </a:pathLst>
+          </a:custGeom>
+          <a:solidFill>
+            <a:schemeClr val="accent1">
+              <a:alpha val="30000"/>
+            </a:schemeClr>
+          </a:solidFill>
+          <a:ln>
+            <a:noFill/>
+          </a:ln>
+          <a:effectLst/>
+        </p:spPr>
+        <p:style>
+          <a:lnRef idx="1">
+            <a:schemeClr val="accent1"/>
+          </a:lnRef>
+          <a:fillRef idx="3">
+            <a:schemeClr val="accent1"/>
+          </a:fillRef>
+          <a:effectRef idx="2">
+            <a:schemeClr val="accent1"/>
+          </a:effectRef>
+          <a:fontRef idx="minor">
+            <a:schemeClr val="lt1"/>
+          </a:fontRef>
+        </p:style>
+      </p:sp>
+      <p:sp>
+        <p:nvSpPr>
+          <p:cNvPr id="27" name="Rectangle 25">
+            <a:extLst>
+              <a:ext uri="{FF2B5EF4-FFF2-40B4-BE49-F238E27FC236}">
+                <a16:creationId xmlns:a16="http://schemas.microsoft.com/office/drawing/2014/main" id="{8C93E0C6-CF08-4771-B5A9-6018CB3AED59}"/>
+              </a:ext>
+              <a:ext uri="{C183D7F6-B498-43B3-948B-1728B52AA6E4}">
+                <adec:decorative xmlns:adec="http://schemas.microsoft.com/office/drawing/2017/decorative" val="1"/>
+              </a:ext>
+            </a:extLst>
+          </p:cNvPr>
+          <p:cNvSpPr>
+            <a:spLocks noGrp="1" noRot="1" noChangeAspect="1" noMove="1" noResize="1" noEditPoints="1" noAdjustHandles="1" noChangeArrowheads="1" noChangeShapeType="1" noTextEdit="1"/>
+          </p:cNvSpPr>
+          <p:nvPr>
+            <p:extLst>
+              <p:ext uri="{386F3935-93C4-4BCD-93E2-E3B085C9AB24}">
+                <p16:designElem xmlns:p16="http://schemas.microsoft.com/office/powerpoint/2015/main" val="1"/>
+              </p:ext>
+            </p:extLst>
+          </p:nvPr>
+        </p:nvSpPr>
+        <p:spPr>
+          <a:xfrm>
+            <a:off x="9603442" y="-8467"/>
+            <a:ext cx="2588558" cy="6866467"/>
+          </a:xfrm>
+          <a:custGeom>
+            <a:avLst/>
+            <a:gdLst/>
+            <a:ahLst/>
+            <a:cxnLst/>
+            <a:rect l="l" t="t" r="r" b="b"/>
+            <a:pathLst>
+              <a:path w="2573311" h="6866467">
+                <a:moveTo>
+                  <a:pt x="0" y="0"/>
+                </a:moveTo>
+                <a:lnTo>
+                  <a:pt x="2573311" y="0"/>
+                </a:lnTo>
+                <a:lnTo>
+                  <a:pt x="2573311" y="6866467"/>
+                </a:lnTo>
+                <a:lnTo>
+                  <a:pt x="1202336" y="6866467"/>
+                </a:lnTo>
+                <a:lnTo>
+                  <a:pt x="0" y="0"/>
+                </a:lnTo>
+                <a:close/>
+              </a:path>
+            </a:pathLst>
+          </a:custGeom>
+          <a:solidFill>
+            <a:schemeClr val="accent1">
+              <a:alpha val="20000"/>
+            </a:schemeClr>
+          </a:solidFill>
+          <a:ln>
+            <a:noFill/>
+          </a:ln>
+          <a:effectLst/>
+        </p:spPr>
+        <p:style>
+          <a:lnRef idx="1">
+            <a:schemeClr val="accent1"/>
+          </a:lnRef>
+          <a:fillRef idx="3">
+            <a:schemeClr val="accent1"/>
+          </a:fillRef>
+          <a:effectRef idx="2">
+            <a:schemeClr val="accent1"/>
+          </a:effectRef>
+          <a:fontRef idx="minor">
+            <a:schemeClr val="lt1"/>
+          </a:fontRef>
+        </p:style>
+      </p:sp>
+      <p:sp>
+        <p:nvSpPr>
+          <p:cNvPr id="29" name="Isosceles Triangle 28">
+            <a:extLst>
+              <a:ext uri="{FF2B5EF4-FFF2-40B4-BE49-F238E27FC236}">
+                <a16:creationId xmlns:a16="http://schemas.microsoft.com/office/drawing/2014/main" id="{A011F1B8-62C5-4D08-A621-EAD05C7D6905}"/>
+              </a:ext>
+              <a:ext uri="{C183D7F6-B498-43B3-948B-1728B52AA6E4}">
+                <adec:decorative xmlns:adec="http://schemas.microsoft.com/office/drawing/2017/decorative" val="1"/>
+              </a:ext>
+            </a:extLst>
+          </p:cNvPr>
+          <p:cNvSpPr>
+            <a:spLocks noGrp="1" noRot="1" noChangeAspect="1" noMove="1" noResize="1" noEditPoints="1" noAdjustHandles="1" noChangeArrowheads="1" noChangeShapeType="1" noTextEdit="1"/>
+          </p:cNvSpPr>
+          <p:nvPr>
+            <p:extLst>
+              <p:ext uri="{386F3935-93C4-4BCD-93E2-E3B085C9AB24}">
+                <p16:designElem xmlns:p16="http://schemas.microsoft.com/office/powerpoint/2015/main" val="1"/>
+              </p:ext>
+            </p:extLst>
+          </p:nvPr>
+        </p:nvSpPr>
+        <p:spPr>
+          <a:xfrm>
+            <a:off x="8932333" y="3048000"/>
+            <a:ext cx="3259667" cy="3810000"/>
+          </a:xfrm>
+          <a:prstGeom prst="triangle">
+            <a:avLst>
+              <a:gd name="adj" fmla="val 100000"/>
+            </a:avLst>
+          </a:prstGeom>
+          <a:solidFill>
+            <a:schemeClr val="accent2">
+              <a:alpha val="72000"/>
+            </a:schemeClr>
+          </a:solidFill>
+          <a:ln>
+            <a:noFill/>
+          </a:ln>
+          <a:effectLst/>
+        </p:spPr>
+        <p:style>
+          <a:lnRef idx="1">
+            <a:schemeClr val="accent1"/>
+          </a:lnRef>
+          <a:fillRef idx="3">
+            <a:schemeClr val="accent1"/>
+          </a:fillRef>
+          <a:effectRef idx="2">
+            <a:schemeClr val="accent1"/>
+          </a:effectRef>
+          <a:fontRef idx="minor">
+            <a:schemeClr val="lt1"/>
+          </a:fontRef>
+        </p:style>
+      </p:sp>
+      <p:sp>
+        <p:nvSpPr>
+          <p:cNvPr id="31" name="Rectangle 27">
+            <a:extLst>
+              <a:ext uri="{FF2B5EF4-FFF2-40B4-BE49-F238E27FC236}">
+                <a16:creationId xmlns:a16="http://schemas.microsoft.com/office/drawing/2014/main" id="{C6A6AECB-428C-4CB4-B65A-359F08B6D8F8}"/>
+              </a:ext>
+              <a:ext uri="{C183D7F6-B498-43B3-948B-1728B52AA6E4}">
+                <adec:decorative xmlns:adec="http://schemas.microsoft.com/office/drawing/2017/decorative" val="1"/>
+              </a:ext>
+            </a:extLst>
+          </p:cNvPr>
+          <p:cNvSpPr>
+            <a:spLocks noGrp="1" noRot="1" noChangeAspect="1" noMove="1" noResize="1" noEditPoints="1" noAdjustHandles="1" noChangeArrowheads="1" noChangeShapeType="1" noTextEdit="1"/>
+          </p:cNvSpPr>
+          <p:nvPr>
+            <p:extLst>
+              <p:ext uri="{386F3935-93C4-4BCD-93E2-E3B085C9AB24}">
+                <p16:designElem xmlns:p16="http://schemas.microsoft.com/office/powerpoint/2015/main" val="1"/>
+              </p:ext>
+            </p:extLst>
+          </p:nvPr>
+        </p:nvSpPr>
+        <p:spPr>
+          <a:xfrm>
+            <a:off x="9334500" y="-8467"/>
+            <a:ext cx="2854326" cy="6866467"/>
+          </a:xfrm>
+          <a:custGeom>
+            <a:avLst/>
+            <a:gdLst/>
+            <a:ahLst/>
+            <a:cxnLst/>
+            <a:rect l="l" t="t" r="r" b="b"/>
+            <a:pathLst>
+              <a:path w="2858013" h="6866467">
+                <a:moveTo>
+                  <a:pt x="0" y="0"/>
+                </a:moveTo>
+                <a:lnTo>
+                  <a:pt x="2858013" y="0"/>
+                </a:lnTo>
+                <a:lnTo>
+                  <a:pt x="2858013" y="6866467"/>
+                </a:lnTo>
+                <a:lnTo>
+                  <a:pt x="2473942" y="6866467"/>
+                </a:lnTo>
+                <a:lnTo>
+                  <a:pt x="0" y="0"/>
+                </a:lnTo>
+                <a:close/>
+              </a:path>
+            </a:pathLst>
+          </a:custGeom>
+          <a:solidFill>
+            <a:schemeClr val="accent2">
+              <a:lumMod val="75000"/>
+              <a:alpha val="47000"/>
+            </a:schemeClr>
+          </a:solidFill>
+          <a:ln>
+            <a:noFill/>
+          </a:ln>
+          <a:effectLst/>
+        </p:spPr>
+        <p:style>
+          <a:lnRef idx="1">
+            <a:schemeClr val="accent1"/>
+          </a:lnRef>
+          <a:fillRef idx="3">
+            <a:schemeClr val="accent1"/>
+          </a:fillRef>
+          <a:effectRef idx="2">
+            <a:schemeClr val="accent1"/>
+          </a:effectRef>
+          <a:fontRef idx="minor">
+            <a:schemeClr val="lt1"/>
+          </a:fontRef>
+        </p:style>
+      </p:sp>
+      <p:sp>
+        <p:nvSpPr>
+          <p:cNvPr id="33" name="Rectangle 28">
+            <a:extLst>
+              <a:ext uri="{FF2B5EF4-FFF2-40B4-BE49-F238E27FC236}">
+                <a16:creationId xmlns:a16="http://schemas.microsoft.com/office/drawing/2014/main" id="{28D1A6ED-2AB6-46A3-A315-485B8BF936D8}"/>
+              </a:ext>
+              <a:ext uri="{C183D7F6-B498-43B3-948B-1728B52AA6E4}">
+                <adec:decorative xmlns:adec="http://schemas.microsoft.com/office/drawing/2017/decorative" val="1"/>
+              </a:ext>
+            </a:extLst>
+          </p:cNvPr>
+          <p:cNvSpPr>
+            <a:spLocks noGrp="1" noRot="1" noChangeAspect="1" noMove="1" noResize="1" noEditPoints="1" noAdjustHandles="1" noChangeArrowheads="1" noChangeShapeType="1" noTextEdit="1"/>
+          </p:cNvSpPr>
+          <p:nvPr>
+            <p:extLst>
+              <p:ext uri="{386F3935-93C4-4BCD-93E2-E3B085C9AB24}">
+                <p16:designElem xmlns:p16="http://schemas.microsoft.com/office/powerpoint/2015/main" val="1"/>
+              </p:ext>
+            </p:extLst>
+          </p:nvPr>
+        </p:nvSpPr>
+        <p:spPr>
+          <a:xfrm>
+            <a:off x="10898730" y="-8467"/>
+            <a:ext cx="1290094" cy="6866467"/>
+          </a:xfrm>
+          <a:custGeom>
+            <a:avLst/>
+            <a:gdLst/>
+            <a:ahLst/>
+            <a:cxnLst/>
+            <a:rect l="l" t="t" r="r" b="b"/>
+            <a:pathLst>
+              <a:path w="1290094" h="6858000">
+                <a:moveTo>
+                  <a:pt x="1019735" y="0"/>
+                </a:moveTo>
+                <a:lnTo>
+                  <a:pt x="1290094" y="0"/>
+                </a:lnTo>
+                <a:lnTo>
+                  <a:pt x="1290094" y="6858000"/>
+                </a:lnTo>
+                <a:lnTo>
+                  <a:pt x="0" y="6858000"/>
+                </a:lnTo>
+                <a:lnTo>
+                  <a:pt x="1019735" y="0"/>
+                </a:lnTo>
+                <a:close/>
+              </a:path>
+            </a:pathLst>
+          </a:custGeom>
+          <a:solidFill>
+            <a:schemeClr val="accent1">
+              <a:lumMod val="60000"/>
+              <a:lumOff val="40000"/>
+              <a:alpha val="70000"/>
+            </a:schemeClr>
+          </a:solidFill>
+          <a:ln>
+            <a:noFill/>
+          </a:ln>
+          <a:effectLst/>
+        </p:spPr>
+        <p:style>
+          <a:lnRef idx="1">
+            <a:schemeClr val="accent1"/>
+          </a:lnRef>
+          <a:fillRef idx="3">
+            <a:schemeClr val="accent1"/>
+          </a:fillRef>
+          <a:effectRef idx="2">
+            <a:schemeClr val="accent1"/>
+          </a:effectRef>
+          <a:fontRef idx="minor">
+            <a:schemeClr val="lt1"/>
+          </a:fontRef>
+        </p:style>
+      </p:sp>
+      <p:sp>
+        <p:nvSpPr>
+          <p:cNvPr id="35" name="Rectangle 29">
+            <a:extLst>
+              <a:ext uri="{FF2B5EF4-FFF2-40B4-BE49-F238E27FC236}">
+                <a16:creationId xmlns:a16="http://schemas.microsoft.com/office/drawing/2014/main" id="{B61CE46B-8525-46A8-AB7B-DCBCC1B65F9A}"/>
+              </a:ext>
+              <a:ext uri="{C183D7F6-B498-43B3-948B-1728B52AA6E4}">
+                <adec:decorative xmlns:adec="http://schemas.microsoft.com/office/drawing/2017/decorative" val="1"/>
+              </a:ext>
+            </a:extLst>
+          </p:cNvPr>
+          <p:cNvSpPr>
+            <a:spLocks noGrp="1" noRot="1" noChangeAspect="1" noMove="1" noResize="1" noEditPoints="1" noAdjustHandles="1" noChangeArrowheads="1" noChangeShapeType="1" noTextEdit="1"/>
+          </p:cNvSpPr>
+          <p:nvPr>
+            <p:extLst>
+              <p:ext uri="{386F3935-93C4-4BCD-93E2-E3B085C9AB24}">
+                <p16:designElem xmlns:p16="http://schemas.microsoft.com/office/powerpoint/2015/main" val="1"/>
+              </p:ext>
+            </p:extLst>
+          </p:nvPr>
+        </p:nvSpPr>
+        <p:spPr>
+          <a:xfrm>
+            <a:off x="10938999" y="-8467"/>
+            <a:ext cx="1249825" cy="6866467"/>
+          </a:xfrm>
+          <a:custGeom>
+            <a:avLst/>
+            <a:gdLst/>
+            <a:ahLst/>
+            <a:cxnLst/>
+            <a:rect l="l" t="t" r="r" b="b"/>
+            <a:pathLst>
+              <a:path w="1249825" h="6858000">
+                <a:moveTo>
+                  <a:pt x="0" y="0"/>
+                </a:moveTo>
+                <a:lnTo>
+                  <a:pt x="1249825" y="0"/>
+                </a:lnTo>
+                <a:lnTo>
+                  <a:pt x="1249825" y="6858000"/>
+                </a:lnTo>
+                <a:lnTo>
+                  <a:pt x="1109382" y="6858000"/>
+                </a:lnTo>
+                <a:lnTo>
+                  <a:pt x="0" y="0"/>
+                </a:lnTo>
+                <a:close/>
+              </a:path>
+            </a:pathLst>
+          </a:custGeom>
+          <a:solidFill>
+            <a:schemeClr val="accent1">
+              <a:alpha val="65000"/>
+            </a:schemeClr>
+          </a:solidFill>
+          <a:ln>
+            <a:noFill/>
+          </a:ln>
+          <a:effectLst/>
+        </p:spPr>
+        <p:style>
+          <a:lnRef idx="1">
+            <a:schemeClr val="accent1"/>
+          </a:lnRef>
+          <a:fillRef idx="3">
+            <a:schemeClr val="accent1"/>
+          </a:fillRef>
+          <a:effectRef idx="2">
+            <a:schemeClr val="accent1"/>
+          </a:effectRef>
+          <a:fontRef idx="minor">
+            <a:schemeClr val="lt1"/>
+          </a:fontRef>
+        </p:style>
+      </p:sp>
+      <p:sp>
+        <p:nvSpPr>
+          <p:cNvPr id="37" name="Isosceles Triangle 36">
+            <a:extLst>
+              <a:ext uri="{FF2B5EF4-FFF2-40B4-BE49-F238E27FC236}">
+                <a16:creationId xmlns:a16="http://schemas.microsoft.com/office/drawing/2014/main" id="{4412B991-9935-45FB-A17E-8F30DD832561}"/>
+              </a:ext>
+              <a:ext uri="{C183D7F6-B498-43B3-948B-1728B52AA6E4}">
+                <adec:decorative xmlns:adec="http://schemas.microsoft.com/office/drawing/2017/decorative" val="1"/>
+              </a:ext>
+            </a:extLst>
+          </p:cNvPr>
+          <p:cNvSpPr>
+            <a:spLocks noGrp="1" noRot="1" noChangeAspect="1" noMove="1" noResize="1" noEditPoints="1" noAdjustHandles="1" noChangeArrowheads="1" noChangeShapeType="1" noTextEdit="1"/>
+          </p:cNvSpPr>
+          <p:nvPr>
+            <p:extLst>
+              <p:ext uri="{386F3935-93C4-4BCD-93E2-E3B085C9AB24}">
+                <p16:designElem xmlns:p16="http://schemas.microsoft.com/office/powerpoint/2015/main" val="1"/>
+              </p:ext>
+            </p:extLst>
+          </p:nvPr>
+        </p:nvSpPr>
+        <p:spPr>
+          <a:xfrm>
+            <a:off x="10371666" y="3589867"/>
+            <a:ext cx="1817159" cy="3268133"/>
+          </a:xfrm>
+          <a:prstGeom prst="triangle">
+            <a:avLst>
+              <a:gd name="adj" fmla="val 100000"/>
+            </a:avLst>
+          </a:prstGeom>
+          <a:solidFill>
+            <a:schemeClr val="accent1">
+              <a:alpha val="80000"/>
+            </a:schemeClr>
+          </a:solidFill>
+          <a:ln>
+            <a:noFill/>
+          </a:ln>
+          <a:effectLst/>
+        </p:spPr>
+        <p:style>
+          <a:lnRef idx="1">
+            <a:schemeClr val="accent1"/>
+          </a:lnRef>
+          <a:fillRef idx="3">
+            <a:schemeClr val="accent1"/>
+          </a:fillRef>
+          <a:effectRef idx="2">
+            <a:schemeClr val="accent1"/>
+          </a:effectRef>
+          <a:fontRef idx="minor">
+            <a:schemeClr val="lt1"/>
+          </a:fontRef>
+        </p:style>
+      </p:sp>
+      <p:sp>
+        <p:nvSpPr>
+          <p:cNvPr id="18" name="Title 1">
+            <a:extLst>
+              <a:ext uri="{FF2B5EF4-FFF2-40B4-BE49-F238E27FC236}">
+                <a16:creationId xmlns:a16="http://schemas.microsoft.com/office/drawing/2014/main" id="{41E22F56-3CBF-DB42-400F-F0D2631F49BF}"/>
+              </a:ext>
+            </a:extLst>
+          </p:cNvPr>
           <p:cNvSpPr>
             <a:spLocks noGrp="1"/>
           </p:cNvSpPr>
@@ -8095,8 +13549,8 @@
         </p:nvSpPr>
         <p:spPr>
           <a:xfrm>
-            <a:off x="677334" y="609600"/>
-            <a:ext cx="8596668" cy="1320800"/>
+            <a:off x="2862021" y="468072"/>
+            <a:ext cx="8596668" cy="1168329"/>
           </a:xfrm>
         </p:spPr>
         <p:txBody>
@@ -8106,19 +13560,54 @@
           <a:lstStyle/>
           <a:p>
             <a:r>
-              <a:rPr lang="en-US"/>
-              <a:t>App Presentation</a:t>
+              <a:rPr lang="en-US" dirty="0"/>
+              <a:t>Architecture</a:t>
             </a:r>
+          </a:p>
+        </p:txBody>
+      </p:sp>
+      <p:sp>
+        <p:nvSpPr>
+          <p:cNvPr id="20" name="Content Placeholder 2">
+            <a:extLst>
+              <a:ext uri="{FF2B5EF4-FFF2-40B4-BE49-F238E27FC236}">
+                <a16:creationId xmlns:a16="http://schemas.microsoft.com/office/drawing/2014/main" id="{B8B5D76A-D30B-F1F0-7B8E-ECE11AF2BB6B}"/>
+              </a:ext>
+            </a:extLst>
+          </p:cNvPr>
+          <p:cNvSpPr>
+            <a:spLocks noGrp="1"/>
+          </p:cNvSpPr>
+          <p:nvPr>
+            <p:ph idx="1"/>
+          </p:nvPr>
+        </p:nvSpPr>
+        <p:spPr>
+          <a:xfrm>
+            <a:off x="2407948" y="1994338"/>
+            <a:ext cx="3736798" cy="1307464"/>
+          </a:xfrm>
+        </p:spPr>
+        <p:txBody>
+          <a:bodyPr/>
+          <a:lstStyle/>
+          <a:p>
+            <a:r>
+              <a:rPr lang="en-US" dirty="0"/>
+              <a:t>Utilizes MVVM-C architecture for maintainable code.</a:t>
+            </a:r>
+          </a:p>
+          <a:p>
             <a:endParaRPr lang="en-US" dirty="0"/>
           </a:p>
         </p:txBody>
       </p:sp>
       <p:pic>
         <p:nvPicPr>
-          <p:cNvPr id="8" name="Picture 7">
+          <p:cNvPr id="2" name="Picture 1">
             <a:extLst>
               <a:ext uri="{FF2B5EF4-FFF2-40B4-BE49-F238E27FC236}">
-                <a16:creationId xmlns:a16="http://schemas.microsoft.com/office/drawing/2014/main" id="{0F02A186-9D38-3831-1EC1-9048F9FC4704}"/>
+                <a16:creationId xmlns:a16="http://schemas.microsoft.com/office/drawing/2014/main" id="{8614E34F-BE3D-7B67-22B5-5E3704594B0D}"/>
               </a:ext>
             </a:extLst>
           </p:cNvPr>
@@ -8135,30 +13624,3690 @@
         </p:blipFill>
         <p:spPr>
           <a:xfrm>
-            <a:off x="6357740" y="731520"/>
-            <a:ext cx="2916262" cy="5679440"/>
+            <a:off x="6912970" y="759718"/>
+            <a:ext cx="3736798" cy="5330095"/>
           </a:xfrm>
           <a:prstGeom prst="rect">
             <a:avLst/>
           </a:prstGeom>
-          <a:effectLst>
-            <a:outerShdw blurRad="296773" dist="25400" dir="6600000" sx="46000" sy="46000" algn="ctr" rotWithShape="0">
-              <a:srgbClr val="000000">
-                <a:alpha val="43137"/>
-              </a:srgbClr>
-            </a:outerShdw>
-          </a:effectLst>
         </p:spPr>
       </p:pic>
     </p:spTree>
     <p:extLst>
       <p:ext uri="{BB962C8B-B14F-4D97-AF65-F5344CB8AC3E}">
-        <p14:creationId xmlns:p14="http://schemas.microsoft.com/office/powerpoint/2010/main" val="894066137"/>
+        <p14:creationId xmlns:p14="http://schemas.microsoft.com/office/powerpoint/2010/main" val="1518976489"/>
       </p:ext>
     </p:extLst>
   </p:cSld>
   <p:clrMapOvr>
-    <a:overrideClrMapping bg1="dk1" tx1="lt1" bg2="dk2" tx2="lt2" accent1="accent1" accent2="accent2" accent3="accent3" accent4="accent4" accent5="accent5" accent6="accent6" hlink="hlink" folHlink="folHlink"/>
+    <a:masterClrMapping/>
+  </p:clrMapOvr>
+</p:sld>
+</file>
+
+<file path=ppt/slides/slide6.xml><?xml version="1.0" encoding="utf-8"?>
+<p:sld xmlns:a="http://schemas.openxmlformats.org/drawingml/2006/main" xmlns:r="http://schemas.openxmlformats.org/officeDocument/2006/relationships" xmlns:p="http://schemas.openxmlformats.org/presentationml/2006/main">
+  <p:cSld>
+    <p:bg>
+      <p:bgPr>
+        <a:solidFill>
+          <a:schemeClr val="bg1"/>
+        </a:solidFill>
+        <a:effectLst/>
+      </p:bgPr>
+    </p:bg>
+    <p:spTree>
+      <p:nvGrpSpPr>
+        <p:cNvPr id="1" name=""/>
+        <p:cNvGrpSpPr/>
+        <p:nvPr/>
+      </p:nvGrpSpPr>
+      <p:grpSpPr>
+        <a:xfrm>
+          <a:off x="0" y="0"/>
+          <a:ext cx="0" cy="0"/>
+          <a:chOff x="0" y="0"/>
+          <a:chExt cx="0" cy="0"/>
+        </a:xfrm>
+      </p:grpSpPr>
+      <p:pic>
+        <p:nvPicPr>
+          <p:cNvPr id="11" name="Picture 4" descr="Ramen on yellow table">
+            <a:extLst>
+              <a:ext uri="{FF2B5EF4-FFF2-40B4-BE49-F238E27FC236}">
+                <a16:creationId xmlns:a16="http://schemas.microsoft.com/office/drawing/2014/main" id="{58E5CCF7-D3C0-A3DA-D587-C6E380B9CF7E}"/>
+              </a:ext>
+            </a:extLst>
+          </p:cNvPr>
+          <p:cNvPicPr>
+            <a:picLocks noChangeAspect="1"/>
+          </p:cNvPicPr>
+          <p:nvPr/>
+        </p:nvPicPr>
+        <p:blipFill rotWithShape="1">
+          <a:blip r:embed="rId2"/>
+          <a:srcRect l="9091" t="13131" b="10260"/>
+          <a:stretch/>
+        </p:blipFill>
+        <p:spPr>
+          <a:xfrm>
+            <a:off x="1" y="10"/>
+            <a:ext cx="12191999" cy="6857990"/>
+          </a:xfrm>
+          <a:prstGeom prst="rect">
+            <a:avLst/>
+          </a:prstGeom>
+        </p:spPr>
+      </p:pic>
+      <p:sp>
+        <p:nvSpPr>
+          <p:cNvPr id="17" name="Isosceles Triangle 16">
+            <a:extLst>
+              <a:ext uri="{FF2B5EF4-FFF2-40B4-BE49-F238E27FC236}">
+                <a16:creationId xmlns:a16="http://schemas.microsoft.com/office/drawing/2014/main" id="{DD6B6433-CCD9-42F6-83C5-76BCAA8FEE69}"/>
+              </a:ext>
+              <a:ext uri="{C183D7F6-B498-43B3-948B-1728B52AA6E4}">
+                <adec:decorative xmlns:adec="http://schemas.microsoft.com/office/drawing/2017/decorative" val="1"/>
+              </a:ext>
+            </a:extLst>
+          </p:cNvPr>
+          <p:cNvSpPr>
+            <a:spLocks noGrp="1" noRot="1" noChangeAspect="1" noMove="1" noResize="1" noEditPoints="1" noAdjustHandles="1" noChangeArrowheads="1" noChangeShapeType="1" noTextEdit="1"/>
+          </p:cNvSpPr>
+          <p:nvPr>
+            <p:extLst>
+              <p:ext uri="{386F3935-93C4-4BCD-93E2-E3B085C9AB24}">
+                <p16:designElem xmlns:p16="http://schemas.microsoft.com/office/powerpoint/2015/main" val="1"/>
+              </p:ext>
+            </p:extLst>
+          </p:nvPr>
+        </p:nvSpPr>
+        <p:spPr>
+          <a:xfrm rot="10800000">
+            <a:off x="0" y="0"/>
+            <a:ext cx="842596" cy="5666154"/>
+          </a:xfrm>
+          <a:prstGeom prst="triangle">
+            <a:avLst>
+              <a:gd name="adj" fmla="val 100000"/>
+            </a:avLst>
+          </a:prstGeom>
+          <a:solidFill>
+            <a:schemeClr val="accent1">
+              <a:alpha val="85000"/>
+            </a:schemeClr>
+          </a:solidFill>
+          <a:ln>
+            <a:noFill/>
+          </a:ln>
+          <a:effectLst/>
+        </p:spPr>
+        <p:style>
+          <a:lnRef idx="1">
+            <a:schemeClr val="accent1"/>
+          </a:lnRef>
+          <a:fillRef idx="3">
+            <a:schemeClr val="accent1"/>
+          </a:fillRef>
+          <a:effectRef idx="2">
+            <a:schemeClr val="accent1"/>
+          </a:effectRef>
+          <a:fontRef idx="minor">
+            <a:schemeClr val="lt1"/>
+          </a:fontRef>
+        </p:style>
+      </p:sp>
+      <p:sp>
+        <p:nvSpPr>
+          <p:cNvPr id="19" name="Parallelogram 18">
+            <a:extLst>
+              <a:ext uri="{FF2B5EF4-FFF2-40B4-BE49-F238E27FC236}">
+                <a16:creationId xmlns:a16="http://schemas.microsoft.com/office/drawing/2014/main" id="{442B55CB-F27D-4C06-89E5-4EC99A519CBE}"/>
+              </a:ext>
+              <a:ext uri="{C183D7F6-B498-43B3-948B-1728B52AA6E4}">
+                <adec:decorative xmlns:adec="http://schemas.microsoft.com/office/drawing/2017/decorative" val="1"/>
+              </a:ext>
+            </a:extLst>
+          </p:cNvPr>
+          <p:cNvSpPr>
+            <a:spLocks noGrp="1" noRot="1" noChangeAspect="1" noMove="1" noResize="1" noEditPoints="1" noAdjustHandles="1" noChangeArrowheads="1" noChangeShapeType="1" noTextEdit="1"/>
+          </p:cNvSpPr>
+          <p:nvPr>
+            <p:extLst>
+              <p:ext uri="{386F3935-93C4-4BCD-93E2-E3B085C9AB24}">
+                <p16:designElem xmlns:p16="http://schemas.microsoft.com/office/powerpoint/2015/main" val="1"/>
+              </p:ext>
+            </p:extLst>
+          </p:nvPr>
+        </p:nvSpPr>
+        <p:spPr>
+          <a:xfrm>
+            <a:off x="1624188" y="0"/>
+            <a:ext cx="9372600" cy="6858000"/>
+          </a:xfrm>
+          <a:prstGeom prst="parallelogram">
+            <a:avLst>
+              <a:gd name="adj" fmla="val 14937"/>
+            </a:avLst>
+          </a:prstGeom>
+          <a:solidFill>
+            <a:schemeClr val="bg1">
+              <a:alpha val="94000"/>
+            </a:schemeClr>
+          </a:solidFill>
+          <a:ln>
+            <a:noFill/>
+          </a:ln>
+          <a:effectLst/>
+        </p:spPr>
+        <p:style>
+          <a:lnRef idx="1">
+            <a:schemeClr val="accent1"/>
+          </a:lnRef>
+          <a:fillRef idx="3">
+            <a:schemeClr val="accent1"/>
+          </a:fillRef>
+          <a:effectRef idx="2">
+            <a:schemeClr val="accent1"/>
+          </a:effectRef>
+          <a:fontRef idx="minor">
+            <a:schemeClr val="lt1"/>
+          </a:fontRef>
+        </p:style>
+        <p:txBody>
+          <a:bodyPr rtlCol="0" anchor="ctr"/>
+          <a:lstStyle/>
+          <a:p>
+            <a:pPr algn="ctr"/>
+            <a:endParaRPr lang="en-US"/>
+          </a:p>
+        </p:txBody>
+      </p:sp>
+      <p:cxnSp>
+        <p:nvCxnSpPr>
+          <p:cNvPr id="21" name="Straight Connector 20">
+            <a:extLst>
+              <a:ext uri="{FF2B5EF4-FFF2-40B4-BE49-F238E27FC236}">
+                <a16:creationId xmlns:a16="http://schemas.microsoft.com/office/drawing/2014/main" id="{48527540-7F01-4C2E-9641-738882048E3D}"/>
+              </a:ext>
+              <a:ext uri="{C183D7F6-B498-43B3-948B-1728B52AA6E4}">
+                <adec:decorative xmlns:adec="http://schemas.microsoft.com/office/drawing/2017/decorative" val="1"/>
+              </a:ext>
+            </a:extLst>
+          </p:cNvPr>
+          <p:cNvCxnSpPr>
+            <a:cxnSpLocks noGrp="1" noRot="1" noChangeAspect="1" noMove="1" noResize="1" noEditPoints="1" noAdjustHandles="1" noChangeArrowheads="1" noChangeShapeType="1"/>
+          </p:cNvCxnSpPr>
+          <p:nvPr>
+            <p:extLst>
+              <p:ext uri="{386F3935-93C4-4BCD-93E2-E3B085C9AB24}">
+                <p16:designElem xmlns:p16="http://schemas.microsoft.com/office/powerpoint/2015/main" val="1"/>
+              </p:ext>
+            </p:extLst>
+          </p:nvPr>
+        </p:nvCxnSpPr>
+        <p:spPr>
+          <a:xfrm>
+            <a:off x="9371012" y="0"/>
+            <a:ext cx="1219200" cy="6858000"/>
+          </a:xfrm>
+          <a:prstGeom prst="line">
+            <a:avLst/>
+          </a:prstGeom>
+          <a:ln w="9525">
+            <a:solidFill>
+              <a:schemeClr val="bg1">
+                <a:lumMod val="75000"/>
+              </a:schemeClr>
+            </a:solidFill>
+          </a:ln>
+        </p:spPr>
+        <p:style>
+          <a:lnRef idx="2">
+            <a:schemeClr val="accent1"/>
+          </a:lnRef>
+          <a:fillRef idx="0">
+            <a:schemeClr val="accent1"/>
+          </a:fillRef>
+          <a:effectRef idx="1">
+            <a:schemeClr val="accent1"/>
+          </a:effectRef>
+          <a:fontRef idx="minor">
+            <a:schemeClr val="tx1"/>
+          </a:fontRef>
+        </p:style>
+      </p:cxnSp>
+      <p:cxnSp>
+        <p:nvCxnSpPr>
+          <p:cNvPr id="23" name="Straight Connector 22">
+            <a:extLst>
+              <a:ext uri="{FF2B5EF4-FFF2-40B4-BE49-F238E27FC236}">
+                <a16:creationId xmlns:a16="http://schemas.microsoft.com/office/drawing/2014/main" id="{D6F60FB6-F855-43F0-A752-3719156C1E04}"/>
+              </a:ext>
+              <a:ext uri="{C183D7F6-B498-43B3-948B-1728B52AA6E4}">
+                <adec:decorative xmlns:adec="http://schemas.microsoft.com/office/drawing/2017/decorative" val="1"/>
+              </a:ext>
+            </a:extLst>
+          </p:cNvPr>
+          <p:cNvCxnSpPr>
+            <a:cxnSpLocks noGrp="1" noRot="1" noChangeAspect="1" noMove="1" noResize="1" noEditPoints="1" noAdjustHandles="1" noChangeArrowheads="1" noChangeShapeType="1"/>
+          </p:cNvCxnSpPr>
+          <p:nvPr>
+            <p:extLst>
+              <p:ext uri="{386F3935-93C4-4BCD-93E2-E3B085C9AB24}">
+                <p16:designElem xmlns:p16="http://schemas.microsoft.com/office/powerpoint/2015/main" val="1"/>
+              </p:ext>
+            </p:extLst>
+          </p:nvPr>
+        </p:nvCxnSpPr>
+        <p:spPr>
+          <a:xfrm flipH="1">
+            <a:off x="7425267" y="3681413"/>
+            <a:ext cx="4763558" cy="3176587"/>
+          </a:xfrm>
+          <a:prstGeom prst="line">
+            <a:avLst/>
+          </a:prstGeom>
+          <a:ln w="9525">
+            <a:solidFill>
+              <a:schemeClr val="bg1">
+                <a:lumMod val="85000"/>
+              </a:schemeClr>
+            </a:solidFill>
+          </a:ln>
+        </p:spPr>
+        <p:style>
+          <a:lnRef idx="2">
+            <a:schemeClr val="accent1"/>
+          </a:lnRef>
+          <a:fillRef idx="0">
+            <a:schemeClr val="accent1"/>
+          </a:fillRef>
+          <a:effectRef idx="1">
+            <a:schemeClr val="accent1"/>
+          </a:effectRef>
+          <a:fontRef idx="minor">
+            <a:schemeClr val="tx1"/>
+          </a:fontRef>
+        </p:style>
+      </p:cxnSp>
+      <p:sp>
+        <p:nvSpPr>
+          <p:cNvPr id="25" name="Rectangle 23">
+            <a:extLst>
+              <a:ext uri="{FF2B5EF4-FFF2-40B4-BE49-F238E27FC236}">
+                <a16:creationId xmlns:a16="http://schemas.microsoft.com/office/drawing/2014/main" id="{70669A81-0E9B-4B42-AFEA-8F672C6CFBA7}"/>
+              </a:ext>
+              <a:ext uri="{C183D7F6-B498-43B3-948B-1728B52AA6E4}">
+                <adec:decorative xmlns:adec="http://schemas.microsoft.com/office/drawing/2017/decorative" val="1"/>
+              </a:ext>
+            </a:extLst>
+          </p:cNvPr>
+          <p:cNvSpPr>
+            <a:spLocks noGrp="1" noRot="1" noChangeAspect="1" noMove="1" noResize="1" noEditPoints="1" noAdjustHandles="1" noChangeArrowheads="1" noChangeShapeType="1" noTextEdit="1"/>
+          </p:cNvSpPr>
+          <p:nvPr>
+            <p:extLst>
+              <p:ext uri="{386F3935-93C4-4BCD-93E2-E3B085C9AB24}">
+                <p16:designElem xmlns:p16="http://schemas.microsoft.com/office/powerpoint/2015/main" val="1"/>
+              </p:ext>
+            </p:extLst>
+          </p:nvPr>
+        </p:nvSpPr>
+        <p:spPr>
+          <a:xfrm>
+            <a:off x="9181476" y="-8467"/>
+            <a:ext cx="3007349" cy="6866467"/>
+          </a:xfrm>
+          <a:custGeom>
+            <a:avLst/>
+            <a:gdLst/>
+            <a:ahLst/>
+            <a:cxnLst/>
+            <a:rect l="l" t="t" r="r" b="b"/>
+            <a:pathLst>
+              <a:path w="3007349" h="6866467">
+                <a:moveTo>
+                  <a:pt x="2045532" y="0"/>
+                </a:moveTo>
+                <a:lnTo>
+                  <a:pt x="3007349" y="0"/>
+                </a:lnTo>
+                <a:lnTo>
+                  <a:pt x="3007349" y="6866467"/>
+                </a:lnTo>
+                <a:lnTo>
+                  <a:pt x="0" y="6866467"/>
+                </a:lnTo>
+                <a:lnTo>
+                  <a:pt x="2045532" y="0"/>
+                </a:lnTo>
+                <a:close/>
+              </a:path>
+            </a:pathLst>
+          </a:custGeom>
+          <a:solidFill>
+            <a:schemeClr val="accent1">
+              <a:alpha val="30000"/>
+            </a:schemeClr>
+          </a:solidFill>
+          <a:ln>
+            <a:noFill/>
+          </a:ln>
+          <a:effectLst/>
+        </p:spPr>
+        <p:style>
+          <a:lnRef idx="1">
+            <a:schemeClr val="accent1"/>
+          </a:lnRef>
+          <a:fillRef idx="3">
+            <a:schemeClr val="accent1"/>
+          </a:fillRef>
+          <a:effectRef idx="2">
+            <a:schemeClr val="accent1"/>
+          </a:effectRef>
+          <a:fontRef idx="minor">
+            <a:schemeClr val="lt1"/>
+          </a:fontRef>
+        </p:style>
+      </p:sp>
+      <p:sp>
+        <p:nvSpPr>
+          <p:cNvPr id="27" name="Rectangle 25">
+            <a:extLst>
+              <a:ext uri="{FF2B5EF4-FFF2-40B4-BE49-F238E27FC236}">
+                <a16:creationId xmlns:a16="http://schemas.microsoft.com/office/drawing/2014/main" id="{8C93E0C6-CF08-4771-B5A9-6018CB3AED59}"/>
+              </a:ext>
+              <a:ext uri="{C183D7F6-B498-43B3-948B-1728B52AA6E4}">
+                <adec:decorative xmlns:adec="http://schemas.microsoft.com/office/drawing/2017/decorative" val="1"/>
+              </a:ext>
+            </a:extLst>
+          </p:cNvPr>
+          <p:cNvSpPr>
+            <a:spLocks noGrp="1" noRot="1" noChangeAspect="1" noMove="1" noResize="1" noEditPoints="1" noAdjustHandles="1" noChangeArrowheads="1" noChangeShapeType="1" noTextEdit="1"/>
+          </p:cNvSpPr>
+          <p:nvPr>
+            <p:extLst>
+              <p:ext uri="{386F3935-93C4-4BCD-93E2-E3B085C9AB24}">
+                <p16:designElem xmlns:p16="http://schemas.microsoft.com/office/powerpoint/2015/main" val="1"/>
+              </p:ext>
+            </p:extLst>
+          </p:nvPr>
+        </p:nvSpPr>
+        <p:spPr>
+          <a:xfrm>
+            <a:off x="9603442" y="-8467"/>
+            <a:ext cx="2588558" cy="6866467"/>
+          </a:xfrm>
+          <a:custGeom>
+            <a:avLst/>
+            <a:gdLst/>
+            <a:ahLst/>
+            <a:cxnLst/>
+            <a:rect l="l" t="t" r="r" b="b"/>
+            <a:pathLst>
+              <a:path w="2573311" h="6866467">
+                <a:moveTo>
+                  <a:pt x="0" y="0"/>
+                </a:moveTo>
+                <a:lnTo>
+                  <a:pt x="2573311" y="0"/>
+                </a:lnTo>
+                <a:lnTo>
+                  <a:pt x="2573311" y="6866467"/>
+                </a:lnTo>
+                <a:lnTo>
+                  <a:pt x="1202336" y="6866467"/>
+                </a:lnTo>
+                <a:lnTo>
+                  <a:pt x="0" y="0"/>
+                </a:lnTo>
+                <a:close/>
+              </a:path>
+            </a:pathLst>
+          </a:custGeom>
+          <a:solidFill>
+            <a:schemeClr val="accent1">
+              <a:alpha val="20000"/>
+            </a:schemeClr>
+          </a:solidFill>
+          <a:ln>
+            <a:noFill/>
+          </a:ln>
+          <a:effectLst/>
+        </p:spPr>
+        <p:style>
+          <a:lnRef idx="1">
+            <a:schemeClr val="accent1"/>
+          </a:lnRef>
+          <a:fillRef idx="3">
+            <a:schemeClr val="accent1"/>
+          </a:fillRef>
+          <a:effectRef idx="2">
+            <a:schemeClr val="accent1"/>
+          </a:effectRef>
+          <a:fontRef idx="minor">
+            <a:schemeClr val="lt1"/>
+          </a:fontRef>
+        </p:style>
+      </p:sp>
+      <p:sp>
+        <p:nvSpPr>
+          <p:cNvPr id="29" name="Isosceles Triangle 28">
+            <a:extLst>
+              <a:ext uri="{FF2B5EF4-FFF2-40B4-BE49-F238E27FC236}">
+                <a16:creationId xmlns:a16="http://schemas.microsoft.com/office/drawing/2014/main" id="{A011F1B8-62C5-4D08-A621-EAD05C7D6905}"/>
+              </a:ext>
+              <a:ext uri="{C183D7F6-B498-43B3-948B-1728B52AA6E4}">
+                <adec:decorative xmlns:adec="http://schemas.microsoft.com/office/drawing/2017/decorative" val="1"/>
+              </a:ext>
+            </a:extLst>
+          </p:cNvPr>
+          <p:cNvSpPr>
+            <a:spLocks noGrp="1" noRot="1" noChangeAspect="1" noMove="1" noResize="1" noEditPoints="1" noAdjustHandles="1" noChangeArrowheads="1" noChangeShapeType="1" noTextEdit="1"/>
+          </p:cNvSpPr>
+          <p:nvPr>
+            <p:extLst>
+              <p:ext uri="{386F3935-93C4-4BCD-93E2-E3B085C9AB24}">
+                <p16:designElem xmlns:p16="http://schemas.microsoft.com/office/powerpoint/2015/main" val="1"/>
+              </p:ext>
+            </p:extLst>
+          </p:nvPr>
+        </p:nvSpPr>
+        <p:spPr>
+          <a:xfrm>
+            <a:off x="8932333" y="3048000"/>
+            <a:ext cx="3259667" cy="3810000"/>
+          </a:xfrm>
+          <a:prstGeom prst="triangle">
+            <a:avLst>
+              <a:gd name="adj" fmla="val 100000"/>
+            </a:avLst>
+          </a:prstGeom>
+          <a:solidFill>
+            <a:schemeClr val="accent2">
+              <a:alpha val="72000"/>
+            </a:schemeClr>
+          </a:solidFill>
+          <a:ln>
+            <a:noFill/>
+          </a:ln>
+          <a:effectLst/>
+        </p:spPr>
+        <p:style>
+          <a:lnRef idx="1">
+            <a:schemeClr val="accent1"/>
+          </a:lnRef>
+          <a:fillRef idx="3">
+            <a:schemeClr val="accent1"/>
+          </a:fillRef>
+          <a:effectRef idx="2">
+            <a:schemeClr val="accent1"/>
+          </a:effectRef>
+          <a:fontRef idx="minor">
+            <a:schemeClr val="lt1"/>
+          </a:fontRef>
+        </p:style>
+      </p:sp>
+      <p:sp>
+        <p:nvSpPr>
+          <p:cNvPr id="31" name="Rectangle 27">
+            <a:extLst>
+              <a:ext uri="{FF2B5EF4-FFF2-40B4-BE49-F238E27FC236}">
+                <a16:creationId xmlns:a16="http://schemas.microsoft.com/office/drawing/2014/main" id="{C6A6AECB-428C-4CB4-B65A-359F08B6D8F8}"/>
+              </a:ext>
+              <a:ext uri="{C183D7F6-B498-43B3-948B-1728B52AA6E4}">
+                <adec:decorative xmlns:adec="http://schemas.microsoft.com/office/drawing/2017/decorative" val="1"/>
+              </a:ext>
+            </a:extLst>
+          </p:cNvPr>
+          <p:cNvSpPr>
+            <a:spLocks noGrp="1" noRot="1" noChangeAspect="1" noMove="1" noResize="1" noEditPoints="1" noAdjustHandles="1" noChangeArrowheads="1" noChangeShapeType="1" noTextEdit="1"/>
+          </p:cNvSpPr>
+          <p:nvPr>
+            <p:extLst>
+              <p:ext uri="{386F3935-93C4-4BCD-93E2-E3B085C9AB24}">
+                <p16:designElem xmlns:p16="http://schemas.microsoft.com/office/powerpoint/2015/main" val="1"/>
+              </p:ext>
+            </p:extLst>
+          </p:nvPr>
+        </p:nvSpPr>
+        <p:spPr>
+          <a:xfrm>
+            <a:off x="9334500" y="-8467"/>
+            <a:ext cx="2854326" cy="6866467"/>
+          </a:xfrm>
+          <a:custGeom>
+            <a:avLst/>
+            <a:gdLst/>
+            <a:ahLst/>
+            <a:cxnLst/>
+            <a:rect l="l" t="t" r="r" b="b"/>
+            <a:pathLst>
+              <a:path w="2858013" h="6866467">
+                <a:moveTo>
+                  <a:pt x="0" y="0"/>
+                </a:moveTo>
+                <a:lnTo>
+                  <a:pt x="2858013" y="0"/>
+                </a:lnTo>
+                <a:lnTo>
+                  <a:pt x="2858013" y="6866467"/>
+                </a:lnTo>
+                <a:lnTo>
+                  <a:pt x="2473942" y="6866467"/>
+                </a:lnTo>
+                <a:lnTo>
+                  <a:pt x="0" y="0"/>
+                </a:lnTo>
+                <a:close/>
+              </a:path>
+            </a:pathLst>
+          </a:custGeom>
+          <a:solidFill>
+            <a:schemeClr val="accent2">
+              <a:lumMod val="75000"/>
+              <a:alpha val="47000"/>
+            </a:schemeClr>
+          </a:solidFill>
+          <a:ln>
+            <a:noFill/>
+          </a:ln>
+          <a:effectLst/>
+        </p:spPr>
+        <p:style>
+          <a:lnRef idx="1">
+            <a:schemeClr val="accent1"/>
+          </a:lnRef>
+          <a:fillRef idx="3">
+            <a:schemeClr val="accent1"/>
+          </a:fillRef>
+          <a:effectRef idx="2">
+            <a:schemeClr val="accent1"/>
+          </a:effectRef>
+          <a:fontRef idx="minor">
+            <a:schemeClr val="lt1"/>
+          </a:fontRef>
+        </p:style>
+      </p:sp>
+      <p:sp>
+        <p:nvSpPr>
+          <p:cNvPr id="33" name="Rectangle 28">
+            <a:extLst>
+              <a:ext uri="{FF2B5EF4-FFF2-40B4-BE49-F238E27FC236}">
+                <a16:creationId xmlns:a16="http://schemas.microsoft.com/office/drawing/2014/main" id="{28D1A6ED-2AB6-46A3-A315-485B8BF936D8}"/>
+              </a:ext>
+              <a:ext uri="{C183D7F6-B498-43B3-948B-1728B52AA6E4}">
+                <adec:decorative xmlns:adec="http://schemas.microsoft.com/office/drawing/2017/decorative" val="1"/>
+              </a:ext>
+            </a:extLst>
+          </p:cNvPr>
+          <p:cNvSpPr>
+            <a:spLocks noGrp="1" noRot="1" noChangeAspect="1" noMove="1" noResize="1" noEditPoints="1" noAdjustHandles="1" noChangeArrowheads="1" noChangeShapeType="1" noTextEdit="1"/>
+          </p:cNvSpPr>
+          <p:nvPr>
+            <p:extLst>
+              <p:ext uri="{386F3935-93C4-4BCD-93E2-E3B085C9AB24}">
+                <p16:designElem xmlns:p16="http://schemas.microsoft.com/office/powerpoint/2015/main" val="1"/>
+              </p:ext>
+            </p:extLst>
+          </p:nvPr>
+        </p:nvSpPr>
+        <p:spPr>
+          <a:xfrm>
+            <a:off x="10898730" y="-8467"/>
+            <a:ext cx="1290094" cy="6866467"/>
+          </a:xfrm>
+          <a:custGeom>
+            <a:avLst/>
+            <a:gdLst/>
+            <a:ahLst/>
+            <a:cxnLst/>
+            <a:rect l="l" t="t" r="r" b="b"/>
+            <a:pathLst>
+              <a:path w="1290094" h="6858000">
+                <a:moveTo>
+                  <a:pt x="1019735" y="0"/>
+                </a:moveTo>
+                <a:lnTo>
+                  <a:pt x="1290094" y="0"/>
+                </a:lnTo>
+                <a:lnTo>
+                  <a:pt x="1290094" y="6858000"/>
+                </a:lnTo>
+                <a:lnTo>
+                  <a:pt x="0" y="6858000"/>
+                </a:lnTo>
+                <a:lnTo>
+                  <a:pt x="1019735" y="0"/>
+                </a:lnTo>
+                <a:close/>
+              </a:path>
+            </a:pathLst>
+          </a:custGeom>
+          <a:solidFill>
+            <a:schemeClr val="accent1">
+              <a:lumMod val="60000"/>
+              <a:lumOff val="40000"/>
+              <a:alpha val="70000"/>
+            </a:schemeClr>
+          </a:solidFill>
+          <a:ln>
+            <a:noFill/>
+          </a:ln>
+          <a:effectLst/>
+        </p:spPr>
+        <p:style>
+          <a:lnRef idx="1">
+            <a:schemeClr val="accent1"/>
+          </a:lnRef>
+          <a:fillRef idx="3">
+            <a:schemeClr val="accent1"/>
+          </a:fillRef>
+          <a:effectRef idx="2">
+            <a:schemeClr val="accent1"/>
+          </a:effectRef>
+          <a:fontRef idx="minor">
+            <a:schemeClr val="lt1"/>
+          </a:fontRef>
+        </p:style>
+      </p:sp>
+      <p:sp>
+        <p:nvSpPr>
+          <p:cNvPr id="35" name="Rectangle 29">
+            <a:extLst>
+              <a:ext uri="{FF2B5EF4-FFF2-40B4-BE49-F238E27FC236}">
+                <a16:creationId xmlns:a16="http://schemas.microsoft.com/office/drawing/2014/main" id="{B61CE46B-8525-46A8-AB7B-DCBCC1B65F9A}"/>
+              </a:ext>
+              <a:ext uri="{C183D7F6-B498-43B3-948B-1728B52AA6E4}">
+                <adec:decorative xmlns:adec="http://schemas.microsoft.com/office/drawing/2017/decorative" val="1"/>
+              </a:ext>
+            </a:extLst>
+          </p:cNvPr>
+          <p:cNvSpPr>
+            <a:spLocks noGrp="1" noRot="1" noChangeAspect="1" noMove="1" noResize="1" noEditPoints="1" noAdjustHandles="1" noChangeArrowheads="1" noChangeShapeType="1" noTextEdit="1"/>
+          </p:cNvSpPr>
+          <p:nvPr>
+            <p:extLst>
+              <p:ext uri="{386F3935-93C4-4BCD-93E2-E3B085C9AB24}">
+                <p16:designElem xmlns:p16="http://schemas.microsoft.com/office/powerpoint/2015/main" val="1"/>
+              </p:ext>
+            </p:extLst>
+          </p:nvPr>
+        </p:nvSpPr>
+        <p:spPr>
+          <a:xfrm>
+            <a:off x="10938999" y="-8467"/>
+            <a:ext cx="1249825" cy="6866467"/>
+          </a:xfrm>
+          <a:custGeom>
+            <a:avLst/>
+            <a:gdLst/>
+            <a:ahLst/>
+            <a:cxnLst/>
+            <a:rect l="l" t="t" r="r" b="b"/>
+            <a:pathLst>
+              <a:path w="1249825" h="6858000">
+                <a:moveTo>
+                  <a:pt x="0" y="0"/>
+                </a:moveTo>
+                <a:lnTo>
+                  <a:pt x="1249825" y="0"/>
+                </a:lnTo>
+                <a:lnTo>
+                  <a:pt x="1249825" y="6858000"/>
+                </a:lnTo>
+                <a:lnTo>
+                  <a:pt x="1109382" y="6858000"/>
+                </a:lnTo>
+                <a:lnTo>
+                  <a:pt x="0" y="0"/>
+                </a:lnTo>
+                <a:close/>
+              </a:path>
+            </a:pathLst>
+          </a:custGeom>
+          <a:solidFill>
+            <a:schemeClr val="accent1">
+              <a:alpha val="65000"/>
+            </a:schemeClr>
+          </a:solidFill>
+          <a:ln>
+            <a:noFill/>
+          </a:ln>
+          <a:effectLst/>
+        </p:spPr>
+        <p:style>
+          <a:lnRef idx="1">
+            <a:schemeClr val="accent1"/>
+          </a:lnRef>
+          <a:fillRef idx="3">
+            <a:schemeClr val="accent1"/>
+          </a:fillRef>
+          <a:effectRef idx="2">
+            <a:schemeClr val="accent1"/>
+          </a:effectRef>
+          <a:fontRef idx="minor">
+            <a:schemeClr val="lt1"/>
+          </a:fontRef>
+        </p:style>
+      </p:sp>
+      <p:sp>
+        <p:nvSpPr>
+          <p:cNvPr id="37" name="Isosceles Triangle 36">
+            <a:extLst>
+              <a:ext uri="{FF2B5EF4-FFF2-40B4-BE49-F238E27FC236}">
+                <a16:creationId xmlns:a16="http://schemas.microsoft.com/office/drawing/2014/main" id="{4412B991-9935-45FB-A17E-8F30DD832561}"/>
+              </a:ext>
+              <a:ext uri="{C183D7F6-B498-43B3-948B-1728B52AA6E4}">
+                <adec:decorative xmlns:adec="http://schemas.microsoft.com/office/drawing/2017/decorative" val="1"/>
+              </a:ext>
+            </a:extLst>
+          </p:cNvPr>
+          <p:cNvSpPr>
+            <a:spLocks noGrp="1" noRot="1" noChangeAspect="1" noMove="1" noResize="1" noEditPoints="1" noAdjustHandles="1" noChangeArrowheads="1" noChangeShapeType="1" noTextEdit="1"/>
+          </p:cNvSpPr>
+          <p:nvPr>
+            <p:extLst>
+              <p:ext uri="{386F3935-93C4-4BCD-93E2-E3B085C9AB24}">
+                <p16:designElem xmlns:p16="http://schemas.microsoft.com/office/powerpoint/2015/main" val="1"/>
+              </p:ext>
+            </p:extLst>
+          </p:nvPr>
+        </p:nvSpPr>
+        <p:spPr>
+          <a:xfrm>
+            <a:off x="10371666" y="3589867"/>
+            <a:ext cx="1817159" cy="3268133"/>
+          </a:xfrm>
+          <a:prstGeom prst="triangle">
+            <a:avLst>
+              <a:gd name="adj" fmla="val 100000"/>
+            </a:avLst>
+          </a:prstGeom>
+          <a:solidFill>
+            <a:schemeClr val="accent1">
+              <a:alpha val="80000"/>
+            </a:schemeClr>
+          </a:solidFill>
+          <a:ln>
+            <a:noFill/>
+          </a:ln>
+          <a:effectLst/>
+        </p:spPr>
+        <p:style>
+          <a:lnRef idx="1">
+            <a:schemeClr val="accent1"/>
+          </a:lnRef>
+          <a:fillRef idx="3">
+            <a:schemeClr val="accent1"/>
+          </a:fillRef>
+          <a:effectRef idx="2">
+            <a:schemeClr val="accent1"/>
+          </a:effectRef>
+          <a:fontRef idx="minor">
+            <a:schemeClr val="lt1"/>
+          </a:fontRef>
+        </p:style>
+      </p:sp>
+      <p:sp>
+        <p:nvSpPr>
+          <p:cNvPr id="18" name="Title 1">
+            <a:extLst>
+              <a:ext uri="{FF2B5EF4-FFF2-40B4-BE49-F238E27FC236}">
+                <a16:creationId xmlns:a16="http://schemas.microsoft.com/office/drawing/2014/main" id="{41E22F56-3CBF-DB42-400F-F0D2631F49BF}"/>
+              </a:ext>
+            </a:extLst>
+          </p:cNvPr>
+          <p:cNvSpPr>
+            <a:spLocks noGrp="1"/>
+          </p:cNvSpPr>
+          <p:nvPr>
+            <p:ph type="title"/>
+          </p:nvPr>
+        </p:nvSpPr>
+        <p:spPr>
+          <a:xfrm>
+            <a:off x="2862021" y="468072"/>
+            <a:ext cx="6200473" cy="1583150"/>
+          </a:xfrm>
+        </p:spPr>
+        <p:txBody>
+          <a:bodyPr>
+            <a:normAutofit/>
+          </a:bodyPr>
+          <a:lstStyle/>
+          <a:p>
+            <a:r>
+              <a:rPr lang="en-US" sz="6700" dirty="0"/>
+              <a:t>Design Patterns</a:t>
+            </a:r>
+            <a:endParaRPr lang="en-US" dirty="0"/>
+          </a:p>
+        </p:txBody>
+      </p:sp>
+      <p:sp>
+        <p:nvSpPr>
+          <p:cNvPr id="20" name="Content Placeholder 2">
+            <a:extLst>
+              <a:ext uri="{FF2B5EF4-FFF2-40B4-BE49-F238E27FC236}">
+                <a16:creationId xmlns:a16="http://schemas.microsoft.com/office/drawing/2014/main" id="{B8B5D76A-D30B-F1F0-7B8E-ECE11AF2BB6B}"/>
+              </a:ext>
+            </a:extLst>
+          </p:cNvPr>
+          <p:cNvSpPr>
+            <a:spLocks noGrp="1"/>
+          </p:cNvSpPr>
+          <p:nvPr>
+            <p:ph idx="1"/>
+          </p:nvPr>
+        </p:nvSpPr>
+        <p:spPr>
+          <a:xfrm>
+            <a:off x="2908017" y="2474030"/>
+            <a:ext cx="3955782" cy="2231674"/>
+          </a:xfrm>
+        </p:spPr>
+        <p:txBody>
+          <a:bodyPr>
+            <a:normAutofit/>
+          </a:bodyPr>
+          <a:lstStyle/>
+          <a:p>
+            <a:r>
+              <a:rPr lang="en-US" sz="2800" dirty="0"/>
+              <a:t>Singleton</a:t>
+            </a:r>
+          </a:p>
+          <a:p>
+            <a:r>
+              <a:rPr lang="en-US" sz="2800" dirty="0"/>
+              <a:t>Builder</a:t>
+            </a:r>
+          </a:p>
+          <a:p>
+            <a:r>
+              <a:rPr lang="en-US" sz="2800" dirty="0"/>
+              <a:t>Observer</a:t>
+            </a:r>
+          </a:p>
+          <a:p>
+            <a:r>
+              <a:rPr lang="en-US" sz="2800" dirty="0"/>
+              <a:t>Coordinator</a:t>
+            </a:r>
+          </a:p>
+          <a:p>
+            <a:endParaRPr lang="en-US" sz="2800" dirty="0"/>
+          </a:p>
+        </p:txBody>
+      </p:sp>
+    </p:spTree>
+    <p:extLst>
+      <p:ext uri="{BB962C8B-B14F-4D97-AF65-F5344CB8AC3E}">
+        <p14:creationId xmlns:p14="http://schemas.microsoft.com/office/powerpoint/2010/main" val="3570590090"/>
+      </p:ext>
+    </p:extLst>
+  </p:cSld>
+  <p:clrMapOvr>
+    <a:masterClrMapping/>
+  </p:clrMapOvr>
+</p:sld>
+</file>
+
+<file path=ppt/slides/slide7.xml><?xml version="1.0" encoding="utf-8"?>
+<p:sld xmlns:a="http://schemas.openxmlformats.org/drawingml/2006/main" xmlns:r="http://schemas.openxmlformats.org/officeDocument/2006/relationships" xmlns:p="http://schemas.openxmlformats.org/presentationml/2006/main">
+  <p:cSld>
+    <p:bg>
+      <p:bgPr>
+        <a:solidFill>
+          <a:schemeClr val="bg1"/>
+        </a:solidFill>
+        <a:effectLst/>
+      </p:bgPr>
+    </p:bg>
+    <p:spTree>
+      <p:nvGrpSpPr>
+        <p:cNvPr id="1" name=""/>
+        <p:cNvGrpSpPr/>
+        <p:nvPr/>
+      </p:nvGrpSpPr>
+      <p:grpSpPr>
+        <a:xfrm>
+          <a:off x="0" y="0"/>
+          <a:ext cx="0" cy="0"/>
+          <a:chOff x="0" y="0"/>
+          <a:chExt cx="0" cy="0"/>
+        </a:xfrm>
+      </p:grpSpPr>
+      <p:pic>
+        <p:nvPicPr>
+          <p:cNvPr id="11" name="Picture 4" descr="Ramen on yellow table">
+            <a:extLst>
+              <a:ext uri="{FF2B5EF4-FFF2-40B4-BE49-F238E27FC236}">
+                <a16:creationId xmlns:a16="http://schemas.microsoft.com/office/drawing/2014/main" id="{58E5CCF7-D3C0-A3DA-D587-C6E380B9CF7E}"/>
+              </a:ext>
+            </a:extLst>
+          </p:cNvPr>
+          <p:cNvPicPr>
+            <a:picLocks noChangeAspect="1"/>
+          </p:cNvPicPr>
+          <p:nvPr/>
+        </p:nvPicPr>
+        <p:blipFill rotWithShape="1">
+          <a:blip r:embed="rId2"/>
+          <a:srcRect l="9091" t="13131" b="10260"/>
+          <a:stretch/>
+        </p:blipFill>
+        <p:spPr>
+          <a:xfrm>
+            <a:off x="1" y="10"/>
+            <a:ext cx="12191999" cy="6857990"/>
+          </a:xfrm>
+          <a:prstGeom prst="rect">
+            <a:avLst/>
+          </a:prstGeom>
+        </p:spPr>
+      </p:pic>
+      <p:sp>
+        <p:nvSpPr>
+          <p:cNvPr id="17" name="Isosceles Triangle 16">
+            <a:extLst>
+              <a:ext uri="{FF2B5EF4-FFF2-40B4-BE49-F238E27FC236}">
+                <a16:creationId xmlns:a16="http://schemas.microsoft.com/office/drawing/2014/main" id="{DD6B6433-CCD9-42F6-83C5-76BCAA8FEE69}"/>
+              </a:ext>
+              <a:ext uri="{C183D7F6-B498-43B3-948B-1728B52AA6E4}">
+                <adec:decorative xmlns:adec="http://schemas.microsoft.com/office/drawing/2017/decorative" val="1"/>
+              </a:ext>
+            </a:extLst>
+          </p:cNvPr>
+          <p:cNvSpPr>
+            <a:spLocks noGrp="1" noRot="1" noChangeAspect="1" noMove="1" noResize="1" noEditPoints="1" noAdjustHandles="1" noChangeArrowheads="1" noChangeShapeType="1" noTextEdit="1"/>
+          </p:cNvSpPr>
+          <p:nvPr>
+            <p:extLst>
+              <p:ext uri="{386F3935-93C4-4BCD-93E2-E3B085C9AB24}">
+                <p16:designElem xmlns:p16="http://schemas.microsoft.com/office/powerpoint/2015/main" val="1"/>
+              </p:ext>
+            </p:extLst>
+          </p:nvPr>
+        </p:nvSpPr>
+        <p:spPr>
+          <a:xfrm rot="10800000">
+            <a:off x="0" y="0"/>
+            <a:ext cx="842596" cy="5666154"/>
+          </a:xfrm>
+          <a:prstGeom prst="triangle">
+            <a:avLst>
+              <a:gd name="adj" fmla="val 100000"/>
+            </a:avLst>
+          </a:prstGeom>
+          <a:solidFill>
+            <a:schemeClr val="accent1">
+              <a:alpha val="85000"/>
+            </a:schemeClr>
+          </a:solidFill>
+          <a:ln>
+            <a:noFill/>
+          </a:ln>
+          <a:effectLst/>
+        </p:spPr>
+        <p:style>
+          <a:lnRef idx="1">
+            <a:schemeClr val="accent1"/>
+          </a:lnRef>
+          <a:fillRef idx="3">
+            <a:schemeClr val="accent1"/>
+          </a:fillRef>
+          <a:effectRef idx="2">
+            <a:schemeClr val="accent1"/>
+          </a:effectRef>
+          <a:fontRef idx="minor">
+            <a:schemeClr val="lt1"/>
+          </a:fontRef>
+        </p:style>
+      </p:sp>
+      <p:sp>
+        <p:nvSpPr>
+          <p:cNvPr id="19" name="Parallelogram 18">
+            <a:extLst>
+              <a:ext uri="{FF2B5EF4-FFF2-40B4-BE49-F238E27FC236}">
+                <a16:creationId xmlns:a16="http://schemas.microsoft.com/office/drawing/2014/main" id="{442B55CB-F27D-4C06-89E5-4EC99A519CBE}"/>
+              </a:ext>
+              <a:ext uri="{C183D7F6-B498-43B3-948B-1728B52AA6E4}">
+                <adec:decorative xmlns:adec="http://schemas.microsoft.com/office/drawing/2017/decorative" val="1"/>
+              </a:ext>
+            </a:extLst>
+          </p:cNvPr>
+          <p:cNvSpPr>
+            <a:spLocks noGrp="1" noRot="1" noChangeAspect="1" noMove="1" noResize="1" noEditPoints="1" noAdjustHandles="1" noChangeArrowheads="1" noChangeShapeType="1" noTextEdit="1"/>
+          </p:cNvSpPr>
+          <p:nvPr>
+            <p:extLst>
+              <p:ext uri="{386F3935-93C4-4BCD-93E2-E3B085C9AB24}">
+                <p16:designElem xmlns:p16="http://schemas.microsoft.com/office/powerpoint/2015/main" val="1"/>
+              </p:ext>
+            </p:extLst>
+          </p:nvPr>
+        </p:nvSpPr>
+        <p:spPr>
+          <a:xfrm>
+            <a:off x="1624188" y="0"/>
+            <a:ext cx="9372600" cy="6858000"/>
+          </a:xfrm>
+          <a:prstGeom prst="parallelogram">
+            <a:avLst>
+              <a:gd name="adj" fmla="val 14937"/>
+            </a:avLst>
+          </a:prstGeom>
+          <a:solidFill>
+            <a:schemeClr val="bg1">
+              <a:alpha val="94000"/>
+            </a:schemeClr>
+          </a:solidFill>
+          <a:ln>
+            <a:noFill/>
+          </a:ln>
+          <a:effectLst/>
+        </p:spPr>
+        <p:style>
+          <a:lnRef idx="1">
+            <a:schemeClr val="accent1"/>
+          </a:lnRef>
+          <a:fillRef idx="3">
+            <a:schemeClr val="accent1"/>
+          </a:fillRef>
+          <a:effectRef idx="2">
+            <a:schemeClr val="accent1"/>
+          </a:effectRef>
+          <a:fontRef idx="minor">
+            <a:schemeClr val="lt1"/>
+          </a:fontRef>
+        </p:style>
+        <p:txBody>
+          <a:bodyPr rtlCol="0" anchor="ctr"/>
+          <a:lstStyle/>
+          <a:p>
+            <a:pPr algn="ctr"/>
+            <a:endParaRPr lang="en-US"/>
+          </a:p>
+        </p:txBody>
+      </p:sp>
+      <p:cxnSp>
+        <p:nvCxnSpPr>
+          <p:cNvPr id="21" name="Straight Connector 20">
+            <a:extLst>
+              <a:ext uri="{FF2B5EF4-FFF2-40B4-BE49-F238E27FC236}">
+                <a16:creationId xmlns:a16="http://schemas.microsoft.com/office/drawing/2014/main" id="{48527540-7F01-4C2E-9641-738882048E3D}"/>
+              </a:ext>
+              <a:ext uri="{C183D7F6-B498-43B3-948B-1728B52AA6E4}">
+                <adec:decorative xmlns:adec="http://schemas.microsoft.com/office/drawing/2017/decorative" val="1"/>
+              </a:ext>
+            </a:extLst>
+          </p:cNvPr>
+          <p:cNvCxnSpPr>
+            <a:cxnSpLocks noGrp="1" noRot="1" noChangeAspect="1" noMove="1" noResize="1" noEditPoints="1" noAdjustHandles="1" noChangeArrowheads="1" noChangeShapeType="1"/>
+          </p:cNvCxnSpPr>
+          <p:nvPr>
+            <p:extLst>
+              <p:ext uri="{386F3935-93C4-4BCD-93E2-E3B085C9AB24}">
+                <p16:designElem xmlns:p16="http://schemas.microsoft.com/office/powerpoint/2015/main" val="1"/>
+              </p:ext>
+            </p:extLst>
+          </p:nvPr>
+        </p:nvCxnSpPr>
+        <p:spPr>
+          <a:xfrm>
+            <a:off x="9371012" y="0"/>
+            <a:ext cx="1219200" cy="6858000"/>
+          </a:xfrm>
+          <a:prstGeom prst="line">
+            <a:avLst/>
+          </a:prstGeom>
+          <a:ln w="9525">
+            <a:solidFill>
+              <a:schemeClr val="bg1">
+                <a:lumMod val="75000"/>
+              </a:schemeClr>
+            </a:solidFill>
+          </a:ln>
+        </p:spPr>
+        <p:style>
+          <a:lnRef idx="2">
+            <a:schemeClr val="accent1"/>
+          </a:lnRef>
+          <a:fillRef idx="0">
+            <a:schemeClr val="accent1"/>
+          </a:fillRef>
+          <a:effectRef idx="1">
+            <a:schemeClr val="accent1"/>
+          </a:effectRef>
+          <a:fontRef idx="minor">
+            <a:schemeClr val="tx1"/>
+          </a:fontRef>
+        </p:style>
+      </p:cxnSp>
+      <p:cxnSp>
+        <p:nvCxnSpPr>
+          <p:cNvPr id="23" name="Straight Connector 22">
+            <a:extLst>
+              <a:ext uri="{FF2B5EF4-FFF2-40B4-BE49-F238E27FC236}">
+                <a16:creationId xmlns:a16="http://schemas.microsoft.com/office/drawing/2014/main" id="{D6F60FB6-F855-43F0-A752-3719156C1E04}"/>
+              </a:ext>
+              <a:ext uri="{C183D7F6-B498-43B3-948B-1728B52AA6E4}">
+                <adec:decorative xmlns:adec="http://schemas.microsoft.com/office/drawing/2017/decorative" val="1"/>
+              </a:ext>
+            </a:extLst>
+          </p:cNvPr>
+          <p:cNvCxnSpPr>
+            <a:cxnSpLocks noGrp="1" noRot="1" noChangeAspect="1" noMove="1" noResize="1" noEditPoints="1" noAdjustHandles="1" noChangeArrowheads="1" noChangeShapeType="1"/>
+          </p:cNvCxnSpPr>
+          <p:nvPr>
+            <p:extLst>
+              <p:ext uri="{386F3935-93C4-4BCD-93E2-E3B085C9AB24}">
+                <p16:designElem xmlns:p16="http://schemas.microsoft.com/office/powerpoint/2015/main" val="1"/>
+              </p:ext>
+            </p:extLst>
+          </p:nvPr>
+        </p:nvCxnSpPr>
+        <p:spPr>
+          <a:xfrm flipH="1">
+            <a:off x="7425267" y="3681413"/>
+            <a:ext cx="4763558" cy="3176587"/>
+          </a:xfrm>
+          <a:prstGeom prst="line">
+            <a:avLst/>
+          </a:prstGeom>
+          <a:ln w="9525">
+            <a:solidFill>
+              <a:schemeClr val="bg1">
+                <a:lumMod val="85000"/>
+              </a:schemeClr>
+            </a:solidFill>
+          </a:ln>
+        </p:spPr>
+        <p:style>
+          <a:lnRef idx="2">
+            <a:schemeClr val="accent1"/>
+          </a:lnRef>
+          <a:fillRef idx="0">
+            <a:schemeClr val="accent1"/>
+          </a:fillRef>
+          <a:effectRef idx="1">
+            <a:schemeClr val="accent1"/>
+          </a:effectRef>
+          <a:fontRef idx="minor">
+            <a:schemeClr val="tx1"/>
+          </a:fontRef>
+        </p:style>
+      </p:cxnSp>
+      <p:sp>
+        <p:nvSpPr>
+          <p:cNvPr id="25" name="Rectangle 23">
+            <a:extLst>
+              <a:ext uri="{FF2B5EF4-FFF2-40B4-BE49-F238E27FC236}">
+                <a16:creationId xmlns:a16="http://schemas.microsoft.com/office/drawing/2014/main" id="{70669A81-0E9B-4B42-AFEA-8F672C6CFBA7}"/>
+              </a:ext>
+              <a:ext uri="{C183D7F6-B498-43B3-948B-1728B52AA6E4}">
+                <adec:decorative xmlns:adec="http://schemas.microsoft.com/office/drawing/2017/decorative" val="1"/>
+              </a:ext>
+            </a:extLst>
+          </p:cNvPr>
+          <p:cNvSpPr>
+            <a:spLocks noGrp="1" noRot="1" noChangeAspect="1" noMove="1" noResize="1" noEditPoints="1" noAdjustHandles="1" noChangeArrowheads="1" noChangeShapeType="1" noTextEdit="1"/>
+          </p:cNvSpPr>
+          <p:nvPr>
+            <p:extLst>
+              <p:ext uri="{386F3935-93C4-4BCD-93E2-E3B085C9AB24}">
+                <p16:designElem xmlns:p16="http://schemas.microsoft.com/office/powerpoint/2015/main" val="1"/>
+              </p:ext>
+            </p:extLst>
+          </p:nvPr>
+        </p:nvSpPr>
+        <p:spPr>
+          <a:xfrm>
+            <a:off x="9181476" y="-8467"/>
+            <a:ext cx="3007349" cy="6866467"/>
+          </a:xfrm>
+          <a:custGeom>
+            <a:avLst/>
+            <a:gdLst/>
+            <a:ahLst/>
+            <a:cxnLst/>
+            <a:rect l="l" t="t" r="r" b="b"/>
+            <a:pathLst>
+              <a:path w="3007349" h="6866467">
+                <a:moveTo>
+                  <a:pt x="2045532" y="0"/>
+                </a:moveTo>
+                <a:lnTo>
+                  <a:pt x="3007349" y="0"/>
+                </a:lnTo>
+                <a:lnTo>
+                  <a:pt x="3007349" y="6866467"/>
+                </a:lnTo>
+                <a:lnTo>
+                  <a:pt x="0" y="6866467"/>
+                </a:lnTo>
+                <a:lnTo>
+                  <a:pt x="2045532" y="0"/>
+                </a:lnTo>
+                <a:close/>
+              </a:path>
+            </a:pathLst>
+          </a:custGeom>
+          <a:solidFill>
+            <a:schemeClr val="accent1">
+              <a:alpha val="30000"/>
+            </a:schemeClr>
+          </a:solidFill>
+          <a:ln>
+            <a:noFill/>
+          </a:ln>
+          <a:effectLst/>
+        </p:spPr>
+        <p:style>
+          <a:lnRef idx="1">
+            <a:schemeClr val="accent1"/>
+          </a:lnRef>
+          <a:fillRef idx="3">
+            <a:schemeClr val="accent1"/>
+          </a:fillRef>
+          <a:effectRef idx="2">
+            <a:schemeClr val="accent1"/>
+          </a:effectRef>
+          <a:fontRef idx="minor">
+            <a:schemeClr val="lt1"/>
+          </a:fontRef>
+        </p:style>
+      </p:sp>
+      <p:sp>
+        <p:nvSpPr>
+          <p:cNvPr id="27" name="Rectangle 25">
+            <a:extLst>
+              <a:ext uri="{FF2B5EF4-FFF2-40B4-BE49-F238E27FC236}">
+                <a16:creationId xmlns:a16="http://schemas.microsoft.com/office/drawing/2014/main" id="{8C93E0C6-CF08-4771-B5A9-6018CB3AED59}"/>
+              </a:ext>
+              <a:ext uri="{C183D7F6-B498-43B3-948B-1728B52AA6E4}">
+                <adec:decorative xmlns:adec="http://schemas.microsoft.com/office/drawing/2017/decorative" val="1"/>
+              </a:ext>
+            </a:extLst>
+          </p:cNvPr>
+          <p:cNvSpPr>
+            <a:spLocks noGrp="1" noRot="1" noChangeAspect="1" noMove="1" noResize="1" noEditPoints="1" noAdjustHandles="1" noChangeArrowheads="1" noChangeShapeType="1" noTextEdit="1"/>
+          </p:cNvSpPr>
+          <p:nvPr>
+            <p:extLst>
+              <p:ext uri="{386F3935-93C4-4BCD-93E2-E3B085C9AB24}">
+                <p16:designElem xmlns:p16="http://schemas.microsoft.com/office/powerpoint/2015/main" val="1"/>
+              </p:ext>
+            </p:extLst>
+          </p:nvPr>
+        </p:nvSpPr>
+        <p:spPr>
+          <a:xfrm>
+            <a:off x="9603442" y="-8467"/>
+            <a:ext cx="2588558" cy="6866467"/>
+          </a:xfrm>
+          <a:custGeom>
+            <a:avLst/>
+            <a:gdLst/>
+            <a:ahLst/>
+            <a:cxnLst/>
+            <a:rect l="l" t="t" r="r" b="b"/>
+            <a:pathLst>
+              <a:path w="2573311" h="6866467">
+                <a:moveTo>
+                  <a:pt x="0" y="0"/>
+                </a:moveTo>
+                <a:lnTo>
+                  <a:pt x="2573311" y="0"/>
+                </a:lnTo>
+                <a:lnTo>
+                  <a:pt x="2573311" y="6866467"/>
+                </a:lnTo>
+                <a:lnTo>
+                  <a:pt x="1202336" y="6866467"/>
+                </a:lnTo>
+                <a:lnTo>
+                  <a:pt x="0" y="0"/>
+                </a:lnTo>
+                <a:close/>
+              </a:path>
+            </a:pathLst>
+          </a:custGeom>
+          <a:solidFill>
+            <a:schemeClr val="accent1">
+              <a:alpha val="20000"/>
+            </a:schemeClr>
+          </a:solidFill>
+          <a:ln>
+            <a:noFill/>
+          </a:ln>
+          <a:effectLst/>
+        </p:spPr>
+        <p:style>
+          <a:lnRef idx="1">
+            <a:schemeClr val="accent1"/>
+          </a:lnRef>
+          <a:fillRef idx="3">
+            <a:schemeClr val="accent1"/>
+          </a:fillRef>
+          <a:effectRef idx="2">
+            <a:schemeClr val="accent1"/>
+          </a:effectRef>
+          <a:fontRef idx="minor">
+            <a:schemeClr val="lt1"/>
+          </a:fontRef>
+        </p:style>
+      </p:sp>
+      <p:sp>
+        <p:nvSpPr>
+          <p:cNvPr id="29" name="Isosceles Triangle 28">
+            <a:extLst>
+              <a:ext uri="{FF2B5EF4-FFF2-40B4-BE49-F238E27FC236}">
+                <a16:creationId xmlns:a16="http://schemas.microsoft.com/office/drawing/2014/main" id="{A011F1B8-62C5-4D08-A621-EAD05C7D6905}"/>
+              </a:ext>
+              <a:ext uri="{C183D7F6-B498-43B3-948B-1728B52AA6E4}">
+                <adec:decorative xmlns:adec="http://schemas.microsoft.com/office/drawing/2017/decorative" val="1"/>
+              </a:ext>
+            </a:extLst>
+          </p:cNvPr>
+          <p:cNvSpPr>
+            <a:spLocks noGrp="1" noRot="1" noChangeAspect="1" noMove="1" noResize="1" noEditPoints="1" noAdjustHandles="1" noChangeArrowheads="1" noChangeShapeType="1" noTextEdit="1"/>
+          </p:cNvSpPr>
+          <p:nvPr>
+            <p:extLst>
+              <p:ext uri="{386F3935-93C4-4BCD-93E2-E3B085C9AB24}">
+                <p16:designElem xmlns:p16="http://schemas.microsoft.com/office/powerpoint/2015/main" val="1"/>
+              </p:ext>
+            </p:extLst>
+          </p:nvPr>
+        </p:nvSpPr>
+        <p:spPr>
+          <a:xfrm>
+            <a:off x="8932333" y="3048000"/>
+            <a:ext cx="3259667" cy="3810000"/>
+          </a:xfrm>
+          <a:prstGeom prst="triangle">
+            <a:avLst>
+              <a:gd name="adj" fmla="val 100000"/>
+            </a:avLst>
+          </a:prstGeom>
+          <a:solidFill>
+            <a:schemeClr val="accent2">
+              <a:alpha val="72000"/>
+            </a:schemeClr>
+          </a:solidFill>
+          <a:ln>
+            <a:noFill/>
+          </a:ln>
+          <a:effectLst/>
+        </p:spPr>
+        <p:style>
+          <a:lnRef idx="1">
+            <a:schemeClr val="accent1"/>
+          </a:lnRef>
+          <a:fillRef idx="3">
+            <a:schemeClr val="accent1"/>
+          </a:fillRef>
+          <a:effectRef idx="2">
+            <a:schemeClr val="accent1"/>
+          </a:effectRef>
+          <a:fontRef idx="minor">
+            <a:schemeClr val="lt1"/>
+          </a:fontRef>
+        </p:style>
+      </p:sp>
+      <p:sp>
+        <p:nvSpPr>
+          <p:cNvPr id="31" name="Rectangle 27">
+            <a:extLst>
+              <a:ext uri="{FF2B5EF4-FFF2-40B4-BE49-F238E27FC236}">
+                <a16:creationId xmlns:a16="http://schemas.microsoft.com/office/drawing/2014/main" id="{C6A6AECB-428C-4CB4-B65A-359F08B6D8F8}"/>
+              </a:ext>
+              <a:ext uri="{C183D7F6-B498-43B3-948B-1728B52AA6E4}">
+                <adec:decorative xmlns:adec="http://schemas.microsoft.com/office/drawing/2017/decorative" val="1"/>
+              </a:ext>
+            </a:extLst>
+          </p:cNvPr>
+          <p:cNvSpPr>
+            <a:spLocks noGrp="1" noRot="1" noChangeAspect="1" noMove="1" noResize="1" noEditPoints="1" noAdjustHandles="1" noChangeArrowheads="1" noChangeShapeType="1" noTextEdit="1"/>
+          </p:cNvSpPr>
+          <p:nvPr>
+            <p:extLst>
+              <p:ext uri="{386F3935-93C4-4BCD-93E2-E3B085C9AB24}">
+                <p16:designElem xmlns:p16="http://schemas.microsoft.com/office/powerpoint/2015/main" val="1"/>
+              </p:ext>
+            </p:extLst>
+          </p:nvPr>
+        </p:nvSpPr>
+        <p:spPr>
+          <a:xfrm>
+            <a:off x="9334500" y="-8467"/>
+            <a:ext cx="2854326" cy="6866467"/>
+          </a:xfrm>
+          <a:custGeom>
+            <a:avLst/>
+            <a:gdLst/>
+            <a:ahLst/>
+            <a:cxnLst/>
+            <a:rect l="l" t="t" r="r" b="b"/>
+            <a:pathLst>
+              <a:path w="2858013" h="6866467">
+                <a:moveTo>
+                  <a:pt x="0" y="0"/>
+                </a:moveTo>
+                <a:lnTo>
+                  <a:pt x="2858013" y="0"/>
+                </a:lnTo>
+                <a:lnTo>
+                  <a:pt x="2858013" y="6866467"/>
+                </a:lnTo>
+                <a:lnTo>
+                  <a:pt x="2473942" y="6866467"/>
+                </a:lnTo>
+                <a:lnTo>
+                  <a:pt x="0" y="0"/>
+                </a:lnTo>
+                <a:close/>
+              </a:path>
+            </a:pathLst>
+          </a:custGeom>
+          <a:solidFill>
+            <a:schemeClr val="accent2">
+              <a:lumMod val="75000"/>
+              <a:alpha val="47000"/>
+            </a:schemeClr>
+          </a:solidFill>
+          <a:ln>
+            <a:noFill/>
+          </a:ln>
+          <a:effectLst/>
+        </p:spPr>
+        <p:style>
+          <a:lnRef idx="1">
+            <a:schemeClr val="accent1"/>
+          </a:lnRef>
+          <a:fillRef idx="3">
+            <a:schemeClr val="accent1"/>
+          </a:fillRef>
+          <a:effectRef idx="2">
+            <a:schemeClr val="accent1"/>
+          </a:effectRef>
+          <a:fontRef idx="minor">
+            <a:schemeClr val="lt1"/>
+          </a:fontRef>
+        </p:style>
+      </p:sp>
+      <p:sp>
+        <p:nvSpPr>
+          <p:cNvPr id="33" name="Rectangle 28">
+            <a:extLst>
+              <a:ext uri="{FF2B5EF4-FFF2-40B4-BE49-F238E27FC236}">
+                <a16:creationId xmlns:a16="http://schemas.microsoft.com/office/drawing/2014/main" id="{28D1A6ED-2AB6-46A3-A315-485B8BF936D8}"/>
+              </a:ext>
+              <a:ext uri="{C183D7F6-B498-43B3-948B-1728B52AA6E4}">
+                <adec:decorative xmlns:adec="http://schemas.microsoft.com/office/drawing/2017/decorative" val="1"/>
+              </a:ext>
+            </a:extLst>
+          </p:cNvPr>
+          <p:cNvSpPr>
+            <a:spLocks noGrp="1" noRot="1" noChangeAspect="1" noMove="1" noResize="1" noEditPoints="1" noAdjustHandles="1" noChangeArrowheads="1" noChangeShapeType="1" noTextEdit="1"/>
+          </p:cNvSpPr>
+          <p:nvPr>
+            <p:extLst>
+              <p:ext uri="{386F3935-93C4-4BCD-93E2-E3B085C9AB24}">
+                <p16:designElem xmlns:p16="http://schemas.microsoft.com/office/powerpoint/2015/main" val="1"/>
+              </p:ext>
+            </p:extLst>
+          </p:nvPr>
+        </p:nvSpPr>
+        <p:spPr>
+          <a:xfrm>
+            <a:off x="10898730" y="-8467"/>
+            <a:ext cx="1290094" cy="6866467"/>
+          </a:xfrm>
+          <a:custGeom>
+            <a:avLst/>
+            <a:gdLst/>
+            <a:ahLst/>
+            <a:cxnLst/>
+            <a:rect l="l" t="t" r="r" b="b"/>
+            <a:pathLst>
+              <a:path w="1290094" h="6858000">
+                <a:moveTo>
+                  <a:pt x="1019735" y="0"/>
+                </a:moveTo>
+                <a:lnTo>
+                  <a:pt x="1290094" y="0"/>
+                </a:lnTo>
+                <a:lnTo>
+                  <a:pt x="1290094" y="6858000"/>
+                </a:lnTo>
+                <a:lnTo>
+                  <a:pt x="0" y="6858000"/>
+                </a:lnTo>
+                <a:lnTo>
+                  <a:pt x="1019735" y="0"/>
+                </a:lnTo>
+                <a:close/>
+              </a:path>
+            </a:pathLst>
+          </a:custGeom>
+          <a:solidFill>
+            <a:schemeClr val="accent1">
+              <a:lumMod val="60000"/>
+              <a:lumOff val="40000"/>
+              <a:alpha val="70000"/>
+            </a:schemeClr>
+          </a:solidFill>
+          <a:ln>
+            <a:noFill/>
+          </a:ln>
+          <a:effectLst/>
+        </p:spPr>
+        <p:style>
+          <a:lnRef idx="1">
+            <a:schemeClr val="accent1"/>
+          </a:lnRef>
+          <a:fillRef idx="3">
+            <a:schemeClr val="accent1"/>
+          </a:fillRef>
+          <a:effectRef idx="2">
+            <a:schemeClr val="accent1"/>
+          </a:effectRef>
+          <a:fontRef idx="minor">
+            <a:schemeClr val="lt1"/>
+          </a:fontRef>
+        </p:style>
+      </p:sp>
+      <p:sp>
+        <p:nvSpPr>
+          <p:cNvPr id="35" name="Rectangle 29">
+            <a:extLst>
+              <a:ext uri="{FF2B5EF4-FFF2-40B4-BE49-F238E27FC236}">
+                <a16:creationId xmlns:a16="http://schemas.microsoft.com/office/drawing/2014/main" id="{B61CE46B-8525-46A8-AB7B-DCBCC1B65F9A}"/>
+              </a:ext>
+              <a:ext uri="{C183D7F6-B498-43B3-948B-1728B52AA6E4}">
+                <adec:decorative xmlns:adec="http://schemas.microsoft.com/office/drawing/2017/decorative" val="1"/>
+              </a:ext>
+            </a:extLst>
+          </p:cNvPr>
+          <p:cNvSpPr>
+            <a:spLocks noGrp="1" noRot="1" noChangeAspect="1" noMove="1" noResize="1" noEditPoints="1" noAdjustHandles="1" noChangeArrowheads="1" noChangeShapeType="1" noTextEdit="1"/>
+          </p:cNvSpPr>
+          <p:nvPr>
+            <p:extLst>
+              <p:ext uri="{386F3935-93C4-4BCD-93E2-E3B085C9AB24}">
+                <p16:designElem xmlns:p16="http://schemas.microsoft.com/office/powerpoint/2015/main" val="1"/>
+              </p:ext>
+            </p:extLst>
+          </p:nvPr>
+        </p:nvSpPr>
+        <p:spPr>
+          <a:xfrm>
+            <a:off x="10938999" y="-8467"/>
+            <a:ext cx="1249825" cy="6866467"/>
+          </a:xfrm>
+          <a:custGeom>
+            <a:avLst/>
+            <a:gdLst/>
+            <a:ahLst/>
+            <a:cxnLst/>
+            <a:rect l="l" t="t" r="r" b="b"/>
+            <a:pathLst>
+              <a:path w="1249825" h="6858000">
+                <a:moveTo>
+                  <a:pt x="0" y="0"/>
+                </a:moveTo>
+                <a:lnTo>
+                  <a:pt x="1249825" y="0"/>
+                </a:lnTo>
+                <a:lnTo>
+                  <a:pt x="1249825" y="6858000"/>
+                </a:lnTo>
+                <a:lnTo>
+                  <a:pt x="1109382" y="6858000"/>
+                </a:lnTo>
+                <a:lnTo>
+                  <a:pt x="0" y="0"/>
+                </a:lnTo>
+                <a:close/>
+              </a:path>
+            </a:pathLst>
+          </a:custGeom>
+          <a:solidFill>
+            <a:schemeClr val="accent1">
+              <a:alpha val="65000"/>
+            </a:schemeClr>
+          </a:solidFill>
+          <a:ln>
+            <a:noFill/>
+          </a:ln>
+          <a:effectLst/>
+        </p:spPr>
+        <p:style>
+          <a:lnRef idx="1">
+            <a:schemeClr val="accent1"/>
+          </a:lnRef>
+          <a:fillRef idx="3">
+            <a:schemeClr val="accent1"/>
+          </a:fillRef>
+          <a:effectRef idx="2">
+            <a:schemeClr val="accent1"/>
+          </a:effectRef>
+          <a:fontRef idx="minor">
+            <a:schemeClr val="lt1"/>
+          </a:fontRef>
+        </p:style>
+      </p:sp>
+      <p:sp>
+        <p:nvSpPr>
+          <p:cNvPr id="37" name="Isosceles Triangle 36">
+            <a:extLst>
+              <a:ext uri="{FF2B5EF4-FFF2-40B4-BE49-F238E27FC236}">
+                <a16:creationId xmlns:a16="http://schemas.microsoft.com/office/drawing/2014/main" id="{4412B991-9935-45FB-A17E-8F30DD832561}"/>
+              </a:ext>
+              <a:ext uri="{C183D7F6-B498-43B3-948B-1728B52AA6E4}">
+                <adec:decorative xmlns:adec="http://schemas.microsoft.com/office/drawing/2017/decorative" val="1"/>
+              </a:ext>
+            </a:extLst>
+          </p:cNvPr>
+          <p:cNvSpPr>
+            <a:spLocks noGrp="1" noRot="1" noChangeAspect="1" noMove="1" noResize="1" noEditPoints="1" noAdjustHandles="1" noChangeArrowheads="1" noChangeShapeType="1" noTextEdit="1"/>
+          </p:cNvSpPr>
+          <p:nvPr>
+            <p:extLst>
+              <p:ext uri="{386F3935-93C4-4BCD-93E2-E3B085C9AB24}">
+                <p16:designElem xmlns:p16="http://schemas.microsoft.com/office/powerpoint/2015/main" val="1"/>
+              </p:ext>
+            </p:extLst>
+          </p:nvPr>
+        </p:nvSpPr>
+        <p:spPr>
+          <a:xfrm>
+            <a:off x="10371666" y="3589867"/>
+            <a:ext cx="1817159" cy="3268133"/>
+          </a:xfrm>
+          <a:prstGeom prst="triangle">
+            <a:avLst>
+              <a:gd name="adj" fmla="val 100000"/>
+            </a:avLst>
+          </a:prstGeom>
+          <a:solidFill>
+            <a:schemeClr val="accent1">
+              <a:alpha val="80000"/>
+            </a:schemeClr>
+          </a:solidFill>
+          <a:ln>
+            <a:noFill/>
+          </a:ln>
+          <a:effectLst/>
+        </p:spPr>
+        <p:style>
+          <a:lnRef idx="1">
+            <a:schemeClr val="accent1"/>
+          </a:lnRef>
+          <a:fillRef idx="3">
+            <a:schemeClr val="accent1"/>
+          </a:fillRef>
+          <a:effectRef idx="2">
+            <a:schemeClr val="accent1"/>
+          </a:effectRef>
+          <a:fontRef idx="minor">
+            <a:schemeClr val="lt1"/>
+          </a:fontRef>
+        </p:style>
+      </p:sp>
+      <p:sp>
+        <p:nvSpPr>
+          <p:cNvPr id="18" name="Title 1">
+            <a:extLst>
+              <a:ext uri="{FF2B5EF4-FFF2-40B4-BE49-F238E27FC236}">
+                <a16:creationId xmlns:a16="http://schemas.microsoft.com/office/drawing/2014/main" id="{41E22F56-3CBF-DB42-400F-F0D2631F49BF}"/>
+              </a:ext>
+            </a:extLst>
+          </p:cNvPr>
+          <p:cNvSpPr>
+            <a:spLocks noGrp="1"/>
+          </p:cNvSpPr>
+          <p:nvPr>
+            <p:ph type="title"/>
+          </p:nvPr>
+        </p:nvSpPr>
+        <p:spPr>
+          <a:xfrm>
+            <a:off x="2430957" y="487825"/>
+            <a:ext cx="8596668" cy="1168329"/>
+          </a:xfrm>
+        </p:spPr>
+        <p:txBody>
+          <a:bodyPr>
+            <a:normAutofit/>
+          </a:bodyPr>
+          <a:lstStyle/>
+          <a:p>
+            <a:r>
+              <a:rPr lang="en-US" dirty="0"/>
+              <a:t>Coordinator</a:t>
+            </a:r>
+          </a:p>
+        </p:txBody>
+      </p:sp>
+      <p:sp>
+        <p:nvSpPr>
+          <p:cNvPr id="20" name="Content Placeholder 2">
+            <a:extLst>
+              <a:ext uri="{FF2B5EF4-FFF2-40B4-BE49-F238E27FC236}">
+                <a16:creationId xmlns:a16="http://schemas.microsoft.com/office/drawing/2014/main" id="{B8B5D76A-D30B-F1F0-7B8E-ECE11AF2BB6B}"/>
+              </a:ext>
+            </a:extLst>
+          </p:cNvPr>
+          <p:cNvSpPr>
+            <a:spLocks noGrp="1"/>
+          </p:cNvSpPr>
+          <p:nvPr>
+            <p:ph idx="1"/>
+          </p:nvPr>
+        </p:nvSpPr>
+        <p:spPr>
+          <a:xfrm>
+            <a:off x="2407948" y="1994338"/>
+            <a:ext cx="3140236" cy="1307464"/>
+          </a:xfrm>
+        </p:spPr>
+        <p:txBody>
+          <a:bodyPr/>
+          <a:lstStyle/>
+          <a:p>
+            <a:r>
+              <a:rPr lang="en-US" dirty="0"/>
+              <a:t>To enhance modularity and navigation.</a:t>
+            </a:r>
+          </a:p>
+          <a:p>
+            <a:endParaRPr lang="en-US" dirty="0"/>
+          </a:p>
+        </p:txBody>
+      </p:sp>
+      <p:pic>
+        <p:nvPicPr>
+          <p:cNvPr id="2" name="Picture 1">
+            <a:extLst>
+              <a:ext uri="{FF2B5EF4-FFF2-40B4-BE49-F238E27FC236}">
+                <a16:creationId xmlns:a16="http://schemas.microsoft.com/office/drawing/2014/main" id="{82D16A80-596B-79CC-D286-EA1548EC3CAC}"/>
+              </a:ext>
+            </a:extLst>
+          </p:cNvPr>
+          <p:cNvPicPr>
+            <a:picLocks noChangeAspect="1"/>
+          </p:cNvPicPr>
+          <p:nvPr/>
+        </p:nvPicPr>
+        <p:blipFill>
+          <a:blip r:embed="rId3"/>
+          <a:stretch>
+            <a:fillRect/>
+          </a:stretch>
+        </p:blipFill>
+        <p:spPr>
+          <a:xfrm>
+            <a:off x="5720154" y="663215"/>
+            <a:ext cx="6424358" cy="5853304"/>
+          </a:xfrm>
+          <a:prstGeom prst="rect">
+            <a:avLst/>
+          </a:prstGeom>
+        </p:spPr>
+      </p:pic>
+    </p:spTree>
+    <p:extLst>
+      <p:ext uri="{BB962C8B-B14F-4D97-AF65-F5344CB8AC3E}">
+        <p14:creationId xmlns:p14="http://schemas.microsoft.com/office/powerpoint/2010/main" val="283719045"/>
+      </p:ext>
+    </p:extLst>
+  </p:cSld>
+  <p:clrMapOvr>
+    <a:masterClrMapping/>
+  </p:clrMapOvr>
+</p:sld>
+</file>
+
+<file path=ppt/slides/slide8.xml><?xml version="1.0" encoding="utf-8"?>
+<p:sld xmlns:a="http://schemas.openxmlformats.org/drawingml/2006/main" xmlns:r="http://schemas.openxmlformats.org/officeDocument/2006/relationships" xmlns:p="http://schemas.openxmlformats.org/presentationml/2006/main">
+  <p:cSld>
+    <p:bg>
+      <p:bgPr>
+        <a:solidFill>
+          <a:schemeClr val="bg1"/>
+        </a:solidFill>
+        <a:effectLst/>
+      </p:bgPr>
+    </p:bg>
+    <p:spTree>
+      <p:nvGrpSpPr>
+        <p:cNvPr id="1" name=""/>
+        <p:cNvGrpSpPr/>
+        <p:nvPr/>
+      </p:nvGrpSpPr>
+      <p:grpSpPr>
+        <a:xfrm>
+          <a:off x="0" y="0"/>
+          <a:ext cx="0" cy="0"/>
+          <a:chOff x="0" y="0"/>
+          <a:chExt cx="0" cy="0"/>
+        </a:xfrm>
+      </p:grpSpPr>
+      <p:pic>
+        <p:nvPicPr>
+          <p:cNvPr id="11" name="Picture 4" descr="Ramen on yellow table">
+            <a:extLst>
+              <a:ext uri="{FF2B5EF4-FFF2-40B4-BE49-F238E27FC236}">
+                <a16:creationId xmlns:a16="http://schemas.microsoft.com/office/drawing/2014/main" id="{58E5CCF7-D3C0-A3DA-D587-C6E380B9CF7E}"/>
+              </a:ext>
+            </a:extLst>
+          </p:cNvPr>
+          <p:cNvPicPr>
+            <a:picLocks noChangeAspect="1"/>
+          </p:cNvPicPr>
+          <p:nvPr/>
+        </p:nvPicPr>
+        <p:blipFill rotWithShape="1">
+          <a:blip r:embed="rId2"/>
+          <a:srcRect l="9091" t="13131" b="10260"/>
+          <a:stretch/>
+        </p:blipFill>
+        <p:spPr>
+          <a:xfrm>
+            <a:off x="1" y="10"/>
+            <a:ext cx="12191999" cy="6857990"/>
+          </a:xfrm>
+          <a:prstGeom prst="rect">
+            <a:avLst/>
+          </a:prstGeom>
+        </p:spPr>
+      </p:pic>
+      <p:sp>
+        <p:nvSpPr>
+          <p:cNvPr id="17" name="Isosceles Triangle 16">
+            <a:extLst>
+              <a:ext uri="{FF2B5EF4-FFF2-40B4-BE49-F238E27FC236}">
+                <a16:creationId xmlns:a16="http://schemas.microsoft.com/office/drawing/2014/main" id="{DD6B6433-CCD9-42F6-83C5-76BCAA8FEE69}"/>
+              </a:ext>
+              <a:ext uri="{C183D7F6-B498-43B3-948B-1728B52AA6E4}">
+                <adec:decorative xmlns:adec="http://schemas.microsoft.com/office/drawing/2017/decorative" val="1"/>
+              </a:ext>
+            </a:extLst>
+          </p:cNvPr>
+          <p:cNvSpPr>
+            <a:spLocks noGrp="1" noRot="1" noChangeAspect="1" noMove="1" noResize="1" noEditPoints="1" noAdjustHandles="1" noChangeArrowheads="1" noChangeShapeType="1" noTextEdit="1"/>
+          </p:cNvSpPr>
+          <p:nvPr>
+            <p:extLst>
+              <p:ext uri="{386F3935-93C4-4BCD-93E2-E3B085C9AB24}">
+                <p16:designElem xmlns:p16="http://schemas.microsoft.com/office/powerpoint/2015/main" val="1"/>
+              </p:ext>
+            </p:extLst>
+          </p:nvPr>
+        </p:nvSpPr>
+        <p:spPr>
+          <a:xfrm rot="10800000">
+            <a:off x="0" y="0"/>
+            <a:ext cx="842596" cy="5666154"/>
+          </a:xfrm>
+          <a:prstGeom prst="triangle">
+            <a:avLst>
+              <a:gd name="adj" fmla="val 100000"/>
+            </a:avLst>
+          </a:prstGeom>
+          <a:solidFill>
+            <a:schemeClr val="accent1">
+              <a:alpha val="85000"/>
+            </a:schemeClr>
+          </a:solidFill>
+          <a:ln>
+            <a:noFill/>
+          </a:ln>
+          <a:effectLst/>
+        </p:spPr>
+        <p:style>
+          <a:lnRef idx="1">
+            <a:schemeClr val="accent1"/>
+          </a:lnRef>
+          <a:fillRef idx="3">
+            <a:schemeClr val="accent1"/>
+          </a:fillRef>
+          <a:effectRef idx="2">
+            <a:schemeClr val="accent1"/>
+          </a:effectRef>
+          <a:fontRef idx="minor">
+            <a:schemeClr val="lt1"/>
+          </a:fontRef>
+        </p:style>
+      </p:sp>
+      <p:sp>
+        <p:nvSpPr>
+          <p:cNvPr id="19" name="Parallelogram 18">
+            <a:extLst>
+              <a:ext uri="{FF2B5EF4-FFF2-40B4-BE49-F238E27FC236}">
+                <a16:creationId xmlns:a16="http://schemas.microsoft.com/office/drawing/2014/main" id="{442B55CB-F27D-4C06-89E5-4EC99A519CBE}"/>
+              </a:ext>
+              <a:ext uri="{C183D7F6-B498-43B3-948B-1728B52AA6E4}">
+                <adec:decorative xmlns:adec="http://schemas.microsoft.com/office/drawing/2017/decorative" val="1"/>
+              </a:ext>
+            </a:extLst>
+          </p:cNvPr>
+          <p:cNvSpPr>
+            <a:spLocks noGrp="1" noRot="1" noChangeAspect="1" noMove="1" noResize="1" noEditPoints="1" noAdjustHandles="1" noChangeArrowheads="1" noChangeShapeType="1" noTextEdit="1"/>
+          </p:cNvSpPr>
+          <p:nvPr>
+            <p:extLst>
+              <p:ext uri="{386F3935-93C4-4BCD-93E2-E3B085C9AB24}">
+                <p16:designElem xmlns:p16="http://schemas.microsoft.com/office/powerpoint/2015/main" val="1"/>
+              </p:ext>
+            </p:extLst>
+          </p:nvPr>
+        </p:nvSpPr>
+        <p:spPr>
+          <a:xfrm>
+            <a:off x="1624188" y="0"/>
+            <a:ext cx="9372600" cy="6858000"/>
+          </a:xfrm>
+          <a:prstGeom prst="parallelogram">
+            <a:avLst>
+              <a:gd name="adj" fmla="val 14937"/>
+            </a:avLst>
+          </a:prstGeom>
+          <a:solidFill>
+            <a:schemeClr val="bg1">
+              <a:alpha val="94000"/>
+            </a:schemeClr>
+          </a:solidFill>
+          <a:ln>
+            <a:noFill/>
+          </a:ln>
+          <a:effectLst/>
+        </p:spPr>
+        <p:style>
+          <a:lnRef idx="1">
+            <a:schemeClr val="accent1"/>
+          </a:lnRef>
+          <a:fillRef idx="3">
+            <a:schemeClr val="accent1"/>
+          </a:fillRef>
+          <a:effectRef idx="2">
+            <a:schemeClr val="accent1"/>
+          </a:effectRef>
+          <a:fontRef idx="minor">
+            <a:schemeClr val="lt1"/>
+          </a:fontRef>
+        </p:style>
+        <p:txBody>
+          <a:bodyPr rtlCol="0" anchor="ctr"/>
+          <a:lstStyle/>
+          <a:p>
+            <a:pPr algn="ctr"/>
+            <a:endParaRPr lang="en-US"/>
+          </a:p>
+        </p:txBody>
+      </p:sp>
+      <p:cxnSp>
+        <p:nvCxnSpPr>
+          <p:cNvPr id="21" name="Straight Connector 20">
+            <a:extLst>
+              <a:ext uri="{FF2B5EF4-FFF2-40B4-BE49-F238E27FC236}">
+                <a16:creationId xmlns:a16="http://schemas.microsoft.com/office/drawing/2014/main" id="{48527540-7F01-4C2E-9641-738882048E3D}"/>
+              </a:ext>
+              <a:ext uri="{C183D7F6-B498-43B3-948B-1728B52AA6E4}">
+                <adec:decorative xmlns:adec="http://schemas.microsoft.com/office/drawing/2017/decorative" val="1"/>
+              </a:ext>
+            </a:extLst>
+          </p:cNvPr>
+          <p:cNvCxnSpPr>
+            <a:cxnSpLocks noGrp="1" noRot="1" noChangeAspect="1" noMove="1" noResize="1" noEditPoints="1" noAdjustHandles="1" noChangeArrowheads="1" noChangeShapeType="1"/>
+          </p:cNvCxnSpPr>
+          <p:nvPr>
+            <p:extLst>
+              <p:ext uri="{386F3935-93C4-4BCD-93E2-E3B085C9AB24}">
+                <p16:designElem xmlns:p16="http://schemas.microsoft.com/office/powerpoint/2015/main" val="1"/>
+              </p:ext>
+            </p:extLst>
+          </p:nvPr>
+        </p:nvCxnSpPr>
+        <p:spPr>
+          <a:xfrm>
+            <a:off x="9371012" y="0"/>
+            <a:ext cx="1219200" cy="6858000"/>
+          </a:xfrm>
+          <a:prstGeom prst="line">
+            <a:avLst/>
+          </a:prstGeom>
+          <a:ln w="9525">
+            <a:solidFill>
+              <a:schemeClr val="bg1">
+                <a:lumMod val="75000"/>
+              </a:schemeClr>
+            </a:solidFill>
+          </a:ln>
+        </p:spPr>
+        <p:style>
+          <a:lnRef idx="2">
+            <a:schemeClr val="accent1"/>
+          </a:lnRef>
+          <a:fillRef idx="0">
+            <a:schemeClr val="accent1"/>
+          </a:fillRef>
+          <a:effectRef idx="1">
+            <a:schemeClr val="accent1"/>
+          </a:effectRef>
+          <a:fontRef idx="minor">
+            <a:schemeClr val="tx1"/>
+          </a:fontRef>
+        </p:style>
+      </p:cxnSp>
+      <p:cxnSp>
+        <p:nvCxnSpPr>
+          <p:cNvPr id="23" name="Straight Connector 22">
+            <a:extLst>
+              <a:ext uri="{FF2B5EF4-FFF2-40B4-BE49-F238E27FC236}">
+                <a16:creationId xmlns:a16="http://schemas.microsoft.com/office/drawing/2014/main" id="{D6F60FB6-F855-43F0-A752-3719156C1E04}"/>
+              </a:ext>
+              <a:ext uri="{C183D7F6-B498-43B3-948B-1728B52AA6E4}">
+                <adec:decorative xmlns:adec="http://schemas.microsoft.com/office/drawing/2017/decorative" val="1"/>
+              </a:ext>
+            </a:extLst>
+          </p:cNvPr>
+          <p:cNvCxnSpPr>
+            <a:cxnSpLocks noGrp="1" noRot="1" noChangeAspect="1" noMove="1" noResize="1" noEditPoints="1" noAdjustHandles="1" noChangeArrowheads="1" noChangeShapeType="1"/>
+          </p:cNvCxnSpPr>
+          <p:nvPr>
+            <p:extLst>
+              <p:ext uri="{386F3935-93C4-4BCD-93E2-E3B085C9AB24}">
+                <p16:designElem xmlns:p16="http://schemas.microsoft.com/office/powerpoint/2015/main" val="1"/>
+              </p:ext>
+            </p:extLst>
+          </p:nvPr>
+        </p:nvCxnSpPr>
+        <p:spPr>
+          <a:xfrm flipH="1">
+            <a:off x="7425267" y="3681413"/>
+            <a:ext cx="4763558" cy="3176587"/>
+          </a:xfrm>
+          <a:prstGeom prst="line">
+            <a:avLst/>
+          </a:prstGeom>
+          <a:ln w="9525">
+            <a:solidFill>
+              <a:schemeClr val="bg1">
+                <a:lumMod val="85000"/>
+              </a:schemeClr>
+            </a:solidFill>
+          </a:ln>
+        </p:spPr>
+        <p:style>
+          <a:lnRef idx="2">
+            <a:schemeClr val="accent1"/>
+          </a:lnRef>
+          <a:fillRef idx="0">
+            <a:schemeClr val="accent1"/>
+          </a:fillRef>
+          <a:effectRef idx="1">
+            <a:schemeClr val="accent1"/>
+          </a:effectRef>
+          <a:fontRef idx="minor">
+            <a:schemeClr val="tx1"/>
+          </a:fontRef>
+        </p:style>
+      </p:cxnSp>
+      <p:sp>
+        <p:nvSpPr>
+          <p:cNvPr id="25" name="Rectangle 23">
+            <a:extLst>
+              <a:ext uri="{FF2B5EF4-FFF2-40B4-BE49-F238E27FC236}">
+                <a16:creationId xmlns:a16="http://schemas.microsoft.com/office/drawing/2014/main" id="{70669A81-0E9B-4B42-AFEA-8F672C6CFBA7}"/>
+              </a:ext>
+              <a:ext uri="{C183D7F6-B498-43B3-948B-1728B52AA6E4}">
+                <adec:decorative xmlns:adec="http://schemas.microsoft.com/office/drawing/2017/decorative" val="1"/>
+              </a:ext>
+            </a:extLst>
+          </p:cNvPr>
+          <p:cNvSpPr>
+            <a:spLocks noGrp="1" noRot="1" noChangeAspect="1" noMove="1" noResize="1" noEditPoints="1" noAdjustHandles="1" noChangeArrowheads="1" noChangeShapeType="1" noTextEdit="1"/>
+          </p:cNvSpPr>
+          <p:nvPr>
+            <p:extLst>
+              <p:ext uri="{386F3935-93C4-4BCD-93E2-E3B085C9AB24}">
+                <p16:designElem xmlns:p16="http://schemas.microsoft.com/office/powerpoint/2015/main" val="1"/>
+              </p:ext>
+            </p:extLst>
+          </p:nvPr>
+        </p:nvSpPr>
+        <p:spPr>
+          <a:xfrm>
+            <a:off x="9181476" y="-8467"/>
+            <a:ext cx="3007349" cy="6866467"/>
+          </a:xfrm>
+          <a:custGeom>
+            <a:avLst/>
+            <a:gdLst/>
+            <a:ahLst/>
+            <a:cxnLst/>
+            <a:rect l="l" t="t" r="r" b="b"/>
+            <a:pathLst>
+              <a:path w="3007349" h="6866467">
+                <a:moveTo>
+                  <a:pt x="2045532" y="0"/>
+                </a:moveTo>
+                <a:lnTo>
+                  <a:pt x="3007349" y="0"/>
+                </a:lnTo>
+                <a:lnTo>
+                  <a:pt x="3007349" y="6866467"/>
+                </a:lnTo>
+                <a:lnTo>
+                  <a:pt x="0" y="6866467"/>
+                </a:lnTo>
+                <a:lnTo>
+                  <a:pt x="2045532" y="0"/>
+                </a:lnTo>
+                <a:close/>
+              </a:path>
+            </a:pathLst>
+          </a:custGeom>
+          <a:solidFill>
+            <a:schemeClr val="accent1">
+              <a:alpha val="30000"/>
+            </a:schemeClr>
+          </a:solidFill>
+          <a:ln>
+            <a:noFill/>
+          </a:ln>
+          <a:effectLst/>
+        </p:spPr>
+        <p:style>
+          <a:lnRef idx="1">
+            <a:schemeClr val="accent1"/>
+          </a:lnRef>
+          <a:fillRef idx="3">
+            <a:schemeClr val="accent1"/>
+          </a:fillRef>
+          <a:effectRef idx="2">
+            <a:schemeClr val="accent1"/>
+          </a:effectRef>
+          <a:fontRef idx="minor">
+            <a:schemeClr val="lt1"/>
+          </a:fontRef>
+        </p:style>
+      </p:sp>
+      <p:sp>
+        <p:nvSpPr>
+          <p:cNvPr id="27" name="Rectangle 25">
+            <a:extLst>
+              <a:ext uri="{FF2B5EF4-FFF2-40B4-BE49-F238E27FC236}">
+                <a16:creationId xmlns:a16="http://schemas.microsoft.com/office/drawing/2014/main" id="{8C93E0C6-CF08-4771-B5A9-6018CB3AED59}"/>
+              </a:ext>
+              <a:ext uri="{C183D7F6-B498-43B3-948B-1728B52AA6E4}">
+                <adec:decorative xmlns:adec="http://schemas.microsoft.com/office/drawing/2017/decorative" val="1"/>
+              </a:ext>
+            </a:extLst>
+          </p:cNvPr>
+          <p:cNvSpPr>
+            <a:spLocks noGrp="1" noRot="1" noChangeAspect="1" noMove="1" noResize="1" noEditPoints="1" noAdjustHandles="1" noChangeArrowheads="1" noChangeShapeType="1" noTextEdit="1"/>
+          </p:cNvSpPr>
+          <p:nvPr>
+            <p:extLst>
+              <p:ext uri="{386F3935-93C4-4BCD-93E2-E3B085C9AB24}">
+                <p16:designElem xmlns:p16="http://schemas.microsoft.com/office/powerpoint/2015/main" val="1"/>
+              </p:ext>
+            </p:extLst>
+          </p:nvPr>
+        </p:nvSpPr>
+        <p:spPr>
+          <a:xfrm>
+            <a:off x="9603442" y="-8467"/>
+            <a:ext cx="2588558" cy="6866467"/>
+          </a:xfrm>
+          <a:custGeom>
+            <a:avLst/>
+            <a:gdLst/>
+            <a:ahLst/>
+            <a:cxnLst/>
+            <a:rect l="l" t="t" r="r" b="b"/>
+            <a:pathLst>
+              <a:path w="2573311" h="6866467">
+                <a:moveTo>
+                  <a:pt x="0" y="0"/>
+                </a:moveTo>
+                <a:lnTo>
+                  <a:pt x="2573311" y="0"/>
+                </a:lnTo>
+                <a:lnTo>
+                  <a:pt x="2573311" y="6866467"/>
+                </a:lnTo>
+                <a:lnTo>
+                  <a:pt x="1202336" y="6866467"/>
+                </a:lnTo>
+                <a:lnTo>
+                  <a:pt x="0" y="0"/>
+                </a:lnTo>
+                <a:close/>
+              </a:path>
+            </a:pathLst>
+          </a:custGeom>
+          <a:solidFill>
+            <a:schemeClr val="accent1">
+              <a:alpha val="20000"/>
+            </a:schemeClr>
+          </a:solidFill>
+          <a:ln>
+            <a:noFill/>
+          </a:ln>
+          <a:effectLst/>
+        </p:spPr>
+        <p:style>
+          <a:lnRef idx="1">
+            <a:schemeClr val="accent1"/>
+          </a:lnRef>
+          <a:fillRef idx="3">
+            <a:schemeClr val="accent1"/>
+          </a:fillRef>
+          <a:effectRef idx="2">
+            <a:schemeClr val="accent1"/>
+          </a:effectRef>
+          <a:fontRef idx="minor">
+            <a:schemeClr val="lt1"/>
+          </a:fontRef>
+        </p:style>
+      </p:sp>
+      <p:sp>
+        <p:nvSpPr>
+          <p:cNvPr id="29" name="Isosceles Triangle 28">
+            <a:extLst>
+              <a:ext uri="{FF2B5EF4-FFF2-40B4-BE49-F238E27FC236}">
+                <a16:creationId xmlns:a16="http://schemas.microsoft.com/office/drawing/2014/main" id="{A011F1B8-62C5-4D08-A621-EAD05C7D6905}"/>
+              </a:ext>
+              <a:ext uri="{C183D7F6-B498-43B3-948B-1728B52AA6E4}">
+                <adec:decorative xmlns:adec="http://schemas.microsoft.com/office/drawing/2017/decorative" val="1"/>
+              </a:ext>
+            </a:extLst>
+          </p:cNvPr>
+          <p:cNvSpPr>
+            <a:spLocks noGrp="1" noRot="1" noChangeAspect="1" noMove="1" noResize="1" noEditPoints="1" noAdjustHandles="1" noChangeArrowheads="1" noChangeShapeType="1" noTextEdit="1"/>
+          </p:cNvSpPr>
+          <p:nvPr>
+            <p:extLst>
+              <p:ext uri="{386F3935-93C4-4BCD-93E2-E3B085C9AB24}">
+                <p16:designElem xmlns:p16="http://schemas.microsoft.com/office/powerpoint/2015/main" val="1"/>
+              </p:ext>
+            </p:extLst>
+          </p:nvPr>
+        </p:nvSpPr>
+        <p:spPr>
+          <a:xfrm>
+            <a:off x="8932333" y="3048000"/>
+            <a:ext cx="3259667" cy="3810000"/>
+          </a:xfrm>
+          <a:prstGeom prst="triangle">
+            <a:avLst>
+              <a:gd name="adj" fmla="val 100000"/>
+            </a:avLst>
+          </a:prstGeom>
+          <a:solidFill>
+            <a:schemeClr val="accent2">
+              <a:alpha val="72000"/>
+            </a:schemeClr>
+          </a:solidFill>
+          <a:ln>
+            <a:noFill/>
+          </a:ln>
+          <a:effectLst/>
+        </p:spPr>
+        <p:style>
+          <a:lnRef idx="1">
+            <a:schemeClr val="accent1"/>
+          </a:lnRef>
+          <a:fillRef idx="3">
+            <a:schemeClr val="accent1"/>
+          </a:fillRef>
+          <a:effectRef idx="2">
+            <a:schemeClr val="accent1"/>
+          </a:effectRef>
+          <a:fontRef idx="minor">
+            <a:schemeClr val="lt1"/>
+          </a:fontRef>
+        </p:style>
+      </p:sp>
+      <p:sp>
+        <p:nvSpPr>
+          <p:cNvPr id="31" name="Rectangle 27">
+            <a:extLst>
+              <a:ext uri="{FF2B5EF4-FFF2-40B4-BE49-F238E27FC236}">
+                <a16:creationId xmlns:a16="http://schemas.microsoft.com/office/drawing/2014/main" id="{C6A6AECB-428C-4CB4-B65A-359F08B6D8F8}"/>
+              </a:ext>
+              <a:ext uri="{C183D7F6-B498-43B3-948B-1728B52AA6E4}">
+                <adec:decorative xmlns:adec="http://schemas.microsoft.com/office/drawing/2017/decorative" val="1"/>
+              </a:ext>
+            </a:extLst>
+          </p:cNvPr>
+          <p:cNvSpPr>
+            <a:spLocks noGrp="1" noRot="1" noChangeAspect="1" noMove="1" noResize="1" noEditPoints="1" noAdjustHandles="1" noChangeArrowheads="1" noChangeShapeType="1" noTextEdit="1"/>
+          </p:cNvSpPr>
+          <p:nvPr>
+            <p:extLst>
+              <p:ext uri="{386F3935-93C4-4BCD-93E2-E3B085C9AB24}">
+                <p16:designElem xmlns:p16="http://schemas.microsoft.com/office/powerpoint/2015/main" val="1"/>
+              </p:ext>
+            </p:extLst>
+          </p:nvPr>
+        </p:nvSpPr>
+        <p:spPr>
+          <a:xfrm>
+            <a:off x="9334500" y="-8467"/>
+            <a:ext cx="2854326" cy="6866467"/>
+          </a:xfrm>
+          <a:custGeom>
+            <a:avLst/>
+            <a:gdLst/>
+            <a:ahLst/>
+            <a:cxnLst/>
+            <a:rect l="l" t="t" r="r" b="b"/>
+            <a:pathLst>
+              <a:path w="2858013" h="6866467">
+                <a:moveTo>
+                  <a:pt x="0" y="0"/>
+                </a:moveTo>
+                <a:lnTo>
+                  <a:pt x="2858013" y="0"/>
+                </a:lnTo>
+                <a:lnTo>
+                  <a:pt x="2858013" y="6866467"/>
+                </a:lnTo>
+                <a:lnTo>
+                  <a:pt x="2473942" y="6866467"/>
+                </a:lnTo>
+                <a:lnTo>
+                  <a:pt x="0" y="0"/>
+                </a:lnTo>
+                <a:close/>
+              </a:path>
+            </a:pathLst>
+          </a:custGeom>
+          <a:solidFill>
+            <a:schemeClr val="accent2">
+              <a:lumMod val="75000"/>
+              <a:alpha val="47000"/>
+            </a:schemeClr>
+          </a:solidFill>
+          <a:ln>
+            <a:noFill/>
+          </a:ln>
+          <a:effectLst/>
+        </p:spPr>
+        <p:style>
+          <a:lnRef idx="1">
+            <a:schemeClr val="accent1"/>
+          </a:lnRef>
+          <a:fillRef idx="3">
+            <a:schemeClr val="accent1"/>
+          </a:fillRef>
+          <a:effectRef idx="2">
+            <a:schemeClr val="accent1"/>
+          </a:effectRef>
+          <a:fontRef idx="minor">
+            <a:schemeClr val="lt1"/>
+          </a:fontRef>
+        </p:style>
+      </p:sp>
+      <p:sp>
+        <p:nvSpPr>
+          <p:cNvPr id="33" name="Rectangle 28">
+            <a:extLst>
+              <a:ext uri="{FF2B5EF4-FFF2-40B4-BE49-F238E27FC236}">
+                <a16:creationId xmlns:a16="http://schemas.microsoft.com/office/drawing/2014/main" id="{28D1A6ED-2AB6-46A3-A315-485B8BF936D8}"/>
+              </a:ext>
+              <a:ext uri="{C183D7F6-B498-43B3-948B-1728B52AA6E4}">
+                <adec:decorative xmlns:adec="http://schemas.microsoft.com/office/drawing/2017/decorative" val="1"/>
+              </a:ext>
+            </a:extLst>
+          </p:cNvPr>
+          <p:cNvSpPr>
+            <a:spLocks noGrp="1" noRot="1" noChangeAspect="1" noMove="1" noResize="1" noEditPoints="1" noAdjustHandles="1" noChangeArrowheads="1" noChangeShapeType="1" noTextEdit="1"/>
+          </p:cNvSpPr>
+          <p:nvPr>
+            <p:extLst>
+              <p:ext uri="{386F3935-93C4-4BCD-93E2-E3B085C9AB24}">
+                <p16:designElem xmlns:p16="http://schemas.microsoft.com/office/powerpoint/2015/main" val="1"/>
+              </p:ext>
+            </p:extLst>
+          </p:nvPr>
+        </p:nvSpPr>
+        <p:spPr>
+          <a:xfrm>
+            <a:off x="10898730" y="-8467"/>
+            <a:ext cx="1290094" cy="6866467"/>
+          </a:xfrm>
+          <a:custGeom>
+            <a:avLst/>
+            <a:gdLst/>
+            <a:ahLst/>
+            <a:cxnLst/>
+            <a:rect l="l" t="t" r="r" b="b"/>
+            <a:pathLst>
+              <a:path w="1290094" h="6858000">
+                <a:moveTo>
+                  <a:pt x="1019735" y="0"/>
+                </a:moveTo>
+                <a:lnTo>
+                  <a:pt x="1290094" y="0"/>
+                </a:lnTo>
+                <a:lnTo>
+                  <a:pt x="1290094" y="6858000"/>
+                </a:lnTo>
+                <a:lnTo>
+                  <a:pt x="0" y="6858000"/>
+                </a:lnTo>
+                <a:lnTo>
+                  <a:pt x="1019735" y="0"/>
+                </a:lnTo>
+                <a:close/>
+              </a:path>
+            </a:pathLst>
+          </a:custGeom>
+          <a:solidFill>
+            <a:schemeClr val="accent1">
+              <a:lumMod val="60000"/>
+              <a:lumOff val="40000"/>
+              <a:alpha val="70000"/>
+            </a:schemeClr>
+          </a:solidFill>
+          <a:ln>
+            <a:noFill/>
+          </a:ln>
+          <a:effectLst/>
+        </p:spPr>
+        <p:style>
+          <a:lnRef idx="1">
+            <a:schemeClr val="accent1"/>
+          </a:lnRef>
+          <a:fillRef idx="3">
+            <a:schemeClr val="accent1"/>
+          </a:fillRef>
+          <a:effectRef idx="2">
+            <a:schemeClr val="accent1"/>
+          </a:effectRef>
+          <a:fontRef idx="minor">
+            <a:schemeClr val="lt1"/>
+          </a:fontRef>
+        </p:style>
+      </p:sp>
+      <p:sp>
+        <p:nvSpPr>
+          <p:cNvPr id="35" name="Rectangle 29">
+            <a:extLst>
+              <a:ext uri="{FF2B5EF4-FFF2-40B4-BE49-F238E27FC236}">
+                <a16:creationId xmlns:a16="http://schemas.microsoft.com/office/drawing/2014/main" id="{B61CE46B-8525-46A8-AB7B-DCBCC1B65F9A}"/>
+              </a:ext>
+              <a:ext uri="{C183D7F6-B498-43B3-948B-1728B52AA6E4}">
+                <adec:decorative xmlns:adec="http://schemas.microsoft.com/office/drawing/2017/decorative" val="1"/>
+              </a:ext>
+            </a:extLst>
+          </p:cNvPr>
+          <p:cNvSpPr>
+            <a:spLocks noGrp="1" noRot="1" noChangeAspect="1" noMove="1" noResize="1" noEditPoints="1" noAdjustHandles="1" noChangeArrowheads="1" noChangeShapeType="1" noTextEdit="1"/>
+          </p:cNvSpPr>
+          <p:nvPr>
+            <p:extLst>
+              <p:ext uri="{386F3935-93C4-4BCD-93E2-E3B085C9AB24}">
+                <p16:designElem xmlns:p16="http://schemas.microsoft.com/office/powerpoint/2015/main" val="1"/>
+              </p:ext>
+            </p:extLst>
+          </p:nvPr>
+        </p:nvSpPr>
+        <p:spPr>
+          <a:xfrm>
+            <a:off x="10938999" y="-8467"/>
+            <a:ext cx="1249825" cy="6866467"/>
+          </a:xfrm>
+          <a:custGeom>
+            <a:avLst/>
+            <a:gdLst/>
+            <a:ahLst/>
+            <a:cxnLst/>
+            <a:rect l="l" t="t" r="r" b="b"/>
+            <a:pathLst>
+              <a:path w="1249825" h="6858000">
+                <a:moveTo>
+                  <a:pt x="0" y="0"/>
+                </a:moveTo>
+                <a:lnTo>
+                  <a:pt x="1249825" y="0"/>
+                </a:lnTo>
+                <a:lnTo>
+                  <a:pt x="1249825" y="6858000"/>
+                </a:lnTo>
+                <a:lnTo>
+                  <a:pt x="1109382" y="6858000"/>
+                </a:lnTo>
+                <a:lnTo>
+                  <a:pt x="0" y="0"/>
+                </a:lnTo>
+                <a:close/>
+              </a:path>
+            </a:pathLst>
+          </a:custGeom>
+          <a:solidFill>
+            <a:schemeClr val="accent1">
+              <a:alpha val="65000"/>
+            </a:schemeClr>
+          </a:solidFill>
+          <a:ln>
+            <a:noFill/>
+          </a:ln>
+          <a:effectLst/>
+        </p:spPr>
+        <p:style>
+          <a:lnRef idx="1">
+            <a:schemeClr val="accent1"/>
+          </a:lnRef>
+          <a:fillRef idx="3">
+            <a:schemeClr val="accent1"/>
+          </a:fillRef>
+          <a:effectRef idx="2">
+            <a:schemeClr val="accent1"/>
+          </a:effectRef>
+          <a:fontRef idx="minor">
+            <a:schemeClr val="lt1"/>
+          </a:fontRef>
+        </p:style>
+      </p:sp>
+      <p:sp>
+        <p:nvSpPr>
+          <p:cNvPr id="37" name="Isosceles Triangle 36">
+            <a:extLst>
+              <a:ext uri="{FF2B5EF4-FFF2-40B4-BE49-F238E27FC236}">
+                <a16:creationId xmlns:a16="http://schemas.microsoft.com/office/drawing/2014/main" id="{4412B991-9935-45FB-A17E-8F30DD832561}"/>
+              </a:ext>
+              <a:ext uri="{C183D7F6-B498-43B3-948B-1728B52AA6E4}">
+                <adec:decorative xmlns:adec="http://schemas.microsoft.com/office/drawing/2017/decorative" val="1"/>
+              </a:ext>
+            </a:extLst>
+          </p:cNvPr>
+          <p:cNvSpPr>
+            <a:spLocks noGrp="1" noRot="1" noChangeAspect="1" noMove="1" noResize="1" noEditPoints="1" noAdjustHandles="1" noChangeArrowheads="1" noChangeShapeType="1" noTextEdit="1"/>
+          </p:cNvSpPr>
+          <p:nvPr>
+            <p:extLst>
+              <p:ext uri="{386F3935-93C4-4BCD-93E2-E3B085C9AB24}">
+                <p16:designElem xmlns:p16="http://schemas.microsoft.com/office/powerpoint/2015/main" val="1"/>
+              </p:ext>
+            </p:extLst>
+          </p:nvPr>
+        </p:nvSpPr>
+        <p:spPr>
+          <a:xfrm>
+            <a:off x="10371666" y="3589867"/>
+            <a:ext cx="1817159" cy="3268133"/>
+          </a:xfrm>
+          <a:prstGeom prst="triangle">
+            <a:avLst>
+              <a:gd name="adj" fmla="val 100000"/>
+            </a:avLst>
+          </a:prstGeom>
+          <a:solidFill>
+            <a:schemeClr val="accent1">
+              <a:alpha val="80000"/>
+            </a:schemeClr>
+          </a:solidFill>
+          <a:ln>
+            <a:noFill/>
+          </a:ln>
+          <a:effectLst/>
+        </p:spPr>
+        <p:style>
+          <a:lnRef idx="1">
+            <a:schemeClr val="accent1"/>
+          </a:lnRef>
+          <a:fillRef idx="3">
+            <a:schemeClr val="accent1"/>
+          </a:fillRef>
+          <a:effectRef idx="2">
+            <a:schemeClr val="accent1"/>
+          </a:effectRef>
+          <a:fontRef idx="minor">
+            <a:schemeClr val="lt1"/>
+          </a:fontRef>
+        </p:style>
+      </p:sp>
+      <p:sp>
+        <p:nvSpPr>
+          <p:cNvPr id="18" name="Title 1">
+            <a:extLst>
+              <a:ext uri="{FF2B5EF4-FFF2-40B4-BE49-F238E27FC236}">
+                <a16:creationId xmlns:a16="http://schemas.microsoft.com/office/drawing/2014/main" id="{41E22F56-3CBF-DB42-400F-F0D2631F49BF}"/>
+              </a:ext>
+            </a:extLst>
+          </p:cNvPr>
+          <p:cNvSpPr>
+            <a:spLocks noGrp="1"/>
+          </p:cNvSpPr>
+          <p:nvPr>
+            <p:ph type="title"/>
+          </p:nvPr>
+        </p:nvSpPr>
+        <p:spPr>
+          <a:xfrm>
+            <a:off x="2430957" y="487825"/>
+            <a:ext cx="8596668" cy="1168329"/>
+          </a:xfrm>
+        </p:spPr>
+        <p:txBody>
+          <a:bodyPr>
+            <a:normAutofit/>
+          </a:bodyPr>
+          <a:lstStyle/>
+          <a:p>
+            <a:r>
+              <a:rPr lang="en-US" dirty="0"/>
+              <a:t>Singleton</a:t>
+            </a:r>
+          </a:p>
+        </p:txBody>
+      </p:sp>
+      <p:sp>
+        <p:nvSpPr>
+          <p:cNvPr id="20" name="Content Placeholder 2">
+            <a:extLst>
+              <a:ext uri="{FF2B5EF4-FFF2-40B4-BE49-F238E27FC236}">
+                <a16:creationId xmlns:a16="http://schemas.microsoft.com/office/drawing/2014/main" id="{B8B5D76A-D30B-F1F0-7B8E-ECE11AF2BB6B}"/>
+              </a:ext>
+            </a:extLst>
+          </p:cNvPr>
+          <p:cNvSpPr>
+            <a:spLocks noGrp="1"/>
+          </p:cNvSpPr>
+          <p:nvPr>
+            <p:ph idx="1"/>
+          </p:nvPr>
+        </p:nvSpPr>
+        <p:spPr>
+          <a:xfrm>
+            <a:off x="2407948" y="1994338"/>
+            <a:ext cx="3736798" cy="1307464"/>
+          </a:xfrm>
+        </p:spPr>
+        <p:txBody>
+          <a:bodyPr/>
+          <a:lstStyle/>
+          <a:p>
+            <a:r>
+              <a:rPr lang="en-US" dirty="0"/>
+              <a:t>Utilizes MVVM-C architecture for maintainable code.</a:t>
+            </a:r>
+          </a:p>
+          <a:p>
+            <a:endParaRPr lang="en-US" dirty="0"/>
+          </a:p>
+        </p:txBody>
+      </p:sp>
+      <p:pic>
+        <p:nvPicPr>
+          <p:cNvPr id="4" name="Picture 3">
+            <a:extLst>
+              <a:ext uri="{FF2B5EF4-FFF2-40B4-BE49-F238E27FC236}">
+                <a16:creationId xmlns:a16="http://schemas.microsoft.com/office/drawing/2014/main" id="{1E872B4C-2BCA-DB72-3D4E-95D0F4B9FEC1}"/>
+              </a:ext>
+            </a:extLst>
+          </p:cNvPr>
+          <p:cNvPicPr>
+            <a:picLocks noChangeAspect="1"/>
+          </p:cNvPicPr>
+          <p:nvPr/>
+        </p:nvPicPr>
+        <p:blipFill>
+          <a:blip r:embed="rId3"/>
+          <a:stretch>
+            <a:fillRect/>
+          </a:stretch>
+        </p:blipFill>
+        <p:spPr>
+          <a:xfrm>
+            <a:off x="6795068" y="1094189"/>
+            <a:ext cx="4836567" cy="4714031"/>
+          </a:xfrm>
+          <a:prstGeom prst="rect">
+            <a:avLst/>
+          </a:prstGeom>
+        </p:spPr>
+      </p:pic>
+    </p:spTree>
+    <p:extLst>
+      <p:ext uri="{BB962C8B-B14F-4D97-AF65-F5344CB8AC3E}">
+        <p14:creationId xmlns:p14="http://schemas.microsoft.com/office/powerpoint/2010/main" val="574369222"/>
+      </p:ext>
+    </p:extLst>
+  </p:cSld>
+  <p:clrMapOvr>
+    <a:masterClrMapping/>
+  </p:clrMapOvr>
+</p:sld>
+</file>
+
+<file path=ppt/slides/slide9.xml><?xml version="1.0" encoding="utf-8"?>
+<p:sld xmlns:a="http://schemas.openxmlformats.org/drawingml/2006/main" xmlns:r="http://schemas.openxmlformats.org/officeDocument/2006/relationships" xmlns:p="http://schemas.openxmlformats.org/presentationml/2006/main">
+  <p:cSld>
+    <p:bg>
+      <p:bgPr>
+        <a:solidFill>
+          <a:schemeClr val="bg1"/>
+        </a:solidFill>
+        <a:effectLst/>
+      </p:bgPr>
+    </p:bg>
+    <p:spTree>
+      <p:nvGrpSpPr>
+        <p:cNvPr id="1" name=""/>
+        <p:cNvGrpSpPr/>
+        <p:nvPr/>
+      </p:nvGrpSpPr>
+      <p:grpSpPr>
+        <a:xfrm>
+          <a:off x="0" y="0"/>
+          <a:ext cx="0" cy="0"/>
+          <a:chOff x="0" y="0"/>
+          <a:chExt cx="0" cy="0"/>
+        </a:xfrm>
+      </p:grpSpPr>
+      <p:pic>
+        <p:nvPicPr>
+          <p:cNvPr id="11" name="Picture 4" descr="Ramen on yellow table">
+            <a:extLst>
+              <a:ext uri="{FF2B5EF4-FFF2-40B4-BE49-F238E27FC236}">
+                <a16:creationId xmlns:a16="http://schemas.microsoft.com/office/drawing/2014/main" id="{58E5CCF7-D3C0-A3DA-D587-C6E380B9CF7E}"/>
+              </a:ext>
+            </a:extLst>
+          </p:cNvPr>
+          <p:cNvPicPr>
+            <a:picLocks noChangeAspect="1"/>
+          </p:cNvPicPr>
+          <p:nvPr/>
+        </p:nvPicPr>
+        <p:blipFill rotWithShape="1">
+          <a:blip r:embed="rId2"/>
+          <a:srcRect l="9091" t="13131" b="10260"/>
+          <a:stretch/>
+        </p:blipFill>
+        <p:spPr>
+          <a:xfrm>
+            <a:off x="4412" y="15505"/>
+            <a:ext cx="12191999" cy="6857990"/>
+          </a:xfrm>
+          <a:prstGeom prst="rect">
+            <a:avLst/>
+          </a:prstGeom>
+        </p:spPr>
+      </p:pic>
+      <p:sp>
+        <p:nvSpPr>
+          <p:cNvPr id="17" name="Isosceles Triangle 16">
+            <a:extLst>
+              <a:ext uri="{FF2B5EF4-FFF2-40B4-BE49-F238E27FC236}">
+                <a16:creationId xmlns:a16="http://schemas.microsoft.com/office/drawing/2014/main" id="{DD6B6433-CCD9-42F6-83C5-76BCAA8FEE69}"/>
+              </a:ext>
+              <a:ext uri="{C183D7F6-B498-43B3-948B-1728B52AA6E4}">
+                <adec:decorative xmlns:adec="http://schemas.microsoft.com/office/drawing/2017/decorative" val="1"/>
+              </a:ext>
+            </a:extLst>
+          </p:cNvPr>
+          <p:cNvSpPr>
+            <a:spLocks noGrp="1" noRot="1" noChangeAspect="1" noMove="1" noResize="1" noEditPoints="1" noAdjustHandles="1" noChangeArrowheads="1" noChangeShapeType="1" noTextEdit="1"/>
+          </p:cNvSpPr>
+          <p:nvPr>
+            <p:extLst>
+              <p:ext uri="{386F3935-93C4-4BCD-93E2-E3B085C9AB24}">
+                <p16:designElem xmlns:p16="http://schemas.microsoft.com/office/powerpoint/2015/main" val="1"/>
+              </p:ext>
+            </p:extLst>
+          </p:nvPr>
+        </p:nvSpPr>
+        <p:spPr>
+          <a:xfrm rot="10800000">
+            <a:off x="0" y="0"/>
+            <a:ext cx="842596" cy="5666154"/>
+          </a:xfrm>
+          <a:prstGeom prst="triangle">
+            <a:avLst>
+              <a:gd name="adj" fmla="val 100000"/>
+            </a:avLst>
+          </a:prstGeom>
+          <a:solidFill>
+            <a:schemeClr val="accent1">
+              <a:alpha val="85000"/>
+            </a:schemeClr>
+          </a:solidFill>
+          <a:ln>
+            <a:noFill/>
+          </a:ln>
+          <a:effectLst/>
+        </p:spPr>
+        <p:style>
+          <a:lnRef idx="1">
+            <a:schemeClr val="accent1"/>
+          </a:lnRef>
+          <a:fillRef idx="3">
+            <a:schemeClr val="accent1"/>
+          </a:fillRef>
+          <a:effectRef idx="2">
+            <a:schemeClr val="accent1"/>
+          </a:effectRef>
+          <a:fontRef idx="minor">
+            <a:schemeClr val="lt1"/>
+          </a:fontRef>
+        </p:style>
+      </p:sp>
+      <p:sp>
+        <p:nvSpPr>
+          <p:cNvPr id="19" name="Parallelogram 18">
+            <a:extLst>
+              <a:ext uri="{FF2B5EF4-FFF2-40B4-BE49-F238E27FC236}">
+                <a16:creationId xmlns:a16="http://schemas.microsoft.com/office/drawing/2014/main" id="{442B55CB-F27D-4C06-89E5-4EC99A519CBE}"/>
+              </a:ext>
+              <a:ext uri="{C183D7F6-B498-43B3-948B-1728B52AA6E4}">
+                <adec:decorative xmlns:adec="http://schemas.microsoft.com/office/drawing/2017/decorative" val="1"/>
+              </a:ext>
+            </a:extLst>
+          </p:cNvPr>
+          <p:cNvSpPr>
+            <a:spLocks noGrp="1" noRot="1" noChangeAspect="1" noMove="1" noResize="1" noEditPoints="1" noAdjustHandles="1" noChangeArrowheads="1" noChangeShapeType="1" noTextEdit="1"/>
+          </p:cNvSpPr>
+          <p:nvPr>
+            <p:extLst>
+              <p:ext uri="{386F3935-93C4-4BCD-93E2-E3B085C9AB24}">
+                <p16:designElem xmlns:p16="http://schemas.microsoft.com/office/powerpoint/2015/main" val="1"/>
+              </p:ext>
+            </p:extLst>
+          </p:nvPr>
+        </p:nvSpPr>
+        <p:spPr>
+          <a:xfrm>
+            <a:off x="1624188" y="0"/>
+            <a:ext cx="9372600" cy="6858000"/>
+          </a:xfrm>
+          <a:prstGeom prst="parallelogram">
+            <a:avLst>
+              <a:gd name="adj" fmla="val 14937"/>
+            </a:avLst>
+          </a:prstGeom>
+          <a:solidFill>
+            <a:schemeClr val="bg1">
+              <a:alpha val="94000"/>
+            </a:schemeClr>
+          </a:solidFill>
+          <a:ln>
+            <a:noFill/>
+          </a:ln>
+          <a:effectLst/>
+        </p:spPr>
+        <p:style>
+          <a:lnRef idx="1">
+            <a:schemeClr val="accent1"/>
+          </a:lnRef>
+          <a:fillRef idx="3">
+            <a:schemeClr val="accent1"/>
+          </a:fillRef>
+          <a:effectRef idx="2">
+            <a:schemeClr val="accent1"/>
+          </a:effectRef>
+          <a:fontRef idx="minor">
+            <a:schemeClr val="lt1"/>
+          </a:fontRef>
+        </p:style>
+        <p:txBody>
+          <a:bodyPr rtlCol="0" anchor="ctr"/>
+          <a:lstStyle/>
+          <a:p>
+            <a:pPr algn="ctr"/>
+            <a:endParaRPr lang="en-US"/>
+          </a:p>
+        </p:txBody>
+      </p:sp>
+      <p:cxnSp>
+        <p:nvCxnSpPr>
+          <p:cNvPr id="21" name="Straight Connector 20">
+            <a:extLst>
+              <a:ext uri="{FF2B5EF4-FFF2-40B4-BE49-F238E27FC236}">
+                <a16:creationId xmlns:a16="http://schemas.microsoft.com/office/drawing/2014/main" id="{48527540-7F01-4C2E-9641-738882048E3D}"/>
+              </a:ext>
+              <a:ext uri="{C183D7F6-B498-43B3-948B-1728B52AA6E4}">
+                <adec:decorative xmlns:adec="http://schemas.microsoft.com/office/drawing/2017/decorative" val="1"/>
+              </a:ext>
+            </a:extLst>
+          </p:cNvPr>
+          <p:cNvCxnSpPr>
+            <a:cxnSpLocks noGrp="1" noRot="1" noChangeAspect="1" noMove="1" noResize="1" noEditPoints="1" noAdjustHandles="1" noChangeArrowheads="1" noChangeShapeType="1"/>
+          </p:cNvCxnSpPr>
+          <p:nvPr>
+            <p:extLst>
+              <p:ext uri="{386F3935-93C4-4BCD-93E2-E3B085C9AB24}">
+                <p16:designElem xmlns:p16="http://schemas.microsoft.com/office/powerpoint/2015/main" val="1"/>
+              </p:ext>
+            </p:extLst>
+          </p:nvPr>
+        </p:nvCxnSpPr>
+        <p:spPr>
+          <a:xfrm>
+            <a:off x="9371012" y="0"/>
+            <a:ext cx="1219200" cy="6858000"/>
+          </a:xfrm>
+          <a:prstGeom prst="line">
+            <a:avLst/>
+          </a:prstGeom>
+          <a:ln w="9525">
+            <a:solidFill>
+              <a:schemeClr val="bg1">
+                <a:lumMod val="75000"/>
+              </a:schemeClr>
+            </a:solidFill>
+          </a:ln>
+        </p:spPr>
+        <p:style>
+          <a:lnRef idx="2">
+            <a:schemeClr val="accent1"/>
+          </a:lnRef>
+          <a:fillRef idx="0">
+            <a:schemeClr val="accent1"/>
+          </a:fillRef>
+          <a:effectRef idx="1">
+            <a:schemeClr val="accent1"/>
+          </a:effectRef>
+          <a:fontRef idx="minor">
+            <a:schemeClr val="tx1"/>
+          </a:fontRef>
+        </p:style>
+      </p:cxnSp>
+      <p:cxnSp>
+        <p:nvCxnSpPr>
+          <p:cNvPr id="23" name="Straight Connector 22">
+            <a:extLst>
+              <a:ext uri="{FF2B5EF4-FFF2-40B4-BE49-F238E27FC236}">
+                <a16:creationId xmlns:a16="http://schemas.microsoft.com/office/drawing/2014/main" id="{D6F60FB6-F855-43F0-A752-3719156C1E04}"/>
+              </a:ext>
+              <a:ext uri="{C183D7F6-B498-43B3-948B-1728B52AA6E4}">
+                <adec:decorative xmlns:adec="http://schemas.microsoft.com/office/drawing/2017/decorative" val="1"/>
+              </a:ext>
+            </a:extLst>
+          </p:cNvPr>
+          <p:cNvCxnSpPr>
+            <a:cxnSpLocks noGrp="1" noRot="1" noChangeAspect="1" noMove="1" noResize="1" noEditPoints="1" noAdjustHandles="1" noChangeArrowheads="1" noChangeShapeType="1"/>
+          </p:cNvCxnSpPr>
+          <p:nvPr>
+            <p:extLst>
+              <p:ext uri="{386F3935-93C4-4BCD-93E2-E3B085C9AB24}">
+                <p16:designElem xmlns:p16="http://schemas.microsoft.com/office/powerpoint/2015/main" val="1"/>
+              </p:ext>
+            </p:extLst>
+          </p:nvPr>
+        </p:nvCxnSpPr>
+        <p:spPr>
+          <a:xfrm flipH="1">
+            <a:off x="7425267" y="3681413"/>
+            <a:ext cx="4763558" cy="3176587"/>
+          </a:xfrm>
+          <a:prstGeom prst="line">
+            <a:avLst/>
+          </a:prstGeom>
+          <a:ln w="9525">
+            <a:solidFill>
+              <a:schemeClr val="bg1">
+                <a:lumMod val="85000"/>
+              </a:schemeClr>
+            </a:solidFill>
+          </a:ln>
+        </p:spPr>
+        <p:style>
+          <a:lnRef idx="2">
+            <a:schemeClr val="accent1"/>
+          </a:lnRef>
+          <a:fillRef idx="0">
+            <a:schemeClr val="accent1"/>
+          </a:fillRef>
+          <a:effectRef idx="1">
+            <a:schemeClr val="accent1"/>
+          </a:effectRef>
+          <a:fontRef idx="minor">
+            <a:schemeClr val="tx1"/>
+          </a:fontRef>
+        </p:style>
+      </p:cxnSp>
+      <p:sp>
+        <p:nvSpPr>
+          <p:cNvPr id="25" name="Rectangle 23">
+            <a:extLst>
+              <a:ext uri="{FF2B5EF4-FFF2-40B4-BE49-F238E27FC236}">
+                <a16:creationId xmlns:a16="http://schemas.microsoft.com/office/drawing/2014/main" id="{70669A81-0E9B-4B42-AFEA-8F672C6CFBA7}"/>
+              </a:ext>
+              <a:ext uri="{C183D7F6-B498-43B3-948B-1728B52AA6E4}">
+                <adec:decorative xmlns:adec="http://schemas.microsoft.com/office/drawing/2017/decorative" val="1"/>
+              </a:ext>
+            </a:extLst>
+          </p:cNvPr>
+          <p:cNvSpPr>
+            <a:spLocks noGrp="1" noRot="1" noChangeAspect="1" noMove="1" noResize="1" noEditPoints="1" noAdjustHandles="1" noChangeArrowheads="1" noChangeShapeType="1" noTextEdit="1"/>
+          </p:cNvSpPr>
+          <p:nvPr>
+            <p:extLst>
+              <p:ext uri="{386F3935-93C4-4BCD-93E2-E3B085C9AB24}">
+                <p16:designElem xmlns:p16="http://schemas.microsoft.com/office/powerpoint/2015/main" val="1"/>
+              </p:ext>
+            </p:extLst>
+          </p:nvPr>
+        </p:nvSpPr>
+        <p:spPr>
+          <a:xfrm>
+            <a:off x="9181476" y="-8467"/>
+            <a:ext cx="3007349" cy="6866467"/>
+          </a:xfrm>
+          <a:custGeom>
+            <a:avLst/>
+            <a:gdLst/>
+            <a:ahLst/>
+            <a:cxnLst/>
+            <a:rect l="l" t="t" r="r" b="b"/>
+            <a:pathLst>
+              <a:path w="3007349" h="6866467">
+                <a:moveTo>
+                  <a:pt x="2045532" y="0"/>
+                </a:moveTo>
+                <a:lnTo>
+                  <a:pt x="3007349" y="0"/>
+                </a:lnTo>
+                <a:lnTo>
+                  <a:pt x="3007349" y="6866467"/>
+                </a:lnTo>
+                <a:lnTo>
+                  <a:pt x="0" y="6866467"/>
+                </a:lnTo>
+                <a:lnTo>
+                  <a:pt x="2045532" y="0"/>
+                </a:lnTo>
+                <a:close/>
+              </a:path>
+            </a:pathLst>
+          </a:custGeom>
+          <a:solidFill>
+            <a:schemeClr val="accent1">
+              <a:alpha val="30000"/>
+            </a:schemeClr>
+          </a:solidFill>
+          <a:ln>
+            <a:noFill/>
+          </a:ln>
+          <a:effectLst/>
+        </p:spPr>
+        <p:style>
+          <a:lnRef idx="1">
+            <a:schemeClr val="accent1"/>
+          </a:lnRef>
+          <a:fillRef idx="3">
+            <a:schemeClr val="accent1"/>
+          </a:fillRef>
+          <a:effectRef idx="2">
+            <a:schemeClr val="accent1"/>
+          </a:effectRef>
+          <a:fontRef idx="minor">
+            <a:schemeClr val="lt1"/>
+          </a:fontRef>
+        </p:style>
+      </p:sp>
+      <p:sp>
+        <p:nvSpPr>
+          <p:cNvPr id="27" name="Rectangle 25">
+            <a:extLst>
+              <a:ext uri="{FF2B5EF4-FFF2-40B4-BE49-F238E27FC236}">
+                <a16:creationId xmlns:a16="http://schemas.microsoft.com/office/drawing/2014/main" id="{8C93E0C6-CF08-4771-B5A9-6018CB3AED59}"/>
+              </a:ext>
+              <a:ext uri="{C183D7F6-B498-43B3-948B-1728B52AA6E4}">
+                <adec:decorative xmlns:adec="http://schemas.microsoft.com/office/drawing/2017/decorative" val="1"/>
+              </a:ext>
+            </a:extLst>
+          </p:cNvPr>
+          <p:cNvSpPr>
+            <a:spLocks noGrp="1" noRot="1" noChangeAspect="1" noMove="1" noResize="1" noEditPoints="1" noAdjustHandles="1" noChangeArrowheads="1" noChangeShapeType="1" noTextEdit="1"/>
+          </p:cNvSpPr>
+          <p:nvPr>
+            <p:extLst>
+              <p:ext uri="{386F3935-93C4-4BCD-93E2-E3B085C9AB24}">
+                <p16:designElem xmlns:p16="http://schemas.microsoft.com/office/powerpoint/2015/main" val="1"/>
+              </p:ext>
+            </p:extLst>
+          </p:nvPr>
+        </p:nvSpPr>
+        <p:spPr>
+          <a:xfrm>
+            <a:off x="9603442" y="-8467"/>
+            <a:ext cx="2588558" cy="6866467"/>
+          </a:xfrm>
+          <a:custGeom>
+            <a:avLst/>
+            <a:gdLst/>
+            <a:ahLst/>
+            <a:cxnLst/>
+            <a:rect l="l" t="t" r="r" b="b"/>
+            <a:pathLst>
+              <a:path w="2573311" h="6866467">
+                <a:moveTo>
+                  <a:pt x="0" y="0"/>
+                </a:moveTo>
+                <a:lnTo>
+                  <a:pt x="2573311" y="0"/>
+                </a:lnTo>
+                <a:lnTo>
+                  <a:pt x="2573311" y="6866467"/>
+                </a:lnTo>
+                <a:lnTo>
+                  <a:pt x="1202336" y="6866467"/>
+                </a:lnTo>
+                <a:lnTo>
+                  <a:pt x="0" y="0"/>
+                </a:lnTo>
+                <a:close/>
+              </a:path>
+            </a:pathLst>
+          </a:custGeom>
+          <a:solidFill>
+            <a:schemeClr val="accent1">
+              <a:alpha val="20000"/>
+            </a:schemeClr>
+          </a:solidFill>
+          <a:ln>
+            <a:noFill/>
+          </a:ln>
+          <a:effectLst/>
+        </p:spPr>
+        <p:style>
+          <a:lnRef idx="1">
+            <a:schemeClr val="accent1"/>
+          </a:lnRef>
+          <a:fillRef idx="3">
+            <a:schemeClr val="accent1"/>
+          </a:fillRef>
+          <a:effectRef idx="2">
+            <a:schemeClr val="accent1"/>
+          </a:effectRef>
+          <a:fontRef idx="minor">
+            <a:schemeClr val="lt1"/>
+          </a:fontRef>
+        </p:style>
+      </p:sp>
+      <p:sp>
+        <p:nvSpPr>
+          <p:cNvPr id="29" name="Isosceles Triangle 28">
+            <a:extLst>
+              <a:ext uri="{FF2B5EF4-FFF2-40B4-BE49-F238E27FC236}">
+                <a16:creationId xmlns:a16="http://schemas.microsoft.com/office/drawing/2014/main" id="{A011F1B8-62C5-4D08-A621-EAD05C7D6905}"/>
+              </a:ext>
+              <a:ext uri="{C183D7F6-B498-43B3-948B-1728B52AA6E4}">
+                <adec:decorative xmlns:adec="http://schemas.microsoft.com/office/drawing/2017/decorative" val="1"/>
+              </a:ext>
+            </a:extLst>
+          </p:cNvPr>
+          <p:cNvSpPr>
+            <a:spLocks noGrp="1" noRot="1" noChangeAspect="1" noMove="1" noResize="1" noEditPoints="1" noAdjustHandles="1" noChangeArrowheads="1" noChangeShapeType="1" noTextEdit="1"/>
+          </p:cNvSpPr>
+          <p:nvPr>
+            <p:extLst>
+              <p:ext uri="{386F3935-93C4-4BCD-93E2-E3B085C9AB24}">
+                <p16:designElem xmlns:p16="http://schemas.microsoft.com/office/powerpoint/2015/main" val="1"/>
+              </p:ext>
+            </p:extLst>
+          </p:nvPr>
+        </p:nvSpPr>
+        <p:spPr>
+          <a:xfrm>
+            <a:off x="8932333" y="3048000"/>
+            <a:ext cx="3259667" cy="3810000"/>
+          </a:xfrm>
+          <a:prstGeom prst="triangle">
+            <a:avLst>
+              <a:gd name="adj" fmla="val 100000"/>
+            </a:avLst>
+          </a:prstGeom>
+          <a:solidFill>
+            <a:schemeClr val="accent2">
+              <a:alpha val="72000"/>
+            </a:schemeClr>
+          </a:solidFill>
+          <a:ln>
+            <a:noFill/>
+          </a:ln>
+          <a:effectLst/>
+        </p:spPr>
+        <p:style>
+          <a:lnRef idx="1">
+            <a:schemeClr val="accent1"/>
+          </a:lnRef>
+          <a:fillRef idx="3">
+            <a:schemeClr val="accent1"/>
+          </a:fillRef>
+          <a:effectRef idx="2">
+            <a:schemeClr val="accent1"/>
+          </a:effectRef>
+          <a:fontRef idx="minor">
+            <a:schemeClr val="lt1"/>
+          </a:fontRef>
+        </p:style>
+      </p:sp>
+      <p:sp>
+        <p:nvSpPr>
+          <p:cNvPr id="31" name="Rectangle 27">
+            <a:extLst>
+              <a:ext uri="{FF2B5EF4-FFF2-40B4-BE49-F238E27FC236}">
+                <a16:creationId xmlns:a16="http://schemas.microsoft.com/office/drawing/2014/main" id="{C6A6AECB-428C-4CB4-B65A-359F08B6D8F8}"/>
+              </a:ext>
+              <a:ext uri="{C183D7F6-B498-43B3-948B-1728B52AA6E4}">
+                <adec:decorative xmlns:adec="http://schemas.microsoft.com/office/drawing/2017/decorative" val="1"/>
+              </a:ext>
+            </a:extLst>
+          </p:cNvPr>
+          <p:cNvSpPr>
+            <a:spLocks noGrp="1" noRot="1" noChangeAspect="1" noMove="1" noResize="1" noEditPoints="1" noAdjustHandles="1" noChangeArrowheads="1" noChangeShapeType="1" noTextEdit="1"/>
+          </p:cNvSpPr>
+          <p:nvPr>
+            <p:extLst>
+              <p:ext uri="{386F3935-93C4-4BCD-93E2-E3B085C9AB24}">
+                <p16:designElem xmlns:p16="http://schemas.microsoft.com/office/powerpoint/2015/main" val="1"/>
+              </p:ext>
+            </p:extLst>
+          </p:nvPr>
+        </p:nvSpPr>
+        <p:spPr>
+          <a:xfrm>
+            <a:off x="9334500" y="-8467"/>
+            <a:ext cx="2854326" cy="6866467"/>
+          </a:xfrm>
+          <a:custGeom>
+            <a:avLst/>
+            <a:gdLst/>
+            <a:ahLst/>
+            <a:cxnLst/>
+            <a:rect l="l" t="t" r="r" b="b"/>
+            <a:pathLst>
+              <a:path w="2858013" h="6866467">
+                <a:moveTo>
+                  <a:pt x="0" y="0"/>
+                </a:moveTo>
+                <a:lnTo>
+                  <a:pt x="2858013" y="0"/>
+                </a:lnTo>
+                <a:lnTo>
+                  <a:pt x="2858013" y="6866467"/>
+                </a:lnTo>
+                <a:lnTo>
+                  <a:pt x="2473942" y="6866467"/>
+                </a:lnTo>
+                <a:lnTo>
+                  <a:pt x="0" y="0"/>
+                </a:lnTo>
+                <a:close/>
+              </a:path>
+            </a:pathLst>
+          </a:custGeom>
+          <a:solidFill>
+            <a:schemeClr val="accent2">
+              <a:lumMod val="75000"/>
+              <a:alpha val="47000"/>
+            </a:schemeClr>
+          </a:solidFill>
+          <a:ln>
+            <a:noFill/>
+          </a:ln>
+          <a:effectLst/>
+        </p:spPr>
+        <p:style>
+          <a:lnRef idx="1">
+            <a:schemeClr val="accent1"/>
+          </a:lnRef>
+          <a:fillRef idx="3">
+            <a:schemeClr val="accent1"/>
+          </a:fillRef>
+          <a:effectRef idx="2">
+            <a:schemeClr val="accent1"/>
+          </a:effectRef>
+          <a:fontRef idx="minor">
+            <a:schemeClr val="lt1"/>
+          </a:fontRef>
+        </p:style>
+      </p:sp>
+      <p:sp>
+        <p:nvSpPr>
+          <p:cNvPr id="33" name="Rectangle 28">
+            <a:extLst>
+              <a:ext uri="{FF2B5EF4-FFF2-40B4-BE49-F238E27FC236}">
+                <a16:creationId xmlns:a16="http://schemas.microsoft.com/office/drawing/2014/main" id="{28D1A6ED-2AB6-46A3-A315-485B8BF936D8}"/>
+              </a:ext>
+              <a:ext uri="{C183D7F6-B498-43B3-948B-1728B52AA6E4}">
+                <adec:decorative xmlns:adec="http://schemas.microsoft.com/office/drawing/2017/decorative" val="1"/>
+              </a:ext>
+            </a:extLst>
+          </p:cNvPr>
+          <p:cNvSpPr>
+            <a:spLocks noGrp="1" noRot="1" noChangeAspect="1" noMove="1" noResize="1" noEditPoints="1" noAdjustHandles="1" noChangeArrowheads="1" noChangeShapeType="1" noTextEdit="1"/>
+          </p:cNvSpPr>
+          <p:nvPr>
+            <p:extLst>
+              <p:ext uri="{386F3935-93C4-4BCD-93E2-E3B085C9AB24}">
+                <p16:designElem xmlns:p16="http://schemas.microsoft.com/office/powerpoint/2015/main" val="1"/>
+              </p:ext>
+            </p:extLst>
+          </p:nvPr>
+        </p:nvSpPr>
+        <p:spPr>
+          <a:xfrm>
+            <a:off x="10898730" y="-8467"/>
+            <a:ext cx="1290094" cy="6866467"/>
+          </a:xfrm>
+          <a:custGeom>
+            <a:avLst/>
+            <a:gdLst/>
+            <a:ahLst/>
+            <a:cxnLst/>
+            <a:rect l="l" t="t" r="r" b="b"/>
+            <a:pathLst>
+              <a:path w="1290094" h="6858000">
+                <a:moveTo>
+                  <a:pt x="1019735" y="0"/>
+                </a:moveTo>
+                <a:lnTo>
+                  <a:pt x="1290094" y="0"/>
+                </a:lnTo>
+                <a:lnTo>
+                  <a:pt x="1290094" y="6858000"/>
+                </a:lnTo>
+                <a:lnTo>
+                  <a:pt x="0" y="6858000"/>
+                </a:lnTo>
+                <a:lnTo>
+                  <a:pt x="1019735" y="0"/>
+                </a:lnTo>
+                <a:close/>
+              </a:path>
+            </a:pathLst>
+          </a:custGeom>
+          <a:solidFill>
+            <a:schemeClr val="accent1">
+              <a:lumMod val="60000"/>
+              <a:lumOff val="40000"/>
+              <a:alpha val="70000"/>
+            </a:schemeClr>
+          </a:solidFill>
+          <a:ln>
+            <a:noFill/>
+          </a:ln>
+          <a:effectLst/>
+        </p:spPr>
+        <p:style>
+          <a:lnRef idx="1">
+            <a:schemeClr val="accent1"/>
+          </a:lnRef>
+          <a:fillRef idx="3">
+            <a:schemeClr val="accent1"/>
+          </a:fillRef>
+          <a:effectRef idx="2">
+            <a:schemeClr val="accent1"/>
+          </a:effectRef>
+          <a:fontRef idx="minor">
+            <a:schemeClr val="lt1"/>
+          </a:fontRef>
+        </p:style>
+      </p:sp>
+      <p:sp>
+        <p:nvSpPr>
+          <p:cNvPr id="35" name="Rectangle 29">
+            <a:extLst>
+              <a:ext uri="{FF2B5EF4-FFF2-40B4-BE49-F238E27FC236}">
+                <a16:creationId xmlns:a16="http://schemas.microsoft.com/office/drawing/2014/main" id="{B61CE46B-8525-46A8-AB7B-DCBCC1B65F9A}"/>
+              </a:ext>
+              <a:ext uri="{C183D7F6-B498-43B3-948B-1728B52AA6E4}">
+                <adec:decorative xmlns:adec="http://schemas.microsoft.com/office/drawing/2017/decorative" val="1"/>
+              </a:ext>
+            </a:extLst>
+          </p:cNvPr>
+          <p:cNvSpPr>
+            <a:spLocks noGrp="1" noRot="1" noChangeAspect="1" noMove="1" noResize="1" noEditPoints="1" noAdjustHandles="1" noChangeArrowheads="1" noChangeShapeType="1" noTextEdit="1"/>
+          </p:cNvSpPr>
+          <p:nvPr>
+            <p:extLst>
+              <p:ext uri="{386F3935-93C4-4BCD-93E2-E3B085C9AB24}">
+                <p16:designElem xmlns:p16="http://schemas.microsoft.com/office/powerpoint/2015/main" val="1"/>
+              </p:ext>
+            </p:extLst>
+          </p:nvPr>
+        </p:nvSpPr>
+        <p:spPr>
+          <a:xfrm>
+            <a:off x="10938999" y="-8467"/>
+            <a:ext cx="1249825" cy="6866467"/>
+          </a:xfrm>
+          <a:custGeom>
+            <a:avLst/>
+            <a:gdLst/>
+            <a:ahLst/>
+            <a:cxnLst/>
+            <a:rect l="l" t="t" r="r" b="b"/>
+            <a:pathLst>
+              <a:path w="1249825" h="6858000">
+                <a:moveTo>
+                  <a:pt x="0" y="0"/>
+                </a:moveTo>
+                <a:lnTo>
+                  <a:pt x="1249825" y="0"/>
+                </a:lnTo>
+                <a:lnTo>
+                  <a:pt x="1249825" y="6858000"/>
+                </a:lnTo>
+                <a:lnTo>
+                  <a:pt x="1109382" y="6858000"/>
+                </a:lnTo>
+                <a:lnTo>
+                  <a:pt x="0" y="0"/>
+                </a:lnTo>
+                <a:close/>
+              </a:path>
+            </a:pathLst>
+          </a:custGeom>
+          <a:solidFill>
+            <a:schemeClr val="accent1">
+              <a:alpha val="65000"/>
+            </a:schemeClr>
+          </a:solidFill>
+          <a:ln>
+            <a:noFill/>
+          </a:ln>
+          <a:effectLst/>
+        </p:spPr>
+        <p:style>
+          <a:lnRef idx="1">
+            <a:schemeClr val="accent1"/>
+          </a:lnRef>
+          <a:fillRef idx="3">
+            <a:schemeClr val="accent1"/>
+          </a:fillRef>
+          <a:effectRef idx="2">
+            <a:schemeClr val="accent1"/>
+          </a:effectRef>
+          <a:fontRef idx="minor">
+            <a:schemeClr val="lt1"/>
+          </a:fontRef>
+        </p:style>
+      </p:sp>
+      <p:sp>
+        <p:nvSpPr>
+          <p:cNvPr id="37" name="Isosceles Triangle 36">
+            <a:extLst>
+              <a:ext uri="{FF2B5EF4-FFF2-40B4-BE49-F238E27FC236}">
+                <a16:creationId xmlns:a16="http://schemas.microsoft.com/office/drawing/2014/main" id="{4412B991-9935-45FB-A17E-8F30DD832561}"/>
+              </a:ext>
+              <a:ext uri="{C183D7F6-B498-43B3-948B-1728B52AA6E4}">
+                <adec:decorative xmlns:adec="http://schemas.microsoft.com/office/drawing/2017/decorative" val="1"/>
+              </a:ext>
+            </a:extLst>
+          </p:cNvPr>
+          <p:cNvSpPr>
+            <a:spLocks noGrp="1" noRot="1" noChangeAspect="1" noMove="1" noResize="1" noEditPoints="1" noAdjustHandles="1" noChangeArrowheads="1" noChangeShapeType="1" noTextEdit="1"/>
+          </p:cNvSpPr>
+          <p:nvPr>
+            <p:extLst>
+              <p:ext uri="{386F3935-93C4-4BCD-93E2-E3B085C9AB24}">
+                <p16:designElem xmlns:p16="http://schemas.microsoft.com/office/powerpoint/2015/main" val="1"/>
+              </p:ext>
+            </p:extLst>
+          </p:nvPr>
+        </p:nvSpPr>
+        <p:spPr>
+          <a:xfrm>
+            <a:off x="10371666" y="3589867"/>
+            <a:ext cx="1817159" cy="3268133"/>
+          </a:xfrm>
+          <a:prstGeom prst="triangle">
+            <a:avLst>
+              <a:gd name="adj" fmla="val 100000"/>
+            </a:avLst>
+          </a:prstGeom>
+          <a:solidFill>
+            <a:schemeClr val="accent1">
+              <a:alpha val="80000"/>
+            </a:schemeClr>
+          </a:solidFill>
+          <a:ln>
+            <a:noFill/>
+          </a:ln>
+          <a:effectLst/>
+        </p:spPr>
+        <p:style>
+          <a:lnRef idx="1">
+            <a:schemeClr val="accent1"/>
+          </a:lnRef>
+          <a:fillRef idx="3">
+            <a:schemeClr val="accent1"/>
+          </a:fillRef>
+          <a:effectRef idx="2">
+            <a:schemeClr val="accent1"/>
+          </a:effectRef>
+          <a:fontRef idx="minor">
+            <a:schemeClr val="lt1"/>
+          </a:fontRef>
+        </p:style>
+      </p:sp>
+      <p:sp>
+        <p:nvSpPr>
+          <p:cNvPr id="18" name="Title 1">
+            <a:extLst>
+              <a:ext uri="{FF2B5EF4-FFF2-40B4-BE49-F238E27FC236}">
+                <a16:creationId xmlns:a16="http://schemas.microsoft.com/office/drawing/2014/main" id="{41E22F56-3CBF-DB42-400F-F0D2631F49BF}"/>
+              </a:ext>
+            </a:extLst>
+          </p:cNvPr>
+          <p:cNvSpPr>
+            <a:spLocks noGrp="1"/>
+          </p:cNvSpPr>
+          <p:nvPr>
+            <p:ph type="title"/>
+          </p:nvPr>
+        </p:nvSpPr>
+        <p:spPr>
+          <a:xfrm>
+            <a:off x="2586890" y="460054"/>
+            <a:ext cx="8596668" cy="1168329"/>
+          </a:xfrm>
+        </p:spPr>
+        <p:txBody>
+          <a:bodyPr>
+            <a:normAutofit/>
+          </a:bodyPr>
+          <a:lstStyle/>
+          <a:p>
+            <a:r>
+              <a:rPr lang="en-US" dirty="0"/>
+              <a:t>Builder</a:t>
+            </a:r>
+          </a:p>
+        </p:txBody>
+      </p:sp>
+      <p:sp>
+        <p:nvSpPr>
+          <p:cNvPr id="20" name="Content Placeholder 2">
+            <a:extLst>
+              <a:ext uri="{FF2B5EF4-FFF2-40B4-BE49-F238E27FC236}">
+                <a16:creationId xmlns:a16="http://schemas.microsoft.com/office/drawing/2014/main" id="{B8B5D76A-D30B-F1F0-7B8E-ECE11AF2BB6B}"/>
+              </a:ext>
+            </a:extLst>
+          </p:cNvPr>
+          <p:cNvSpPr>
+            <a:spLocks noGrp="1"/>
+          </p:cNvSpPr>
+          <p:nvPr>
+            <p:ph idx="1"/>
+          </p:nvPr>
+        </p:nvSpPr>
+        <p:spPr>
+          <a:xfrm>
+            <a:off x="2151385" y="1360925"/>
+            <a:ext cx="3251447" cy="1687075"/>
+          </a:xfrm>
+        </p:spPr>
+        <p:txBody>
+          <a:bodyPr/>
+          <a:lstStyle/>
+          <a:p>
+            <a:r>
+              <a:rPr lang="en-US" dirty="0"/>
+              <a:t>To generate appropriate URLs.</a:t>
+            </a:r>
+          </a:p>
+          <a:p>
+            <a:endParaRPr lang="en-US" dirty="0"/>
+          </a:p>
+        </p:txBody>
+      </p:sp>
+      <p:pic>
+        <p:nvPicPr>
+          <p:cNvPr id="2" name="Picture 1">
+            <a:extLst>
+              <a:ext uri="{FF2B5EF4-FFF2-40B4-BE49-F238E27FC236}">
+                <a16:creationId xmlns:a16="http://schemas.microsoft.com/office/drawing/2014/main" id="{25994040-2BBE-ABFF-2778-E4EE1E55D88E}"/>
+              </a:ext>
+            </a:extLst>
+          </p:cNvPr>
+          <p:cNvPicPr>
+            <a:picLocks noChangeAspect="1"/>
+          </p:cNvPicPr>
+          <p:nvPr/>
+        </p:nvPicPr>
+        <p:blipFill>
+          <a:blip r:embed="rId3"/>
+          <a:stretch>
+            <a:fillRect/>
+          </a:stretch>
+        </p:blipFill>
+        <p:spPr>
+          <a:xfrm>
+            <a:off x="5413541" y="650755"/>
+            <a:ext cx="6420853" cy="5587491"/>
+          </a:xfrm>
+          <a:prstGeom prst="rect">
+            <a:avLst/>
+          </a:prstGeom>
+        </p:spPr>
+      </p:pic>
+    </p:spTree>
+    <p:extLst>
+      <p:ext uri="{BB962C8B-B14F-4D97-AF65-F5344CB8AC3E}">
+        <p14:creationId xmlns:p14="http://schemas.microsoft.com/office/powerpoint/2010/main" val="1515976867"/>
+      </p:ext>
+    </p:extLst>
+  </p:cSld>
+  <p:clrMapOvr>
+    <a:masterClrMapping/>
   </p:clrMapOvr>
 </p:sld>
 </file>

--- a/FlavorPlanetPresentation.pptx
+++ b/FlavorPlanetPresentation.pptx
@@ -8,24 +8,26 @@
     <p:sldId id="256" r:id="rId2"/>
     <p:sldId id="261" r:id="rId3"/>
     <p:sldId id="258" r:id="rId4"/>
-    <p:sldId id="262" r:id="rId5"/>
-    <p:sldId id="265" r:id="rId6"/>
-    <p:sldId id="268" r:id="rId7"/>
-    <p:sldId id="270" r:id="rId8"/>
-    <p:sldId id="266" r:id="rId9"/>
-    <p:sldId id="267" r:id="rId10"/>
-    <p:sldId id="269" r:id="rId11"/>
-    <p:sldId id="280" r:id="rId12"/>
-    <p:sldId id="271" r:id="rId13"/>
-    <p:sldId id="272" r:id="rId14"/>
-    <p:sldId id="273" r:id="rId15"/>
-    <p:sldId id="274" r:id="rId16"/>
-    <p:sldId id="275" r:id="rId17"/>
-    <p:sldId id="276" r:id="rId18"/>
-    <p:sldId id="277" r:id="rId19"/>
-    <p:sldId id="278" r:id="rId20"/>
-    <p:sldId id="279" r:id="rId21"/>
-    <p:sldId id="263" r:id="rId22"/>
+    <p:sldId id="281" r:id="rId5"/>
+    <p:sldId id="262" r:id="rId6"/>
+    <p:sldId id="265" r:id="rId7"/>
+    <p:sldId id="268" r:id="rId8"/>
+    <p:sldId id="270" r:id="rId9"/>
+    <p:sldId id="266" r:id="rId10"/>
+    <p:sldId id="267" r:id="rId11"/>
+    <p:sldId id="269" r:id="rId12"/>
+    <p:sldId id="280" r:id="rId13"/>
+    <p:sldId id="271" r:id="rId14"/>
+    <p:sldId id="272" r:id="rId15"/>
+    <p:sldId id="273" r:id="rId16"/>
+    <p:sldId id="274" r:id="rId17"/>
+    <p:sldId id="275" r:id="rId18"/>
+    <p:sldId id="276" r:id="rId19"/>
+    <p:sldId id="277" r:id="rId20"/>
+    <p:sldId id="278" r:id="rId21"/>
+    <p:sldId id="279" r:id="rId22"/>
+    <p:sldId id="282" r:id="rId23"/>
+    <p:sldId id="263" r:id="rId24"/>
   </p:sldIdLst>
   <p:sldSz cx="12192000" cy="6858000"/>
   <p:notesSz cx="6858000" cy="9144000"/>
@@ -5843,7 +5845,7 @@
           <a:p>
             <a:r>
               <a:rPr lang="en-US" dirty="0" err="1"/>
-              <a:t>Techconsulting</a:t>
+              <a:t>TechConsulting</a:t>
             </a:r>
             <a:endParaRPr lang="en-US" dirty="0"/>
           </a:p>
@@ -6727,7 +6729,7 @@
           <a:p>
             <a:r>
               <a:rPr lang="en-US" dirty="0"/>
-              <a:t>Observer</a:t>
+              <a:t>Builder</a:t>
             </a:r>
           </a:p>
         </p:txBody>
@@ -6751,7 +6753,7 @@
         <p:spPr>
           <a:xfrm>
             <a:off x="2151385" y="1360925"/>
-            <a:ext cx="3251447" cy="1168329"/>
+            <a:ext cx="3251447" cy="1687075"/>
           </a:xfrm>
         </p:spPr>
         <p:txBody>
@@ -6760,7 +6762,7 @@
           <a:p>
             <a:r>
               <a:rPr lang="en-US" dirty="0"/>
-              <a:t>Used with combine and Observable Objects.</a:t>
+              <a:t>To generate appropriate URLs.</a:t>
             </a:r>
           </a:p>
           <a:p>
@@ -6770,10 +6772,10 @@
       </p:sp>
       <p:pic>
         <p:nvPicPr>
-          <p:cNvPr id="3" name="Picture 2">
-            <a:extLst>
-              <a:ext uri="{FF2B5EF4-FFF2-40B4-BE49-F238E27FC236}">
-                <a16:creationId xmlns:a16="http://schemas.microsoft.com/office/drawing/2014/main" id="{428E3100-D79A-3BFA-42B8-553CC8BB633A}"/>
+          <p:cNvPr id="2" name="Picture 1">
+            <a:extLst>
+              <a:ext uri="{FF2B5EF4-FFF2-40B4-BE49-F238E27FC236}">
+                <a16:creationId xmlns:a16="http://schemas.microsoft.com/office/drawing/2014/main" id="{25994040-2BBE-ABFF-2778-E4EE1E55D88E}"/>
               </a:ext>
             </a:extLst>
           </p:cNvPr>
@@ -6790,12 +6792,957 @@
         </p:blipFill>
         <p:spPr>
           <a:xfrm>
-            <a:off x="4378117" y="2110003"/>
-            <a:ext cx="7772400" cy="4707601"/>
+            <a:off x="5413541" y="650755"/>
+            <a:ext cx="6420853" cy="5587491"/>
+          </a:xfrm>
+          <a:prstGeom prst="roundRect">
+            <a:avLst>
+              <a:gd name="adj" fmla="val 8594"/>
+            </a:avLst>
+          </a:prstGeom>
+          <a:solidFill>
+            <a:srgbClr val="FFFFFF">
+              <a:shade val="85000"/>
+            </a:srgbClr>
+          </a:solidFill>
+          <a:ln>
+            <a:noFill/>
+          </a:ln>
+          <a:effectLst>
+            <a:reflection blurRad="12700" stA="38000" endPos="28000" dist="5000" dir="5400000" sy="-100000" algn="bl" rotWithShape="0"/>
+          </a:effectLst>
+        </p:spPr>
+      </p:pic>
+    </p:spTree>
+    <p:extLst>
+      <p:ext uri="{BB962C8B-B14F-4D97-AF65-F5344CB8AC3E}">
+        <p14:creationId xmlns:p14="http://schemas.microsoft.com/office/powerpoint/2010/main" val="1515976867"/>
+      </p:ext>
+    </p:extLst>
+  </p:cSld>
+  <p:clrMapOvr>
+    <a:masterClrMapping/>
+  </p:clrMapOvr>
+</p:sld>
+</file>
+
+<file path=ppt/slides/slide11.xml><?xml version="1.0" encoding="utf-8"?>
+<p:sld xmlns:a="http://schemas.openxmlformats.org/drawingml/2006/main" xmlns:r="http://schemas.openxmlformats.org/officeDocument/2006/relationships" xmlns:p="http://schemas.openxmlformats.org/presentationml/2006/main">
+  <p:cSld>
+    <p:bg>
+      <p:bgPr>
+        <a:solidFill>
+          <a:schemeClr val="bg1"/>
+        </a:solidFill>
+        <a:effectLst/>
+      </p:bgPr>
+    </p:bg>
+    <p:spTree>
+      <p:nvGrpSpPr>
+        <p:cNvPr id="1" name=""/>
+        <p:cNvGrpSpPr/>
+        <p:nvPr/>
+      </p:nvGrpSpPr>
+      <p:grpSpPr>
+        <a:xfrm>
+          <a:off x="0" y="0"/>
+          <a:ext cx="0" cy="0"/>
+          <a:chOff x="0" y="0"/>
+          <a:chExt cx="0" cy="0"/>
+        </a:xfrm>
+      </p:grpSpPr>
+      <p:pic>
+        <p:nvPicPr>
+          <p:cNvPr id="11" name="Picture 4" descr="Ramen on yellow table">
+            <a:extLst>
+              <a:ext uri="{FF2B5EF4-FFF2-40B4-BE49-F238E27FC236}">
+                <a16:creationId xmlns:a16="http://schemas.microsoft.com/office/drawing/2014/main" id="{58E5CCF7-D3C0-A3DA-D587-C6E380B9CF7E}"/>
+              </a:ext>
+            </a:extLst>
+          </p:cNvPr>
+          <p:cNvPicPr>
+            <a:picLocks noChangeAspect="1"/>
+          </p:cNvPicPr>
+          <p:nvPr/>
+        </p:nvPicPr>
+        <p:blipFill rotWithShape="1">
+          <a:blip r:embed="rId2"/>
+          <a:srcRect l="9091" t="13131" b="10260"/>
+          <a:stretch/>
+        </p:blipFill>
+        <p:spPr>
+          <a:xfrm>
+            <a:off x="4412" y="15505"/>
+            <a:ext cx="12191999" cy="6857990"/>
           </a:xfrm>
           <a:prstGeom prst="rect">
             <a:avLst/>
           </a:prstGeom>
+        </p:spPr>
+      </p:pic>
+      <p:sp>
+        <p:nvSpPr>
+          <p:cNvPr id="17" name="Isosceles Triangle 16">
+            <a:extLst>
+              <a:ext uri="{FF2B5EF4-FFF2-40B4-BE49-F238E27FC236}">
+                <a16:creationId xmlns:a16="http://schemas.microsoft.com/office/drawing/2014/main" id="{DD6B6433-CCD9-42F6-83C5-76BCAA8FEE69}"/>
+              </a:ext>
+              <a:ext uri="{C183D7F6-B498-43B3-948B-1728B52AA6E4}">
+                <adec:decorative xmlns:adec="http://schemas.microsoft.com/office/drawing/2017/decorative" val="1"/>
+              </a:ext>
+            </a:extLst>
+          </p:cNvPr>
+          <p:cNvSpPr>
+            <a:spLocks noGrp="1" noRot="1" noChangeAspect="1" noMove="1" noResize="1" noEditPoints="1" noAdjustHandles="1" noChangeArrowheads="1" noChangeShapeType="1" noTextEdit="1"/>
+          </p:cNvSpPr>
+          <p:nvPr>
+            <p:extLst>
+              <p:ext uri="{386F3935-93C4-4BCD-93E2-E3B085C9AB24}">
+                <p16:designElem xmlns:p16="http://schemas.microsoft.com/office/powerpoint/2015/main" val="1"/>
+              </p:ext>
+            </p:extLst>
+          </p:nvPr>
+        </p:nvSpPr>
+        <p:spPr>
+          <a:xfrm rot="10800000">
+            <a:off x="0" y="0"/>
+            <a:ext cx="842596" cy="5666154"/>
+          </a:xfrm>
+          <a:prstGeom prst="triangle">
+            <a:avLst>
+              <a:gd name="adj" fmla="val 100000"/>
+            </a:avLst>
+          </a:prstGeom>
+          <a:solidFill>
+            <a:schemeClr val="accent1">
+              <a:alpha val="85000"/>
+            </a:schemeClr>
+          </a:solidFill>
+          <a:ln>
+            <a:noFill/>
+          </a:ln>
+          <a:effectLst/>
+        </p:spPr>
+        <p:style>
+          <a:lnRef idx="1">
+            <a:schemeClr val="accent1"/>
+          </a:lnRef>
+          <a:fillRef idx="3">
+            <a:schemeClr val="accent1"/>
+          </a:fillRef>
+          <a:effectRef idx="2">
+            <a:schemeClr val="accent1"/>
+          </a:effectRef>
+          <a:fontRef idx="minor">
+            <a:schemeClr val="lt1"/>
+          </a:fontRef>
+        </p:style>
+      </p:sp>
+      <p:sp>
+        <p:nvSpPr>
+          <p:cNvPr id="19" name="Parallelogram 18">
+            <a:extLst>
+              <a:ext uri="{FF2B5EF4-FFF2-40B4-BE49-F238E27FC236}">
+                <a16:creationId xmlns:a16="http://schemas.microsoft.com/office/drawing/2014/main" id="{442B55CB-F27D-4C06-89E5-4EC99A519CBE}"/>
+              </a:ext>
+              <a:ext uri="{C183D7F6-B498-43B3-948B-1728B52AA6E4}">
+                <adec:decorative xmlns:adec="http://schemas.microsoft.com/office/drawing/2017/decorative" val="1"/>
+              </a:ext>
+            </a:extLst>
+          </p:cNvPr>
+          <p:cNvSpPr>
+            <a:spLocks noGrp="1" noRot="1" noChangeAspect="1" noMove="1" noResize="1" noEditPoints="1" noAdjustHandles="1" noChangeArrowheads="1" noChangeShapeType="1" noTextEdit="1"/>
+          </p:cNvSpPr>
+          <p:nvPr>
+            <p:extLst>
+              <p:ext uri="{386F3935-93C4-4BCD-93E2-E3B085C9AB24}">
+                <p16:designElem xmlns:p16="http://schemas.microsoft.com/office/powerpoint/2015/main" val="1"/>
+              </p:ext>
+            </p:extLst>
+          </p:nvPr>
+        </p:nvSpPr>
+        <p:spPr>
+          <a:xfrm>
+            <a:off x="1624188" y="0"/>
+            <a:ext cx="9372600" cy="6858000"/>
+          </a:xfrm>
+          <a:prstGeom prst="parallelogram">
+            <a:avLst>
+              <a:gd name="adj" fmla="val 14937"/>
+            </a:avLst>
+          </a:prstGeom>
+          <a:solidFill>
+            <a:schemeClr val="bg1">
+              <a:alpha val="94000"/>
+            </a:schemeClr>
+          </a:solidFill>
+          <a:ln>
+            <a:noFill/>
+          </a:ln>
+          <a:effectLst/>
+        </p:spPr>
+        <p:style>
+          <a:lnRef idx="1">
+            <a:schemeClr val="accent1"/>
+          </a:lnRef>
+          <a:fillRef idx="3">
+            <a:schemeClr val="accent1"/>
+          </a:fillRef>
+          <a:effectRef idx="2">
+            <a:schemeClr val="accent1"/>
+          </a:effectRef>
+          <a:fontRef idx="minor">
+            <a:schemeClr val="lt1"/>
+          </a:fontRef>
+        </p:style>
+        <p:txBody>
+          <a:bodyPr rtlCol="0" anchor="ctr"/>
+          <a:lstStyle/>
+          <a:p>
+            <a:pPr algn="ctr"/>
+            <a:endParaRPr lang="en-US"/>
+          </a:p>
+        </p:txBody>
+      </p:sp>
+      <p:cxnSp>
+        <p:nvCxnSpPr>
+          <p:cNvPr id="21" name="Straight Connector 20">
+            <a:extLst>
+              <a:ext uri="{FF2B5EF4-FFF2-40B4-BE49-F238E27FC236}">
+                <a16:creationId xmlns:a16="http://schemas.microsoft.com/office/drawing/2014/main" id="{48527540-7F01-4C2E-9641-738882048E3D}"/>
+              </a:ext>
+              <a:ext uri="{C183D7F6-B498-43B3-948B-1728B52AA6E4}">
+                <adec:decorative xmlns:adec="http://schemas.microsoft.com/office/drawing/2017/decorative" val="1"/>
+              </a:ext>
+            </a:extLst>
+          </p:cNvPr>
+          <p:cNvCxnSpPr>
+            <a:cxnSpLocks noGrp="1" noRot="1" noChangeAspect="1" noMove="1" noResize="1" noEditPoints="1" noAdjustHandles="1" noChangeArrowheads="1" noChangeShapeType="1"/>
+          </p:cNvCxnSpPr>
+          <p:nvPr>
+            <p:extLst>
+              <p:ext uri="{386F3935-93C4-4BCD-93E2-E3B085C9AB24}">
+                <p16:designElem xmlns:p16="http://schemas.microsoft.com/office/powerpoint/2015/main" val="1"/>
+              </p:ext>
+            </p:extLst>
+          </p:nvPr>
+        </p:nvCxnSpPr>
+        <p:spPr>
+          <a:xfrm>
+            <a:off x="9371012" y="0"/>
+            <a:ext cx="1219200" cy="6858000"/>
+          </a:xfrm>
+          <a:prstGeom prst="line">
+            <a:avLst/>
+          </a:prstGeom>
+          <a:ln w="9525">
+            <a:solidFill>
+              <a:schemeClr val="bg1">
+                <a:lumMod val="75000"/>
+              </a:schemeClr>
+            </a:solidFill>
+          </a:ln>
+        </p:spPr>
+        <p:style>
+          <a:lnRef idx="2">
+            <a:schemeClr val="accent1"/>
+          </a:lnRef>
+          <a:fillRef idx="0">
+            <a:schemeClr val="accent1"/>
+          </a:fillRef>
+          <a:effectRef idx="1">
+            <a:schemeClr val="accent1"/>
+          </a:effectRef>
+          <a:fontRef idx="minor">
+            <a:schemeClr val="tx1"/>
+          </a:fontRef>
+        </p:style>
+      </p:cxnSp>
+      <p:cxnSp>
+        <p:nvCxnSpPr>
+          <p:cNvPr id="23" name="Straight Connector 22">
+            <a:extLst>
+              <a:ext uri="{FF2B5EF4-FFF2-40B4-BE49-F238E27FC236}">
+                <a16:creationId xmlns:a16="http://schemas.microsoft.com/office/drawing/2014/main" id="{D6F60FB6-F855-43F0-A752-3719156C1E04}"/>
+              </a:ext>
+              <a:ext uri="{C183D7F6-B498-43B3-948B-1728B52AA6E4}">
+                <adec:decorative xmlns:adec="http://schemas.microsoft.com/office/drawing/2017/decorative" val="1"/>
+              </a:ext>
+            </a:extLst>
+          </p:cNvPr>
+          <p:cNvCxnSpPr>
+            <a:cxnSpLocks noGrp="1" noRot="1" noChangeAspect="1" noMove="1" noResize="1" noEditPoints="1" noAdjustHandles="1" noChangeArrowheads="1" noChangeShapeType="1"/>
+          </p:cNvCxnSpPr>
+          <p:nvPr>
+            <p:extLst>
+              <p:ext uri="{386F3935-93C4-4BCD-93E2-E3B085C9AB24}">
+                <p16:designElem xmlns:p16="http://schemas.microsoft.com/office/powerpoint/2015/main" val="1"/>
+              </p:ext>
+            </p:extLst>
+          </p:nvPr>
+        </p:nvCxnSpPr>
+        <p:spPr>
+          <a:xfrm flipH="1">
+            <a:off x="7425267" y="3681413"/>
+            <a:ext cx="4763558" cy="3176587"/>
+          </a:xfrm>
+          <a:prstGeom prst="line">
+            <a:avLst/>
+          </a:prstGeom>
+          <a:ln w="9525">
+            <a:solidFill>
+              <a:schemeClr val="bg1">
+                <a:lumMod val="85000"/>
+              </a:schemeClr>
+            </a:solidFill>
+          </a:ln>
+        </p:spPr>
+        <p:style>
+          <a:lnRef idx="2">
+            <a:schemeClr val="accent1"/>
+          </a:lnRef>
+          <a:fillRef idx="0">
+            <a:schemeClr val="accent1"/>
+          </a:fillRef>
+          <a:effectRef idx="1">
+            <a:schemeClr val="accent1"/>
+          </a:effectRef>
+          <a:fontRef idx="minor">
+            <a:schemeClr val="tx1"/>
+          </a:fontRef>
+        </p:style>
+      </p:cxnSp>
+      <p:sp>
+        <p:nvSpPr>
+          <p:cNvPr id="25" name="Rectangle 23">
+            <a:extLst>
+              <a:ext uri="{FF2B5EF4-FFF2-40B4-BE49-F238E27FC236}">
+                <a16:creationId xmlns:a16="http://schemas.microsoft.com/office/drawing/2014/main" id="{70669A81-0E9B-4B42-AFEA-8F672C6CFBA7}"/>
+              </a:ext>
+              <a:ext uri="{C183D7F6-B498-43B3-948B-1728B52AA6E4}">
+                <adec:decorative xmlns:adec="http://schemas.microsoft.com/office/drawing/2017/decorative" val="1"/>
+              </a:ext>
+            </a:extLst>
+          </p:cNvPr>
+          <p:cNvSpPr>
+            <a:spLocks noGrp="1" noRot="1" noChangeAspect="1" noMove="1" noResize="1" noEditPoints="1" noAdjustHandles="1" noChangeArrowheads="1" noChangeShapeType="1" noTextEdit="1"/>
+          </p:cNvSpPr>
+          <p:nvPr>
+            <p:extLst>
+              <p:ext uri="{386F3935-93C4-4BCD-93E2-E3B085C9AB24}">
+                <p16:designElem xmlns:p16="http://schemas.microsoft.com/office/powerpoint/2015/main" val="1"/>
+              </p:ext>
+            </p:extLst>
+          </p:nvPr>
+        </p:nvSpPr>
+        <p:spPr>
+          <a:xfrm>
+            <a:off x="9181476" y="-8467"/>
+            <a:ext cx="3007349" cy="6866467"/>
+          </a:xfrm>
+          <a:custGeom>
+            <a:avLst/>
+            <a:gdLst/>
+            <a:ahLst/>
+            <a:cxnLst/>
+            <a:rect l="l" t="t" r="r" b="b"/>
+            <a:pathLst>
+              <a:path w="3007349" h="6866467">
+                <a:moveTo>
+                  <a:pt x="2045532" y="0"/>
+                </a:moveTo>
+                <a:lnTo>
+                  <a:pt x="3007349" y="0"/>
+                </a:lnTo>
+                <a:lnTo>
+                  <a:pt x="3007349" y="6866467"/>
+                </a:lnTo>
+                <a:lnTo>
+                  <a:pt x="0" y="6866467"/>
+                </a:lnTo>
+                <a:lnTo>
+                  <a:pt x="2045532" y="0"/>
+                </a:lnTo>
+                <a:close/>
+              </a:path>
+            </a:pathLst>
+          </a:custGeom>
+          <a:solidFill>
+            <a:schemeClr val="accent1">
+              <a:alpha val="30000"/>
+            </a:schemeClr>
+          </a:solidFill>
+          <a:ln>
+            <a:noFill/>
+          </a:ln>
+          <a:effectLst/>
+        </p:spPr>
+        <p:style>
+          <a:lnRef idx="1">
+            <a:schemeClr val="accent1"/>
+          </a:lnRef>
+          <a:fillRef idx="3">
+            <a:schemeClr val="accent1"/>
+          </a:fillRef>
+          <a:effectRef idx="2">
+            <a:schemeClr val="accent1"/>
+          </a:effectRef>
+          <a:fontRef idx="minor">
+            <a:schemeClr val="lt1"/>
+          </a:fontRef>
+        </p:style>
+      </p:sp>
+      <p:sp>
+        <p:nvSpPr>
+          <p:cNvPr id="27" name="Rectangle 25">
+            <a:extLst>
+              <a:ext uri="{FF2B5EF4-FFF2-40B4-BE49-F238E27FC236}">
+                <a16:creationId xmlns:a16="http://schemas.microsoft.com/office/drawing/2014/main" id="{8C93E0C6-CF08-4771-B5A9-6018CB3AED59}"/>
+              </a:ext>
+              <a:ext uri="{C183D7F6-B498-43B3-948B-1728B52AA6E4}">
+                <adec:decorative xmlns:adec="http://schemas.microsoft.com/office/drawing/2017/decorative" val="1"/>
+              </a:ext>
+            </a:extLst>
+          </p:cNvPr>
+          <p:cNvSpPr>
+            <a:spLocks noGrp="1" noRot="1" noChangeAspect="1" noMove="1" noResize="1" noEditPoints="1" noAdjustHandles="1" noChangeArrowheads="1" noChangeShapeType="1" noTextEdit="1"/>
+          </p:cNvSpPr>
+          <p:nvPr>
+            <p:extLst>
+              <p:ext uri="{386F3935-93C4-4BCD-93E2-E3B085C9AB24}">
+                <p16:designElem xmlns:p16="http://schemas.microsoft.com/office/powerpoint/2015/main" val="1"/>
+              </p:ext>
+            </p:extLst>
+          </p:nvPr>
+        </p:nvSpPr>
+        <p:spPr>
+          <a:xfrm>
+            <a:off x="9603442" y="-8467"/>
+            <a:ext cx="2588558" cy="6866467"/>
+          </a:xfrm>
+          <a:custGeom>
+            <a:avLst/>
+            <a:gdLst/>
+            <a:ahLst/>
+            <a:cxnLst/>
+            <a:rect l="l" t="t" r="r" b="b"/>
+            <a:pathLst>
+              <a:path w="2573311" h="6866467">
+                <a:moveTo>
+                  <a:pt x="0" y="0"/>
+                </a:moveTo>
+                <a:lnTo>
+                  <a:pt x="2573311" y="0"/>
+                </a:lnTo>
+                <a:lnTo>
+                  <a:pt x="2573311" y="6866467"/>
+                </a:lnTo>
+                <a:lnTo>
+                  <a:pt x="1202336" y="6866467"/>
+                </a:lnTo>
+                <a:lnTo>
+                  <a:pt x="0" y="0"/>
+                </a:lnTo>
+                <a:close/>
+              </a:path>
+            </a:pathLst>
+          </a:custGeom>
+          <a:solidFill>
+            <a:schemeClr val="accent1">
+              <a:alpha val="20000"/>
+            </a:schemeClr>
+          </a:solidFill>
+          <a:ln>
+            <a:noFill/>
+          </a:ln>
+          <a:effectLst/>
+        </p:spPr>
+        <p:style>
+          <a:lnRef idx="1">
+            <a:schemeClr val="accent1"/>
+          </a:lnRef>
+          <a:fillRef idx="3">
+            <a:schemeClr val="accent1"/>
+          </a:fillRef>
+          <a:effectRef idx="2">
+            <a:schemeClr val="accent1"/>
+          </a:effectRef>
+          <a:fontRef idx="minor">
+            <a:schemeClr val="lt1"/>
+          </a:fontRef>
+        </p:style>
+      </p:sp>
+      <p:sp>
+        <p:nvSpPr>
+          <p:cNvPr id="29" name="Isosceles Triangle 28">
+            <a:extLst>
+              <a:ext uri="{FF2B5EF4-FFF2-40B4-BE49-F238E27FC236}">
+                <a16:creationId xmlns:a16="http://schemas.microsoft.com/office/drawing/2014/main" id="{A011F1B8-62C5-4D08-A621-EAD05C7D6905}"/>
+              </a:ext>
+              <a:ext uri="{C183D7F6-B498-43B3-948B-1728B52AA6E4}">
+                <adec:decorative xmlns:adec="http://schemas.microsoft.com/office/drawing/2017/decorative" val="1"/>
+              </a:ext>
+            </a:extLst>
+          </p:cNvPr>
+          <p:cNvSpPr>
+            <a:spLocks noGrp="1" noRot="1" noChangeAspect="1" noMove="1" noResize="1" noEditPoints="1" noAdjustHandles="1" noChangeArrowheads="1" noChangeShapeType="1" noTextEdit="1"/>
+          </p:cNvSpPr>
+          <p:nvPr>
+            <p:extLst>
+              <p:ext uri="{386F3935-93C4-4BCD-93E2-E3B085C9AB24}">
+                <p16:designElem xmlns:p16="http://schemas.microsoft.com/office/powerpoint/2015/main" val="1"/>
+              </p:ext>
+            </p:extLst>
+          </p:nvPr>
+        </p:nvSpPr>
+        <p:spPr>
+          <a:xfrm>
+            <a:off x="8932333" y="3048000"/>
+            <a:ext cx="3259667" cy="3810000"/>
+          </a:xfrm>
+          <a:prstGeom prst="triangle">
+            <a:avLst>
+              <a:gd name="adj" fmla="val 100000"/>
+            </a:avLst>
+          </a:prstGeom>
+          <a:solidFill>
+            <a:schemeClr val="accent2">
+              <a:alpha val="72000"/>
+            </a:schemeClr>
+          </a:solidFill>
+          <a:ln>
+            <a:noFill/>
+          </a:ln>
+          <a:effectLst/>
+        </p:spPr>
+        <p:style>
+          <a:lnRef idx="1">
+            <a:schemeClr val="accent1"/>
+          </a:lnRef>
+          <a:fillRef idx="3">
+            <a:schemeClr val="accent1"/>
+          </a:fillRef>
+          <a:effectRef idx="2">
+            <a:schemeClr val="accent1"/>
+          </a:effectRef>
+          <a:fontRef idx="minor">
+            <a:schemeClr val="lt1"/>
+          </a:fontRef>
+        </p:style>
+      </p:sp>
+      <p:sp>
+        <p:nvSpPr>
+          <p:cNvPr id="31" name="Rectangle 27">
+            <a:extLst>
+              <a:ext uri="{FF2B5EF4-FFF2-40B4-BE49-F238E27FC236}">
+                <a16:creationId xmlns:a16="http://schemas.microsoft.com/office/drawing/2014/main" id="{C6A6AECB-428C-4CB4-B65A-359F08B6D8F8}"/>
+              </a:ext>
+              <a:ext uri="{C183D7F6-B498-43B3-948B-1728B52AA6E4}">
+                <adec:decorative xmlns:adec="http://schemas.microsoft.com/office/drawing/2017/decorative" val="1"/>
+              </a:ext>
+            </a:extLst>
+          </p:cNvPr>
+          <p:cNvSpPr>
+            <a:spLocks noGrp="1" noRot="1" noChangeAspect="1" noMove="1" noResize="1" noEditPoints="1" noAdjustHandles="1" noChangeArrowheads="1" noChangeShapeType="1" noTextEdit="1"/>
+          </p:cNvSpPr>
+          <p:nvPr>
+            <p:extLst>
+              <p:ext uri="{386F3935-93C4-4BCD-93E2-E3B085C9AB24}">
+                <p16:designElem xmlns:p16="http://schemas.microsoft.com/office/powerpoint/2015/main" val="1"/>
+              </p:ext>
+            </p:extLst>
+          </p:nvPr>
+        </p:nvSpPr>
+        <p:spPr>
+          <a:xfrm>
+            <a:off x="9334500" y="-8467"/>
+            <a:ext cx="2854326" cy="6866467"/>
+          </a:xfrm>
+          <a:custGeom>
+            <a:avLst/>
+            <a:gdLst/>
+            <a:ahLst/>
+            <a:cxnLst/>
+            <a:rect l="l" t="t" r="r" b="b"/>
+            <a:pathLst>
+              <a:path w="2858013" h="6866467">
+                <a:moveTo>
+                  <a:pt x="0" y="0"/>
+                </a:moveTo>
+                <a:lnTo>
+                  <a:pt x="2858013" y="0"/>
+                </a:lnTo>
+                <a:lnTo>
+                  <a:pt x="2858013" y="6866467"/>
+                </a:lnTo>
+                <a:lnTo>
+                  <a:pt x="2473942" y="6866467"/>
+                </a:lnTo>
+                <a:lnTo>
+                  <a:pt x="0" y="0"/>
+                </a:lnTo>
+                <a:close/>
+              </a:path>
+            </a:pathLst>
+          </a:custGeom>
+          <a:solidFill>
+            <a:schemeClr val="accent2">
+              <a:lumMod val="75000"/>
+              <a:alpha val="47000"/>
+            </a:schemeClr>
+          </a:solidFill>
+          <a:ln>
+            <a:noFill/>
+          </a:ln>
+          <a:effectLst/>
+        </p:spPr>
+        <p:style>
+          <a:lnRef idx="1">
+            <a:schemeClr val="accent1"/>
+          </a:lnRef>
+          <a:fillRef idx="3">
+            <a:schemeClr val="accent1"/>
+          </a:fillRef>
+          <a:effectRef idx="2">
+            <a:schemeClr val="accent1"/>
+          </a:effectRef>
+          <a:fontRef idx="minor">
+            <a:schemeClr val="lt1"/>
+          </a:fontRef>
+        </p:style>
+      </p:sp>
+      <p:sp>
+        <p:nvSpPr>
+          <p:cNvPr id="33" name="Rectangle 28">
+            <a:extLst>
+              <a:ext uri="{FF2B5EF4-FFF2-40B4-BE49-F238E27FC236}">
+                <a16:creationId xmlns:a16="http://schemas.microsoft.com/office/drawing/2014/main" id="{28D1A6ED-2AB6-46A3-A315-485B8BF936D8}"/>
+              </a:ext>
+              <a:ext uri="{C183D7F6-B498-43B3-948B-1728B52AA6E4}">
+                <adec:decorative xmlns:adec="http://schemas.microsoft.com/office/drawing/2017/decorative" val="1"/>
+              </a:ext>
+            </a:extLst>
+          </p:cNvPr>
+          <p:cNvSpPr>
+            <a:spLocks noGrp="1" noRot="1" noChangeAspect="1" noMove="1" noResize="1" noEditPoints="1" noAdjustHandles="1" noChangeArrowheads="1" noChangeShapeType="1" noTextEdit="1"/>
+          </p:cNvSpPr>
+          <p:nvPr>
+            <p:extLst>
+              <p:ext uri="{386F3935-93C4-4BCD-93E2-E3B085C9AB24}">
+                <p16:designElem xmlns:p16="http://schemas.microsoft.com/office/powerpoint/2015/main" val="1"/>
+              </p:ext>
+            </p:extLst>
+          </p:nvPr>
+        </p:nvSpPr>
+        <p:spPr>
+          <a:xfrm>
+            <a:off x="10898730" y="-8467"/>
+            <a:ext cx="1290094" cy="6866467"/>
+          </a:xfrm>
+          <a:custGeom>
+            <a:avLst/>
+            <a:gdLst/>
+            <a:ahLst/>
+            <a:cxnLst/>
+            <a:rect l="l" t="t" r="r" b="b"/>
+            <a:pathLst>
+              <a:path w="1290094" h="6858000">
+                <a:moveTo>
+                  <a:pt x="1019735" y="0"/>
+                </a:moveTo>
+                <a:lnTo>
+                  <a:pt x="1290094" y="0"/>
+                </a:lnTo>
+                <a:lnTo>
+                  <a:pt x="1290094" y="6858000"/>
+                </a:lnTo>
+                <a:lnTo>
+                  <a:pt x="0" y="6858000"/>
+                </a:lnTo>
+                <a:lnTo>
+                  <a:pt x="1019735" y="0"/>
+                </a:lnTo>
+                <a:close/>
+              </a:path>
+            </a:pathLst>
+          </a:custGeom>
+          <a:solidFill>
+            <a:schemeClr val="accent1">
+              <a:lumMod val="60000"/>
+              <a:lumOff val="40000"/>
+              <a:alpha val="70000"/>
+            </a:schemeClr>
+          </a:solidFill>
+          <a:ln>
+            <a:noFill/>
+          </a:ln>
+          <a:effectLst/>
+        </p:spPr>
+        <p:style>
+          <a:lnRef idx="1">
+            <a:schemeClr val="accent1"/>
+          </a:lnRef>
+          <a:fillRef idx="3">
+            <a:schemeClr val="accent1"/>
+          </a:fillRef>
+          <a:effectRef idx="2">
+            <a:schemeClr val="accent1"/>
+          </a:effectRef>
+          <a:fontRef idx="minor">
+            <a:schemeClr val="lt1"/>
+          </a:fontRef>
+        </p:style>
+      </p:sp>
+      <p:sp>
+        <p:nvSpPr>
+          <p:cNvPr id="35" name="Rectangle 29">
+            <a:extLst>
+              <a:ext uri="{FF2B5EF4-FFF2-40B4-BE49-F238E27FC236}">
+                <a16:creationId xmlns:a16="http://schemas.microsoft.com/office/drawing/2014/main" id="{B61CE46B-8525-46A8-AB7B-DCBCC1B65F9A}"/>
+              </a:ext>
+              <a:ext uri="{C183D7F6-B498-43B3-948B-1728B52AA6E4}">
+                <adec:decorative xmlns:adec="http://schemas.microsoft.com/office/drawing/2017/decorative" val="1"/>
+              </a:ext>
+            </a:extLst>
+          </p:cNvPr>
+          <p:cNvSpPr>
+            <a:spLocks noGrp="1" noRot="1" noChangeAspect="1" noMove="1" noResize="1" noEditPoints="1" noAdjustHandles="1" noChangeArrowheads="1" noChangeShapeType="1" noTextEdit="1"/>
+          </p:cNvSpPr>
+          <p:nvPr>
+            <p:extLst>
+              <p:ext uri="{386F3935-93C4-4BCD-93E2-E3B085C9AB24}">
+                <p16:designElem xmlns:p16="http://schemas.microsoft.com/office/powerpoint/2015/main" val="1"/>
+              </p:ext>
+            </p:extLst>
+          </p:nvPr>
+        </p:nvSpPr>
+        <p:spPr>
+          <a:xfrm>
+            <a:off x="10938999" y="-8467"/>
+            <a:ext cx="1249825" cy="6866467"/>
+          </a:xfrm>
+          <a:custGeom>
+            <a:avLst/>
+            <a:gdLst/>
+            <a:ahLst/>
+            <a:cxnLst/>
+            <a:rect l="l" t="t" r="r" b="b"/>
+            <a:pathLst>
+              <a:path w="1249825" h="6858000">
+                <a:moveTo>
+                  <a:pt x="0" y="0"/>
+                </a:moveTo>
+                <a:lnTo>
+                  <a:pt x="1249825" y="0"/>
+                </a:lnTo>
+                <a:lnTo>
+                  <a:pt x="1249825" y="6858000"/>
+                </a:lnTo>
+                <a:lnTo>
+                  <a:pt x="1109382" y="6858000"/>
+                </a:lnTo>
+                <a:lnTo>
+                  <a:pt x="0" y="0"/>
+                </a:lnTo>
+                <a:close/>
+              </a:path>
+            </a:pathLst>
+          </a:custGeom>
+          <a:solidFill>
+            <a:schemeClr val="accent1">
+              <a:alpha val="65000"/>
+            </a:schemeClr>
+          </a:solidFill>
+          <a:ln>
+            <a:noFill/>
+          </a:ln>
+          <a:effectLst/>
+        </p:spPr>
+        <p:style>
+          <a:lnRef idx="1">
+            <a:schemeClr val="accent1"/>
+          </a:lnRef>
+          <a:fillRef idx="3">
+            <a:schemeClr val="accent1"/>
+          </a:fillRef>
+          <a:effectRef idx="2">
+            <a:schemeClr val="accent1"/>
+          </a:effectRef>
+          <a:fontRef idx="minor">
+            <a:schemeClr val="lt1"/>
+          </a:fontRef>
+        </p:style>
+      </p:sp>
+      <p:sp>
+        <p:nvSpPr>
+          <p:cNvPr id="37" name="Isosceles Triangle 36">
+            <a:extLst>
+              <a:ext uri="{FF2B5EF4-FFF2-40B4-BE49-F238E27FC236}">
+                <a16:creationId xmlns:a16="http://schemas.microsoft.com/office/drawing/2014/main" id="{4412B991-9935-45FB-A17E-8F30DD832561}"/>
+              </a:ext>
+              <a:ext uri="{C183D7F6-B498-43B3-948B-1728B52AA6E4}">
+                <adec:decorative xmlns:adec="http://schemas.microsoft.com/office/drawing/2017/decorative" val="1"/>
+              </a:ext>
+            </a:extLst>
+          </p:cNvPr>
+          <p:cNvSpPr>
+            <a:spLocks noGrp="1" noRot="1" noChangeAspect="1" noMove="1" noResize="1" noEditPoints="1" noAdjustHandles="1" noChangeArrowheads="1" noChangeShapeType="1" noTextEdit="1"/>
+          </p:cNvSpPr>
+          <p:nvPr>
+            <p:extLst>
+              <p:ext uri="{386F3935-93C4-4BCD-93E2-E3B085C9AB24}">
+                <p16:designElem xmlns:p16="http://schemas.microsoft.com/office/powerpoint/2015/main" val="1"/>
+              </p:ext>
+            </p:extLst>
+          </p:nvPr>
+        </p:nvSpPr>
+        <p:spPr>
+          <a:xfrm>
+            <a:off x="10371666" y="3589867"/>
+            <a:ext cx="1817159" cy="3268133"/>
+          </a:xfrm>
+          <a:prstGeom prst="triangle">
+            <a:avLst>
+              <a:gd name="adj" fmla="val 100000"/>
+            </a:avLst>
+          </a:prstGeom>
+          <a:solidFill>
+            <a:schemeClr val="accent1">
+              <a:alpha val="80000"/>
+            </a:schemeClr>
+          </a:solidFill>
+          <a:ln>
+            <a:noFill/>
+          </a:ln>
+          <a:effectLst/>
+        </p:spPr>
+        <p:style>
+          <a:lnRef idx="1">
+            <a:schemeClr val="accent1"/>
+          </a:lnRef>
+          <a:fillRef idx="3">
+            <a:schemeClr val="accent1"/>
+          </a:fillRef>
+          <a:effectRef idx="2">
+            <a:schemeClr val="accent1"/>
+          </a:effectRef>
+          <a:fontRef idx="minor">
+            <a:schemeClr val="lt1"/>
+          </a:fontRef>
+        </p:style>
+      </p:sp>
+      <p:sp>
+        <p:nvSpPr>
+          <p:cNvPr id="18" name="Title 1">
+            <a:extLst>
+              <a:ext uri="{FF2B5EF4-FFF2-40B4-BE49-F238E27FC236}">
+                <a16:creationId xmlns:a16="http://schemas.microsoft.com/office/drawing/2014/main" id="{41E22F56-3CBF-DB42-400F-F0D2631F49BF}"/>
+              </a:ext>
+            </a:extLst>
+          </p:cNvPr>
+          <p:cNvSpPr>
+            <a:spLocks noGrp="1"/>
+          </p:cNvSpPr>
+          <p:nvPr>
+            <p:ph type="title"/>
+          </p:nvPr>
+        </p:nvSpPr>
+        <p:spPr>
+          <a:xfrm>
+            <a:off x="2586890" y="460054"/>
+            <a:ext cx="8596668" cy="1168329"/>
+          </a:xfrm>
+        </p:spPr>
+        <p:txBody>
+          <a:bodyPr>
+            <a:normAutofit/>
+          </a:bodyPr>
+          <a:lstStyle/>
+          <a:p>
+            <a:r>
+              <a:rPr lang="en-US" dirty="0"/>
+              <a:t>Observer</a:t>
+            </a:r>
+          </a:p>
+        </p:txBody>
+      </p:sp>
+      <p:sp>
+        <p:nvSpPr>
+          <p:cNvPr id="20" name="Content Placeholder 2">
+            <a:extLst>
+              <a:ext uri="{FF2B5EF4-FFF2-40B4-BE49-F238E27FC236}">
+                <a16:creationId xmlns:a16="http://schemas.microsoft.com/office/drawing/2014/main" id="{B8B5D76A-D30B-F1F0-7B8E-ECE11AF2BB6B}"/>
+              </a:ext>
+            </a:extLst>
+          </p:cNvPr>
+          <p:cNvSpPr>
+            <a:spLocks noGrp="1"/>
+          </p:cNvSpPr>
+          <p:nvPr>
+            <p:ph idx="1"/>
+          </p:nvPr>
+        </p:nvSpPr>
+        <p:spPr>
+          <a:xfrm>
+            <a:off x="2151385" y="1360925"/>
+            <a:ext cx="3251447" cy="1168329"/>
+          </a:xfrm>
+        </p:spPr>
+        <p:txBody>
+          <a:bodyPr/>
+          <a:lstStyle/>
+          <a:p>
+            <a:r>
+              <a:rPr lang="en-US" dirty="0"/>
+              <a:t>Used with combine and Observable Objects.</a:t>
+            </a:r>
+          </a:p>
+          <a:p>
+            <a:endParaRPr lang="en-US" dirty="0"/>
+          </a:p>
+        </p:txBody>
+      </p:sp>
+      <p:pic>
+        <p:nvPicPr>
+          <p:cNvPr id="3" name="Picture 2">
+            <a:extLst>
+              <a:ext uri="{FF2B5EF4-FFF2-40B4-BE49-F238E27FC236}">
+                <a16:creationId xmlns:a16="http://schemas.microsoft.com/office/drawing/2014/main" id="{428E3100-D79A-3BFA-42B8-553CC8BB633A}"/>
+              </a:ext>
+            </a:extLst>
+          </p:cNvPr>
+          <p:cNvPicPr>
+            <a:picLocks noChangeAspect="1"/>
+          </p:cNvPicPr>
+          <p:nvPr/>
+        </p:nvPicPr>
+        <p:blipFill>
+          <a:blip r:embed="rId3"/>
+          <a:stretch>
+            <a:fillRect/>
+          </a:stretch>
+        </p:blipFill>
+        <p:spPr>
+          <a:xfrm>
+            <a:off x="4378117" y="2110003"/>
+            <a:ext cx="7772400" cy="4707601"/>
+          </a:xfrm>
+          <a:prstGeom prst="roundRect">
+            <a:avLst>
+              <a:gd name="adj" fmla="val 8594"/>
+            </a:avLst>
+          </a:prstGeom>
+          <a:solidFill>
+            <a:srgbClr val="FFFFFF">
+              <a:shade val="85000"/>
+            </a:srgbClr>
+          </a:solidFill>
+          <a:ln>
+            <a:noFill/>
+          </a:ln>
+          <a:effectLst>
+            <a:reflection blurRad="12700" stA="38000" endPos="28000" dist="5000" dir="5400000" sy="-100000" algn="bl" rotWithShape="0"/>
+          </a:effectLst>
         </p:spPr>
       </p:pic>
     </p:spTree>
@@ -6811,7 +7758,7 @@
 </p:sld>
 </file>
 
-<file path=ppt/slides/slide11.xml><?xml version="1.0" encoding="utf-8"?>
+<file path=ppt/slides/slide12.xml><?xml version="1.0" encoding="utf-8"?>
 <p:sld xmlns:a="http://schemas.openxmlformats.org/drawingml/2006/main" xmlns:r="http://schemas.openxmlformats.org/officeDocument/2006/relationships" xmlns:p="http://schemas.openxmlformats.org/presentationml/2006/main">
   <p:cSld>
     <p:bg>
@@ -8492,221 +9439,6 @@
 </p:sld>
 </file>
 
-<file path=ppt/slides/slide12.xml><?xml version="1.0" encoding="utf-8"?>
-<p:sld xmlns:a="http://schemas.openxmlformats.org/drawingml/2006/main" xmlns:r="http://schemas.openxmlformats.org/officeDocument/2006/relationships" xmlns:p="http://schemas.openxmlformats.org/presentationml/2006/main">
-  <p:cSld>
-    <p:bg>
-      <p:bgPr>
-        <a:solidFill>
-          <a:schemeClr val="bg1"/>
-        </a:solidFill>
-        <a:effectLst/>
-      </p:bgPr>
-    </p:bg>
-    <p:spTree>
-      <p:nvGrpSpPr>
-        <p:cNvPr id="1" name=""/>
-        <p:cNvGrpSpPr/>
-        <p:nvPr/>
-      </p:nvGrpSpPr>
-      <p:grpSpPr>
-        <a:xfrm>
-          <a:off x="0" y="0"/>
-          <a:ext cx="0" cy="0"/>
-          <a:chOff x="0" y="0"/>
-          <a:chExt cx="0" cy="0"/>
-        </a:xfrm>
-      </p:grpSpPr>
-      <p:sp>
-        <p:nvSpPr>
-          <p:cNvPr id="2" name="Title 1">
-            <a:extLst>
-              <a:ext uri="{FF2B5EF4-FFF2-40B4-BE49-F238E27FC236}">
-                <a16:creationId xmlns:a16="http://schemas.microsoft.com/office/drawing/2014/main" id="{17611BF7-7CC8-52FF-41D4-FD7954A02F3B}"/>
-              </a:ext>
-            </a:extLst>
-          </p:cNvPr>
-          <p:cNvSpPr>
-            <a:spLocks noGrp="1"/>
-          </p:cNvSpPr>
-          <p:nvPr>
-            <p:ph type="title"/>
-          </p:nvPr>
-        </p:nvSpPr>
-        <p:spPr>
-          <a:xfrm>
-            <a:off x="2175224" y="492948"/>
-            <a:ext cx="2643911" cy="841274"/>
-          </a:xfrm>
-        </p:spPr>
-        <p:txBody>
-          <a:bodyPr>
-            <a:normAutofit/>
-          </a:bodyPr>
-          <a:lstStyle/>
-          <a:p>
-            <a:r>
-              <a:rPr lang="en-US" dirty="0"/>
-              <a:t>Screens</a:t>
-            </a:r>
-          </a:p>
-        </p:txBody>
-      </p:sp>
-      <p:pic>
-        <p:nvPicPr>
-          <p:cNvPr id="11" name="Picture 4" descr="Ramen on yellow table">
-            <a:extLst>
-              <a:ext uri="{FF2B5EF4-FFF2-40B4-BE49-F238E27FC236}">
-                <a16:creationId xmlns:a16="http://schemas.microsoft.com/office/drawing/2014/main" id="{58E5CCF7-D3C0-A3DA-D587-C6E380B9CF7E}"/>
-              </a:ext>
-            </a:extLst>
-          </p:cNvPr>
-          <p:cNvPicPr>
-            <a:picLocks noChangeAspect="1"/>
-          </p:cNvPicPr>
-          <p:nvPr/>
-        </p:nvPicPr>
-        <p:blipFill rotWithShape="1">
-          <a:blip r:embed="rId2"/>
-          <a:srcRect l="16328" r="57099" b="1"/>
-          <a:stretch/>
-        </p:blipFill>
-        <p:spPr>
-          <a:xfrm>
-            <a:off x="20" y="10"/>
-            <a:ext cx="2734036" cy="6867719"/>
-          </a:xfrm>
-          <a:custGeom>
-            <a:avLst/>
-            <a:gdLst/>
-            <a:ahLst/>
-            <a:cxnLst/>
-            <a:rect l="l" t="t" r="r" b="b"/>
-            <a:pathLst>
-              <a:path w="2734056" h="6858000">
-                <a:moveTo>
-                  <a:pt x="0" y="0"/>
-                </a:moveTo>
-                <a:lnTo>
-                  <a:pt x="1674254" y="0"/>
-                </a:lnTo>
-                <a:lnTo>
-                  <a:pt x="2734056" y="6850199"/>
-                </a:lnTo>
-                <a:lnTo>
-                  <a:pt x="2734056" y="6858000"/>
-                </a:lnTo>
-                <a:lnTo>
-                  <a:pt x="461457" y="6858000"/>
-                </a:lnTo>
-                <a:lnTo>
-                  <a:pt x="0" y="4134118"/>
-                </a:lnTo>
-                <a:close/>
-              </a:path>
-            </a:pathLst>
-          </a:custGeom>
-        </p:spPr>
-      </p:pic>
-      <p:sp>
-        <p:nvSpPr>
-          <p:cNvPr id="12" name="Isosceles Triangle 8">
-            <a:extLst>
-              <a:ext uri="{FF2B5EF4-FFF2-40B4-BE49-F238E27FC236}">
-                <a16:creationId xmlns:a16="http://schemas.microsoft.com/office/drawing/2014/main" id="{EB6743CF-E74B-4A3C-A785-599069DB89DF}"/>
-              </a:ext>
-              <a:ext uri="{C183D7F6-B498-43B3-948B-1728B52AA6E4}">
-                <adec:decorative xmlns:adec="http://schemas.microsoft.com/office/drawing/2017/decorative" val="1"/>
-              </a:ext>
-            </a:extLst>
-          </p:cNvPr>
-          <p:cNvSpPr>
-            <a:spLocks noGrp="1" noRot="1" noChangeAspect="1" noMove="1" noResize="1" noEditPoints="1" noAdjustHandles="1" noChangeArrowheads="1" noChangeShapeType="1" noTextEdit="1"/>
-          </p:cNvSpPr>
-          <p:nvPr>
-            <p:extLst>
-              <p:ext uri="{386F3935-93C4-4BCD-93E2-E3B085C9AB24}">
-                <p16:designElem xmlns:p16="http://schemas.microsoft.com/office/powerpoint/2015/main" val="1"/>
-              </p:ext>
-            </p:extLst>
-          </p:nvPr>
-        </p:nvSpPr>
-        <p:spPr>
-          <a:xfrm>
-            <a:off x="0" y="4013201"/>
-            <a:ext cx="476655" cy="2844800"/>
-          </a:xfrm>
-          <a:prstGeom prst="triangle">
-            <a:avLst>
-              <a:gd name="adj" fmla="val 0"/>
-            </a:avLst>
-          </a:prstGeom>
-          <a:solidFill>
-            <a:schemeClr val="accent1"/>
-          </a:solidFill>
-          <a:ln>
-            <a:noFill/>
-          </a:ln>
-          <a:effectLst/>
-        </p:spPr>
-        <p:style>
-          <a:lnRef idx="1">
-            <a:schemeClr val="accent1"/>
-          </a:lnRef>
-          <a:fillRef idx="3">
-            <a:schemeClr val="accent1"/>
-          </a:fillRef>
-          <a:effectRef idx="2">
-            <a:schemeClr val="accent1"/>
-          </a:effectRef>
-          <a:fontRef idx="minor">
-            <a:schemeClr val="lt1"/>
-          </a:fontRef>
-        </p:style>
-      </p:sp>
-      <p:pic>
-        <p:nvPicPr>
-          <p:cNvPr id="8" name="Picture 7">
-            <a:extLst>
-              <a:ext uri="{FF2B5EF4-FFF2-40B4-BE49-F238E27FC236}">
-                <a16:creationId xmlns:a16="http://schemas.microsoft.com/office/drawing/2014/main" id="{F576CD8E-CEB2-1CC6-A3B4-4E0C9F77B18F}"/>
-              </a:ext>
-            </a:extLst>
-          </p:cNvPr>
-          <p:cNvPicPr>
-            <a:picLocks noChangeAspect="1"/>
-          </p:cNvPicPr>
-          <p:nvPr/>
-        </p:nvPicPr>
-        <p:blipFill>
-          <a:blip r:embed="rId3"/>
-          <a:stretch>
-            <a:fillRect/>
-          </a:stretch>
-        </p:blipFill>
-        <p:spPr>
-          <a:xfrm>
-            <a:off x="4020579" y="0"/>
-            <a:ext cx="4941674" cy="6858000"/>
-          </a:xfrm>
-          <a:prstGeom prst="rect">
-            <a:avLst/>
-          </a:prstGeom>
-        </p:spPr>
-      </p:pic>
-    </p:spTree>
-    <p:extLst>
-      <p:ext uri="{BB962C8B-B14F-4D97-AF65-F5344CB8AC3E}">
-        <p14:creationId xmlns:p14="http://schemas.microsoft.com/office/powerpoint/2010/main" val="3488988656"/>
-      </p:ext>
-    </p:extLst>
-  </p:cSld>
-  <p:clrMapOvr>
-    <a:masterClrMapping/>
-  </p:clrMapOvr>
-</p:sld>
-</file>
-
 <file path=ppt/slides/slide13.xml><?xml version="1.0" encoding="utf-8"?>
 <p:sld xmlns:a="http://schemas.openxmlformats.org/drawingml/2006/main" xmlns:r="http://schemas.openxmlformats.org/officeDocument/2006/relationships" xmlns:p="http://schemas.openxmlformats.org/presentationml/2006/main">
   <p:cSld>
@@ -8751,7 +9483,7 @@
         <p:spPr>
           <a:xfrm>
             <a:off x="2175224" y="492948"/>
-            <a:ext cx="5176838" cy="841274"/>
+            <a:ext cx="2643911" cy="841274"/>
           </a:xfrm>
         </p:spPr>
         <p:txBody>
@@ -8762,7 +9494,7 @@
           <a:p>
             <a:r>
               <a:rPr lang="en-US" dirty="0"/>
-              <a:t>Login Options Screen</a:t>
+              <a:t>Screens</a:t>
             </a:r>
           </a:p>
         </p:txBody>
@@ -8879,68 +9611,12 @@
           </a:fontRef>
         </p:style>
       </p:sp>
-      <p:sp>
-        <p:nvSpPr>
-          <p:cNvPr id="3" name="Content Placeholder 2">
-            <a:extLst>
-              <a:ext uri="{FF2B5EF4-FFF2-40B4-BE49-F238E27FC236}">
-                <a16:creationId xmlns:a16="http://schemas.microsoft.com/office/drawing/2014/main" id="{23EC08BF-414E-6D33-041D-7F0EC5B9745A}"/>
-              </a:ext>
-            </a:extLst>
-          </p:cNvPr>
-          <p:cNvSpPr>
-            <a:spLocks noGrp="1"/>
-          </p:cNvSpPr>
-          <p:nvPr>
-            <p:ph idx="1"/>
-          </p:nvPr>
-        </p:nvSpPr>
-        <p:spPr>
-          <a:xfrm>
-            <a:off x="2372042" y="2160589"/>
-            <a:ext cx="5176838" cy="3880773"/>
-          </a:xfrm>
-        </p:spPr>
-        <p:txBody>
-          <a:bodyPr>
-            <a:normAutofit/>
-          </a:bodyPr>
-          <a:lstStyle/>
-          <a:p>
-            <a:r>
-              <a:rPr lang="en-US" dirty="0"/>
-              <a:t>Screen to go to:</a:t>
-            </a:r>
-          </a:p>
-          <a:p>
-            <a:pPr lvl="1"/>
-            <a:r>
-              <a:rPr lang="en-US" dirty="0"/>
-              <a:t>Register with email.</a:t>
-            </a:r>
-          </a:p>
-          <a:p>
-            <a:pPr lvl="1"/>
-            <a:r>
-              <a:rPr lang="en-US" dirty="0"/>
-              <a:t>Login with email.</a:t>
-            </a:r>
-          </a:p>
-          <a:p>
-            <a:pPr lvl="1"/>
-            <a:r>
-              <a:rPr lang="en-US" dirty="0"/>
-              <a:t>Login with Gmail</a:t>
-            </a:r>
-          </a:p>
-        </p:txBody>
-      </p:sp>
       <p:pic>
         <p:nvPicPr>
-          <p:cNvPr id="7" name="Picture 6">
-            <a:extLst>
-              <a:ext uri="{FF2B5EF4-FFF2-40B4-BE49-F238E27FC236}">
-                <a16:creationId xmlns:a16="http://schemas.microsoft.com/office/drawing/2014/main" id="{E54C40A1-F861-0818-D09B-93FD70A61F71}"/>
+          <p:cNvPr id="8" name="Picture 7">
+            <a:extLst>
+              <a:ext uri="{FF2B5EF4-FFF2-40B4-BE49-F238E27FC236}">
+                <a16:creationId xmlns:a16="http://schemas.microsoft.com/office/drawing/2014/main" id="{F576CD8E-CEB2-1CC6-A3B4-4E0C9F77B18F}"/>
               </a:ext>
             </a:extLst>
           </p:cNvPr>
@@ -8957,8 +9633,8 @@
         </p:blipFill>
         <p:spPr>
           <a:xfrm>
-            <a:off x="7519994" y="913585"/>
-            <a:ext cx="2752792" cy="5375189"/>
+            <a:off x="4020579" y="0"/>
+            <a:ext cx="4941674" cy="6858000"/>
           </a:xfrm>
           <a:prstGeom prst="rect">
             <a:avLst/>
@@ -8968,7 +9644,7 @@
     </p:spTree>
     <p:extLst>
       <p:ext uri="{BB962C8B-B14F-4D97-AF65-F5344CB8AC3E}">
-        <p14:creationId xmlns:p14="http://schemas.microsoft.com/office/powerpoint/2010/main" val="227802161"/>
+        <p14:creationId xmlns:p14="http://schemas.microsoft.com/office/powerpoint/2010/main" val="3488988656"/>
       </p:ext>
     </p:extLst>
   </p:cSld>
@@ -9022,7 +9698,7 @@
         <p:spPr>
           <a:xfrm>
             <a:off x="2175224" y="492948"/>
-            <a:ext cx="4349144" cy="841274"/>
+            <a:ext cx="5176838" cy="841274"/>
           </a:xfrm>
         </p:spPr>
         <p:txBody>
@@ -9033,7 +9709,7 @@
           <a:p>
             <a:r>
               <a:rPr lang="en-US" dirty="0"/>
-              <a:t>Login with email</a:t>
+              <a:t>Login Options Screen</a:t>
             </a:r>
           </a:p>
         </p:txBody>
@@ -9150,12 +9826,68 @@
           </a:fontRef>
         </p:style>
       </p:sp>
+      <p:sp>
+        <p:nvSpPr>
+          <p:cNvPr id="3" name="Content Placeholder 2">
+            <a:extLst>
+              <a:ext uri="{FF2B5EF4-FFF2-40B4-BE49-F238E27FC236}">
+                <a16:creationId xmlns:a16="http://schemas.microsoft.com/office/drawing/2014/main" id="{23EC08BF-414E-6D33-041D-7F0EC5B9745A}"/>
+              </a:ext>
+            </a:extLst>
+          </p:cNvPr>
+          <p:cNvSpPr>
+            <a:spLocks noGrp="1"/>
+          </p:cNvSpPr>
+          <p:nvPr>
+            <p:ph idx="1"/>
+          </p:nvPr>
+        </p:nvSpPr>
+        <p:spPr>
+          <a:xfrm>
+            <a:off x="2372042" y="2160589"/>
+            <a:ext cx="5176838" cy="3880773"/>
+          </a:xfrm>
+        </p:spPr>
+        <p:txBody>
+          <a:bodyPr>
+            <a:normAutofit/>
+          </a:bodyPr>
+          <a:lstStyle/>
+          <a:p>
+            <a:r>
+              <a:rPr lang="en-US" dirty="0"/>
+              <a:t>Screen to go to:</a:t>
+            </a:r>
+          </a:p>
+          <a:p>
+            <a:pPr lvl="1"/>
+            <a:r>
+              <a:rPr lang="en-US" dirty="0"/>
+              <a:t>Register with email.</a:t>
+            </a:r>
+          </a:p>
+          <a:p>
+            <a:pPr lvl="1"/>
+            <a:r>
+              <a:rPr lang="en-US" dirty="0"/>
+              <a:t>Login with email.</a:t>
+            </a:r>
+          </a:p>
+          <a:p>
+            <a:pPr lvl="1"/>
+            <a:r>
+              <a:rPr lang="en-US" dirty="0"/>
+              <a:t>Login with Gmail</a:t>
+            </a:r>
+          </a:p>
+        </p:txBody>
+      </p:sp>
       <p:pic>
         <p:nvPicPr>
-          <p:cNvPr id="10" name="Picture 9">
-            <a:extLst>
-              <a:ext uri="{FF2B5EF4-FFF2-40B4-BE49-F238E27FC236}">
-                <a16:creationId xmlns:a16="http://schemas.microsoft.com/office/drawing/2014/main" id="{29EB40C7-8956-F9BC-51B2-EC38CE6CD4FD}"/>
+          <p:cNvPr id="7" name="Picture 6">
+            <a:extLst>
+              <a:ext uri="{FF2B5EF4-FFF2-40B4-BE49-F238E27FC236}">
+                <a16:creationId xmlns:a16="http://schemas.microsoft.com/office/drawing/2014/main" id="{E54C40A1-F861-0818-D09B-93FD70A61F71}"/>
               </a:ext>
             </a:extLst>
           </p:cNvPr>
@@ -9172,8 +9904,8 @@
         </p:blipFill>
         <p:spPr>
           <a:xfrm>
-            <a:off x="2825135" y="1324700"/>
-            <a:ext cx="5986116" cy="5377002"/>
+            <a:off x="7519994" y="913585"/>
+            <a:ext cx="2752792" cy="5375189"/>
           </a:xfrm>
           <a:prstGeom prst="rect">
             <a:avLst/>
@@ -9183,7 +9915,7 @@
     </p:spTree>
     <p:extLst>
       <p:ext uri="{BB962C8B-B14F-4D97-AF65-F5344CB8AC3E}">
-        <p14:creationId xmlns:p14="http://schemas.microsoft.com/office/powerpoint/2010/main" val="3200583162"/>
+        <p14:creationId xmlns:p14="http://schemas.microsoft.com/office/powerpoint/2010/main" val="227802161"/>
       </p:ext>
     </p:extLst>
   </p:cSld>
@@ -9248,7 +9980,7 @@
           <a:p>
             <a:r>
               <a:rPr lang="en-US" dirty="0"/>
-              <a:t>Register with email</a:t>
+              <a:t>Login with email</a:t>
             </a:r>
           </a:p>
         </p:txBody>
@@ -9367,10 +10099,10 @@
       </p:sp>
       <p:pic>
         <p:nvPicPr>
-          <p:cNvPr id="13" name="Picture 12">
-            <a:extLst>
-              <a:ext uri="{FF2B5EF4-FFF2-40B4-BE49-F238E27FC236}">
-                <a16:creationId xmlns:a16="http://schemas.microsoft.com/office/drawing/2014/main" id="{ABD889FE-FB49-0B01-CB49-84534ABEB901}"/>
+          <p:cNvPr id="10" name="Picture 9">
+            <a:extLst>
+              <a:ext uri="{FF2B5EF4-FFF2-40B4-BE49-F238E27FC236}">
+                <a16:creationId xmlns:a16="http://schemas.microsoft.com/office/drawing/2014/main" id="{29EB40C7-8956-F9BC-51B2-EC38CE6CD4FD}"/>
               </a:ext>
             </a:extLst>
           </p:cNvPr>
@@ -9387,8 +10119,8 @@
         </p:blipFill>
         <p:spPr>
           <a:xfrm>
-            <a:off x="3052119" y="1329461"/>
-            <a:ext cx="5916944" cy="5314869"/>
+            <a:off x="2825135" y="1324700"/>
+            <a:ext cx="5986116" cy="5377002"/>
           </a:xfrm>
           <a:prstGeom prst="rect">
             <a:avLst/>
@@ -9398,7 +10130,7 @@
     </p:spTree>
     <p:extLst>
       <p:ext uri="{BB962C8B-B14F-4D97-AF65-F5344CB8AC3E}">
-        <p14:creationId xmlns:p14="http://schemas.microsoft.com/office/powerpoint/2010/main" val="2552355117"/>
+        <p14:creationId xmlns:p14="http://schemas.microsoft.com/office/powerpoint/2010/main" val="3200583162"/>
       </p:ext>
     </p:extLst>
   </p:cSld>
@@ -9463,7 +10195,7 @@
           <a:p>
             <a:r>
               <a:rPr lang="en-US" dirty="0"/>
-              <a:t>Login with Gmail</a:t>
+              <a:t>Register with email</a:t>
             </a:r>
           </a:p>
         </p:txBody>
@@ -9582,10 +10314,10 @@
       </p:sp>
       <p:pic>
         <p:nvPicPr>
-          <p:cNvPr id="3" name="Picture 2">
-            <a:extLst>
-              <a:ext uri="{FF2B5EF4-FFF2-40B4-BE49-F238E27FC236}">
-                <a16:creationId xmlns:a16="http://schemas.microsoft.com/office/drawing/2014/main" id="{E407E265-EBB1-E381-E703-5E3A46971A4F}"/>
+          <p:cNvPr id="13" name="Picture 12">
+            <a:extLst>
+              <a:ext uri="{FF2B5EF4-FFF2-40B4-BE49-F238E27FC236}">
+                <a16:creationId xmlns:a16="http://schemas.microsoft.com/office/drawing/2014/main" id="{ABD889FE-FB49-0B01-CB49-84534ABEB901}"/>
               </a:ext>
             </a:extLst>
           </p:cNvPr>
@@ -9602,8 +10334,8 @@
         </p:blipFill>
         <p:spPr>
           <a:xfrm>
-            <a:off x="3016960" y="1334221"/>
-            <a:ext cx="6070422" cy="5214859"/>
+            <a:off x="3052119" y="1329461"/>
+            <a:ext cx="5916944" cy="5314869"/>
           </a:xfrm>
           <a:prstGeom prst="rect">
             <a:avLst/>
@@ -9613,7 +10345,7 @@
     </p:spTree>
     <p:extLst>
       <p:ext uri="{BB962C8B-B14F-4D97-AF65-F5344CB8AC3E}">
-        <p14:creationId xmlns:p14="http://schemas.microsoft.com/office/powerpoint/2010/main" val="1623066648"/>
+        <p14:creationId xmlns:p14="http://schemas.microsoft.com/office/powerpoint/2010/main" val="2552355117"/>
       </p:ext>
     </p:extLst>
   </p:cSld>
@@ -9678,7 +10410,7 @@
           <a:p>
             <a:r>
               <a:rPr lang="en-US" dirty="0"/>
-              <a:t>Main List Screen</a:t>
+              <a:t>Login with Gmail</a:t>
             </a:r>
           </a:p>
         </p:txBody>
@@ -9797,10 +10529,10 @@
       </p:sp>
       <p:pic>
         <p:nvPicPr>
-          <p:cNvPr id="4" name="Picture 3">
-            <a:extLst>
-              <a:ext uri="{FF2B5EF4-FFF2-40B4-BE49-F238E27FC236}">
-                <a16:creationId xmlns:a16="http://schemas.microsoft.com/office/drawing/2014/main" id="{D01A3229-C085-2967-CE5F-D89164B91036}"/>
+          <p:cNvPr id="3" name="Picture 2">
+            <a:extLst>
+              <a:ext uri="{FF2B5EF4-FFF2-40B4-BE49-F238E27FC236}">
+                <a16:creationId xmlns:a16="http://schemas.microsoft.com/office/drawing/2014/main" id="{E407E265-EBB1-E381-E703-5E3A46971A4F}"/>
               </a:ext>
             </a:extLst>
           </p:cNvPr>
@@ -9817,8 +10549,8 @@
         </p:blipFill>
         <p:spPr>
           <a:xfrm>
-            <a:off x="2971195" y="1334222"/>
-            <a:ext cx="5600729" cy="5030830"/>
+            <a:off x="3016960" y="1334221"/>
+            <a:ext cx="6070422" cy="5214859"/>
           </a:xfrm>
           <a:prstGeom prst="rect">
             <a:avLst/>
@@ -9828,7 +10560,7 @@
     </p:spTree>
     <p:extLst>
       <p:ext uri="{BB962C8B-B14F-4D97-AF65-F5344CB8AC3E}">
-        <p14:creationId xmlns:p14="http://schemas.microsoft.com/office/powerpoint/2010/main" val="481750599"/>
+        <p14:creationId xmlns:p14="http://schemas.microsoft.com/office/powerpoint/2010/main" val="1623066648"/>
       </p:ext>
     </p:extLst>
   </p:cSld>
@@ -9882,7 +10614,7 @@
         <p:spPr>
           <a:xfrm>
             <a:off x="2175224" y="492948"/>
-            <a:ext cx="5733100" cy="841274"/>
+            <a:ext cx="4349144" cy="841274"/>
           </a:xfrm>
         </p:spPr>
         <p:txBody>
@@ -9893,7 +10625,7 @@
           <a:p>
             <a:r>
               <a:rPr lang="en-US" dirty="0"/>
-              <a:t>Main List Screen Options</a:t>
+              <a:t>Main List Screen</a:t>
             </a:r>
           </a:p>
         </p:txBody>
@@ -10012,10 +10744,10 @@
       </p:sp>
       <p:pic>
         <p:nvPicPr>
-          <p:cNvPr id="3" name="Picture 2">
-            <a:extLst>
-              <a:ext uri="{FF2B5EF4-FFF2-40B4-BE49-F238E27FC236}">
-                <a16:creationId xmlns:a16="http://schemas.microsoft.com/office/drawing/2014/main" id="{A2CA6257-4A80-F627-BED4-6D2CF98D729E}"/>
+          <p:cNvPr id="4" name="Picture 3">
+            <a:extLst>
+              <a:ext uri="{FF2B5EF4-FFF2-40B4-BE49-F238E27FC236}">
+                <a16:creationId xmlns:a16="http://schemas.microsoft.com/office/drawing/2014/main" id="{D01A3229-C085-2967-CE5F-D89164B91036}"/>
               </a:ext>
             </a:extLst>
           </p:cNvPr>
@@ -10032,8 +10764,8 @@
         </p:blipFill>
         <p:spPr>
           <a:xfrm>
-            <a:off x="1383957" y="1492078"/>
-            <a:ext cx="9148339" cy="5346975"/>
+            <a:off x="2971195" y="1334222"/>
+            <a:ext cx="5600729" cy="5030830"/>
           </a:xfrm>
           <a:prstGeom prst="rect">
             <a:avLst/>
@@ -10043,7 +10775,7 @@
     </p:spTree>
     <p:extLst>
       <p:ext uri="{BB962C8B-B14F-4D97-AF65-F5344CB8AC3E}">
-        <p14:creationId xmlns:p14="http://schemas.microsoft.com/office/powerpoint/2010/main" val="4061780581"/>
+        <p14:creationId xmlns:p14="http://schemas.microsoft.com/office/powerpoint/2010/main" val="481750599"/>
       </p:ext>
     </p:extLst>
   </p:cSld>
@@ -10108,7 +10840,7 @@
           <a:p>
             <a:r>
               <a:rPr lang="en-US" dirty="0"/>
-              <a:t>Favorites List Screen</a:t>
+              <a:t>Main List Screen Options</a:t>
             </a:r>
           </a:p>
         </p:txBody>
@@ -10227,10 +10959,10 @@
       </p:sp>
       <p:pic>
         <p:nvPicPr>
-          <p:cNvPr id="4" name="Picture 3">
-            <a:extLst>
-              <a:ext uri="{FF2B5EF4-FFF2-40B4-BE49-F238E27FC236}">
-                <a16:creationId xmlns:a16="http://schemas.microsoft.com/office/drawing/2014/main" id="{9EDA9B5F-C091-34C2-B837-5BEC143FDCD4}"/>
+          <p:cNvPr id="3" name="Picture 2">
+            <a:extLst>
+              <a:ext uri="{FF2B5EF4-FFF2-40B4-BE49-F238E27FC236}">
+                <a16:creationId xmlns:a16="http://schemas.microsoft.com/office/drawing/2014/main" id="{A2CA6257-4A80-F627-BED4-6D2CF98D729E}"/>
               </a:ext>
             </a:extLst>
           </p:cNvPr>
@@ -10247,8 +10979,8 @@
         </p:blipFill>
         <p:spPr>
           <a:xfrm>
-            <a:off x="4342272" y="1334222"/>
-            <a:ext cx="2825081" cy="5523778"/>
+            <a:off x="1383957" y="1492078"/>
+            <a:ext cx="9148339" cy="5346975"/>
           </a:xfrm>
           <a:prstGeom prst="rect">
             <a:avLst/>
@@ -10258,7 +10990,7 @@
     </p:spTree>
     <p:extLst>
       <p:ext uri="{BB962C8B-B14F-4D97-AF65-F5344CB8AC3E}">
-        <p14:creationId xmlns:p14="http://schemas.microsoft.com/office/powerpoint/2010/main" val="403058623"/>
+        <p14:creationId xmlns:p14="http://schemas.microsoft.com/office/powerpoint/2010/main" val="4061780581"/>
       </p:ext>
     </p:extLst>
   </p:cSld>
@@ -10607,6 +11339,221 @@
           <a:p>
             <a:r>
               <a:rPr lang="en-US" dirty="0"/>
+              <a:t>Favorites List Screen</a:t>
+            </a:r>
+          </a:p>
+        </p:txBody>
+      </p:sp>
+      <p:pic>
+        <p:nvPicPr>
+          <p:cNvPr id="11" name="Picture 4" descr="Ramen on yellow table">
+            <a:extLst>
+              <a:ext uri="{FF2B5EF4-FFF2-40B4-BE49-F238E27FC236}">
+                <a16:creationId xmlns:a16="http://schemas.microsoft.com/office/drawing/2014/main" id="{58E5CCF7-D3C0-A3DA-D587-C6E380B9CF7E}"/>
+              </a:ext>
+            </a:extLst>
+          </p:cNvPr>
+          <p:cNvPicPr>
+            <a:picLocks noChangeAspect="1"/>
+          </p:cNvPicPr>
+          <p:nvPr/>
+        </p:nvPicPr>
+        <p:blipFill rotWithShape="1">
+          <a:blip r:embed="rId2"/>
+          <a:srcRect l="16328" r="57099" b="1"/>
+          <a:stretch/>
+        </p:blipFill>
+        <p:spPr>
+          <a:xfrm>
+            <a:off x="20" y="10"/>
+            <a:ext cx="2734036" cy="6867719"/>
+          </a:xfrm>
+          <a:custGeom>
+            <a:avLst/>
+            <a:gdLst/>
+            <a:ahLst/>
+            <a:cxnLst/>
+            <a:rect l="l" t="t" r="r" b="b"/>
+            <a:pathLst>
+              <a:path w="2734056" h="6858000">
+                <a:moveTo>
+                  <a:pt x="0" y="0"/>
+                </a:moveTo>
+                <a:lnTo>
+                  <a:pt x="1674254" y="0"/>
+                </a:lnTo>
+                <a:lnTo>
+                  <a:pt x="2734056" y="6850199"/>
+                </a:lnTo>
+                <a:lnTo>
+                  <a:pt x="2734056" y="6858000"/>
+                </a:lnTo>
+                <a:lnTo>
+                  <a:pt x="461457" y="6858000"/>
+                </a:lnTo>
+                <a:lnTo>
+                  <a:pt x="0" y="4134118"/>
+                </a:lnTo>
+                <a:close/>
+              </a:path>
+            </a:pathLst>
+          </a:custGeom>
+        </p:spPr>
+      </p:pic>
+      <p:sp>
+        <p:nvSpPr>
+          <p:cNvPr id="12" name="Isosceles Triangle 8">
+            <a:extLst>
+              <a:ext uri="{FF2B5EF4-FFF2-40B4-BE49-F238E27FC236}">
+                <a16:creationId xmlns:a16="http://schemas.microsoft.com/office/drawing/2014/main" id="{EB6743CF-E74B-4A3C-A785-599069DB89DF}"/>
+              </a:ext>
+              <a:ext uri="{C183D7F6-B498-43B3-948B-1728B52AA6E4}">
+                <adec:decorative xmlns:adec="http://schemas.microsoft.com/office/drawing/2017/decorative" val="1"/>
+              </a:ext>
+            </a:extLst>
+          </p:cNvPr>
+          <p:cNvSpPr>
+            <a:spLocks noGrp="1" noRot="1" noChangeAspect="1" noMove="1" noResize="1" noEditPoints="1" noAdjustHandles="1" noChangeArrowheads="1" noChangeShapeType="1" noTextEdit="1"/>
+          </p:cNvSpPr>
+          <p:nvPr>
+            <p:extLst>
+              <p:ext uri="{386F3935-93C4-4BCD-93E2-E3B085C9AB24}">
+                <p16:designElem xmlns:p16="http://schemas.microsoft.com/office/powerpoint/2015/main" val="1"/>
+              </p:ext>
+            </p:extLst>
+          </p:nvPr>
+        </p:nvSpPr>
+        <p:spPr>
+          <a:xfrm>
+            <a:off x="0" y="4013201"/>
+            <a:ext cx="476655" cy="2844800"/>
+          </a:xfrm>
+          <a:prstGeom prst="triangle">
+            <a:avLst>
+              <a:gd name="adj" fmla="val 0"/>
+            </a:avLst>
+          </a:prstGeom>
+          <a:solidFill>
+            <a:schemeClr val="accent1"/>
+          </a:solidFill>
+          <a:ln>
+            <a:noFill/>
+          </a:ln>
+          <a:effectLst/>
+        </p:spPr>
+        <p:style>
+          <a:lnRef idx="1">
+            <a:schemeClr val="accent1"/>
+          </a:lnRef>
+          <a:fillRef idx="3">
+            <a:schemeClr val="accent1"/>
+          </a:fillRef>
+          <a:effectRef idx="2">
+            <a:schemeClr val="accent1"/>
+          </a:effectRef>
+          <a:fontRef idx="minor">
+            <a:schemeClr val="lt1"/>
+          </a:fontRef>
+        </p:style>
+      </p:sp>
+      <p:pic>
+        <p:nvPicPr>
+          <p:cNvPr id="4" name="Picture 3">
+            <a:extLst>
+              <a:ext uri="{FF2B5EF4-FFF2-40B4-BE49-F238E27FC236}">
+                <a16:creationId xmlns:a16="http://schemas.microsoft.com/office/drawing/2014/main" id="{9EDA9B5F-C091-34C2-B837-5BEC143FDCD4}"/>
+              </a:ext>
+            </a:extLst>
+          </p:cNvPr>
+          <p:cNvPicPr>
+            <a:picLocks noChangeAspect="1"/>
+          </p:cNvPicPr>
+          <p:nvPr/>
+        </p:nvPicPr>
+        <p:blipFill>
+          <a:blip r:embed="rId3"/>
+          <a:stretch>
+            <a:fillRect/>
+          </a:stretch>
+        </p:blipFill>
+        <p:spPr>
+          <a:xfrm>
+            <a:off x="4342272" y="1334222"/>
+            <a:ext cx="2825081" cy="5523778"/>
+          </a:xfrm>
+          <a:prstGeom prst="rect">
+            <a:avLst/>
+          </a:prstGeom>
+        </p:spPr>
+      </p:pic>
+    </p:spTree>
+    <p:extLst>
+      <p:ext uri="{BB962C8B-B14F-4D97-AF65-F5344CB8AC3E}">
+        <p14:creationId xmlns:p14="http://schemas.microsoft.com/office/powerpoint/2010/main" val="403058623"/>
+      </p:ext>
+    </p:extLst>
+  </p:cSld>
+  <p:clrMapOvr>
+    <a:masterClrMapping/>
+  </p:clrMapOvr>
+</p:sld>
+</file>
+
+<file path=ppt/slides/slide21.xml><?xml version="1.0" encoding="utf-8"?>
+<p:sld xmlns:a="http://schemas.openxmlformats.org/drawingml/2006/main" xmlns:r="http://schemas.openxmlformats.org/officeDocument/2006/relationships" xmlns:p="http://schemas.openxmlformats.org/presentationml/2006/main">
+  <p:cSld>
+    <p:bg>
+      <p:bgPr>
+        <a:solidFill>
+          <a:schemeClr val="bg1"/>
+        </a:solidFill>
+        <a:effectLst/>
+      </p:bgPr>
+    </p:bg>
+    <p:spTree>
+      <p:nvGrpSpPr>
+        <p:cNvPr id="1" name=""/>
+        <p:cNvGrpSpPr/>
+        <p:nvPr/>
+      </p:nvGrpSpPr>
+      <p:grpSpPr>
+        <a:xfrm>
+          <a:off x="0" y="0"/>
+          <a:ext cx="0" cy="0"/>
+          <a:chOff x="0" y="0"/>
+          <a:chExt cx="0" cy="0"/>
+        </a:xfrm>
+      </p:grpSpPr>
+      <p:sp>
+        <p:nvSpPr>
+          <p:cNvPr id="2" name="Title 1">
+            <a:extLst>
+              <a:ext uri="{FF2B5EF4-FFF2-40B4-BE49-F238E27FC236}">
+                <a16:creationId xmlns:a16="http://schemas.microsoft.com/office/drawing/2014/main" id="{17611BF7-7CC8-52FF-41D4-FD7954A02F3B}"/>
+              </a:ext>
+            </a:extLst>
+          </p:cNvPr>
+          <p:cNvSpPr>
+            <a:spLocks noGrp="1"/>
+          </p:cNvSpPr>
+          <p:nvPr>
+            <p:ph type="title"/>
+          </p:nvPr>
+        </p:nvSpPr>
+        <p:spPr>
+          <a:xfrm>
+            <a:off x="2175224" y="492948"/>
+            <a:ext cx="5733100" cy="841274"/>
+          </a:xfrm>
+        </p:spPr>
+        <p:txBody>
+          <a:bodyPr>
+            <a:normAutofit/>
+          </a:bodyPr>
+          <a:lstStyle/>
+          <a:p>
+            <a:r>
+              <a:rPr lang="en-US" dirty="0"/>
               <a:t>Meal Details Screen</a:t>
             </a:r>
           </a:p>
@@ -10767,7 +11714,907 @@
 </p:sld>
 </file>
 
-<file path=ppt/slides/slide21.xml><?xml version="1.0" encoding="utf-8"?>
+<file path=ppt/slides/slide22.xml><?xml version="1.0" encoding="utf-8"?>
+<p:sld xmlns:a="http://schemas.openxmlformats.org/drawingml/2006/main" xmlns:r="http://schemas.openxmlformats.org/officeDocument/2006/relationships" xmlns:p="http://schemas.openxmlformats.org/presentationml/2006/main">
+  <p:cSld>
+    <p:bg>
+      <p:bgPr>
+        <a:solidFill>
+          <a:schemeClr val="bg1"/>
+        </a:solidFill>
+        <a:effectLst/>
+      </p:bgPr>
+    </p:bg>
+    <p:spTree>
+      <p:nvGrpSpPr>
+        <p:cNvPr id="1" name=""/>
+        <p:cNvGrpSpPr/>
+        <p:nvPr/>
+      </p:nvGrpSpPr>
+      <p:grpSpPr>
+        <a:xfrm>
+          <a:off x="0" y="0"/>
+          <a:ext cx="0" cy="0"/>
+          <a:chOff x="0" y="0"/>
+          <a:chExt cx="0" cy="0"/>
+        </a:xfrm>
+      </p:grpSpPr>
+      <p:sp useBgFill="1">
+        <p:nvSpPr>
+          <p:cNvPr id="25" name="Rectangle 24">
+            <a:extLst>
+              <a:ext uri="{FF2B5EF4-FFF2-40B4-BE49-F238E27FC236}">
+                <a16:creationId xmlns:a16="http://schemas.microsoft.com/office/drawing/2014/main" id="{A65AC7D1-EAA9-48F5-B509-60A7F50BF703}"/>
+              </a:ext>
+              <a:ext uri="{C183D7F6-B498-43B3-948B-1728B52AA6E4}">
+                <adec:decorative xmlns:adec="http://schemas.microsoft.com/office/drawing/2017/decorative" val="1"/>
+              </a:ext>
+            </a:extLst>
+          </p:cNvPr>
+          <p:cNvSpPr>
+            <a:spLocks noGrp="1" noRot="1" noChangeAspect="1" noMove="1" noResize="1" noEditPoints="1" noAdjustHandles="1" noChangeArrowheads="1" noChangeShapeType="1" noTextEdit="1"/>
+          </p:cNvSpPr>
+          <p:nvPr>
+            <p:extLst>
+              <p:ext uri="{386F3935-93C4-4BCD-93E2-E3B085C9AB24}">
+                <p16:designElem xmlns:p16="http://schemas.microsoft.com/office/powerpoint/2015/main" val="1"/>
+              </p:ext>
+            </p:extLst>
+          </p:nvPr>
+        </p:nvSpPr>
+        <p:spPr>
+          <a:xfrm>
+            <a:off x="0" y="0"/>
+            <a:ext cx="12192000" cy="6858000"/>
+          </a:xfrm>
+          <a:prstGeom prst="rect">
+            <a:avLst/>
+          </a:prstGeom>
+          <a:ln>
+            <a:noFill/>
+          </a:ln>
+        </p:spPr>
+        <p:style>
+          <a:lnRef idx="2">
+            <a:schemeClr val="accent1">
+              <a:shade val="50000"/>
+            </a:schemeClr>
+          </a:lnRef>
+          <a:fillRef idx="1">
+            <a:schemeClr val="accent1"/>
+          </a:fillRef>
+          <a:effectRef idx="0">
+            <a:schemeClr val="accent1"/>
+          </a:effectRef>
+          <a:fontRef idx="minor">
+            <a:schemeClr val="lt1"/>
+          </a:fontRef>
+        </p:style>
+        <p:txBody>
+          <a:bodyPr rtlCol="0" anchor="ctr"/>
+          <a:lstStyle/>
+          <a:p>
+            <a:pPr algn="ctr"/>
+            <a:endParaRPr lang="en-US" dirty="0"/>
+          </a:p>
+        </p:txBody>
+      </p:sp>
+      <p:sp useBgFill="1">
+        <p:nvSpPr>
+          <p:cNvPr id="27" name="Rectangle 26">
+            <a:extLst>
+              <a:ext uri="{FF2B5EF4-FFF2-40B4-BE49-F238E27FC236}">
+                <a16:creationId xmlns:a16="http://schemas.microsoft.com/office/drawing/2014/main" id="{D6320AF9-619A-4175-865B-5663E1AEF4C5}"/>
+              </a:ext>
+              <a:ext uri="{C183D7F6-B498-43B3-948B-1728B52AA6E4}">
+                <adec:decorative xmlns:adec="http://schemas.microsoft.com/office/drawing/2017/decorative" val="1"/>
+              </a:ext>
+            </a:extLst>
+          </p:cNvPr>
+          <p:cNvSpPr>
+            <a:spLocks noGrp="1" noRot="1" noChangeAspect="1" noMove="1" noResize="1" noEditPoints="1" noAdjustHandles="1" noChangeArrowheads="1" noChangeShapeType="1" noTextEdit="1"/>
+          </p:cNvSpPr>
+          <p:nvPr>
+            <p:extLst>
+              <p:ext uri="{386F3935-93C4-4BCD-93E2-E3B085C9AB24}">
+                <p16:designElem xmlns:p16="http://schemas.microsoft.com/office/powerpoint/2015/main" val="1"/>
+              </p:ext>
+            </p:extLst>
+          </p:nvPr>
+        </p:nvSpPr>
+        <p:spPr>
+          <a:xfrm>
+            <a:off x="0" y="0"/>
+            <a:ext cx="12192000" cy="6858000"/>
+          </a:xfrm>
+          <a:prstGeom prst="rect">
+            <a:avLst/>
+          </a:prstGeom>
+          <a:ln>
+            <a:noFill/>
+          </a:ln>
+        </p:spPr>
+        <p:style>
+          <a:lnRef idx="2">
+            <a:schemeClr val="accent1">
+              <a:shade val="50000"/>
+            </a:schemeClr>
+          </a:lnRef>
+          <a:fillRef idx="1">
+            <a:schemeClr val="accent1"/>
+          </a:fillRef>
+          <a:effectRef idx="0">
+            <a:schemeClr val="accent1"/>
+          </a:effectRef>
+          <a:fontRef idx="minor">
+            <a:schemeClr val="lt1"/>
+          </a:fontRef>
+        </p:style>
+        <p:txBody>
+          <a:bodyPr rtlCol="0" anchor="ctr"/>
+          <a:lstStyle/>
+          <a:p>
+            <a:pPr algn="ctr"/>
+            <a:endParaRPr lang="en-US"/>
+          </a:p>
+        </p:txBody>
+      </p:sp>
+      <p:cxnSp>
+        <p:nvCxnSpPr>
+          <p:cNvPr id="29" name="Straight Connector 28">
+            <a:extLst>
+              <a:ext uri="{FF2B5EF4-FFF2-40B4-BE49-F238E27FC236}">
+                <a16:creationId xmlns:a16="http://schemas.microsoft.com/office/drawing/2014/main" id="{063B6EC6-D752-4EE7-908B-F8F19E8C7FEA}"/>
+              </a:ext>
+              <a:ext uri="{C183D7F6-B498-43B3-948B-1728B52AA6E4}">
+                <adec:decorative xmlns:adec="http://schemas.microsoft.com/office/drawing/2017/decorative" val="1"/>
+              </a:ext>
+            </a:extLst>
+          </p:cNvPr>
+          <p:cNvCxnSpPr>
+            <a:cxnSpLocks noGrp="1" noRot="1" noChangeAspect="1" noMove="1" noResize="1" noEditPoints="1" noAdjustHandles="1" noChangeArrowheads="1" noChangeShapeType="1"/>
+          </p:cNvCxnSpPr>
+          <p:nvPr>
+            <p:extLst>
+              <p:ext uri="{386F3935-93C4-4BCD-93E2-E3B085C9AB24}">
+                <p16:designElem xmlns:p16="http://schemas.microsoft.com/office/powerpoint/2015/main" val="1"/>
+              </p:ext>
+            </p:extLst>
+          </p:nvPr>
+        </p:nvCxnSpPr>
+        <p:spPr>
+          <a:xfrm>
+            <a:off x="5111313" y="0"/>
+            <a:ext cx="1219200" cy="6858000"/>
+          </a:xfrm>
+          <a:prstGeom prst="line">
+            <a:avLst/>
+          </a:prstGeom>
+          <a:ln w="9525">
+            <a:solidFill>
+              <a:schemeClr val="accent1">
+                <a:lumMod val="75000"/>
+              </a:schemeClr>
+            </a:solidFill>
+          </a:ln>
+        </p:spPr>
+        <p:style>
+          <a:lnRef idx="2">
+            <a:schemeClr val="accent1"/>
+          </a:lnRef>
+          <a:fillRef idx="0">
+            <a:schemeClr val="accent1"/>
+          </a:fillRef>
+          <a:effectRef idx="1">
+            <a:schemeClr val="accent1"/>
+          </a:effectRef>
+          <a:fontRef idx="minor">
+            <a:schemeClr val="tx1"/>
+          </a:fontRef>
+        </p:style>
+      </p:cxnSp>
+      <p:cxnSp>
+        <p:nvCxnSpPr>
+          <p:cNvPr id="31" name="Straight Connector 30">
+            <a:extLst>
+              <a:ext uri="{FF2B5EF4-FFF2-40B4-BE49-F238E27FC236}">
+                <a16:creationId xmlns:a16="http://schemas.microsoft.com/office/drawing/2014/main" id="{EFECD4E8-AD3E-4228-82A2-9461958EA94D}"/>
+              </a:ext>
+              <a:ext uri="{C183D7F6-B498-43B3-948B-1728B52AA6E4}">
+                <adec:decorative xmlns:adec="http://schemas.microsoft.com/office/drawing/2017/decorative" val="1"/>
+              </a:ext>
+            </a:extLst>
+          </p:cNvPr>
+          <p:cNvCxnSpPr>
+            <a:cxnSpLocks noGrp="1" noRot="1" noChangeAspect="1" noMove="1" noResize="1" noEditPoints="1" noAdjustHandles="1" noChangeArrowheads="1" noChangeShapeType="1"/>
+          </p:cNvCxnSpPr>
+          <p:nvPr>
+            <p:extLst>
+              <p:ext uri="{386F3935-93C4-4BCD-93E2-E3B085C9AB24}">
+                <p16:designElem xmlns:p16="http://schemas.microsoft.com/office/powerpoint/2015/main" val="1"/>
+              </p:ext>
+            </p:extLst>
+          </p:nvPr>
+        </p:nvCxnSpPr>
+        <p:spPr>
+          <a:xfrm flipH="1">
+            <a:off x="3290979" y="3681413"/>
+            <a:ext cx="4763558" cy="3176587"/>
+          </a:xfrm>
+          <a:prstGeom prst="line">
+            <a:avLst/>
+          </a:prstGeom>
+          <a:ln w="9525">
+            <a:solidFill>
+              <a:schemeClr val="tx1">
+                <a:lumMod val="50000"/>
+                <a:lumOff val="50000"/>
+                <a:alpha val="80000"/>
+              </a:schemeClr>
+            </a:solidFill>
+          </a:ln>
+        </p:spPr>
+        <p:style>
+          <a:lnRef idx="2">
+            <a:schemeClr val="accent1"/>
+          </a:lnRef>
+          <a:fillRef idx="0">
+            <a:schemeClr val="accent1"/>
+          </a:fillRef>
+          <a:effectRef idx="1">
+            <a:schemeClr val="accent1"/>
+          </a:effectRef>
+          <a:fontRef idx="minor">
+            <a:schemeClr val="tx1"/>
+          </a:fontRef>
+        </p:style>
+      </p:cxnSp>
+      <p:sp>
+        <p:nvSpPr>
+          <p:cNvPr id="33" name="Rectangle 23">
+            <a:extLst>
+              <a:ext uri="{FF2B5EF4-FFF2-40B4-BE49-F238E27FC236}">
+                <a16:creationId xmlns:a16="http://schemas.microsoft.com/office/drawing/2014/main" id="{7E018740-5C2B-4A41-AC1A-7E68D1EC1954}"/>
+              </a:ext>
+              <a:ext uri="{C183D7F6-B498-43B3-948B-1728B52AA6E4}">
+                <adec:decorative xmlns:adec="http://schemas.microsoft.com/office/drawing/2017/decorative" val="1"/>
+              </a:ext>
+            </a:extLst>
+          </p:cNvPr>
+          <p:cNvSpPr>
+            <a:spLocks noGrp="1" noRot="1" noChangeAspect="1" noMove="1" noResize="1" noEditPoints="1" noAdjustHandles="1" noChangeArrowheads="1" noChangeShapeType="1" noTextEdit="1"/>
+          </p:cNvSpPr>
+          <p:nvPr>
+            <p:extLst>
+              <p:ext uri="{386F3935-93C4-4BCD-93E2-E3B085C9AB24}">
+                <p16:designElem xmlns:p16="http://schemas.microsoft.com/office/powerpoint/2015/main" val="1"/>
+              </p:ext>
+            </p:extLst>
+          </p:nvPr>
+        </p:nvSpPr>
+        <p:spPr>
+          <a:xfrm>
+            <a:off x="4482568" y="-8467"/>
+            <a:ext cx="3007349" cy="6866467"/>
+          </a:xfrm>
+          <a:custGeom>
+            <a:avLst/>
+            <a:gdLst/>
+            <a:ahLst/>
+            <a:cxnLst/>
+            <a:rect l="l" t="t" r="r" b="b"/>
+            <a:pathLst>
+              <a:path w="3007349" h="6866467">
+                <a:moveTo>
+                  <a:pt x="2045532" y="0"/>
+                </a:moveTo>
+                <a:lnTo>
+                  <a:pt x="3007349" y="0"/>
+                </a:lnTo>
+                <a:lnTo>
+                  <a:pt x="3007349" y="6866467"/>
+                </a:lnTo>
+                <a:lnTo>
+                  <a:pt x="0" y="6866467"/>
+                </a:lnTo>
+                <a:lnTo>
+                  <a:pt x="2045532" y="0"/>
+                </a:lnTo>
+                <a:close/>
+              </a:path>
+            </a:pathLst>
+          </a:custGeom>
+          <a:solidFill>
+            <a:schemeClr val="accent1">
+              <a:alpha val="30000"/>
+            </a:schemeClr>
+          </a:solidFill>
+          <a:ln>
+            <a:noFill/>
+          </a:ln>
+          <a:effectLst/>
+        </p:spPr>
+        <p:style>
+          <a:lnRef idx="1">
+            <a:schemeClr val="accent1"/>
+          </a:lnRef>
+          <a:fillRef idx="3">
+            <a:schemeClr val="accent1"/>
+          </a:fillRef>
+          <a:effectRef idx="2">
+            <a:schemeClr val="accent1"/>
+          </a:effectRef>
+          <a:fontRef idx="minor">
+            <a:schemeClr val="lt1"/>
+          </a:fontRef>
+        </p:style>
+      </p:sp>
+      <p:sp>
+        <p:nvSpPr>
+          <p:cNvPr id="35" name="Rectangle 25">
+            <a:extLst>
+              <a:ext uri="{FF2B5EF4-FFF2-40B4-BE49-F238E27FC236}">
+                <a16:creationId xmlns:a16="http://schemas.microsoft.com/office/drawing/2014/main" id="{166F75A4-C475-4941-8EE2-B80A06A2C1BB}"/>
+              </a:ext>
+              <a:ext uri="{C183D7F6-B498-43B3-948B-1728B52AA6E4}">
+                <adec:decorative xmlns:adec="http://schemas.microsoft.com/office/drawing/2017/decorative" val="1"/>
+              </a:ext>
+            </a:extLst>
+          </p:cNvPr>
+          <p:cNvSpPr>
+            <a:spLocks noGrp="1" noRot="1" noChangeAspect="1" noMove="1" noResize="1" noEditPoints="1" noAdjustHandles="1" noChangeArrowheads="1" noChangeShapeType="1" noTextEdit="1"/>
+          </p:cNvSpPr>
+          <p:nvPr>
+            <p:extLst>
+              <p:ext uri="{386F3935-93C4-4BCD-93E2-E3B085C9AB24}">
+                <p16:designElem xmlns:p16="http://schemas.microsoft.com/office/powerpoint/2015/main" val="1"/>
+              </p:ext>
+            </p:extLst>
+          </p:nvPr>
+        </p:nvSpPr>
+        <p:spPr>
+          <a:xfrm>
+            <a:off x="4904534" y="-8467"/>
+            <a:ext cx="2588558" cy="6866467"/>
+          </a:xfrm>
+          <a:custGeom>
+            <a:avLst/>
+            <a:gdLst/>
+            <a:ahLst/>
+            <a:cxnLst/>
+            <a:rect l="l" t="t" r="r" b="b"/>
+            <a:pathLst>
+              <a:path w="2573311" h="6866467">
+                <a:moveTo>
+                  <a:pt x="0" y="0"/>
+                </a:moveTo>
+                <a:lnTo>
+                  <a:pt x="2573311" y="0"/>
+                </a:lnTo>
+                <a:lnTo>
+                  <a:pt x="2573311" y="6866467"/>
+                </a:lnTo>
+                <a:lnTo>
+                  <a:pt x="1202336" y="6866467"/>
+                </a:lnTo>
+                <a:lnTo>
+                  <a:pt x="0" y="0"/>
+                </a:lnTo>
+                <a:close/>
+              </a:path>
+            </a:pathLst>
+          </a:custGeom>
+          <a:solidFill>
+            <a:schemeClr val="accent1">
+              <a:alpha val="20000"/>
+            </a:schemeClr>
+          </a:solidFill>
+          <a:ln>
+            <a:noFill/>
+          </a:ln>
+          <a:effectLst/>
+        </p:spPr>
+        <p:style>
+          <a:lnRef idx="1">
+            <a:schemeClr val="accent1"/>
+          </a:lnRef>
+          <a:fillRef idx="3">
+            <a:schemeClr val="accent1"/>
+          </a:fillRef>
+          <a:effectRef idx="2">
+            <a:schemeClr val="accent1"/>
+          </a:effectRef>
+          <a:fontRef idx="minor">
+            <a:schemeClr val="lt1"/>
+          </a:fontRef>
+        </p:style>
+      </p:sp>
+      <p:sp>
+        <p:nvSpPr>
+          <p:cNvPr id="37" name="Isosceles Triangle 36">
+            <a:extLst>
+              <a:ext uri="{FF2B5EF4-FFF2-40B4-BE49-F238E27FC236}">
+                <a16:creationId xmlns:a16="http://schemas.microsoft.com/office/drawing/2014/main" id="{A032553A-72E8-4B0D-8405-FF9771C9AF05}"/>
+              </a:ext>
+              <a:ext uri="{C183D7F6-B498-43B3-948B-1728B52AA6E4}">
+                <adec:decorative xmlns:adec="http://schemas.microsoft.com/office/drawing/2017/decorative" val="1"/>
+              </a:ext>
+            </a:extLst>
+          </p:cNvPr>
+          <p:cNvSpPr>
+            <a:spLocks noGrp="1" noRot="1" noChangeAspect="1" noMove="1" noResize="1" noEditPoints="1" noAdjustHandles="1" noChangeArrowheads="1" noChangeShapeType="1" noTextEdit="1"/>
+          </p:cNvSpPr>
+          <p:nvPr>
+            <p:extLst>
+              <p:ext uri="{386F3935-93C4-4BCD-93E2-E3B085C9AB24}">
+                <p16:designElem xmlns:p16="http://schemas.microsoft.com/office/powerpoint/2015/main" val="1"/>
+              </p:ext>
+            </p:extLst>
+          </p:nvPr>
+        </p:nvSpPr>
+        <p:spPr>
+          <a:xfrm>
+            <a:off x="4233425" y="3048000"/>
+            <a:ext cx="3259667" cy="3810000"/>
+          </a:xfrm>
+          <a:prstGeom prst="triangle">
+            <a:avLst>
+              <a:gd name="adj" fmla="val 100000"/>
+            </a:avLst>
+          </a:prstGeom>
+          <a:solidFill>
+            <a:schemeClr val="accent2">
+              <a:alpha val="72000"/>
+            </a:schemeClr>
+          </a:solidFill>
+          <a:ln>
+            <a:noFill/>
+          </a:ln>
+          <a:effectLst/>
+        </p:spPr>
+        <p:style>
+          <a:lnRef idx="1">
+            <a:schemeClr val="accent1"/>
+          </a:lnRef>
+          <a:fillRef idx="3">
+            <a:schemeClr val="accent1"/>
+          </a:fillRef>
+          <a:effectRef idx="2">
+            <a:schemeClr val="accent1"/>
+          </a:effectRef>
+          <a:fontRef idx="minor">
+            <a:schemeClr val="lt1"/>
+          </a:fontRef>
+        </p:style>
+      </p:sp>
+      <p:sp>
+        <p:nvSpPr>
+          <p:cNvPr id="39" name="Rectangle 27">
+            <a:extLst>
+              <a:ext uri="{FF2B5EF4-FFF2-40B4-BE49-F238E27FC236}">
+                <a16:creationId xmlns:a16="http://schemas.microsoft.com/office/drawing/2014/main" id="{765800AC-C3B9-498E-87BC-29FAE4C76B21}"/>
+              </a:ext>
+              <a:ext uri="{C183D7F6-B498-43B3-948B-1728B52AA6E4}">
+                <adec:decorative xmlns:adec="http://schemas.microsoft.com/office/drawing/2017/decorative" val="1"/>
+              </a:ext>
+            </a:extLst>
+          </p:cNvPr>
+          <p:cNvSpPr>
+            <a:spLocks noGrp="1" noRot="1" noChangeAspect="1" noMove="1" noResize="1" noEditPoints="1" noAdjustHandles="1" noChangeArrowheads="1" noChangeShapeType="1" noTextEdit="1"/>
+          </p:cNvSpPr>
+          <p:nvPr>
+            <p:extLst>
+              <p:ext uri="{386F3935-93C4-4BCD-93E2-E3B085C9AB24}">
+                <p16:designElem xmlns:p16="http://schemas.microsoft.com/office/powerpoint/2015/main" val="1"/>
+              </p:ext>
+            </p:extLst>
+          </p:nvPr>
+        </p:nvSpPr>
+        <p:spPr>
+          <a:xfrm>
+            <a:off x="4635592" y="-8467"/>
+            <a:ext cx="2854326" cy="6866467"/>
+          </a:xfrm>
+          <a:custGeom>
+            <a:avLst/>
+            <a:gdLst/>
+            <a:ahLst/>
+            <a:cxnLst/>
+            <a:rect l="l" t="t" r="r" b="b"/>
+            <a:pathLst>
+              <a:path w="2858013" h="6866467">
+                <a:moveTo>
+                  <a:pt x="0" y="0"/>
+                </a:moveTo>
+                <a:lnTo>
+                  <a:pt x="2858013" y="0"/>
+                </a:lnTo>
+                <a:lnTo>
+                  <a:pt x="2858013" y="6866467"/>
+                </a:lnTo>
+                <a:lnTo>
+                  <a:pt x="2473942" y="6866467"/>
+                </a:lnTo>
+                <a:lnTo>
+                  <a:pt x="0" y="0"/>
+                </a:lnTo>
+                <a:close/>
+              </a:path>
+            </a:pathLst>
+          </a:custGeom>
+          <a:solidFill>
+            <a:schemeClr val="accent2">
+              <a:lumMod val="75000"/>
+              <a:alpha val="70000"/>
+            </a:schemeClr>
+          </a:solidFill>
+          <a:ln>
+            <a:noFill/>
+          </a:ln>
+          <a:effectLst/>
+        </p:spPr>
+        <p:style>
+          <a:lnRef idx="1">
+            <a:schemeClr val="accent1"/>
+          </a:lnRef>
+          <a:fillRef idx="3">
+            <a:schemeClr val="accent1"/>
+          </a:fillRef>
+          <a:effectRef idx="2">
+            <a:schemeClr val="accent1"/>
+          </a:effectRef>
+          <a:fontRef idx="minor">
+            <a:schemeClr val="lt1"/>
+          </a:fontRef>
+        </p:style>
+      </p:sp>
+      <p:sp>
+        <p:nvSpPr>
+          <p:cNvPr id="41" name="Isosceles Triangle 40">
+            <a:extLst>
+              <a:ext uri="{FF2B5EF4-FFF2-40B4-BE49-F238E27FC236}">
+                <a16:creationId xmlns:a16="http://schemas.microsoft.com/office/drawing/2014/main" id="{1F9D6ACB-2FF4-49F9-978A-E0D5327FC635}"/>
+              </a:ext>
+              <a:ext uri="{C183D7F6-B498-43B3-948B-1728B52AA6E4}">
+                <adec:decorative xmlns:adec="http://schemas.microsoft.com/office/drawing/2017/decorative" val="1"/>
+              </a:ext>
+            </a:extLst>
+          </p:cNvPr>
+          <p:cNvSpPr>
+            <a:spLocks noGrp="1" noRot="1" noChangeAspect="1" noMove="1" noResize="1" noEditPoints="1" noAdjustHandles="1" noChangeArrowheads="1" noChangeShapeType="1" noTextEdit="1"/>
+          </p:cNvSpPr>
+          <p:nvPr>
+            <p:extLst>
+              <p:ext uri="{386F3935-93C4-4BCD-93E2-E3B085C9AB24}">
+                <p16:designElem xmlns:p16="http://schemas.microsoft.com/office/powerpoint/2015/main" val="1"/>
+              </p:ext>
+            </p:extLst>
+          </p:nvPr>
+        </p:nvSpPr>
+        <p:spPr>
+          <a:xfrm>
+            <a:off x="5672758" y="3589867"/>
+            <a:ext cx="1817159" cy="3268133"/>
+          </a:xfrm>
+          <a:prstGeom prst="triangle">
+            <a:avLst>
+              <a:gd name="adj" fmla="val 100000"/>
+            </a:avLst>
+          </a:prstGeom>
+          <a:solidFill>
+            <a:schemeClr val="accent1">
+              <a:alpha val="80000"/>
+            </a:schemeClr>
+          </a:solidFill>
+          <a:ln>
+            <a:noFill/>
+          </a:ln>
+          <a:effectLst/>
+        </p:spPr>
+        <p:style>
+          <a:lnRef idx="1">
+            <a:schemeClr val="accent1"/>
+          </a:lnRef>
+          <a:fillRef idx="3">
+            <a:schemeClr val="accent1"/>
+          </a:fillRef>
+          <a:effectRef idx="2">
+            <a:schemeClr val="accent1"/>
+          </a:effectRef>
+          <a:fontRef idx="minor">
+            <a:schemeClr val="lt1"/>
+          </a:fontRef>
+        </p:style>
+      </p:sp>
+      <p:sp>
+        <p:nvSpPr>
+          <p:cNvPr id="43" name="Freeform: Shape 42">
+            <a:extLst>
+              <a:ext uri="{FF2B5EF4-FFF2-40B4-BE49-F238E27FC236}">
+                <a16:creationId xmlns:a16="http://schemas.microsoft.com/office/drawing/2014/main" id="{A5EC319D-0FEA-4B95-A3EA-01E35672C95B}"/>
+              </a:ext>
+              <a:ext uri="{C183D7F6-B498-43B3-948B-1728B52AA6E4}">
+                <adec:decorative xmlns:adec="http://schemas.microsoft.com/office/drawing/2017/decorative" val="1"/>
+              </a:ext>
+            </a:extLst>
+          </p:cNvPr>
+          <p:cNvSpPr>
+            <a:spLocks noGrp="1" noRot="1" noChangeAspect="1" noMove="1" noResize="1" noEditPoints="1" noAdjustHandles="1" noChangeArrowheads="1" noChangeShapeType="1" noTextEdit="1"/>
+          </p:cNvSpPr>
+          <p:nvPr>
+            <p:extLst>
+              <p:ext uri="{386F3935-93C4-4BCD-93E2-E3B085C9AB24}">
+                <p16:designElem xmlns:p16="http://schemas.microsoft.com/office/powerpoint/2015/main" val="1"/>
+              </p:ext>
+            </p:extLst>
+          </p:nvPr>
+        </p:nvSpPr>
+        <p:spPr>
+          <a:xfrm>
+            <a:off x="6197631" y="-8467"/>
+            <a:ext cx="5994369" cy="6866467"/>
+          </a:xfrm>
+          <a:custGeom>
+            <a:avLst/>
+            <a:gdLst>
+              <a:gd name="connsiteX0" fmla="*/ 0 w 5994369"/>
+              <a:gd name="connsiteY0" fmla="*/ 0 h 6866467"/>
+              <a:gd name="connsiteX1" fmla="*/ 1249825 w 5994369"/>
+              <a:gd name="connsiteY1" fmla="*/ 0 h 6866467"/>
+              <a:gd name="connsiteX2" fmla="*/ 1249825 w 5994369"/>
+              <a:gd name="connsiteY2" fmla="*/ 8467 h 6866467"/>
+              <a:gd name="connsiteX3" fmla="*/ 5994369 w 5994369"/>
+              <a:gd name="connsiteY3" fmla="*/ 8467 h 6866467"/>
+              <a:gd name="connsiteX4" fmla="*/ 5994369 w 5994369"/>
+              <a:gd name="connsiteY4" fmla="*/ 6866467 h 6866467"/>
+              <a:gd name="connsiteX5" fmla="*/ 1249825 w 5994369"/>
+              <a:gd name="connsiteY5" fmla="*/ 6866467 h 6866467"/>
+              <a:gd name="connsiteX6" fmla="*/ 1109382 w 5994369"/>
+              <a:gd name="connsiteY6" fmla="*/ 6866467 h 6866467"/>
+            </a:gdLst>
+            <a:ahLst/>
+            <a:cxnLst>
+              <a:cxn ang="0">
+                <a:pos x="connsiteX0" y="connsiteY0"/>
+              </a:cxn>
+              <a:cxn ang="0">
+                <a:pos x="connsiteX1" y="connsiteY1"/>
+              </a:cxn>
+              <a:cxn ang="0">
+                <a:pos x="connsiteX2" y="connsiteY2"/>
+              </a:cxn>
+              <a:cxn ang="0">
+                <a:pos x="connsiteX3" y="connsiteY3"/>
+              </a:cxn>
+              <a:cxn ang="0">
+                <a:pos x="connsiteX4" y="connsiteY4"/>
+              </a:cxn>
+              <a:cxn ang="0">
+                <a:pos x="connsiteX5" y="connsiteY5"/>
+              </a:cxn>
+              <a:cxn ang="0">
+                <a:pos x="connsiteX6" y="connsiteY6"/>
+              </a:cxn>
+            </a:cxnLst>
+            <a:rect l="l" t="t" r="r" b="b"/>
+            <a:pathLst>
+              <a:path w="5994369" h="6866467">
+                <a:moveTo>
+                  <a:pt x="0" y="0"/>
+                </a:moveTo>
+                <a:lnTo>
+                  <a:pt x="1249825" y="0"/>
+                </a:lnTo>
+                <a:lnTo>
+                  <a:pt x="1249825" y="8467"/>
+                </a:lnTo>
+                <a:lnTo>
+                  <a:pt x="5994369" y="8467"/>
+                </a:lnTo>
+                <a:lnTo>
+                  <a:pt x="5994369" y="6866467"/>
+                </a:lnTo>
+                <a:lnTo>
+                  <a:pt x="1249825" y="6866467"/>
+                </a:lnTo>
+                <a:lnTo>
+                  <a:pt x="1109382" y="6866467"/>
+                </a:lnTo>
+                <a:close/>
+              </a:path>
+            </a:pathLst>
+          </a:custGeom>
+          <a:solidFill>
+            <a:schemeClr val="accent2">
+              <a:lumMod val="75000"/>
+            </a:schemeClr>
+          </a:solidFill>
+          <a:ln>
+            <a:noFill/>
+          </a:ln>
+        </p:spPr>
+        <p:style>
+          <a:lnRef idx="2">
+            <a:schemeClr val="accent1">
+              <a:shade val="50000"/>
+            </a:schemeClr>
+          </a:lnRef>
+          <a:fillRef idx="1">
+            <a:schemeClr val="accent1"/>
+          </a:fillRef>
+          <a:effectRef idx="0">
+            <a:schemeClr val="accent1"/>
+          </a:effectRef>
+          <a:fontRef idx="minor">
+            <a:schemeClr val="lt1"/>
+          </a:fontRef>
+        </p:style>
+        <p:txBody>
+          <a:bodyPr wrap="square" rtlCol="0" anchor="ctr">
+            <a:noAutofit/>
+          </a:bodyPr>
+          <a:lstStyle/>
+          <a:p>
+            <a:pPr algn="ctr"/>
+            <a:endParaRPr lang="en-US"/>
+          </a:p>
+        </p:txBody>
+      </p:sp>
+      <p:sp>
+        <p:nvSpPr>
+          <p:cNvPr id="18" name="Title 1">
+            <a:extLst>
+              <a:ext uri="{FF2B5EF4-FFF2-40B4-BE49-F238E27FC236}">
+                <a16:creationId xmlns:a16="http://schemas.microsoft.com/office/drawing/2014/main" id="{41E22F56-3CBF-DB42-400F-F0D2631F49BF}"/>
+              </a:ext>
+            </a:extLst>
+          </p:cNvPr>
+          <p:cNvSpPr>
+            <a:spLocks noGrp="1"/>
+          </p:cNvSpPr>
+          <p:nvPr>
+            <p:ph type="title"/>
+          </p:nvPr>
+        </p:nvSpPr>
+        <p:spPr>
+          <a:xfrm>
+            <a:off x="7181723" y="609600"/>
+            <a:ext cx="4512989" cy="2227730"/>
+          </a:xfrm>
+        </p:spPr>
+        <p:txBody>
+          <a:bodyPr anchor="ctr">
+            <a:normAutofit/>
+          </a:bodyPr>
+          <a:lstStyle/>
+          <a:p>
+            <a:r>
+              <a:rPr lang="en-US">
+                <a:solidFill>
+                  <a:srgbClr val="FFFFFF"/>
+                </a:solidFill>
+              </a:rPr>
+              <a:t>Faced Challenges</a:t>
+            </a:r>
+          </a:p>
+        </p:txBody>
+      </p:sp>
+      <p:pic>
+        <p:nvPicPr>
+          <p:cNvPr id="11" name="Picture 4" descr="Ramen on yellow table">
+            <a:extLst>
+              <a:ext uri="{FF2B5EF4-FFF2-40B4-BE49-F238E27FC236}">
+                <a16:creationId xmlns:a16="http://schemas.microsoft.com/office/drawing/2014/main" id="{58E5CCF7-D3C0-A3DA-D587-C6E380B9CF7E}"/>
+              </a:ext>
+            </a:extLst>
+          </p:cNvPr>
+          <p:cNvPicPr>
+            <a:picLocks noChangeAspect="1"/>
+          </p:cNvPicPr>
+          <p:nvPr/>
+        </p:nvPicPr>
+        <p:blipFill rotWithShape="1">
+          <a:blip r:embed="rId2"/>
+          <a:srcRect l="9091" t="13131" b="10260"/>
+          <a:stretch/>
+        </p:blipFill>
+        <p:spPr>
+          <a:xfrm>
+            <a:off x="757251" y="2388728"/>
+            <a:ext cx="3856774" cy="2169443"/>
+          </a:xfrm>
+          <a:prstGeom prst="rect">
+            <a:avLst/>
+          </a:prstGeom>
+          <a:ln w="38100" cap="sq">
+            <a:solidFill>
+              <a:srgbClr val="000000"/>
+            </a:solidFill>
+            <a:prstDash val="solid"/>
+            <a:miter lim="800000"/>
+          </a:ln>
+          <a:effectLst>
+            <a:outerShdw blurRad="50800" dist="38100" dir="2700000" algn="tl" rotWithShape="0">
+              <a:srgbClr val="000000">
+                <a:alpha val="43000"/>
+              </a:srgbClr>
+            </a:outerShdw>
+          </a:effectLst>
+        </p:spPr>
+      </p:pic>
+      <p:sp>
+        <p:nvSpPr>
+          <p:cNvPr id="26" name="Content Placeholder 2">
+            <a:extLst>
+              <a:ext uri="{FF2B5EF4-FFF2-40B4-BE49-F238E27FC236}">
+                <a16:creationId xmlns:a16="http://schemas.microsoft.com/office/drawing/2014/main" id="{B8B5D76A-D30B-F1F0-7B8E-ECE11AF2BB6B}"/>
+              </a:ext>
+            </a:extLst>
+          </p:cNvPr>
+          <p:cNvSpPr>
+            <a:spLocks noGrp="1"/>
+          </p:cNvSpPr>
+          <p:nvPr>
+            <p:ph idx="1"/>
+          </p:nvPr>
+        </p:nvSpPr>
+        <p:spPr>
+          <a:xfrm>
+            <a:off x="7181725" y="2837329"/>
+            <a:ext cx="4512988" cy="3317938"/>
+          </a:xfrm>
+        </p:spPr>
+        <p:txBody>
+          <a:bodyPr anchor="t">
+            <a:normAutofit/>
+          </a:bodyPr>
+          <a:lstStyle/>
+          <a:p>
+            <a:r>
+              <a:rPr lang="en-US" dirty="0">
+                <a:solidFill>
+                  <a:srgbClr val="FFFFFF"/>
+                </a:solidFill>
+              </a:rPr>
+              <a:t>Call a ViewController inside a SwiftUI app</a:t>
+            </a:r>
+          </a:p>
+          <a:p>
+            <a:r>
+              <a:rPr lang="en-US" dirty="0">
+                <a:solidFill>
+                  <a:srgbClr val="FFFFFF"/>
+                </a:solidFill>
+              </a:rPr>
+              <a:t>Apple issue with LazyHGrid (used common ScrollView and HStack).</a:t>
+            </a:r>
+          </a:p>
+          <a:p>
+            <a:r>
+              <a:rPr lang="en-US" dirty="0">
+                <a:solidFill>
+                  <a:srgbClr val="FFFFFF"/>
+                </a:solidFill>
+              </a:rPr>
+              <a:t>Limitations on information fetched from APIs</a:t>
+            </a:r>
+          </a:p>
+        </p:txBody>
+      </p:sp>
+    </p:spTree>
+    <p:extLst>
+      <p:ext uri="{BB962C8B-B14F-4D97-AF65-F5344CB8AC3E}">
+        <p14:creationId xmlns:p14="http://schemas.microsoft.com/office/powerpoint/2010/main" val="1019956338"/>
+      </p:ext>
+    </p:extLst>
+  </p:cSld>
+  <p:clrMapOvr>
+    <a:masterClrMapping/>
+  </p:clrMapOvr>
+</p:sld>
+</file>
+
+<file path=ppt/slides/slide23.xml><?xml version="1.0" encoding="utf-8"?>
 <p:sld xmlns:a="http://schemas.openxmlformats.org/drawingml/2006/main" xmlns:r="http://schemas.openxmlformats.org/officeDocument/2006/relationships" xmlns:p="http://schemas.openxmlformats.org/presentationml/2006/main">
   <p:cSld>
     <p:bg>
@@ -12252,6 +14099,185 @@
 <file path=ppt/slides/slide4.xml><?xml version="1.0" encoding="utf-8"?>
 <p:sld xmlns:a="http://schemas.openxmlformats.org/drawingml/2006/main" xmlns:r="http://schemas.openxmlformats.org/officeDocument/2006/relationships" xmlns:p="http://schemas.openxmlformats.org/presentationml/2006/main">
   <p:cSld>
+    <p:spTree>
+      <p:nvGrpSpPr>
+        <p:cNvPr id="1" name=""/>
+        <p:cNvGrpSpPr/>
+        <p:nvPr/>
+      </p:nvGrpSpPr>
+      <p:grpSpPr>
+        <a:xfrm>
+          <a:off x="0" y="0"/>
+          <a:ext cx="0" cy="0"/>
+          <a:chOff x="0" y="0"/>
+          <a:chExt cx="0" cy="0"/>
+        </a:xfrm>
+      </p:grpSpPr>
+      <p:pic>
+        <p:nvPicPr>
+          <p:cNvPr id="11" name="Picture 4" descr="Ramen on yellow table">
+            <a:extLst>
+              <a:ext uri="{FF2B5EF4-FFF2-40B4-BE49-F238E27FC236}">
+                <a16:creationId xmlns:a16="http://schemas.microsoft.com/office/drawing/2014/main" id="{58E5CCF7-D3C0-A3DA-D587-C6E380B9CF7E}"/>
+              </a:ext>
+            </a:extLst>
+          </p:cNvPr>
+          <p:cNvPicPr>
+            <a:picLocks noChangeAspect="1"/>
+          </p:cNvPicPr>
+          <p:nvPr/>
+        </p:nvPicPr>
+        <p:blipFill rotWithShape="1">
+          <a:blip r:embed="rId2"/>
+          <a:srcRect l="9091" t="13131" b="10260"/>
+          <a:stretch/>
+        </p:blipFill>
+        <p:spPr>
+          <a:xfrm>
+            <a:off x="1" y="10"/>
+            <a:ext cx="12191999" cy="6857990"/>
+          </a:xfrm>
+          <a:prstGeom prst="rect">
+            <a:avLst/>
+          </a:prstGeom>
+        </p:spPr>
+      </p:pic>
+      <p:sp>
+        <p:nvSpPr>
+          <p:cNvPr id="18" name="Title 1">
+            <a:extLst>
+              <a:ext uri="{FF2B5EF4-FFF2-40B4-BE49-F238E27FC236}">
+                <a16:creationId xmlns:a16="http://schemas.microsoft.com/office/drawing/2014/main" id="{41E22F56-3CBF-DB42-400F-F0D2631F49BF}"/>
+              </a:ext>
+            </a:extLst>
+          </p:cNvPr>
+          <p:cNvSpPr>
+            <a:spLocks noGrp="1"/>
+          </p:cNvSpPr>
+          <p:nvPr>
+            <p:ph type="title"/>
+          </p:nvPr>
+        </p:nvSpPr>
+        <p:spPr>
+          <a:xfrm>
+            <a:off x="4223170" y="506526"/>
+            <a:ext cx="8596668" cy="640080"/>
+          </a:xfrm>
+        </p:spPr>
+        <p:txBody>
+          <a:bodyPr/>
+          <a:lstStyle/>
+          <a:p>
+            <a:r>
+              <a:rPr lang="en-US" dirty="0"/>
+              <a:t>Functionalities</a:t>
+            </a:r>
+          </a:p>
+        </p:txBody>
+      </p:sp>
+      <p:sp>
+        <p:nvSpPr>
+          <p:cNvPr id="20" name="Content Placeholder 2">
+            <a:extLst>
+              <a:ext uri="{FF2B5EF4-FFF2-40B4-BE49-F238E27FC236}">
+                <a16:creationId xmlns:a16="http://schemas.microsoft.com/office/drawing/2014/main" id="{B8B5D76A-D30B-F1F0-7B8E-ECE11AF2BB6B}"/>
+              </a:ext>
+            </a:extLst>
+          </p:cNvPr>
+          <p:cNvSpPr>
+            <a:spLocks noGrp="1"/>
+          </p:cNvSpPr>
+          <p:nvPr>
+            <p:ph idx="1"/>
+          </p:nvPr>
+        </p:nvSpPr>
+        <p:spPr>
+          <a:xfrm>
+            <a:off x="4700247" y="1322659"/>
+            <a:ext cx="7157135" cy="3696602"/>
+          </a:xfrm>
+        </p:spPr>
+        <p:txBody>
+          <a:bodyPr>
+            <a:normAutofit/>
+          </a:bodyPr>
+          <a:lstStyle/>
+          <a:p>
+            <a:r>
+              <a:rPr lang="en-US" dirty="0"/>
+              <a:t>Offers seamless recipe search and exploration.</a:t>
+            </a:r>
+          </a:p>
+          <a:p>
+            <a:r>
+              <a:rPr lang="en-US" dirty="0"/>
+              <a:t>Gmail login.</a:t>
+            </a:r>
+          </a:p>
+          <a:p>
+            <a:r>
+              <a:rPr lang="en-US" dirty="0"/>
+              <a:t>Select preferred three categories @AppStore / (</a:t>
+            </a:r>
+            <a:r>
+              <a:rPr lang="en-US" dirty="0" err="1"/>
+              <a:t>userDefaults</a:t>
+            </a:r>
+            <a:r>
+              <a:rPr lang="en-US" dirty="0"/>
+              <a:t>).</a:t>
+            </a:r>
+          </a:p>
+          <a:p>
+            <a:r>
+              <a:rPr lang="en-US" dirty="0"/>
+              <a:t>Full list of recipes from selected categories.</a:t>
+            </a:r>
+          </a:p>
+          <a:p>
+            <a:r>
+              <a:rPr lang="en-US" dirty="0"/>
+              <a:t>Favorites (in CoreData).</a:t>
+            </a:r>
+          </a:p>
+          <a:p>
+            <a:r>
+              <a:rPr lang="en-US" dirty="0"/>
+              <a:t>Recipes Details with images and or YouTube videos.</a:t>
+            </a:r>
+          </a:p>
+          <a:p>
+            <a:r>
+              <a:rPr lang="en-US" dirty="0"/>
+              <a:t>Profile Screen </a:t>
+            </a:r>
+            <a:r>
+              <a:rPr lang="en-US" dirty="0" err="1"/>
+              <a:t>UIKit</a:t>
+            </a:r>
+            <a:r>
+              <a:rPr lang="en-US" dirty="0"/>
+              <a:t>.</a:t>
+            </a:r>
+          </a:p>
+        </p:txBody>
+      </p:sp>
+    </p:spTree>
+    <p:extLst>
+      <p:ext uri="{BB962C8B-B14F-4D97-AF65-F5344CB8AC3E}">
+        <p14:creationId xmlns:p14="http://schemas.microsoft.com/office/powerpoint/2010/main" val="1642481232"/>
+      </p:ext>
+    </p:extLst>
+  </p:cSld>
+  <p:clrMapOvr>
+    <a:masterClrMapping/>
+  </p:clrMapOvr>
+</p:sld>
+</file>
+
+<file path=ppt/slides/slide5.xml><?xml version="1.0" encoding="utf-8"?>
+<p:sld xmlns:a="http://schemas.openxmlformats.org/drawingml/2006/main" xmlns:r="http://schemas.openxmlformats.org/officeDocument/2006/relationships" xmlns:p="http://schemas.openxmlformats.org/presentationml/2006/main">
+  <p:cSld>
     <p:bg>
       <p:bgPr>
         <a:solidFill>
@@ -12726,925 +14752,6 @@
 </p:sld>
 </file>
 
-<file path=ppt/slides/slide5.xml><?xml version="1.0" encoding="utf-8"?>
-<p:sld xmlns:a="http://schemas.openxmlformats.org/drawingml/2006/main" xmlns:r="http://schemas.openxmlformats.org/officeDocument/2006/relationships" xmlns:p="http://schemas.openxmlformats.org/presentationml/2006/main">
-  <p:cSld>
-    <p:bg>
-      <p:bgPr>
-        <a:solidFill>
-          <a:schemeClr val="bg1"/>
-        </a:solidFill>
-        <a:effectLst/>
-      </p:bgPr>
-    </p:bg>
-    <p:spTree>
-      <p:nvGrpSpPr>
-        <p:cNvPr id="1" name=""/>
-        <p:cNvGrpSpPr/>
-        <p:nvPr/>
-      </p:nvGrpSpPr>
-      <p:grpSpPr>
-        <a:xfrm>
-          <a:off x="0" y="0"/>
-          <a:ext cx="0" cy="0"/>
-          <a:chOff x="0" y="0"/>
-          <a:chExt cx="0" cy="0"/>
-        </a:xfrm>
-      </p:grpSpPr>
-      <p:pic>
-        <p:nvPicPr>
-          <p:cNvPr id="11" name="Picture 4" descr="Ramen on yellow table">
-            <a:extLst>
-              <a:ext uri="{FF2B5EF4-FFF2-40B4-BE49-F238E27FC236}">
-                <a16:creationId xmlns:a16="http://schemas.microsoft.com/office/drawing/2014/main" id="{58E5CCF7-D3C0-A3DA-D587-C6E380B9CF7E}"/>
-              </a:ext>
-            </a:extLst>
-          </p:cNvPr>
-          <p:cNvPicPr>
-            <a:picLocks noChangeAspect="1"/>
-          </p:cNvPicPr>
-          <p:nvPr/>
-        </p:nvPicPr>
-        <p:blipFill rotWithShape="1">
-          <a:blip r:embed="rId2"/>
-          <a:srcRect l="9091" t="13131" b="10260"/>
-          <a:stretch/>
-        </p:blipFill>
-        <p:spPr>
-          <a:xfrm>
-            <a:off x="1" y="10"/>
-            <a:ext cx="12191999" cy="6857990"/>
-          </a:xfrm>
-          <a:prstGeom prst="rect">
-            <a:avLst/>
-          </a:prstGeom>
-        </p:spPr>
-      </p:pic>
-      <p:sp>
-        <p:nvSpPr>
-          <p:cNvPr id="17" name="Isosceles Triangle 16">
-            <a:extLst>
-              <a:ext uri="{FF2B5EF4-FFF2-40B4-BE49-F238E27FC236}">
-                <a16:creationId xmlns:a16="http://schemas.microsoft.com/office/drawing/2014/main" id="{DD6B6433-CCD9-42F6-83C5-76BCAA8FEE69}"/>
-              </a:ext>
-              <a:ext uri="{C183D7F6-B498-43B3-948B-1728B52AA6E4}">
-                <adec:decorative xmlns:adec="http://schemas.microsoft.com/office/drawing/2017/decorative" val="1"/>
-              </a:ext>
-            </a:extLst>
-          </p:cNvPr>
-          <p:cNvSpPr>
-            <a:spLocks noGrp="1" noRot="1" noChangeAspect="1" noMove="1" noResize="1" noEditPoints="1" noAdjustHandles="1" noChangeArrowheads="1" noChangeShapeType="1" noTextEdit="1"/>
-          </p:cNvSpPr>
-          <p:nvPr>
-            <p:extLst>
-              <p:ext uri="{386F3935-93C4-4BCD-93E2-E3B085C9AB24}">
-                <p16:designElem xmlns:p16="http://schemas.microsoft.com/office/powerpoint/2015/main" val="1"/>
-              </p:ext>
-            </p:extLst>
-          </p:nvPr>
-        </p:nvSpPr>
-        <p:spPr>
-          <a:xfrm rot="10800000">
-            <a:off x="0" y="0"/>
-            <a:ext cx="842596" cy="5666154"/>
-          </a:xfrm>
-          <a:prstGeom prst="triangle">
-            <a:avLst>
-              <a:gd name="adj" fmla="val 100000"/>
-            </a:avLst>
-          </a:prstGeom>
-          <a:solidFill>
-            <a:schemeClr val="accent1">
-              <a:alpha val="85000"/>
-            </a:schemeClr>
-          </a:solidFill>
-          <a:ln>
-            <a:noFill/>
-          </a:ln>
-          <a:effectLst/>
-        </p:spPr>
-        <p:style>
-          <a:lnRef idx="1">
-            <a:schemeClr val="accent1"/>
-          </a:lnRef>
-          <a:fillRef idx="3">
-            <a:schemeClr val="accent1"/>
-          </a:fillRef>
-          <a:effectRef idx="2">
-            <a:schemeClr val="accent1"/>
-          </a:effectRef>
-          <a:fontRef idx="minor">
-            <a:schemeClr val="lt1"/>
-          </a:fontRef>
-        </p:style>
-      </p:sp>
-      <p:sp>
-        <p:nvSpPr>
-          <p:cNvPr id="19" name="Parallelogram 18">
-            <a:extLst>
-              <a:ext uri="{FF2B5EF4-FFF2-40B4-BE49-F238E27FC236}">
-                <a16:creationId xmlns:a16="http://schemas.microsoft.com/office/drawing/2014/main" id="{442B55CB-F27D-4C06-89E5-4EC99A519CBE}"/>
-              </a:ext>
-              <a:ext uri="{C183D7F6-B498-43B3-948B-1728B52AA6E4}">
-                <adec:decorative xmlns:adec="http://schemas.microsoft.com/office/drawing/2017/decorative" val="1"/>
-              </a:ext>
-            </a:extLst>
-          </p:cNvPr>
-          <p:cNvSpPr>
-            <a:spLocks noGrp="1" noRot="1" noChangeAspect="1" noMove="1" noResize="1" noEditPoints="1" noAdjustHandles="1" noChangeArrowheads="1" noChangeShapeType="1" noTextEdit="1"/>
-          </p:cNvSpPr>
-          <p:nvPr>
-            <p:extLst>
-              <p:ext uri="{386F3935-93C4-4BCD-93E2-E3B085C9AB24}">
-                <p16:designElem xmlns:p16="http://schemas.microsoft.com/office/powerpoint/2015/main" val="1"/>
-              </p:ext>
-            </p:extLst>
-          </p:nvPr>
-        </p:nvSpPr>
-        <p:spPr>
-          <a:xfrm>
-            <a:off x="1624188" y="0"/>
-            <a:ext cx="9372600" cy="6858000"/>
-          </a:xfrm>
-          <a:prstGeom prst="parallelogram">
-            <a:avLst>
-              <a:gd name="adj" fmla="val 14937"/>
-            </a:avLst>
-          </a:prstGeom>
-          <a:solidFill>
-            <a:schemeClr val="bg1">
-              <a:alpha val="94000"/>
-            </a:schemeClr>
-          </a:solidFill>
-          <a:ln>
-            <a:noFill/>
-          </a:ln>
-          <a:effectLst/>
-        </p:spPr>
-        <p:style>
-          <a:lnRef idx="1">
-            <a:schemeClr val="accent1"/>
-          </a:lnRef>
-          <a:fillRef idx="3">
-            <a:schemeClr val="accent1"/>
-          </a:fillRef>
-          <a:effectRef idx="2">
-            <a:schemeClr val="accent1"/>
-          </a:effectRef>
-          <a:fontRef idx="minor">
-            <a:schemeClr val="lt1"/>
-          </a:fontRef>
-        </p:style>
-        <p:txBody>
-          <a:bodyPr rtlCol="0" anchor="ctr"/>
-          <a:lstStyle/>
-          <a:p>
-            <a:pPr algn="ctr"/>
-            <a:endParaRPr lang="en-US"/>
-          </a:p>
-        </p:txBody>
-      </p:sp>
-      <p:cxnSp>
-        <p:nvCxnSpPr>
-          <p:cNvPr id="21" name="Straight Connector 20">
-            <a:extLst>
-              <a:ext uri="{FF2B5EF4-FFF2-40B4-BE49-F238E27FC236}">
-                <a16:creationId xmlns:a16="http://schemas.microsoft.com/office/drawing/2014/main" id="{48527540-7F01-4C2E-9641-738882048E3D}"/>
-              </a:ext>
-              <a:ext uri="{C183D7F6-B498-43B3-948B-1728B52AA6E4}">
-                <adec:decorative xmlns:adec="http://schemas.microsoft.com/office/drawing/2017/decorative" val="1"/>
-              </a:ext>
-            </a:extLst>
-          </p:cNvPr>
-          <p:cNvCxnSpPr>
-            <a:cxnSpLocks noGrp="1" noRot="1" noChangeAspect="1" noMove="1" noResize="1" noEditPoints="1" noAdjustHandles="1" noChangeArrowheads="1" noChangeShapeType="1"/>
-          </p:cNvCxnSpPr>
-          <p:nvPr>
-            <p:extLst>
-              <p:ext uri="{386F3935-93C4-4BCD-93E2-E3B085C9AB24}">
-                <p16:designElem xmlns:p16="http://schemas.microsoft.com/office/powerpoint/2015/main" val="1"/>
-              </p:ext>
-            </p:extLst>
-          </p:nvPr>
-        </p:nvCxnSpPr>
-        <p:spPr>
-          <a:xfrm>
-            <a:off x="9371012" y="0"/>
-            <a:ext cx="1219200" cy="6858000"/>
-          </a:xfrm>
-          <a:prstGeom prst="line">
-            <a:avLst/>
-          </a:prstGeom>
-          <a:ln w="9525">
-            <a:solidFill>
-              <a:schemeClr val="bg1">
-                <a:lumMod val="75000"/>
-              </a:schemeClr>
-            </a:solidFill>
-          </a:ln>
-        </p:spPr>
-        <p:style>
-          <a:lnRef idx="2">
-            <a:schemeClr val="accent1"/>
-          </a:lnRef>
-          <a:fillRef idx="0">
-            <a:schemeClr val="accent1"/>
-          </a:fillRef>
-          <a:effectRef idx="1">
-            <a:schemeClr val="accent1"/>
-          </a:effectRef>
-          <a:fontRef idx="minor">
-            <a:schemeClr val="tx1"/>
-          </a:fontRef>
-        </p:style>
-      </p:cxnSp>
-      <p:cxnSp>
-        <p:nvCxnSpPr>
-          <p:cNvPr id="23" name="Straight Connector 22">
-            <a:extLst>
-              <a:ext uri="{FF2B5EF4-FFF2-40B4-BE49-F238E27FC236}">
-                <a16:creationId xmlns:a16="http://schemas.microsoft.com/office/drawing/2014/main" id="{D6F60FB6-F855-43F0-A752-3719156C1E04}"/>
-              </a:ext>
-              <a:ext uri="{C183D7F6-B498-43B3-948B-1728B52AA6E4}">
-                <adec:decorative xmlns:adec="http://schemas.microsoft.com/office/drawing/2017/decorative" val="1"/>
-              </a:ext>
-            </a:extLst>
-          </p:cNvPr>
-          <p:cNvCxnSpPr>
-            <a:cxnSpLocks noGrp="1" noRot="1" noChangeAspect="1" noMove="1" noResize="1" noEditPoints="1" noAdjustHandles="1" noChangeArrowheads="1" noChangeShapeType="1"/>
-          </p:cNvCxnSpPr>
-          <p:nvPr>
-            <p:extLst>
-              <p:ext uri="{386F3935-93C4-4BCD-93E2-E3B085C9AB24}">
-                <p16:designElem xmlns:p16="http://schemas.microsoft.com/office/powerpoint/2015/main" val="1"/>
-              </p:ext>
-            </p:extLst>
-          </p:nvPr>
-        </p:nvCxnSpPr>
-        <p:spPr>
-          <a:xfrm flipH="1">
-            <a:off x="7425267" y="3681413"/>
-            <a:ext cx="4763558" cy="3176587"/>
-          </a:xfrm>
-          <a:prstGeom prst="line">
-            <a:avLst/>
-          </a:prstGeom>
-          <a:ln w="9525">
-            <a:solidFill>
-              <a:schemeClr val="bg1">
-                <a:lumMod val="85000"/>
-              </a:schemeClr>
-            </a:solidFill>
-          </a:ln>
-        </p:spPr>
-        <p:style>
-          <a:lnRef idx="2">
-            <a:schemeClr val="accent1"/>
-          </a:lnRef>
-          <a:fillRef idx="0">
-            <a:schemeClr val="accent1"/>
-          </a:fillRef>
-          <a:effectRef idx="1">
-            <a:schemeClr val="accent1"/>
-          </a:effectRef>
-          <a:fontRef idx="minor">
-            <a:schemeClr val="tx1"/>
-          </a:fontRef>
-        </p:style>
-      </p:cxnSp>
-      <p:sp>
-        <p:nvSpPr>
-          <p:cNvPr id="25" name="Rectangle 23">
-            <a:extLst>
-              <a:ext uri="{FF2B5EF4-FFF2-40B4-BE49-F238E27FC236}">
-                <a16:creationId xmlns:a16="http://schemas.microsoft.com/office/drawing/2014/main" id="{70669A81-0E9B-4B42-AFEA-8F672C6CFBA7}"/>
-              </a:ext>
-              <a:ext uri="{C183D7F6-B498-43B3-948B-1728B52AA6E4}">
-                <adec:decorative xmlns:adec="http://schemas.microsoft.com/office/drawing/2017/decorative" val="1"/>
-              </a:ext>
-            </a:extLst>
-          </p:cNvPr>
-          <p:cNvSpPr>
-            <a:spLocks noGrp="1" noRot="1" noChangeAspect="1" noMove="1" noResize="1" noEditPoints="1" noAdjustHandles="1" noChangeArrowheads="1" noChangeShapeType="1" noTextEdit="1"/>
-          </p:cNvSpPr>
-          <p:nvPr>
-            <p:extLst>
-              <p:ext uri="{386F3935-93C4-4BCD-93E2-E3B085C9AB24}">
-                <p16:designElem xmlns:p16="http://schemas.microsoft.com/office/powerpoint/2015/main" val="1"/>
-              </p:ext>
-            </p:extLst>
-          </p:nvPr>
-        </p:nvSpPr>
-        <p:spPr>
-          <a:xfrm>
-            <a:off x="9181476" y="-8467"/>
-            <a:ext cx="3007349" cy="6866467"/>
-          </a:xfrm>
-          <a:custGeom>
-            <a:avLst/>
-            <a:gdLst/>
-            <a:ahLst/>
-            <a:cxnLst/>
-            <a:rect l="l" t="t" r="r" b="b"/>
-            <a:pathLst>
-              <a:path w="3007349" h="6866467">
-                <a:moveTo>
-                  <a:pt x="2045532" y="0"/>
-                </a:moveTo>
-                <a:lnTo>
-                  <a:pt x="3007349" y="0"/>
-                </a:lnTo>
-                <a:lnTo>
-                  <a:pt x="3007349" y="6866467"/>
-                </a:lnTo>
-                <a:lnTo>
-                  <a:pt x="0" y="6866467"/>
-                </a:lnTo>
-                <a:lnTo>
-                  <a:pt x="2045532" y="0"/>
-                </a:lnTo>
-                <a:close/>
-              </a:path>
-            </a:pathLst>
-          </a:custGeom>
-          <a:solidFill>
-            <a:schemeClr val="accent1">
-              <a:alpha val="30000"/>
-            </a:schemeClr>
-          </a:solidFill>
-          <a:ln>
-            <a:noFill/>
-          </a:ln>
-          <a:effectLst/>
-        </p:spPr>
-        <p:style>
-          <a:lnRef idx="1">
-            <a:schemeClr val="accent1"/>
-          </a:lnRef>
-          <a:fillRef idx="3">
-            <a:schemeClr val="accent1"/>
-          </a:fillRef>
-          <a:effectRef idx="2">
-            <a:schemeClr val="accent1"/>
-          </a:effectRef>
-          <a:fontRef idx="minor">
-            <a:schemeClr val="lt1"/>
-          </a:fontRef>
-        </p:style>
-      </p:sp>
-      <p:sp>
-        <p:nvSpPr>
-          <p:cNvPr id="27" name="Rectangle 25">
-            <a:extLst>
-              <a:ext uri="{FF2B5EF4-FFF2-40B4-BE49-F238E27FC236}">
-                <a16:creationId xmlns:a16="http://schemas.microsoft.com/office/drawing/2014/main" id="{8C93E0C6-CF08-4771-B5A9-6018CB3AED59}"/>
-              </a:ext>
-              <a:ext uri="{C183D7F6-B498-43B3-948B-1728B52AA6E4}">
-                <adec:decorative xmlns:adec="http://schemas.microsoft.com/office/drawing/2017/decorative" val="1"/>
-              </a:ext>
-            </a:extLst>
-          </p:cNvPr>
-          <p:cNvSpPr>
-            <a:spLocks noGrp="1" noRot="1" noChangeAspect="1" noMove="1" noResize="1" noEditPoints="1" noAdjustHandles="1" noChangeArrowheads="1" noChangeShapeType="1" noTextEdit="1"/>
-          </p:cNvSpPr>
-          <p:nvPr>
-            <p:extLst>
-              <p:ext uri="{386F3935-93C4-4BCD-93E2-E3B085C9AB24}">
-                <p16:designElem xmlns:p16="http://schemas.microsoft.com/office/powerpoint/2015/main" val="1"/>
-              </p:ext>
-            </p:extLst>
-          </p:nvPr>
-        </p:nvSpPr>
-        <p:spPr>
-          <a:xfrm>
-            <a:off x="9603442" y="-8467"/>
-            <a:ext cx="2588558" cy="6866467"/>
-          </a:xfrm>
-          <a:custGeom>
-            <a:avLst/>
-            <a:gdLst/>
-            <a:ahLst/>
-            <a:cxnLst/>
-            <a:rect l="l" t="t" r="r" b="b"/>
-            <a:pathLst>
-              <a:path w="2573311" h="6866467">
-                <a:moveTo>
-                  <a:pt x="0" y="0"/>
-                </a:moveTo>
-                <a:lnTo>
-                  <a:pt x="2573311" y="0"/>
-                </a:lnTo>
-                <a:lnTo>
-                  <a:pt x="2573311" y="6866467"/>
-                </a:lnTo>
-                <a:lnTo>
-                  <a:pt x="1202336" y="6866467"/>
-                </a:lnTo>
-                <a:lnTo>
-                  <a:pt x="0" y="0"/>
-                </a:lnTo>
-                <a:close/>
-              </a:path>
-            </a:pathLst>
-          </a:custGeom>
-          <a:solidFill>
-            <a:schemeClr val="accent1">
-              <a:alpha val="20000"/>
-            </a:schemeClr>
-          </a:solidFill>
-          <a:ln>
-            <a:noFill/>
-          </a:ln>
-          <a:effectLst/>
-        </p:spPr>
-        <p:style>
-          <a:lnRef idx="1">
-            <a:schemeClr val="accent1"/>
-          </a:lnRef>
-          <a:fillRef idx="3">
-            <a:schemeClr val="accent1"/>
-          </a:fillRef>
-          <a:effectRef idx="2">
-            <a:schemeClr val="accent1"/>
-          </a:effectRef>
-          <a:fontRef idx="minor">
-            <a:schemeClr val="lt1"/>
-          </a:fontRef>
-        </p:style>
-      </p:sp>
-      <p:sp>
-        <p:nvSpPr>
-          <p:cNvPr id="29" name="Isosceles Triangle 28">
-            <a:extLst>
-              <a:ext uri="{FF2B5EF4-FFF2-40B4-BE49-F238E27FC236}">
-                <a16:creationId xmlns:a16="http://schemas.microsoft.com/office/drawing/2014/main" id="{A011F1B8-62C5-4D08-A621-EAD05C7D6905}"/>
-              </a:ext>
-              <a:ext uri="{C183D7F6-B498-43B3-948B-1728B52AA6E4}">
-                <adec:decorative xmlns:adec="http://schemas.microsoft.com/office/drawing/2017/decorative" val="1"/>
-              </a:ext>
-            </a:extLst>
-          </p:cNvPr>
-          <p:cNvSpPr>
-            <a:spLocks noGrp="1" noRot="1" noChangeAspect="1" noMove="1" noResize="1" noEditPoints="1" noAdjustHandles="1" noChangeArrowheads="1" noChangeShapeType="1" noTextEdit="1"/>
-          </p:cNvSpPr>
-          <p:nvPr>
-            <p:extLst>
-              <p:ext uri="{386F3935-93C4-4BCD-93E2-E3B085C9AB24}">
-                <p16:designElem xmlns:p16="http://schemas.microsoft.com/office/powerpoint/2015/main" val="1"/>
-              </p:ext>
-            </p:extLst>
-          </p:nvPr>
-        </p:nvSpPr>
-        <p:spPr>
-          <a:xfrm>
-            <a:off x="8932333" y="3048000"/>
-            <a:ext cx="3259667" cy="3810000"/>
-          </a:xfrm>
-          <a:prstGeom prst="triangle">
-            <a:avLst>
-              <a:gd name="adj" fmla="val 100000"/>
-            </a:avLst>
-          </a:prstGeom>
-          <a:solidFill>
-            <a:schemeClr val="accent2">
-              <a:alpha val="72000"/>
-            </a:schemeClr>
-          </a:solidFill>
-          <a:ln>
-            <a:noFill/>
-          </a:ln>
-          <a:effectLst/>
-        </p:spPr>
-        <p:style>
-          <a:lnRef idx="1">
-            <a:schemeClr val="accent1"/>
-          </a:lnRef>
-          <a:fillRef idx="3">
-            <a:schemeClr val="accent1"/>
-          </a:fillRef>
-          <a:effectRef idx="2">
-            <a:schemeClr val="accent1"/>
-          </a:effectRef>
-          <a:fontRef idx="minor">
-            <a:schemeClr val="lt1"/>
-          </a:fontRef>
-        </p:style>
-      </p:sp>
-      <p:sp>
-        <p:nvSpPr>
-          <p:cNvPr id="31" name="Rectangle 27">
-            <a:extLst>
-              <a:ext uri="{FF2B5EF4-FFF2-40B4-BE49-F238E27FC236}">
-                <a16:creationId xmlns:a16="http://schemas.microsoft.com/office/drawing/2014/main" id="{C6A6AECB-428C-4CB4-B65A-359F08B6D8F8}"/>
-              </a:ext>
-              <a:ext uri="{C183D7F6-B498-43B3-948B-1728B52AA6E4}">
-                <adec:decorative xmlns:adec="http://schemas.microsoft.com/office/drawing/2017/decorative" val="1"/>
-              </a:ext>
-            </a:extLst>
-          </p:cNvPr>
-          <p:cNvSpPr>
-            <a:spLocks noGrp="1" noRot="1" noChangeAspect="1" noMove="1" noResize="1" noEditPoints="1" noAdjustHandles="1" noChangeArrowheads="1" noChangeShapeType="1" noTextEdit="1"/>
-          </p:cNvSpPr>
-          <p:nvPr>
-            <p:extLst>
-              <p:ext uri="{386F3935-93C4-4BCD-93E2-E3B085C9AB24}">
-                <p16:designElem xmlns:p16="http://schemas.microsoft.com/office/powerpoint/2015/main" val="1"/>
-              </p:ext>
-            </p:extLst>
-          </p:nvPr>
-        </p:nvSpPr>
-        <p:spPr>
-          <a:xfrm>
-            <a:off x="9334500" y="-8467"/>
-            <a:ext cx="2854326" cy="6866467"/>
-          </a:xfrm>
-          <a:custGeom>
-            <a:avLst/>
-            <a:gdLst/>
-            <a:ahLst/>
-            <a:cxnLst/>
-            <a:rect l="l" t="t" r="r" b="b"/>
-            <a:pathLst>
-              <a:path w="2858013" h="6866467">
-                <a:moveTo>
-                  <a:pt x="0" y="0"/>
-                </a:moveTo>
-                <a:lnTo>
-                  <a:pt x="2858013" y="0"/>
-                </a:lnTo>
-                <a:lnTo>
-                  <a:pt x="2858013" y="6866467"/>
-                </a:lnTo>
-                <a:lnTo>
-                  <a:pt x="2473942" y="6866467"/>
-                </a:lnTo>
-                <a:lnTo>
-                  <a:pt x="0" y="0"/>
-                </a:lnTo>
-                <a:close/>
-              </a:path>
-            </a:pathLst>
-          </a:custGeom>
-          <a:solidFill>
-            <a:schemeClr val="accent2">
-              <a:lumMod val="75000"/>
-              <a:alpha val="47000"/>
-            </a:schemeClr>
-          </a:solidFill>
-          <a:ln>
-            <a:noFill/>
-          </a:ln>
-          <a:effectLst/>
-        </p:spPr>
-        <p:style>
-          <a:lnRef idx="1">
-            <a:schemeClr val="accent1"/>
-          </a:lnRef>
-          <a:fillRef idx="3">
-            <a:schemeClr val="accent1"/>
-          </a:fillRef>
-          <a:effectRef idx="2">
-            <a:schemeClr val="accent1"/>
-          </a:effectRef>
-          <a:fontRef idx="minor">
-            <a:schemeClr val="lt1"/>
-          </a:fontRef>
-        </p:style>
-      </p:sp>
-      <p:sp>
-        <p:nvSpPr>
-          <p:cNvPr id="33" name="Rectangle 28">
-            <a:extLst>
-              <a:ext uri="{FF2B5EF4-FFF2-40B4-BE49-F238E27FC236}">
-                <a16:creationId xmlns:a16="http://schemas.microsoft.com/office/drawing/2014/main" id="{28D1A6ED-2AB6-46A3-A315-485B8BF936D8}"/>
-              </a:ext>
-              <a:ext uri="{C183D7F6-B498-43B3-948B-1728B52AA6E4}">
-                <adec:decorative xmlns:adec="http://schemas.microsoft.com/office/drawing/2017/decorative" val="1"/>
-              </a:ext>
-            </a:extLst>
-          </p:cNvPr>
-          <p:cNvSpPr>
-            <a:spLocks noGrp="1" noRot="1" noChangeAspect="1" noMove="1" noResize="1" noEditPoints="1" noAdjustHandles="1" noChangeArrowheads="1" noChangeShapeType="1" noTextEdit="1"/>
-          </p:cNvSpPr>
-          <p:nvPr>
-            <p:extLst>
-              <p:ext uri="{386F3935-93C4-4BCD-93E2-E3B085C9AB24}">
-                <p16:designElem xmlns:p16="http://schemas.microsoft.com/office/powerpoint/2015/main" val="1"/>
-              </p:ext>
-            </p:extLst>
-          </p:nvPr>
-        </p:nvSpPr>
-        <p:spPr>
-          <a:xfrm>
-            <a:off x="10898730" y="-8467"/>
-            <a:ext cx="1290094" cy="6866467"/>
-          </a:xfrm>
-          <a:custGeom>
-            <a:avLst/>
-            <a:gdLst/>
-            <a:ahLst/>
-            <a:cxnLst/>
-            <a:rect l="l" t="t" r="r" b="b"/>
-            <a:pathLst>
-              <a:path w="1290094" h="6858000">
-                <a:moveTo>
-                  <a:pt x="1019735" y="0"/>
-                </a:moveTo>
-                <a:lnTo>
-                  <a:pt x="1290094" y="0"/>
-                </a:lnTo>
-                <a:lnTo>
-                  <a:pt x="1290094" y="6858000"/>
-                </a:lnTo>
-                <a:lnTo>
-                  <a:pt x="0" y="6858000"/>
-                </a:lnTo>
-                <a:lnTo>
-                  <a:pt x="1019735" y="0"/>
-                </a:lnTo>
-                <a:close/>
-              </a:path>
-            </a:pathLst>
-          </a:custGeom>
-          <a:solidFill>
-            <a:schemeClr val="accent1">
-              <a:lumMod val="60000"/>
-              <a:lumOff val="40000"/>
-              <a:alpha val="70000"/>
-            </a:schemeClr>
-          </a:solidFill>
-          <a:ln>
-            <a:noFill/>
-          </a:ln>
-          <a:effectLst/>
-        </p:spPr>
-        <p:style>
-          <a:lnRef idx="1">
-            <a:schemeClr val="accent1"/>
-          </a:lnRef>
-          <a:fillRef idx="3">
-            <a:schemeClr val="accent1"/>
-          </a:fillRef>
-          <a:effectRef idx="2">
-            <a:schemeClr val="accent1"/>
-          </a:effectRef>
-          <a:fontRef idx="minor">
-            <a:schemeClr val="lt1"/>
-          </a:fontRef>
-        </p:style>
-      </p:sp>
-      <p:sp>
-        <p:nvSpPr>
-          <p:cNvPr id="35" name="Rectangle 29">
-            <a:extLst>
-              <a:ext uri="{FF2B5EF4-FFF2-40B4-BE49-F238E27FC236}">
-                <a16:creationId xmlns:a16="http://schemas.microsoft.com/office/drawing/2014/main" id="{B61CE46B-8525-46A8-AB7B-DCBCC1B65F9A}"/>
-              </a:ext>
-              <a:ext uri="{C183D7F6-B498-43B3-948B-1728B52AA6E4}">
-                <adec:decorative xmlns:adec="http://schemas.microsoft.com/office/drawing/2017/decorative" val="1"/>
-              </a:ext>
-            </a:extLst>
-          </p:cNvPr>
-          <p:cNvSpPr>
-            <a:spLocks noGrp="1" noRot="1" noChangeAspect="1" noMove="1" noResize="1" noEditPoints="1" noAdjustHandles="1" noChangeArrowheads="1" noChangeShapeType="1" noTextEdit="1"/>
-          </p:cNvSpPr>
-          <p:nvPr>
-            <p:extLst>
-              <p:ext uri="{386F3935-93C4-4BCD-93E2-E3B085C9AB24}">
-                <p16:designElem xmlns:p16="http://schemas.microsoft.com/office/powerpoint/2015/main" val="1"/>
-              </p:ext>
-            </p:extLst>
-          </p:nvPr>
-        </p:nvSpPr>
-        <p:spPr>
-          <a:xfrm>
-            <a:off x="10938999" y="-8467"/>
-            <a:ext cx="1249825" cy="6866467"/>
-          </a:xfrm>
-          <a:custGeom>
-            <a:avLst/>
-            <a:gdLst/>
-            <a:ahLst/>
-            <a:cxnLst/>
-            <a:rect l="l" t="t" r="r" b="b"/>
-            <a:pathLst>
-              <a:path w="1249825" h="6858000">
-                <a:moveTo>
-                  <a:pt x="0" y="0"/>
-                </a:moveTo>
-                <a:lnTo>
-                  <a:pt x="1249825" y="0"/>
-                </a:lnTo>
-                <a:lnTo>
-                  <a:pt x="1249825" y="6858000"/>
-                </a:lnTo>
-                <a:lnTo>
-                  <a:pt x="1109382" y="6858000"/>
-                </a:lnTo>
-                <a:lnTo>
-                  <a:pt x="0" y="0"/>
-                </a:lnTo>
-                <a:close/>
-              </a:path>
-            </a:pathLst>
-          </a:custGeom>
-          <a:solidFill>
-            <a:schemeClr val="accent1">
-              <a:alpha val="65000"/>
-            </a:schemeClr>
-          </a:solidFill>
-          <a:ln>
-            <a:noFill/>
-          </a:ln>
-          <a:effectLst/>
-        </p:spPr>
-        <p:style>
-          <a:lnRef idx="1">
-            <a:schemeClr val="accent1"/>
-          </a:lnRef>
-          <a:fillRef idx="3">
-            <a:schemeClr val="accent1"/>
-          </a:fillRef>
-          <a:effectRef idx="2">
-            <a:schemeClr val="accent1"/>
-          </a:effectRef>
-          <a:fontRef idx="minor">
-            <a:schemeClr val="lt1"/>
-          </a:fontRef>
-        </p:style>
-      </p:sp>
-      <p:sp>
-        <p:nvSpPr>
-          <p:cNvPr id="37" name="Isosceles Triangle 36">
-            <a:extLst>
-              <a:ext uri="{FF2B5EF4-FFF2-40B4-BE49-F238E27FC236}">
-                <a16:creationId xmlns:a16="http://schemas.microsoft.com/office/drawing/2014/main" id="{4412B991-9935-45FB-A17E-8F30DD832561}"/>
-              </a:ext>
-              <a:ext uri="{C183D7F6-B498-43B3-948B-1728B52AA6E4}">
-                <adec:decorative xmlns:adec="http://schemas.microsoft.com/office/drawing/2017/decorative" val="1"/>
-              </a:ext>
-            </a:extLst>
-          </p:cNvPr>
-          <p:cNvSpPr>
-            <a:spLocks noGrp="1" noRot="1" noChangeAspect="1" noMove="1" noResize="1" noEditPoints="1" noAdjustHandles="1" noChangeArrowheads="1" noChangeShapeType="1" noTextEdit="1"/>
-          </p:cNvSpPr>
-          <p:nvPr>
-            <p:extLst>
-              <p:ext uri="{386F3935-93C4-4BCD-93E2-E3B085C9AB24}">
-                <p16:designElem xmlns:p16="http://schemas.microsoft.com/office/powerpoint/2015/main" val="1"/>
-              </p:ext>
-            </p:extLst>
-          </p:nvPr>
-        </p:nvSpPr>
-        <p:spPr>
-          <a:xfrm>
-            <a:off x="10371666" y="3589867"/>
-            <a:ext cx="1817159" cy="3268133"/>
-          </a:xfrm>
-          <a:prstGeom prst="triangle">
-            <a:avLst>
-              <a:gd name="adj" fmla="val 100000"/>
-            </a:avLst>
-          </a:prstGeom>
-          <a:solidFill>
-            <a:schemeClr val="accent1">
-              <a:alpha val="80000"/>
-            </a:schemeClr>
-          </a:solidFill>
-          <a:ln>
-            <a:noFill/>
-          </a:ln>
-          <a:effectLst/>
-        </p:spPr>
-        <p:style>
-          <a:lnRef idx="1">
-            <a:schemeClr val="accent1"/>
-          </a:lnRef>
-          <a:fillRef idx="3">
-            <a:schemeClr val="accent1"/>
-          </a:fillRef>
-          <a:effectRef idx="2">
-            <a:schemeClr val="accent1"/>
-          </a:effectRef>
-          <a:fontRef idx="minor">
-            <a:schemeClr val="lt1"/>
-          </a:fontRef>
-        </p:style>
-      </p:sp>
-      <p:sp>
-        <p:nvSpPr>
-          <p:cNvPr id="18" name="Title 1">
-            <a:extLst>
-              <a:ext uri="{FF2B5EF4-FFF2-40B4-BE49-F238E27FC236}">
-                <a16:creationId xmlns:a16="http://schemas.microsoft.com/office/drawing/2014/main" id="{41E22F56-3CBF-DB42-400F-F0D2631F49BF}"/>
-              </a:ext>
-            </a:extLst>
-          </p:cNvPr>
-          <p:cNvSpPr>
-            <a:spLocks noGrp="1"/>
-          </p:cNvSpPr>
-          <p:nvPr>
-            <p:ph type="title"/>
-          </p:nvPr>
-        </p:nvSpPr>
-        <p:spPr>
-          <a:xfrm>
-            <a:off x="2862021" y="468072"/>
-            <a:ext cx="8596668" cy="1168329"/>
-          </a:xfrm>
-        </p:spPr>
-        <p:txBody>
-          <a:bodyPr>
-            <a:normAutofit/>
-          </a:bodyPr>
-          <a:lstStyle/>
-          <a:p>
-            <a:r>
-              <a:rPr lang="en-US" dirty="0"/>
-              <a:t>Architecture</a:t>
-            </a:r>
-          </a:p>
-        </p:txBody>
-      </p:sp>
-      <p:sp>
-        <p:nvSpPr>
-          <p:cNvPr id="20" name="Content Placeholder 2">
-            <a:extLst>
-              <a:ext uri="{FF2B5EF4-FFF2-40B4-BE49-F238E27FC236}">
-                <a16:creationId xmlns:a16="http://schemas.microsoft.com/office/drawing/2014/main" id="{B8B5D76A-D30B-F1F0-7B8E-ECE11AF2BB6B}"/>
-              </a:ext>
-            </a:extLst>
-          </p:cNvPr>
-          <p:cNvSpPr>
-            <a:spLocks noGrp="1"/>
-          </p:cNvSpPr>
-          <p:nvPr>
-            <p:ph idx="1"/>
-          </p:nvPr>
-        </p:nvSpPr>
-        <p:spPr>
-          <a:xfrm>
-            <a:off x="2407948" y="1994338"/>
-            <a:ext cx="3736798" cy="1307464"/>
-          </a:xfrm>
-        </p:spPr>
-        <p:txBody>
-          <a:bodyPr/>
-          <a:lstStyle/>
-          <a:p>
-            <a:r>
-              <a:rPr lang="en-US" dirty="0"/>
-              <a:t>Utilizes MVVM-C architecture for maintainable code.</a:t>
-            </a:r>
-          </a:p>
-          <a:p>
-            <a:endParaRPr lang="en-US" dirty="0"/>
-          </a:p>
-        </p:txBody>
-      </p:sp>
-      <p:pic>
-        <p:nvPicPr>
-          <p:cNvPr id="2" name="Picture 1">
-            <a:extLst>
-              <a:ext uri="{FF2B5EF4-FFF2-40B4-BE49-F238E27FC236}">
-                <a16:creationId xmlns:a16="http://schemas.microsoft.com/office/drawing/2014/main" id="{8614E34F-BE3D-7B67-22B5-5E3704594B0D}"/>
-              </a:ext>
-            </a:extLst>
-          </p:cNvPr>
-          <p:cNvPicPr>
-            <a:picLocks noChangeAspect="1"/>
-          </p:cNvPicPr>
-          <p:nvPr/>
-        </p:nvPicPr>
-        <p:blipFill>
-          <a:blip r:embed="rId3"/>
-          <a:stretch>
-            <a:fillRect/>
-          </a:stretch>
-        </p:blipFill>
-        <p:spPr>
-          <a:xfrm>
-            <a:off x="6912970" y="759718"/>
-            <a:ext cx="3736798" cy="5330095"/>
-          </a:xfrm>
-          <a:prstGeom prst="rect">
-            <a:avLst/>
-          </a:prstGeom>
-        </p:spPr>
-      </p:pic>
-    </p:spTree>
-    <p:extLst>
-      <p:ext uri="{BB962C8B-B14F-4D97-AF65-F5344CB8AC3E}">
-        <p14:creationId xmlns:p14="http://schemas.microsoft.com/office/powerpoint/2010/main" val="1518976489"/>
-      </p:ext>
-    </p:extLst>
-  </p:cSld>
-  <p:clrMapOvr>
-    <a:masterClrMapping/>
-  </p:clrMapOvr>
-</p:sld>
-</file>
-
 <file path=ppt/slides/slide6.xml><?xml version="1.0" encoding="utf-8"?>
 <p:sld xmlns:a="http://schemas.openxmlformats.org/drawingml/2006/main" xmlns:r="http://schemas.openxmlformats.org/officeDocument/2006/relationships" xmlns:p="http://schemas.openxmlformats.org/presentationml/2006/main">
   <p:cSld>
@@ -14469,7 +15576,7 @@
         <p:spPr>
           <a:xfrm>
             <a:off x="2862021" y="468072"/>
-            <a:ext cx="6200473" cy="1583150"/>
+            <a:ext cx="8596668" cy="1168329"/>
           </a:xfrm>
         </p:spPr>
         <p:txBody>
@@ -14479,73 +15586,95 @@
           <a:lstStyle/>
           <a:p>
             <a:r>
-              <a:rPr lang="en-US" sz="6700" dirty="0"/>
-              <a:t>Design Patterns</a:t>
+              <a:rPr lang="en-US" dirty="0"/>
+              <a:t>Architecture</a:t>
             </a:r>
+          </a:p>
+        </p:txBody>
+      </p:sp>
+      <p:sp>
+        <p:nvSpPr>
+          <p:cNvPr id="20" name="Content Placeholder 2">
+            <a:extLst>
+              <a:ext uri="{FF2B5EF4-FFF2-40B4-BE49-F238E27FC236}">
+                <a16:creationId xmlns:a16="http://schemas.microsoft.com/office/drawing/2014/main" id="{B8B5D76A-D30B-F1F0-7B8E-ECE11AF2BB6B}"/>
+              </a:ext>
+            </a:extLst>
+          </p:cNvPr>
+          <p:cNvSpPr>
+            <a:spLocks noGrp="1"/>
+          </p:cNvSpPr>
+          <p:nvPr>
+            <p:ph idx="1"/>
+          </p:nvPr>
+        </p:nvSpPr>
+        <p:spPr>
+          <a:xfrm>
+            <a:off x="2407948" y="1994338"/>
+            <a:ext cx="3736798" cy="1307464"/>
+          </a:xfrm>
+        </p:spPr>
+        <p:txBody>
+          <a:bodyPr/>
+          <a:lstStyle/>
+          <a:p>
+            <a:r>
+              <a:rPr lang="en-US" dirty="0"/>
+              <a:t>Utilizes MVVM-C architecture for maintainable code.</a:t>
+            </a:r>
+          </a:p>
+          <a:p>
             <a:endParaRPr lang="en-US" dirty="0"/>
           </a:p>
         </p:txBody>
       </p:sp>
-      <p:sp>
-        <p:nvSpPr>
-          <p:cNvPr id="20" name="Content Placeholder 2">
-            <a:extLst>
-              <a:ext uri="{FF2B5EF4-FFF2-40B4-BE49-F238E27FC236}">
-                <a16:creationId xmlns:a16="http://schemas.microsoft.com/office/drawing/2014/main" id="{B8B5D76A-D30B-F1F0-7B8E-ECE11AF2BB6B}"/>
-              </a:ext>
-            </a:extLst>
-          </p:cNvPr>
-          <p:cNvSpPr>
-            <a:spLocks noGrp="1"/>
-          </p:cNvSpPr>
-          <p:nvPr>
-            <p:ph idx="1"/>
-          </p:nvPr>
-        </p:nvSpPr>
-        <p:spPr>
-          <a:xfrm>
-            <a:off x="2908017" y="2474030"/>
-            <a:ext cx="3955782" cy="2231674"/>
-          </a:xfrm>
-        </p:spPr>
-        <p:txBody>
-          <a:bodyPr>
-            <a:normAutofit/>
-          </a:bodyPr>
-          <a:lstStyle/>
-          <a:p>
-            <a:r>
-              <a:rPr lang="en-US" sz="2800" dirty="0"/>
-              <a:t>Singleton</a:t>
-            </a:r>
-          </a:p>
-          <a:p>
-            <a:r>
-              <a:rPr lang="en-US" sz="2800" dirty="0"/>
-              <a:t>Builder</a:t>
-            </a:r>
-          </a:p>
-          <a:p>
-            <a:r>
-              <a:rPr lang="en-US" sz="2800" dirty="0"/>
-              <a:t>Observer</a:t>
-            </a:r>
-          </a:p>
-          <a:p>
-            <a:r>
-              <a:rPr lang="en-US" sz="2800" dirty="0"/>
-              <a:t>Coordinator</a:t>
-            </a:r>
-          </a:p>
-          <a:p>
-            <a:endParaRPr lang="en-US" sz="2800" dirty="0"/>
-          </a:p>
-        </p:txBody>
-      </p:sp>
+      <p:pic>
+        <p:nvPicPr>
+          <p:cNvPr id="2" name="Picture 1">
+            <a:extLst>
+              <a:ext uri="{FF2B5EF4-FFF2-40B4-BE49-F238E27FC236}">
+                <a16:creationId xmlns:a16="http://schemas.microsoft.com/office/drawing/2014/main" id="{8614E34F-BE3D-7B67-22B5-5E3704594B0D}"/>
+              </a:ext>
+            </a:extLst>
+          </p:cNvPr>
+          <p:cNvPicPr>
+            <a:picLocks noChangeAspect="1"/>
+          </p:cNvPicPr>
+          <p:nvPr/>
+        </p:nvPicPr>
+        <p:blipFill>
+          <a:blip r:embed="rId3"/>
+          <a:stretch>
+            <a:fillRect/>
+          </a:stretch>
+        </p:blipFill>
+        <p:spPr>
+          <a:xfrm>
+            <a:off x="6912970" y="759718"/>
+            <a:ext cx="3736798" cy="5330095"/>
+          </a:xfrm>
+          <a:prstGeom prst="roundRect">
+            <a:avLst>
+              <a:gd name="adj" fmla="val 8594"/>
+            </a:avLst>
+          </a:prstGeom>
+          <a:solidFill>
+            <a:srgbClr val="FFFFFF">
+              <a:shade val="85000"/>
+            </a:srgbClr>
+          </a:solidFill>
+          <a:ln>
+            <a:noFill/>
+          </a:ln>
+          <a:effectLst>
+            <a:reflection blurRad="12700" stA="38000" endPos="28000" dist="5000" dir="5400000" sy="-100000" algn="bl" rotWithShape="0"/>
+          </a:effectLst>
+        </p:spPr>
+      </p:pic>
     </p:spTree>
     <p:extLst>
       <p:ext uri="{BB962C8B-B14F-4D97-AF65-F5344CB8AC3E}">
-        <p14:creationId xmlns:p14="http://schemas.microsoft.com/office/powerpoint/2010/main" val="3570590090"/>
+        <p14:creationId xmlns:p14="http://schemas.microsoft.com/office/powerpoint/2010/main" val="1518976489"/>
       </p:ext>
     </p:extLst>
   </p:cSld>
@@ -15378,8 +16507,8 @@
         </p:nvSpPr>
         <p:spPr>
           <a:xfrm>
-            <a:off x="2430957" y="487825"/>
-            <a:ext cx="8596668" cy="1168329"/>
+            <a:off x="2862021" y="468072"/>
+            <a:ext cx="6200473" cy="1583150"/>
           </a:xfrm>
         </p:spPr>
         <p:txBody>
@@ -15389,82 +16518,73 @@
           <a:lstStyle/>
           <a:p>
             <a:r>
-              <a:rPr lang="en-US" dirty="0"/>
+              <a:rPr lang="en-US" sz="6700" dirty="0"/>
+              <a:t>Design Patterns</a:t>
+            </a:r>
+            <a:endParaRPr lang="en-US" dirty="0"/>
+          </a:p>
+        </p:txBody>
+      </p:sp>
+      <p:sp>
+        <p:nvSpPr>
+          <p:cNvPr id="20" name="Content Placeholder 2">
+            <a:extLst>
+              <a:ext uri="{FF2B5EF4-FFF2-40B4-BE49-F238E27FC236}">
+                <a16:creationId xmlns:a16="http://schemas.microsoft.com/office/drawing/2014/main" id="{B8B5D76A-D30B-F1F0-7B8E-ECE11AF2BB6B}"/>
+              </a:ext>
+            </a:extLst>
+          </p:cNvPr>
+          <p:cNvSpPr>
+            <a:spLocks noGrp="1"/>
+          </p:cNvSpPr>
+          <p:nvPr>
+            <p:ph idx="1"/>
+          </p:nvPr>
+        </p:nvSpPr>
+        <p:spPr>
+          <a:xfrm>
+            <a:off x="2908017" y="2474030"/>
+            <a:ext cx="3955782" cy="2231674"/>
+          </a:xfrm>
+        </p:spPr>
+        <p:txBody>
+          <a:bodyPr>
+            <a:normAutofit/>
+          </a:bodyPr>
+          <a:lstStyle/>
+          <a:p>
+            <a:r>
+              <a:rPr lang="en-US" sz="2800" dirty="0"/>
+              <a:t>Singleton</a:t>
+            </a:r>
+          </a:p>
+          <a:p>
+            <a:r>
+              <a:rPr lang="en-US" sz="2800" dirty="0"/>
+              <a:t>Builder</a:t>
+            </a:r>
+          </a:p>
+          <a:p>
+            <a:r>
+              <a:rPr lang="en-US" sz="2800" dirty="0"/>
+              <a:t>Observer</a:t>
+            </a:r>
+          </a:p>
+          <a:p>
+            <a:r>
+              <a:rPr lang="en-US" sz="2800" dirty="0"/>
               <a:t>Coordinator</a:t>
             </a:r>
           </a:p>
+          <a:p>
+            <a:endParaRPr lang="en-US" sz="2800" dirty="0"/>
+          </a:p>
         </p:txBody>
       </p:sp>
-      <p:sp>
-        <p:nvSpPr>
-          <p:cNvPr id="20" name="Content Placeholder 2">
-            <a:extLst>
-              <a:ext uri="{FF2B5EF4-FFF2-40B4-BE49-F238E27FC236}">
-                <a16:creationId xmlns:a16="http://schemas.microsoft.com/office/drawing/2014/main" id="{B8B5D76A-D30B-F1F0-7B8E-ECE11AF2BB6B}"/>
-              </a:ext>
-            </a:extLst>
-          </p:cNvPr>
-          <p:cNvSpPr>
-            <a:spLocks noGrp="1"/>
-          </p:cNvSpPr>
-          <p:nvPr>
-            <p:ph idx="1"/>
-          </p:nvPr>
-        </p:nvSpPr>
-        <p:spPr>
-          <a:xfrm>
-            <a:off x="2407948" y="1994338"/>
-            <a:ext cx="3140236" cy="1307464"/>
-          </a:xfrm>
-        </p:spPr>
-        <p:txBody>
-          <a:bodyPr/>
-          <a:lstStyle/>
-          <a:p>
-            <a:r>
-              <a:rPr lang="en-US" dirty="0"/>
-              <a:t>To enhance modularity and navigation.</a:t>
-            </a:r>
-          </a:p>
-          <a:p>
-            <a:endParaRPr lang="en-US" dirty="0"/>
-          </a:p>
-        </p:txBody>
-      </p:sp>
-      <p:pic>
-        <p:nvPicPr>
-          <p:cNvPr id="2" name="Picture 1">
-            <a:extLst>
-              <a:ext uri="{FF2B5EF4-FFF2-40B4-BE49-F238E27FC236}">
-                <a16:creationId xmlns:a16="http://schemas.microsoft.com/office/drawing/2014/main" id="{82D16A80-596B-79CC-D286-EA1548EC3CAC}"/>
-              </a:ext>
-            </a:extLst>
-          </p:cNvPr>
-          <p:cNvPicPr>
-            <a:picLocks noChangeAspect="1"/>
-          </p:cNvPicPr>
-          <p:nvPr/>
-        </p:nvPicPr>
-        <p:blipFill>
-          <a:blip r:embed="rId3"/>
-          <a:stretch>
-            <a:fillRect/>
-          </a:stretch>
-        </p:blipFill>
-        <p:spPr>
-          <a:xfrm>
-            <a:off x="5720154" y="663215"/>
-            <a:ext cx="6424358" cy="5853304"/>
-          </a:xfrm>
-          <a:prstGeom prst="rect">
-            <a:avLst/>
-          </a:prstGeom>
-        </p:spPr>
-      </p:pic>
     </p:spTree>
     <p:extLst>
       <p:ext uri="{BB962C8B-B14F-4D97-AF65-F5344CB8AC3E}">
-        <p14:creationId xmlns:p14="http://schemas.microsoft.com/office/powerpoint/2010/main" val="283719045"/>
+        <p14:creationId xmlns:p14="http://schemas.microsoft.com/office/powerpoint/2010/main" val="3570590090"/>
       </p:ext>
     </p:extLst>
   </p:cSld>
@@ -16309,7 +17429,7 @@
           <a:p>
             <a:r>
               <a:rPr lang="en-US" dirty="0"/>
-              <a:t>Singleton</a:t>
+              <a:t>Coordinator</a:t>
             </a:r>
           </a:p>
         </p:txBody>
@@ -16333,7 +17453,7 @@
         <p:spPr>
           <a:xfrm>
             <a:off x="2407948" y="1994338"/>
-            <a:ext cx="3736798" cy="1307464"/>
+            <a:ext cx="3140236" cy="1307464"/>
           </a:xfrm>
         </p:spPr>
         <p:txBody>
@@ -16342,7 +17462,7 @@
           <a:p>
             <a:r>
               <a:rPr lang="en-US" dirty="0"/>
-              <a:t>Utilizes MVVM-C architecture for maintainable code.</a:t>
+              <a:t>To enhance modularity and navigation.</a:t>
             </a:r>
           </a:p>
           <a:p>
@@ -16352,10 +17472,10 @@
       </p:sp>
       <p:pic>
         <p:nvPicPr>
-          <p:cNvPr id="4" name="Picture 3">
-            <a:extLst>
-              <a:ext uri="{FF2B5EF4-FFF2-40B4-BE49-F238E27FC236}">
-                <a16:creationId xmlns:a16="http://schemas.microsoft.com/office/drawing/2014/main" id="{1E872B4C-2BCA-DB72-3D4E-95D0F4B9FEC1}"/>
+          <p:cNvPr id="2" name="Picture 1">
+            <a:extLst>
+              <a:ext uri="{FF2B5EF4-FFF2-40B4-BE49-F238E27FC236}">
+                <a16:creationId xmlns:a16="http://schemas.microsoft.com/office/drawing/2014/main" id="{82D16A80-596B-79CC-D286-EA1548EC3CAC}"/>
               </a:ext>
             </a:extLst>
           </p:cNvPr>
@@ -16372,18 +17492,31 @@
         </p:blipFill>
         <p:spPr>
           <a:xfrm>
-            <a:off x="6795068" y="1094189"/>
-            <a:ext cx="4836567" cy="4714031"/>
-          </a:xfrm>
-          <a:prstGeom prst="rect">
-            <a:avLst/>
+            <a:off x="5720154" y="663215"/>
+            <a:ext cx="6424358" cy="5853304"/>
+          </a:xfrm>
+          <a:prstGeom prst="roundRect">
+            <a:avLst>
+              <a:gd name="adj" fmla="val 8594"/>
+            </a:avLst>
           </a:prstGeom>
+          <a:solidFill>
+            <a:srgbClr val="FFFFFF">
+              <a:shade val="85000"/>
+            </a:srgbClr>
+          </a:solidFill>
+          <a:ln>
+            <a:noFill/>
+          </a:ln>
+          <a:effectLst>
+            <a:reflection blurRad="12700" stA="38000" endPos="28000" dist="5000" dir="5400000" sy="-100000" algn="bl" rotWithShape="0"/>
+          </a:effectLst>
         </p:spPr>
       </p:pic>
     </p:spTree>
     <p:extLst>
       <p:ext uri="{BB962C8B-B14F-4D97-AF65-F5344CB8AC3E}">
-        <p14:creationId xmlns:p14="http://schemas.microsoft.com/office/powerpoint/2010/main" val="574369222"/>
+        <p14:creationId xmlns:p14="http://schemas.microsoft.com/office/powerpoint/2010/main" val="283719045"/>
       </p:ext>
     </p:extLst>
   </p:cSld>
@@ -16439,7 +17572,7 @@
         </p:blipFill>
         <p:spPr>
           <a:xfrm>
-            <a:off x="4412" y="15505"/>
+            <a:off x="1" y="10"/>
             <a:ext cx="12191999" cy="6857990"/>
           </a:xfrm>
           <a:prstGeom prst="rect">
@@ -17216,7 +18349,7 @@
         </p:nvSpPr>
         <p:spPr>
           <a:xfrm>
-            <a:off x="2586890" y="460054"/>
+            <a:off x="2430957" y="487825"/>
             <a:ext cx="8596668" cy="1168329"/>
           </a:xfrm>
         </p:spPr>
@@ -17228,7 +18361,7 @@
           <a:p>
             <a:r>
               <a:rPr lang="en-US" dirty="0"/>
-              <a:t>Builder</a:t>
+              <a:t>Singleton</a:t>
             </a:r>
           </a:p>
         </p:txBody>
@@ -17251,8 +18384,8 @@
         </p:nvSpPr>
         <p:spPr>
           <a:xfrm>
-            <a:off x="2151385" y="1360925"/>
-            <a:ext cx="3251447" cy="1687075"/>
+            <a:off x="2407948" y="1994338"/>
+            <a:ext cx="3736798" cy="1307464"/>
           </a:xfrm>
         </p:spPr>
         <p:txBody>
@@ -17261,7 +18394,7 @@
           <a:p>
             <a:r>
               <a:rPr lang="en-US" dirty="0"/>
-              <a:t>To generate appropriate URLs.</a:t>
+              <a:t>Utilizes MVVM-C architecture for maintainable code.</a:t>
             </a:r>
           </a:p>
           <a:p>
@@ -17271,10 +18404,10 @@
       </p:sp>
       <p:pic>
         <p:nvPicPr>
-          <p:cNvPr id="2" name="Picture 1">
-            <a:extLst>
-              <a:ext uri="{FF2B5EF4-FFF2-40B4-BE49-F238E27FC236}">
-                <a16:creationId xmlns:a16="http://schemas.microsoft.com/office/drawing/2014/main" id="{25994040-2BBE-ABFF-2778-E4EE1E55D88E}"/>
+          <p:cNvPr id="4" name="Picture 3">
+            <a:extLst>
+              <a:ext uri="{FF2B5EF4-FFF2-40B4-BE49-F238E27FC236}">
+                <a16:creationId xmlns:a16="http://schemas.microsoft.com/office/drawing/2014/main" id="{1E872B4C-2BCA-DB72-3D4E-95D0F4B9FEC1}"/>
               </a:ext>
             </a:extLst>
           </p:cNvPr>
@@ -17291,18 +18424,31 @@
         </p:blipFill>
         <p:spPr>
           <a:xfrm>
-            <a:off x="5413541" y="650755"/>
-            <a:ext cx="6420853" cy="5587491"/>
-          </a:xfrm>
-          <a:prstGeom prst="rect">
-            <a:avLst/>
+            <a:off x="6795068" y="1094189"/>
+            <a:ext cx="4836567" cy="4714031"/>
+          </a:xfrm>
+          <a:prstGeom prst="roundRect">
+            <a:avLst>
+              <a:gd name="adj" fmla="val 8594"/>
+            </a:avLst>
           </a:prstGeom>
+          <a:solidFill>
+            <a:srgbClr val="FFFFFF">
+              <a:shade val="85000"/>
+            </a:srgbClr>
+          </a:solidFill>
+          <a:ln>
+            <a:noFill/>
+          </a:ln>
+          <a:effectLst>
+            <a:reflection blurRad="12700" stA="38000" endPos="28000" dist="5000" dir="5400000" sy="-100000" algn="bl" rotWithShape="0"/>
+          </a:effectLst>
         </p:spPr>
       </p:pic>
     </p:spTree>
     <p:extLst>
       <p:ext uri="{BB962C8B-B14F-4D97-AF65-F5344CB8AC3E}">
-        <p14:creationId xmlns:p14="http://schemas.microsoft.com/office/powerpoint/2010/main" val="1515976867"/>
+        <p14:creationId xmlns:p14="http://schemas.microsoft.com/office/powerpoint/2010/main" val="574369222"/>
       </p:ext>
     </p:extLst>
   </p:cSld>
